--- a/P2/P2-Power Point.pptx
+++ b/P2/P2-Power Point.pptx
@@ -3,30 +3,32 @@
 <p:presentation xmlns:a="http://schemas.openxmlformats.org/drawingml/2006/main" xmlns:r="http://schemas.openxmlformats.org/officeDocument/2006/relationships" xmlns:p="http://schemas.openxmlformats.org/presentationml/2006/main">
   <p:sldMasterIdLst>
     <p:sldMasterId id="2147483648" r:id="rId1"/>
-    <p:sldMasterId id="2147483663" r:id="rId2"/>
+    <p:sldMasterId id="2147483663" r:id="rId3"/>
   </p:sldMasterIdLst>
   <p:handoutMasterIdLst>
-    <p:handoutMasterId r:id="rId21"/>
+    <p:handoutMasterId r:id="rId24"/>
   </p:handoutMasterIdLst>
   <p:sldIdLst>
-    <p:sldId id="256" r:id="rId3"/>
-    <p:sldId id="259" r:id="rId4"/>
-    <p:sldId id="289" r:id="rId5"/>
-    <p:sldId id="265" r:id="rId6"/>
-    <p:sldId id="306" r:id="rId7"/>
-    <p:sldId id="331" r:id="rId8"/>
-    <p:sldId id="332" r:id="rId9"/>
-    <p:sldId id="290" r:id="rId10"/>
-    <p:sldId id="307" r:id="rId11"/>
-    <p:sldId id="355" r:id="rId12"/>
-    <p:sldId id="311" r:id="rId13"/>
-    <p:sldId id="358" r:id="rId14"/>
-    <p:sldId id="348" r:id="rId15"/>
-    <p:sldId id="314" r:id="rId16"/>
-    <p:sldId id="315" r:id="rId17"/>
-    <p:sldId id="356" r:id="rId18"/>
-    <p:sldId id="359" r:id="rId19"/>
-    <p:sldId id="294" r:id="rId20"/>
+    <p:sldId id="256" r:id="rId4"/>
+    <p:sldId id="259" r:id="rId5"/>
+    <p:sldId id="289" r:id="rId6"/>
+    <p:sldId id="265" r:id="rId7"/>
+    <p:sldId id="306" r:id="rId8"/>
+    <p:sldId id="331" r:id="rId9"/>
+    <p:sldId id="366" r:id="rId10"/>
+    <p:sldId id="332" r:id="rId11"/>
+    <p:sldId id="365" r:id="rId12"/>
+    <p:sldId id="290" r:id="rId13"/>
+    <p:sldId id="307" r:id="rId14"/>
+    <p:sldId id="355" r:id="rId15"/>
+    <p:sldId id="311" r:id="rId16"/>
+    <p:sldId id="358" r:id="rId17"/>
+    <p:sldId id="348" r:id="rId18"/>
+    <p:sldId id="314" r:id="rId19"/>
+    <p:sldId id="315" r:id="rId20"/>
+    <p:sldId id="356" r:id="rId21"/>
+    <p:sldId id="359" r:id="rId22"/>
+    <p:sldId id="294" r:id="rId23"/>
   </p:sldIdLst>
   <p:sldSz cx="9144000" cy="5143500" type="screen16x9"/>
   <p:notesSz cx="6858000" cy="9144000"/>
@@ -126,30 +128,8 @@
     </a:lvl9pPr>
   </p:defaultTextStyle>
   <p:extLst>
-    <p:ext uri="{EFAFB233-063F-42B5-8137-9DF3F51BA10A}">
-      <p15:sldGuideLst xmlns:p15="http://schemas.microsoft.com/office/powerpoint/2012/main">
-        <p15:guide id="1" orient="horz" pos="2676">
-          <p15:clr>
-            <a:srgbClr val="A4A3A4"/>
-          </p15:clr>
-        </p15:guide>
-        <p15:guide id="2" pos="1655">
-          <p15:clr>
-            <a:srgbClr val="A4A3A4"/>
-          </p15:clr>
-        </p15:guide>
-        <p15:guide id="3" pos="2880">
-          <p15:clr>
-            <a:srgbClr val="A4A3A4"/>
-          </p15:clr>
-        </p15:guide>
-      </p15:sldGuideLst>
-    </p:ext>
-    <p:ext uri="{2D200454-40CA-4A62-9FC3-DE9A4176ACB9}">
-      <p15:notesGuideLst xmlns:p15="http://schemas.microsoft.com/office/powerpoint/2012/main"/>
-    </p:ext>
     <p:ext uri="{505F2C04-C923-438B-8C0F-E0CD2BADF298}">
-      <wppc:fontMiss xmlns:wppc="http://www.wps.cn/officeDocument/PresentationCustomData" xmlns="" type="true"/>
+      <wppc:fontMiss xmlns:wppc="http://www.wps.cn/officeDocument/PresentationCustomData" type="true"/>
     </p:ext>
   </p:extLst>
 </p:presentation>
@@ -237,7 +217,6 @@
           <a:p>
             <a:fld id="{EB402216-1DD8-4AB3-8BF0-CFB6DFF12492}" type="datetimeFigureOut">
               <a:rPr lang="zh-CN" altLang="en-US" smtClean="0"/>
-              <a:t>2019/11/5</a:t>
             </a:fld>
             <a:endParaRPr lang="zh-CN" altLang="en-US"/>
           </a:p>
@@ -303,7 +282,6 @@
           <a:p>
             <a:fld id="{D1C69EFE-5A9A-4272-A138-4483215D921A}" type="slidenum">
               <a:rPr lang="zh-CN" altLang="en-US" smtClean="0"/>
-              <a:t>‹#›</a:t>
             </a:fld>
             <a:endParaRPr lang="zh-CN" altLang="en-US"/>
           </a:p>
@@ -368,13 +346,13 @@
   <p:clrMapOvr>
     <a:masterClrMapping/>
   </p:clrMapOvr>
-  <mc:AlternateContent xmlns:mc="http://schemas.openxmlformats.org/markup-compatibility/2006" xmlns:p14="http://schemas.microsoft.com/office/powerpoint/2010/main">
-    <mc:Choice Requires="p14">
+  <mc:AlternateContent xmlns:mc="http://schemas.openxmlformats.org/markup-compatibility/2006">
+    <mc:Choice xmlns:p14="http://schemas.microsoft.com/office/powerpoint/2010/main" Requires="p14">
       <p:transition spd="slow" p14:dur="1500">
         <p:random/>
       </p:transition>
     </mc:Choice>
-    <mc:Fallback xmlns="">
+    <mc:Fallback>
       <p:transition spd="slow">
         <p:random/>
       </p:transition>
@@ -417,7 +395,6 @@
           <a:p>
             <a:fld id="{95666703-9F6B-41A9-8273-A226E2EEC7FD}" type="datetimeFigureOut">
               <a:rPr lang="zh-CN" altLang="en-US" smtClean="0"/>
-              <a:t>2019/11/5</a:t>
             </a:fld>
             <a:endParaRPr lang="zh-CN" altLang="en-US"/>
           </a:p>
@@ -459,7 +436,6 @@
           <a:p>
             <a:fld id="{4F9A4CF2-39D5-471D-AEEA-44C9DDC76718}" type="slidenum">
               <a:rPr lang="zh-CN" altLang="en-US" smtClean="0"/>
-              <a:t>‹#›</a:t>
             </a:fld>
             <a:endParaRPr lang="zh-CN" altLang="en-US"/>
           </a:p>
@@ -470,13 +446,13 @@
   <p:clrMapOvr>
     <a:masterClrMapping/>
   </p:clrMapOvr>
-  <mc:AlternateContent xmlns:mc="http://schemas.openxmlformats.org/markup-compatibility/2006" xmlns:p14="http://schemas.microsoft.com/office/powerpoint/2010/main">
-    <mc:Choice Requires="p14">
+  <mc:AlternateContent xmlns:mc="http://schemas.openxmlformats.org/markup-compatibility/2006">
+    <mc:Choice xmlns:p14="http://schemas.microsoft.com/office/powerpoint/2010/main" Requires="p14">
       <p:transition spd="slow" p14:dur="1500">
         <p:random/>
       </p:transition>
     </mc:Choice>
-    <mc:Fallback xmlns="">
+    <mc:Fallback>
       <p:transition spd="slow">
         <p:random/>
       </p:transition>
@@ -587,6 +563,7 @@
               <a:rPr lang="zh-CN" altLang="en-US"/>
               <a:t>编辑母版文本样式</a:t>
             </a:r>
+            <a:endParaRPr lang="zh-CN" altLang="en-US"/>
           </a:p>
           <a:p>
             <a:pPr lvl="1"/>
@@ -594,6 +571,7 @@
               <a:rPr lang="zh-CN" altLang="en-US"/>
               <a:t>第二级</a:t>
             </a:r>
+            <a:endParaRPr lang="zh-CN" altLang="en-US"/>
           </a:p>
           <a:p>
             <a:pPr lvl="2"/>
@@ -601,6 +579,7 @@
               <a:rPr lang="zh-CN" altLang="en-US"/>
               <a:t>第三级</a:t>
             </a:r>
+            <a:endParaRPr lang="zh-CN" altLang="en-US"/>
           </a:p>
           <a:p>
             <a:pPr lvl="3"/>
@@ -608,6 +587,7 @@
               <a:rPr lang="zh-CN" altLang="en-US"/>
               <a:t>第四级</a:t>
             </a:r>
+            <a:endParaRPr lang="zh-CN" altLang="en-US"/>
           </a:p>
           <a:p>
             <a:pPr lvl="4"/>
@@ -681,6 +661,7 @@
               <a:rPr lang="zh-CN" altLang="en-US"/>
               <a:t>编辑母版文本样式</a:t>
             </a:r>
+            <a:endParaRPr lang="zh-CN" altLang="en-US"/>
           </a:p>
         </p:txBody>
       </p:sp>
@@ -701,7 +682,6 @@
           <a:p>
             <a:fld id="{95666703-9F6B-41A9-8273-A226E2EEC7FD}" type="datetimeFigureOut">
               <a:rPr lang="zh-CN" altLang="en-US" smtClean="0"/>
-              <a:t>2019/11/5</a:t>
             </a:fld>
             <a:endParaRPr lang="zh-CN" altLang="en-US"/>
           </a:p>
@@ -743,7 +723,6 @@
           <a:p>
             <a:fld id="{4F9A4CF2-39D5-471D-AEEA-44C9DDC76718}" type="slidenum">
               <a:rPr lang="zh-CN" altLang="en-US" smtClean="0"/>
-              <a:t>‹#›</a:t>
             </a:fld>
             <a:endParaRPr lang="zh-CN" altLang="en-US"/>
           </a:p>
@@ -754,13 +733,13 @@
   <p:clrMapOvr>
     <a:masterClrMapping/>
   </p:clrMapOvr>
-  <mc:AlternateContent xmlns:mc="http://schemas.openxmlformats.org/markup-compatibility/2006" xmlns:p14="http://schemas.microsoft.com/office/powerpoint/2010/main">
-    <mc:Choice Requires="p14">
+  <mc:AlternateContent xmlns:mc="http://schemas.openxmlformats.org/markup-compatibility/2006">
+    <mc:Choice xmlns:p14="http://schemas.microsoft.com/office/powerpoint/2010/main" Requires="p14">
       <p:transition spd="slow" p14:dur="1500">
         <p:random/>
       </p:transition>
     </mc:Choice>
-    <mc:Fallback xmlns="">
+    <mc:Fallback>
       <p:transition spd="slow">
         <p:random/>
       </p:transition>
@@ -945,6 +924,7 @@
               <a:rPr lang="zh-CN" altLang="en-US"/>
               <a:t>编辑母版文本样式</a:t>
             </a:r>
+            <a:endParaRPr lang="zh-CN" altLang="en-US"/>
           </a:p>
         </p:txBody>
       </p:sp>
@@ -965,7 +945,6 @@
           <a:p>
             <a:fld id="{95666703-9F6B-41A9-8273-A226E2EEC7FD}" type="datetimeFigureOut">
               <a:rPr lang="zh-CN" altLang="en-US" smtClean="0"/>
-              <a:t>2019/11/5</a:t>
             </a:fld>
             <a:endParaRPr lang="zh-CN" altLang="en-US"/>
           </a:p>
@@ -1007,7 +986,6 @@
           <a:p>
             <a:fld id="{4F9A4CF2-39D5-471D-AEEA-44C9DDC76718}" type="slidenum">
               <a:rPr lang="zh-CN" altLang="en-US" smtClean="0"/>
-              <a:t>‹#›</a:t>
             </a:fld>
             <a:endParaRPr lang="zh-CN" altLang="en-US"/>
           </a:p>
@@ -1018,13 +996,13 @@
   <p:clrMapOvr>
     <a:masterClrMapping/>
   </p:clrMapOvr>
-  <mc:AlternateContent xmlns:mc="http://schemas.openxmlformats.org/markup-compatibility/2006" xmlns:p14="http://schemas.microsoft.com/office/powerpoint/2010/main">
-    <mc:Choice Requires="p14">
+  <mc:AlternateContent xmlns:mc="http://schemas.openxmlformats.org/markup-compatibility/2006">
+    <mc:Choice xmlns:p14="http://schemas.microsoft.com/office/powerpoint/2010/main" Requires="p14">
       <p:transition spd="slow" p14:dur="1500">
         <p:random/>
       </p:transition>
     </mc:Choice>
-    <mc:Fallback xmlns="">
+    <mc:Fallback>
       <p:transition spd="slow">
         <p:random/>
       </p:transition>
@@ -1093,6 +1071,7 @@
               <a:rPr lang="zh-CN" altLang="en-US"/>
               <a:t>编辑母版文本样式</a:t>
             </a:r>
+            <a:endParaRPr lang="zh-CN" altLang="en-US"/>
           </a:p>
           <a:p>
             <a:pPr lvl="1"/>
@@ -1100,6 +1079,7 @@
               <a:rPr lang="zh-CN" altLang="en-US"/>
               <a:t>第二级</a:t>
             </a:r>
+            <a:endParaRPr lang="zh-CN" altLang="en-US"/>
           </a:p>
           <a:p>
             <a:pPr lvl="2"/>
@@ -1107,6 +1087,7 @@
               <a:rPr lang="zh-CN" altLang="en-US"/>
               <a:t>第三级</a:t>
             </a:r>
+            <a:endParaRPr lang="zh-CN" altLang="en-US"/>
           </a:p>
           <a:p>
             <a:pPr lvl="3"/>
@@ -1114,6 +1095,7 @@
               <a:rPr lang="zh-CN" altLang="en-US"/>
               <a:t>第四级</a:t>
             </a:r>
+            <a:endParaRPr lang="zh-CN" altLang="en-US"/>
           </a:p>
           <a:p>
             <a:pPr lvl="4"/>
@@ -1142,7 +1124,6 @@
           <a:p>
             <a:fld id="{95666703-9F6B-41A9-8273-A226E2EEC7FD}" type="datetimeFigureOut">
               <a:rPr lang="zh-CN" altLang="en-US" smtClean="0"/>
-              <a:t>2019/11/5</a:t>
             </a:fld>
             <a:endParaRPr lang="zh-CN" altLang="en-US"/>
           </a:p>
@@ -1184,7 +1165,6 @@
           <a:p>
             <a:fld id="{4F9A4CF2-39D5-471D-AEEA-44C9DDC76718}" type="slidenum">
               <a:rPr lang="zh-CN" altLang="en-US" smtClean="0"/>
-              <a:t>‹#›</a:t>
             </a:fld>
             <a:endParaRPr lang="zh-CN" altLang="en-US"/>
           </a:p>
@@ -1195,13 +1175,13 @@
   <p:clrMapOvr>
     <a:masterClrMapping/>
   </p:clrMapOvr>
-  <mc:AlternateContent xmlns:mc="http://schemas.openxmlformats.org/markup-compatibility/2006" xmlns:p14="http://schemas.microsoft.com/office/powerpoint/2010/main">
-    <mc:Choice Requires="p14">
+  <mc:AlternateContent xmlns:mc="http://schemas.openxmlformats.org/markup-compatibility/2006">
+    <mc:Choice xmlns:p14="http://schemas.microsoft.com/office/powerpoint/2010/main" Requires="p14">
       <p:transition spd="slow" p14:dur="1500">
         <p:random/>
       </p:transition>
     </mc:Choice>
-    <mc:Fallback xmlns="">
+    <mc:Fallback>
       <p:transition spd="slow">
         <p:random/>
       </p:transition>
@@ -1280,6 +1260,7 @@
               <a:rPr lang="zh-CN" altLang="en-US"/>
               <a:t>编辑母版文本样式</a:t>
             </a:r>
+            <a:endParaRPr lang="zh-CN" altLang="en-US"/>
           </a:p>
           <a:p>
             <a:pPr lvl="1"/>
@@ -1287,6 +1268,7 @@
               <a:rPr lang="zh-CN" altLang="en-US"/>
               <a:t>第二级</a:t>
             </a:r>
+            <a:endParaRPr lang="zh-CN" altLang="en-US"/>
           </a:p>
           <a:p>
             <a:pPr lvl="2"/>
@@ -1294,6 +1276,7 @@
               <a:rPr lang="zh-CN" altLang="en-US"/>
               <a:t>第三级</a:t>
             </a:r>
+            <a:endParaRPr lang="zh-CN" altLang="en-US"/>
           </a:p>
           <a:p>
             <a:pPr lvl="3"/>
@@ -1301,6 +1284,7 @@
               <a:rPr lang="zh-CN" altLang="en-US"/>
               <a:t>第四级</a:t>
             </a:r>
+            <a:endParaRPr lang="zh-CN" altLang="en-US"/>
           </a:p>
           <a:p>
             <a:pPr lvl="4"/>
@@ -1329,7 +1313,6 @@
           <a:p>
             <a:fld id="{95666703-9F6B-41A9-8273-A226E2EEC7FD}" type="datetimeFigureOut">
               <a:rPr lang="zh-CN" altLang="en-US" smtClean="0"/>
-              <a:t>2019/11/5</a:t>
             </a:fld>
             <a:endParaRPr lang="zh-CN" altLang="en-US"/>
           </a:p>
@@ -1371,7 +1354,6 @@
           <a:p>
             <a:fld id="{4F9A4CF2-39D5-471D-AEEA-44C9DDC76718}" type="slidenum">
               <a:rPr lang="zh-CN" altLang="en-US" smtClean="0"/>
-              <a:t>‹#›</a:t>
             </a:fld>
             <a:endParaRPr lang="zh-CN" altLang="en-US"/>
           </a:p>
@@ -1382,13 +1364,13 @@
   <p:clrMapOvr>
     <a:masterClrMapping/>
   </p:clrMapOvr>
-  <mc:AlternateContent xmlns:mc="http://schemas.openxmlformats.org/markup-compatibility/2006" xmlns:p14="http://schemas.microsoft.com/office/powerpoint/2010/main">
-    <mc:Choice Requires="p14">
+  <mc:AlternateContent xmlns:mc="http://schemas.openxmlformats.org/markup-compatibility/2006">
+    <mc:Choice xmlns:p14="http://schemas.microsoft.com/office/powerpoint/2010/main" Requires="p14">
       <p:transition spd="slow" p14:dur="1500">
         <p:random/>
       </p:transition>
     </mc:Choice>
-    <mc:Fallback xmlns="">
+    <mc:Fallback>
       <p:transition spd="slow">
         <p:random/>
       </p:transition>
@@ -1528,7 +1510,6 @@
           <a:p>
             <a:fld id="{9C3DB8B4-2C49-4FA1-8C80-9F8CC676210A}" type="datetimeFigureOut">
               <a:rPr lang="zh-CN" altLang="en-US" smtClean="0"/>
-              <a:t>2019/11/5</a:t>
             </a:fld>
             <a:endParaRPr lang="zh-CN" altLang="en-US"/>
           </a:p>
@@ -1570,7 +1551,6 @@
           <a:p>
             <a:fld id="{B662284E-E4CE-4A2F-8620-F19FEDCC162F}" type="slidenum">
               <a:rPr lang="zh-CN" altLang="en-US" smtClean="0"/>
-              <a:t>‹#›</a:t>
             </a:fld>
             <a:endParaRPr lang="zh-CN" altLang="en-US"/>
           </a:p>
@@ -1581,13 +1561,13 @@
   <p:clrMapOvr>
     <a:masterClrMapping/>
   </p:clrMapOvr>
-  <mc:AlternateContent xmlns:mc="http://schemas.openxmlformats.org/markup-compatibility/2006" xmlns:p14="http://schemas.microsoft.com/office/powerpoint/2010/main">
-    <mc:Choice Requires="p14">
+  <mc:AlternateContent xmlns:mc="http://schemas.openxmlformats.org/markup-compatibility/2006">
+    <mc:Choice xmlns:p14="http://schemas.microsoft.com/office/powerpoint/2010/main" Requires="p14">
       <p:transition spd="slow" p14:dur="1500">
         <p:random/>
       </p:transition>
     </mc:Choice>
-    <mc:Fallback xmlns="">
+    <mc:Fallback>
       <p:transition spd="slow">
         <p:random/>
       </p:transition>
@@ -1618,13 +1598,13 @@
   <p:clrMapOvr>
     <a:masterClrMapping/>
   </p:clrMapOvr>
-  <mc:AlternateContent xmlns:mc="http://schemas.openxmlformats.org/markup-compatibility/2006" xmlns:p14="http://schemas.microsoft.com/office/powerpoint/2010/main">
-    <mc:Choice Requires="p14">
+  <mc:AlternateContent xmlns:mc="http://schemas.openxmlformats.org/markup-compatibility/2006">
+    <mc:Choice xmlns:p14="http://schemas.microsoft.com/office/powerpoint/2010/main" Requires="p14">
       <p:transition spd="slow" p14:dur="1500">
         <p:random/>
       </p:transition>
     </mc:Choice>
-    <mc:Fallback xmlns="">
+    <mc:Fallback>
       <p:transition spd="slow">
         <p:random/>
       </p:transition>
@@ -1740,6 +1720,7 @@
               <a:rPr lang="zh-CN" altLang="en-US"/>
               <a:t>编辑母版文本样式</a:t>
             </a:r>
+            <a:endParaRPr lang="zh-CN" altLang="en-US"/>
           </a:p>
         </p:txBody>
       </p:sp>
@@ -1768,6 +1749,7 @@
               <a:rPr lang="zh-CN" altLang="en-US"/>
               <a:t>编辑母版文本样式</a:t>
             </a:r>
+            <a:endParaRPr lang="zh-CN" altLang="en-US"/>
           </a:p>
           <a:p>
             <a:pPr lvl="1"/>
@@ -1775,6 +1757,7 @@
               <a:rPr lang="zh-CN" altLang="en-US"/>
               <a:t>第二级</a:t>
             </a:r>
+            <a:endParaRPr lang="zh-CN" altLang="en-US"/>
           </a:p>
           <a:p>
             <a:pPr lvl="2"/>
@@ -1782,6 +1765,7 @@
               <a:rPr lang="zh-CN" altLang="en-US"/>
               <a:t>第三级</a:t>
             </a:r>
+            <a:endParaRPr lang="zh-CN" altLang="en-US"/>
           </a:p>
           <a:p>
             <a:pPr lvl="3"/>
@@ -1789,6 +1773,7 @@
               <a:rPr lang="zh-CN" altLang="en-US"/>
               <a:t>第四级</a:t>
             </a:r>
+            <a:endParaRPr lang="zh-CN" altLang="en-US"/>
           </a:p>
           <a:p>
             <a:pPr lvl="4"/>
@@ -1862,6 +1847,7 @@
               <a:rPr lang="zh-CN" altLang="en-US"/>
               <a:t>编辑母版文本样式</a:t>
             </a:r>
+            <a:endParaRPr lang="zh-CN" altLang="en-US"/>
           </a:p>
         </p:txBody>
       </p:sp>
@@ -1890,6 +1876,7 @@
               <a:rPr lang="zh-CN" altLang="en-US"/>
               <a:t>编辑母版文本样式</a:t>
             </a:r>
+            <a:endParaRPr lang="zh-CN" altLang="en-US"/>
           </a:p>
           <a:p>
             <a:pPr lvl="1"/>
@@ -1897,6 +1884,7 @@
               <a:rPr lang="zh-CN" altLang="en-US"/>
               <a:t>第二级</a:t>
             </a:r>
+            <a:endParaRPr lang="zh-CN" altLang="en-US"/>
           </a:p>
           <a:p>
             <a:pPr lvl="2"/>
@@ -1904,6 +1892,7 @@
               <a:rPr lang="zh-CN" altLang="en-US"/>
               <a:t>第三级</a:t>
             </a:r>
+            <a:endParaRPr lang="zh-CN" altLang="en-US"/>
           </a:p>
           <a:p>
             <a:pPr lvl="3"/>
@@ -1911,6 +1900,7 @@
               <a:rPr lang="zh-CN" altLang="en-US"/>
               <a:t>第四级</a:t>
             </a:r>
+            <a:endParaRPr lang="zh-CN" altLang="en-US"/>
           </a:p>
           <a:p>
             <a:pPr lvl="4"/>
@@ -1939,7 +1929,6 @@
           <a:p>
             <a:fld id="{9C3DB8B4-2C49-4FA1-8C80-9F8CC676210A}" type="datetimeFigureOut">
               <a:rPr lang="zh-CN" altLang="en-US" smtClean="0"/>
-              <a:t>2019/11/5</a:t>
             </a:fld>
             <a:endParaRPr lang="zh-CN" altLang="en-US"/>
           </a:p>
@@ -1981,7 +1970,6 @@
           <a:p>
             <a:fld id="{B662284E-E4CE-4A2F-8620-F19FEDCC162F}" type="slidenum">
               <a:rPr lang="zh-CN" altLang="en-US" smtClean="0"/>
-              <a:t>‹#›</a:t>
             </a:fld>
             <a:endParaRPr lang="zh-CN" altLang="en-US"/>
           </a:p>
@@ -1992,13 +1980,13 @@
   <p:clrMapOvr>
     <a:masterClrMapping/>
   </p:clrMapOvr>
-  <mc:AlternateContent xmlns:mc="http://schemas.openxmlformats.org/markup-compatibility/2006" xmlns:p14="http://schemas.microsoft.com/office/powerpoint/2010/main">
-    <mc:Choice Requires="p14">
+  <mc:AlternateContent xmlns:mc="http://schemas.openxmlformats.org/markup-compatibility/2006">
+    <mc:Choice xmlns:p14="http://schemas.microsoft.com/office/powerpoint/2010/main" Requires="p14">
       <p:transition spd="slow" p14:dur="1500">
         <p:random/>
       </p:transition>
     </mc:Choice>
-    <mc:Fallback xmlns="">
+    <mc:Fallback>
       <p:transition spd="slow">
         <p:random/>
       </p:transition>
@@ -2064,7 +2052,6 @@
           <a:p>
             <a:fld id="{9C3DB8B4-2C49-4FA1-8C80-9F8CC676210A}" type="datetimeFigureOut">
               <a:rPr lang="zh-CN" altLang="en-US" smtClean="0"/>
-              <a:t>2019/11/5</a:t>
             </a:fld>
             <a:endParaRPr lang="zh-CN" altLang="en-US"/>
           </a:p>
@@ -2106,7 +2093,6 @@
           <a:p>
             <a:fld id="{B662284E-E4CE-4A2F-8620-F19FEDCC162F}" type="slidenum">
               <a:rPr lang="zh-CN" altLang="en-US" smtClean="0"/>
-              <a:t>‹#›</a:t>
             </a:fld>
             <a:endParaRPr lang="zh-CN" altLang="en-US"/>
           </a:p>
@@ -2117,13 +2103,13 @@
   <p:clrMapOvr>
     <a:masterClrMapping/>
   </p:clrMapOvr>
-  <mc:AlternateContent xmlns:mc="http://schemas.openxmlformats.org/markup-compatibility/2006" xmlns:p14="http://schemas.microsoft.com/office/powerpoint/2010/main">
-    <mc:Choice Requires="p14">
+  <mc:AlternateContent xmlns:mc="http://schemas.openxmlformats.org/markup-compatibility/2006">
+    <mc:Choice xmlns:p14="http://schemas.microsoft.com/office/powerpoint/2010/main" Requires="p14">
       <p:transition spd="slow" p14:dur="1500">
         <p:random/>
       </p:transition>
     </mc:Choice>
-    <mc:Fallback xmlns="">
+    <mc:Fallback>
       <p:transition spd="slow">
         <p:random/>
       </p:transition>
@@ -2166,7 +2152,6 @@
           <a:p>
             <a:fld id="{9C3DB8B4-2C49-4FA1-8C80-9F8CC676210A}" type="datetimeFigureOut">
               <a:rPr lang="zh-CN" altLang="en-US" smtClean="0"/>
-              <a:t>2019/11/5</a:t>
             </a:fld>
             <a:endParaRPr lang="zh-CN" altLang="en-US"/>
           </a:p>
@@ -2208,7 +2193,6 @@
           <a:p>
             <a:fld id="{B662284E-E4CE-4A2F-8620-F19FEDCC162F}" type="slidenum">
               <a:rPr lang="zh-CN" altLang="en-US" smtClean="0"/>
-              <a:t>‹#›</a:t>
             </a:fld>
             <a:endParaRPr lang="zh-CN" altLang="en-US"/>
           </a:p>
@@ -2219,13 +2203,13 @@
   <p:clrMapOvr>
     <a:masterClrMapping/>
   </p:clrMapOvr>
-  <mc:AlternateContent xmlns:mc="http://schemas.openxmlformats.org/markup-compatibility/2006" xmlns:p14="http://schemas.microsoft.com/office/powerpoint/2010/main">
-    <mc:Choice Requires="p14">
+  <mc:AlternateContent xmlns:mc="http://schemas.openxmlformats.org/markup-compatibility/2006">
+    <mc:Choice xmlns:p14="http://schemas.microsoft.com/office/powerpoint/2010/main" Requires="p14">
       <p:transition spd="slow" p14:dur="1500">
         <p:random/>
       </p:transition>
     </mc:Choice>
-    <mc:Fallback xmlns="">
+    <mc:Fallback>
       <p:transition spd="slow">
         <p:random/>
       </p:transition>
@@ -2287,13 +2271,13 @@
   <p:clrMapOvr>
     <a:masterClrMapping/>
   </p:clrMapOvr>
-  <mc:AlternateContent xmlns:mc="http://schemas.openxmlformats.org/markup-compatibility/2006" xmlns:p14="http://schemas.microsoft.com/office/powerpoint/2010/main">
-    <mc:Choice Requires="p14">
+  <mc:AlternateContent xmlns:mc="http://schemas.openxmlformats.org/markup-compatibility/2006">
+    <mc:Choice xmlns:p14="http://schemas.microsoft.com/office/powerpoint/2010/main" Requires="p14">
       <p:transition spd="slow" p14:dur="1500">
         <p:random/>
       </p:transition>
     </mc:Choice>
-    <mc:Fallback xmlns="">
+    <mc:Fallback>
       <p:transition spd="slow">
         <p:random/>
       </p:transition>
@@ -2404,6 +2388,7 @@
               <a:rPr lang="zh-CN" altLang="en-US"/>
               <a:t>编辑母版文本样式</a:t>
             </a:r>
+            <a:endParaRPr lang="zh-CN" altLang="en-US"/>
           </a:p>
           <a:p>
             <a:pPr lvl="1"/>
@@ -2411,6 +2396,7 @@
               <a:rPr lang="zh-CN" altLang="en-US"/>
               <a:t>第二级</a:t>
             </a:r>
+            <a:endParaRPr lang="zh-CN" altLang="en-US"/>
           </a:p>
           <a:p>
             <a:pPr lvl="2"/>
@@ -2418,6 +2404,7 @@
               <a:rPr lang="zh-CN" altLang="en-US"/>
               <a:t>第三级</a:t>
             </a:r>
+            <a:endParaRPr lang="zh-CN" altLang="en-US"/>
           </a:p>
           <a:p>
             <a:pPr lvl="3"/>
@@ -2425,6 +2412,7 @@
               <a:rPr lang="zh-CN" altLang="en-US"/>
               <a:t>第四级</a:t>
             </a:r>
+            <a:endParaRPr lang="zh-CN" altLang="en-US"/>
           </a:p>
           <a:p>
             <a:pPr lvl="4"/>
@@ -2498,6 +2486,7 @@
               <a:rPr lang="zh-CN" altLang="en-US"/>
               <a:t>编辑母版文本样式</a:t>
             </a:r>
+            <a:endParaRPr lang="zh-CN" altLang="en-US"/>
           </a:p>
         </p:txBody>
       </p:sp>
@@ -2518,7 +2507,6 @@
           <a:p>
             <a:fld id="{9C3DB8B4-2C49-4FA1-8C80-9F8CC676210A}" type="datetimeFigureOut">
               <a:rPr lang="zh-CN" altLang="en-US" smtClean="0"/>
-              <a:t>2019/11/5</a:t>
             </a:fld>
             <a:endParaRPr lang="zh-CN" altLang="en-US"/>
           </a:p>
@@ -2560,7 +2548,6 @@
           <a:p>
             <a:fld id="{B662284E-E4CE-4A2F-8620-F19FEDCC162F}" type="slidenum">
               <a:rPr lang="zh-CN" altLang="en-US" smtClean="0"/>
-              <a:t>‹#›</a:t>
             </a:fld>
             <a:endParaRPr lang="zh-CN" altLang="en-US"/>
           </a:p>
@@ -2571,13 +2558,13 @@
   <p:clrMapOvr>
     <a:masterClrMapping/>
   </p:clrMapOvr>
-  <mc:AlternateContent xmlns:mc="http://schemas.openxmlformats.org/markup-compatibility/2006" xmlns:p14="http://schemas.microsoft.com/office/powerpoint/2010/main">
-    <mc:Choice Requires="p14">
+  <mc:AlternateContent xmlns:mc="http://schemas.openxmlformats.org/markup-compatibility/2006">
+    <mc:Choice xmlns:p14="http://schemas.microsoft.com/office/powerpoint/2010/main" Requires="p14">
       <p:transition spd="slow" p14:dur="1500">
         <p:random/>
       </p:transition>
     </mc:Choice>
-    <mc:Fallback xmlns="">
+    <mc:Fallback>
       <p:transition spd="slow">
         <p:random/>
       </p:transition>
@@ -2762,6 +2749,7 @@
               <a:rPr lang="zh-CN" altLang="en-US"/>
               <a:t>编辑母版文本样式</a:t>
             </a:r>
+            <a:endParaRPr lang="zh-CN" altLang="en-US"/>
           </a:p>
         </p:txBody>
       </p:sp>
@@ -2782,7 +2770,6 @@
           <a:p>
             <a:fld id="{9C3DB8B4-2C49-4FA1-8C80-9F8CC676210A}" type="datetimeFigureOut">
               <a:rPr lang="zh-CN" altLang="en-US" smtClean="0"/>
-              <a:t>2019/11/5</a:t>
             </a:fld>
             <a:endParaRPr lang="zh-CN" altLang="en-US"/>
           </a:p>
@@ -2824,7 +2811,6 @@
           <a:p>
             <a:fld id="{B662284E-E4CE-4A2F-8620-F19FEDCC162F}" type="slidenum">
               <a:rPr lang="zh-CN" altLang="en-US" smtClean="0"/>
-              <a:t>‹#›</a:t>
             </a:fld>
             <a:endParaRPr lang="zh-CN" altLang="en-US"/>
           </a:p>
@@ -2835,13 +2821,13 @@
   <p:clrMapOvr>
     <a:masterClrMapping/>
   </p:clrMapOvr>
-  <mc:AlternateContent xmlns:mc="http://schemas.openxmlformats.org/markup-compatibility/2006" xmlns:p14="http://schemas.microsoft.com/office/powerpoint/2010/main">
-    <mc:Choice Requires="p14">
+  <mc:AlternateContent xmlns:mc="http://schemas.openxmlformats.org/markup-compatibility/2006">
+    <mc:Choice xmlns:p14="http://schemas.microsoft.com/office/powerpoint/2010/main" Requires="p14">
       <p:transition spd="slow" p14:dur="1500">
         <p:random/>
       </p:transition>
     </mc:Choice>
-    <mc:Fallback xmlns="">
+    <mc:Fallback>
       <p:transition spd="slow">
         <p:random/>
       </p:transition>
@@ -2910,6 +2896,7 @@
               <a:rPr lang="zh-CN" altLang="en-US"/>
               <a:t>编辑母版文本样式</a:t>
             </a:r>
+            <a:endParaRPr lang="zh-CN" altLang="en-US"/>
           </a:p>
           <a:p>
             <a:pPr lvl="1"/>
@@ -2917,6 +2904,7 @@
               <a:rPr lang="zh-CN" altLang="en-US"/>
               <a:t>第二级</a:t>
             </a:r>
+            <a:endParaRPr lang="zh-CN" altLang="en-US"/>
           </a:p>
           <a:p>
             <a:pPr lvl="2"/>
@@ -2924,6 +2912,7 @@
               <a:rPr lang="zh-CN" altLang="en-US"/>
               <a:t>第三级</a:t>
             </a:r>
+            <a:endParaRPr lang="zh-CN" altLang="en-US"/>
           </a:p>
           <a:p>
             <a:pPr lvl="3"/>
@@ -2931,6 +2920,7 @@
               <a:rPr lang="zh-CN" altLang="en-US"/>
               <a:t>第四级</a:t>
             </a:r>
+            <a:endParaRPr lang="zh-CN" altLang="en-US"/>
           </a:p>
           <a:p>
             <a:pPr lvl="4"/>
@@ -2959,7 +2949,6 @@
           <a:p>
             <a:fld id="{9C3DB8B4-2C49-4FA1-8C80-9F8CC676210A}" type="datetimeFigureOut">
               <a:rPr lang="zh-CN" altLang="en-US" smtClean="0"/>
-              <a:t>2019/11/5</a:t>
             </a:fld>
             <a:endParaRPr lang="zh-CN" altLang="en-US"/>
           </a:p>
@@ -3001,7 +2990,6 @@
           <a:p>
             <a:fld id="{B662284E-E4CE-4A2F-8620-F19FEDCC162F}" type="slidenum">
               <a:rPr lang="zh-CN" altLang="en-US" smtClean="0"/>
-              <a:t>‹#›</a:t>
             </a:fld>
             <a:endParaRPr lang="zh-CN" altLang="en-US"/>
           </a:p>
@@ -3012,13 +3000,13 @@
   <p:clrMapOvr>
     <a:masterClrMapping/>
   </p:clrMapOvr>
-  <mc:AlternateContent xmlns:mc="http://schemas.openxmlformats.org/markup-compatibility/2006" xmlns:p14="http://schemas.microsoft.com/office/powerpoint/2010/main">
-    <mc:Choice Requires="p14">
+  <mc:AlternateContent xmlns:mc="http://schemas.openxmlformats.org/markup-compatibility/2006">
+    <mc:Choice xmlns:p14="http://schemas.microsoft.com/office/powerpoint/2010/main" Requires="p14">
       <p:transition spd="slow" p14:dur="1500">
         <p:random/>
       </p:transition>
     </mc:Choice>
-    <mc:Fallback xmlns="">
+    <mc:Fallback>
       <p:transition spd="slow">
         <p:random/>
       </p:transition>
@@ -3097,6 +3085,7 @@
               <a:rPr lang="zh-CN" altLang="en-US"/>
               <a:t>编辑母版文本样式</a:t>
             </a:r>
+            <a:endParaRPr lang="zh-CN" altLang="en-US"/>
           </a:p>
           <a:p>
             <a:pPr lvl="1"/>
@@ -3104,6 +3093,7 @@
               <a:rPr lang="zh-CN" altLang="en-US"/>
               <a:t>第二级</a:t>
             </a:r>
+            <a:endParaRPr lang="zh-CN" altLang="en-US"/>
           </a:p>
           <a:p>
             <a:pPr lvl="2"/>
@@ -3111,6 +3101,7 @@
               <a:rPr lang="zh-CN" altLang="en-US"/>
               <a:t>第三级</a:t>
             </a:r>
+            <a:endParaRPr lang="zh-CN" altLang="en-US"/>
           </a:p>
           <a:p>
             <a:pPr lvl="3"/>
@@ -3118,6 +3109,7 @@
               <a:rPr lang="zh-CN" altLang="en-US"/>
               <a:t>第四级</a:t>
             </a:r>
+            <a:endParaRPr lang="zh-CN" altLang="en-US"/>
           </a:p>
           <a:p>
             <a:pPr lvl="4"/>
@@ -3146,7 +3138,6 @@
           <a:p>
             <a:fld id="{9C3DB8B4-2C49-4FA1-8C80-9F8CC676210A}" type="datetimeFigureOut">
               <a:rPr lang="zh-CN" altLang="en-US" smtClean="0"/>
-              <a:t>2019/11/5</a:t>
             </a:fld>
             <a:endParaRPr lang="zh-CN" altLang="en-US"/>
           </a:p>
@@ -3188,7 +3179,6 @@
           <a:p>
             <a:fld id="{B662284E-E4CE-4A2F-8620-F19FEDCC162F}" type="slidenum">
               <a:rPr lang="zh-CN" altLang="en-US" smtClean="0"/>
-              <a:t>‹#›</a:t>
             </a:fld>
             <a:endParaRPr lang="zh-CN" altLang="en-US"/>
           </a:p>
@@ -3199,13 +3189,13 @@
   <p:clrMapOvr>
     <a:masterClrMapping/>
   </p:clrMapOvr>
-  <mc:AlternateContent xmlns:mc="http://schemas.openxmlformats.org/markup-compatibility/2006" xmlns:p14="http://schemas.microsoft.com/office/powerpoint/2010/main">
-    <mc:Choice Requires="p14">
+  <mc:AlternateContent xmlns:mc="http://schemas.openxmlformats.org/markup-compatibility/2006">
+    <mc:Choice xmlns:p14="http://schemas.microsoft.com/office/powerpoint/2010/main" Requires="p14">
       <p:transition spd="slow" p14:dur="1500">
         <p:random/>
       </p:transition>
     </mc:Choice>
-    <mc:Fallback xmlns="">
+    <mc:Fallback>
       <p:transition spd="slow">
         <p:random/>
       </p:transition>
@@ -3267,13 +3257,13 @@
   <p:clrMapOvr>
     <a:masterClrMapping/>
   </p:clrMapOvr>
-  <mc:AlternateContent xmlns:mc="http://schemas.openxmlformats.org/markup-compatibility/2006" xmlns:p14="http://schemas.microsoft.com/office/powerpoint/2010/main">
-    <mc:Choice Requires="p14">
+  <mc:AlternateContent xmlns:mc="http://schemas.openxmlformats.org/markup-compatibility/2006">
+    <mc:Choice xmlns:p14="http://schemas.microsoft.com/office/powerpoint/2010/main" Requires="p14">
       <p:transition spd="slow" p14:dur="1500">
         <p:random/>
       </p:transition>
     </mc:Choice>
-    <mc:Fallback xmlns="">
+    <mc:Fallback>
       <p:transition spd="slow">
         <p:random/>
       </p:transition>
@@ -3335,13 +3325,13 @@
   <p:clrMapOvr>
     <a:masterClrMapping/>
   </p:clrMapOvr>
-  <mc:AlternateContent xmlns:mc="http://schemas.openxmlformats.org/markup-compatibility/2006" xmlns:p14="http://schemas.microsoft.com/office/powerpoint/2010/main">
-    <mc:Choice Requires="p14">
+  <mc:AlternateContent xmlns:mc="http://schemas.openxmlformats.org/markup-compatibility/2006">
+    <mc:Choice xmlns:p14="http://schemas.microsoft.com/office/powerpoint/2010/main" Requires="p14">
       <p:transition spd="slow" p14:dur="1500">
         <p:random/>
       </p:transition>
     </mc:Choice>
-    <mc:Fallback xmlns="">
+    <mc:Fallback>
       <p:transition spd="slow">
         <p:random/>
       </p:transition>
@@ -3499,13 +3489,13 @@
   <p:clrMapOvr>
     <a:masterClrMapping/>
   </p:clrMapOvr>
-  <mc:AlternateContent xmlns:mc="http://schemas.openxmlformats.org/markup-compatibility/2006" xmlns:p14="http://schemas.microsoft.com/office/powerpoint/2010/main">
-    <mc:Choice Requires="p14">
+  <mc:AlternateContent xmlns:mc="http://schemas.openxmlformats.org/markup-compatibility/2006">
+    <mc:Choice xmlns:p14="http://schemas.microsoft.com/office/powerpoint/2010/main" Requires="p14">
       <p:transition spd="slow" p14:dur="1500">
         <p:random/>
       </p:transition>
     </mc:Choice>
-    <mc:Fallback xmlns="">
+    <mc:Fallback>
       <p:transition spd="slow">
         <p:random/>
       </p:transition>
@@ -3567,13 +3557,13 @@
   <p:clrMapOvr>
     <a:masterClrMapping/>
   </p:clrMapOvr>
-  <mc:AlternateContent xmlns:mc="http://schemas.openxmlformats.org/markup-compatibility/2006" xmlns:p14="http://schemas.microsoft.com/office/powerpoint/2010/main">
-    <mc:Choice Requires="p14">
+  <mc:AlternateContent xmlns:mc="http://schemas.openxmlformats.org/markup-compatibility/2006">
+    <mc:Choice xmlns:p14="http://schemas.microsoft.com/office/powerpoint/2010/main" Requires="p14">
       <p:transition spd="slow" p14:dur="1500">
         <p:random/>
       </p:transition>
     </mc:Choice>
-    <mc:Fallback xmlns="">
+    <mc:Fallback>
       <p:transition spd="slow">
         <p:random/>
       </p:transition>
@@ -3647,6 +3637,7 @@
               <a:rPr lang="zh-CN" altLang="en-US"/>
               <a:t>编辑母版文本样式</a:t>
             </a:r>
+            <a:endParaRPr lang="zh-CN" altLang="en-US"/>
           </a:p>
           <a:p>
             <a:pPr lvl="1"/>
@@ -3654,6 +3645,7 @@
               <a:rPr lang="zh-CN" altLang="en-US"/>
               <a:t>第二级</a:t>
             </a:r>
+            <a:endParaRPr lang="zh-CN" altLang="en-US"/>
           </a:p>
           <a:p>
             <a:pPr lvl="2"/>
@@ -3661,6 +3653,7 @@
               <a:rPr lang="zh-CN" altLang="en-US"/>
               <a:t>第三级</a:t>
             </a:r>
+            <a:endParaRPr lang="zh-CN" altLang="en-US"/>
           </a:p>
           <a:p>
             <a:pPr lvl="3"/>
@@ -3668,6 +3661,7 @@
               <a:rPr lang="zh-CN" altLang="en-US"/>
               <a:t>第四级</a:t>
             </a:r>
+            <a:endParaRPr lang="zh-CN" altLang="en-US"/>
           </a:p>
           <a:p>
             <a:pPr lvl="4"/>
@@ -3704,6 +3698,7 @@
               <a:rPr lang="zh-CN" altLang="en-US"/>
               <a:t>编辑母版文本样式</a:t>
             </a:r>
+            <a:endParaRPr lang="zh-CN" altLang="en-US"/>
           </a:p>
           <a:p>
             <a:pPr lvl="1"/>
@@ -3711,6 +3706,7 @@
               <a:rPr lang="zh-CN" altLang="en-US"/>
               <a:t>第二级</a:t>
             </a:r>
+            <a:endParaRPr lang="zh-CN" altLang="en-US"/>
           </a:p>
           <a:p>
             <a:pPr lvl="2"/>
@@ -3718,6 +3714,7 @@
               <a:rPr lang="zh-CN" altLang="en-US"/>
               <a:t>第三级</a:t>
             </a:r>
+            <a:endParaRPr lang="zh-CN" altLang="en-US"/>
           </a:p>
           <a:p>
             <a:pPr lvl="3"/>
@@ -3725,6 +3722,7 @@
               <a:rPr lang="zh-CN" altLang="en-US"/>
               <a:t>第四级</a:t>
             </a:r>
+            <a:endParaRPr lang="zh-CN" altLang="en-US"/>
           </a:p>
           <a:p>
             <a:pPr lvl="4"/>
@@ -3753,7 +3751,6 @@
           <a:p>
             <a:fld id="{95666703-9F6B-41A9-8273-A226E2EEC7FD}" type="datetimeFigureOut">
               <a:rPr lang="zh-CN" altLang="en-US" smtClean="0"/>
-              <a:t>2019/11/5</a:t>
             </a:fld>
             <a:endParaRPr lang="zh-CN" altLang="en-US"/>
           </a:p>
@@ -3795,7 +3792,6 @@
           <a:p>
             <a:fld id="{4F9A4CF2-39D5-471D-AEEA-44C9DDC76718}" type="slidenum">
               <a:rPr lang="zh-CN" altLang="en-US" smtClean="0"/>
-              <a:t>‹#›</a:t>
             </a:fld>
             <a:endParaRPr lang="zh-CN" altLang="en-US"/>
           </a:p>
@@ -3806,13 +3802,13 @@
   <p:clrMapOvr>
     <a:masterClrMapping/>
   </p:clrMapOvr>
-  <mc:AlternateContent xmlns:mc="http://schemas.openxmlformats.org/markup-compatibility/2006" xmlns:p14="http://schemas.microsoft.com/office/powerpoint/2010/main">
-    <mc:Choice Requires="p14">
+  <mc:AlternateContent xmlns:mc="http://schemas.openxmlformats.org/markup-compatibility/2006">
+    <mc:Choice xmlns:p14="http://schemas.microsoft.com/office/powerpoint/2010/main" Requires="p14">
       <p:transition spd="slow" p14:dur="1500">
         <p:random/>
       </p:transition>
     </mc:Choice>
-    <mc:Fallback xmlns="">
+    <mc:Fallback>
       <p:transition spd="slow">
         <p:random/>
       </p:transition>
@@ -3928,6 +3924,7 @@
               <a:rPr lang="zh-CN" altLang="en-US"/>
               <a:t>编辑母版文本样式</a:t>
             </a:r>
+            <a:endParaRPr lang="zh-CN" altLang="en-US"/>
           </a:p>
         </p:txBody>
       </p:sp>
@@ -3956,6 +3953,7 @@
               <a:rPr lang="zh-CN" altLang="en-US"/>
               <a:t>编辑母版文本样式</a:t>
             </a:r>
+            <a:endParaRPr lang="zh-CN" altLang="en-US"/>
           </a:p>
           <a:p>
             <a:pPr lvl="1"/>
@@ -3963,6 +3961,7 @@
               <a:rPr lang="zh-CN" altLang="en-US"/>
               <a:t>第二级</a:t>
             </a:r>
+            <a:endParaRPr lang="zh-CN" altLang="en-US"/>
           </a:p>
           <a:p>
             <a:pPr lvl="2"/>
@@ -3970,6 +3969,7 @@
               <a:rPr lang="zh-CN" altLang="en-US"/>
               <a:t>第三级</a:t>
             </a:r>
+            <a:endParaRPr lang="zh-CN" altLang="en-US"/>
           </a:p>
           <a:p>
             <a:pPr lvl="3"/>
@@ -3977,6 +3977,7 @@
               <a:rPr lang="zh-CN" altLang="en-US"/>
               <a:t>第四级</a:t>
             </a:r>
+            <a:endParaRPr lang="zh-CN" altLang="en-US"/>
           </a:p>
           <a:p>
             <a:pPr lvl="4"/>
@@ -4050,6 +4051,7 @@
               <a:rPr lang="zh-CN" altLang="en-US"/>
               <a:t>编辑母版文本样式</a:t>
             </a:r>
+            <a:endParaRPr lang="zh-CN" altLang="en-US"/>
           </a:p>
         </p:txBody>
       </p:sp>
@@ -4078,6 +4080,7 @@
               <a:rPr lang="zh-CN" altLang="en-US"/>
               <a:t>编辑母版文本样式</a:t>
             </a:r>
+            <a:endParaRPr lang="zh-CN" altLang="en-US"/>
           </a:p>
           <a:p>
             <a:pPr lvl="1"/>
@@ -4085,6 +4088,7 @@
               <a:rPr lang="zh-CN" altLang="en-US"/>
               <a:t>第二级</a:t>
             </a:r>
+            <a:endParaRPr lang="zh-CN" altLang="en-US"/>
           </a:p>
           <a:p>
             <a:pPr lvl="2"/>
@@ -4092,6 +4096,7 @@
               <a:rPr lang="zh-CN" altLang="en-US"/>
               <a:t>第三级</a:t>
             </a:r>
+            <a:endParaRPr lang="zh-CN" altLang="en-US"/>
           </a:p>
           <a:p>
             <a:pPr lvl="3"/>
@@ -4099,6 +4104,7 @@
               <a:rPr lang="zh-CN" altLang="en-US"/>
               <a:t>第四级</a:t>
             </a:r>
+            <a:endParaRPr lang="zh-CN" altLang="en-US"/>
           </a:p>
           <a:p>
             <a:pPr lvl="4"/>
@@ -4127,7 +4133,6 @@
           <a:p>
             <a:fld id="{95666703-9F6B-41A9-8273-A226E2EEC7FD}" type="datetimeFigureOut">
               <a:rPr lang="zh-CN" altLang="en-US" smtClean="0"/>
-              <a:t>2019/11/5</a:t>
             </a:fld>
             <a:endParaRPr lang="zh-CN" altLang="en-US"/>
           </a:p>
@@ -4169,7 +4174,6 @@
           <a:p>
             <a:fld id="{4F9A4CF2-39D5-471D-AEEA-44C9DDC76718}" type="slidenum">
               <a:rPr lang="zh-CN" altLang="en-US" smtClean="0"/>
-              <a:t>‹#›</a:t>
             </a:fld>
             <a:endParaRPr lang="zh-CN" altLang="en-US"/>
           </a:p>
@@ -4180,13 +4184,13 @@
   <p:clrMapOvr>
     <a:masterClrMapping/>
   </p:clrMapOvr>
-  <mc:AlternateContent xmlns:mc="http://schemas.openxmlformats.org/markup-compatibility/2006" xmlns:p14="http://schemas.microsoft.com/office/powerpoint/2010/main">
-    <mc:Choice Requires="p14">
+  <mc:AlternateContent xmlns:mc="http://schemas.openxmlformats.org/markup-compatibility/2006">
+    <mc:Choice xmlns:p14="http://schemas.microsoft.com/office/powerpoint/2010/main" Requires="p14">
       <p:transition spd="slow" p14:dur="1500">
         <p:random/>
       </p:transition>
     </mc:Choice>
-    <mc:Fallback xmlns="">
+    <mc:Fallback>
       <p:transition spd="slow">
         <p:random/>
       </p:transition>
@@ -4252,7 +4256,6 @@
           <a:p>
             <a:fld id="{95666703-9F6B-41A9-8273-A226E2EEC7FD}" type="datetimeFigureOut">
               <a:rPr lang="zh-CN" altLang="en-US" smtClean="0"/>
-              <a:t>2019/11/5</a:t>
             </a:fld>
             <a:endParaRPr lang="zh-CN" altLang="en-US"/>
           </a:p>
@@ -4294,7 +4297,6 @@
           <a:p>
             <a:fld id="{4F9A4CF2-39D5-471D-AEEA-44C9DDC76718}" type="slidenum">
               <a:rPr lang="zh-CN" altLang="en-US" smtClean="0"/>
-              <a:t>‹#›</a:t>
             </a:fld>
             <a:endParaRPr lang="zh-CN" altLang="en-US"/>
           </a:p>
@@ -4305,13 +4307,13 @@
   <p:clrMapOvr>
     <a:masterClrMapping/>
   </p:clrMapOvr>
-  <mc:AlternateContent xmlns:mc="http://schemas.openxmlformats.org/markup-compatibility/2006" xmlns:p14="http://schemas.microsoft.com/office/powerpoint/2010/main">
-    <mc:Choice Requires="p14">
+  <mc:AlternateContent xmlns:mc="http://schemas.openxmlformats.org/markup-compatibility/2006">
+    <mc:Choice xmlns:p14="http://schemas.microsoft.com/office/powerpoint/2010/main" Requires="p14">
       <p:transition spd="slow" p14:dur="1500">
         <p:random/>
       </p:transition>
     </mc:Choice>
-    <mc:Fallback xmlns="">
+    <mc:Fallback>
       <p:transition spd="slow">
         <p:random/>
       </p:transition>
@@ -4405,6 +4407,7 @@
               <a:rPr lang="zh-CN" altLang="en-US"/>
               <a:t>编辑母版文本样式</a:t>
             </a:r>
+            <a:endParaRPr lang="zh-CN" altLang="en-US"/>
           </a:p>
           <a:p>
             <a:pPr lvl="1"/>
@@ -4412,6 +4415,7 @@
               <a:rPr lang="zh-CN" altLang="en-US"/>
               <a:t>第二级</a:t>
             </a:r>
+            <a:endParaRPr lang="zh-CN" altLang="en-US"/>
           </a:p>
           <a:p>
             <a:pPr lvl="2"/>
@@ -4419,6 +4423,7 @@
               <a:rPr lang="zh-CN" altLang="en-US"/>
               <a:t>第三级</a:t>
             </a:r>
+            <a:endParaRPr lang="zh-CN" altLang="en-US"/>
           </a:p>
           <a:p>
             <a:pPr lvl="3"/>
@@ -4426,6 +4431,7 @@
               <a:rPr lang="zh-CN" altLang="en-US"/>
               <a:t>第四级</a:t>
             </a:r>
+            <a:endParaRPr lang="zh-CN" altLang="en-US"/>
           </a:p>
           <a:p>
             <a:pPr lvl="4"/>
@@ -4472,7 +4478,6 @@
           <a:p>
             <a:fld id="{95666703-9F6B-41A9-8273-A226E2EEC7FD}" type="datetimeFigureOut">
               <a:rPr lang="zh-CN" altLang="en-US" smtClean="0"/>
-              <a:t>2019/11/5</a:t>
             </a:fld>
             <a:endParaRPr lang="zh-CN" altLang="en-US"/>
           </a:p>
@@ -4550,7 +4555,6 @@
           <a:p>
             <a:fld id="{4F9A4CF2-39D5-471D-AEEA-44C9DDC76718}" type="slidenum">
               <a:rPr lang="zh-CN" altLang="en-US" smtClean="0"/>
-              <a:t>‹#›</a:t>
             </a:fld>
             <a:endParaRPr lang="zh-CN" altLang="en-US"/>
           </a:p>
@@ -4575,13 +4579,13 @@
     <p:sldLayoutId id="2147483661" r:id="rId13"/>
     <p:sldLayoutId id="2147483662" r:id="rId14"/>
   </p:sldLayoutIdLst>
-  <mc:AlternateContent xmlns:mc="http://schemas.openxmlformats.org/markup-compatibility/2006" xmlns:p14="http://schemas.microsoft.com/office/powerpoint/2010/main">
-    <mc:Choice Requires="p14">
+  <mc:AlternateContent xmlns:mc="http://schemas.openxmlformats.org/markup-compatibility/2006">
+    <mc:Choice xmlns:p14="http://schemas.microsoft.com/office/powerpoint/2010/main" Requires="p14">
       <p:transition spd="slow" p14:dur="1500">
         <p:random/>
       </p:transition>
     </mc:Choice>
-    <mc:Fallback xmlns="">
+    <mc:Fallback>
       <p:transition spd="slow">
         <p:random/>
       </p:transition>
@@ -4955,6 +4959,7 @@
               <a:rPr lang="zh-CN" altLang="en-US"/>
               <a:t>编辑母版文本样式</a:t>
             </a:r>
+            <a:endParaRPr lang="zh-CN" altLang="en-US"/>
           </a:p>
           <a:p>
             <a:pPr lvl="1"/>
@@ -4962,6 +4967,7 @@
               <a:rPr lang="zh-CN" altLang="en-US"/>
               <a:t>第二级</a:t>
             </a:r>
+            <a:endParaRPr lang="zh-CN" altLang="en-US"/>
           </a:p>
           <a:p>
             <a:pPr lvl="2"/>
@@ -4969,6 +4975,7 @@
               <a:rPr lang="zh-CN" altLang="en-US"/>
               <a:t>第三级</a:t>
             </a:r>
+            <a:endParaRPr lang="zh-CN" altLang="en-US"/>
           </a:p>
           <a:p>
             <a:pPr lvl="3"/>
@@ -4976,6 +4983,7 @@
               <a:rPr lang="zh-CN" altLang="en-US"/>
               <a:t>第四级</a:t>
             </a:r>
+            <a:endParaRPr lang="zh-CN" altLang="en-US"/>
           </a:p>
           <a:p>
             <a:pPr lvl="4"/>
@@ -5022,7 +5030,6 @@
           <a:p>
             <a:fld id="{9C3DB8B4-2C49-4FA1-8C80-9F8CC676210A}" type="datetimeFigureOut">
               <a:rPr lang="zh-CN" altLang="en-US" smtClean="0"/>
-              <a:t>2019/11/5</a:t>
             </a:fld>
             <a:endParaRPr lang="zh-CN" altLang="en-US"/>
           </a:p>
@@ -5100,7 +5107,6 @@
           <a:p>
             <a:fld id="{B662284E-E4CE-4A2F-8620-F19FEDCC162F}" type="slidenum">
               <a:rPr lang="zh-CN" altLang="en-US" smtClean="0"/>
-              <a:t>‹#›</a:t>
             </a:fld>
             <a:endParaRPr lang="zh-CN" altLang="en-US"/>
           </a:p>
@@ -5120,13 +5126,13 @@
     <p:sldLayoutId id="2147483671" r:id="rId8"/>
     <p:sldLayoutId id="2147483672" r:id="rId9"/>
   </p:sldLayoutIdLst>
-  <mc:AlternateContent xmlns:mc="http://schemas.openxmlformats.org/markup-compatibility/2006" xmlns:p14="http://schemas.microsoft.com/office/powerpoint/2010/main">
-    <mc:Choice Requires="p14">
+  <mc:AlternateContent xmlns:mc="http://schemas.openxmlformats.org/markup-compatibility/2006">
+    <mc:Choice xmlns:p14="http://schemas.microsoft.com/office/powerpoint/2010/main" Requires="p14">
       <p:transition spd="slow" p14:dur="1500">
         <p:random/>
       </p:transition>
     </mc:Choice>
-    <mc:Fallback xmlns="">
+    <mc:Fallback>
       <p:transition spd="slow">
         <p:random/>
       </p:transition>
@@ -5482,6 +5488,12 @@
               </a:rPr>
               <a:t>-Party A</a:t>
             </a:r>
+            <a:endParaRPr lang="en-US" altLang="zh-CN" sz="2000" dirty="0">
+              <a:solidFill>
+                <a:srgbClr val="FBDED3"/>
+              </a:solidFill>
+              <a:latin typeface="Arial" panose="020B0604020202020204"/>
+            </a:endParaRPr>
           </a:p>
           <a:p>
             <a:pPr lvl="0" algn="l">
@@ -5547,6 +5559,19 @@
               </a:rPr>
               <a:t>Members(A-Z):</a:t>
             </a:r>
+            <a:endParaRPr kumimoji="0" lang="en-US" altLang="zh-CN" sz="1600" b="0" i="0" u="none" strike="noStrike" kern="1200" cap="none" spc="0" normalizeH="0" baseline="0" noProof="0" dirty="0">
+              <a:ln>
+                <a:noFill/>
+              </a:ln>
+              <a:solidFill>
+                <a:srgbClr val="FBDED3"/>
+              </a:solidFill>
+              <a:effectLst/>
+              <a:uLnTx/>
+              <a:uFillTx/>
+              <a:latin typeface="Arial" panose="020B0604020202020204"/>
+              <a:ea typeface="微软雅黑 Light" panose="020B0502040204020203" charset="-122"/>
+            </a:endParaRPr>
           </a:p>
           <a:p>
             <a:pPr lvl="0" algn="l">
@@ -5568,6 +5593,19 @@
               </a:rPr>
               <a:t>Emmett BeAney, Jacinda Li ,Miriam Alzamily, Nana Yin, Shreya Uday</a:t>
             </a:r>
+            <a:endParaRPr kumimoji="0" lang="en-US" altLang="zh-CN" sz="1600" b="0" i="0" u="none" strike="noStrike" kern="1200" cap="none" spc="0" normalizeH="0" baseline="0" noProof="0" dirty="0">
+              <a:ln>
+                <a:noFill/>
+              </a:ln>
+              <a:solidFill>
+                <a:srgbClr val="FBDED3"/>
+              </a:solidFill>
+              <a:effectLst/>
+              <a:uLnTx/>
+              <a:uFillTx/>
+              <a:latin typeface="Arial" panose="020B0604020202020204"/>
+              <a:ea typeface="微软雅黑 Light" panose="020B0502040204020203" charset="-122"/>
+            </a:endParaRPr>
           </a:p>
         </p:txBody>
       </p:sp>
@@ -5626,6 +5664,20 @@
               </a:rPr>
               <a:t>P2-Hnefatafl </a:t>
             </a:r>
+            <a:endParaRPr kumimoji="0" lang="en-US" altLang="zh-CN" sz="8000" i="0" u="none" strike="noStrike" kern="1200" cap="none" spc="0" normalizeH="0" baseline="0" noProof="0">
+              <a:ln>
+                <a:noFill/>
+              </a:ln>
+              <a:solidFill>
+                <a:srgbClr val="FBDED3"/>
+              </a:solidFill>
+              <a:effectLst/>
+              <a:uLnTx/>
+              <a:uFillTx/>
+              <a:latin typeface="Arial" panose="020B0604020202020204"/>
+              <a:ea typeface="微软雅黑 Light" panose="020B0502040204020203" charset="-122"/>
+              <a:cs typeface="+mn-cs"/>
+            </a:endParaRPr>
           </a:p>
         </p:txBody>
       </p:sp>
@@ -5634,13 +5686,13 @@
   <p:clrMapOvr>
     <a:masterClrMapping/>
   </p:clrMapOvr>
-  <mc:AlternateContent xmlns:mc="http://schemas.openxmlformats.org/markup-compatibility/2006" xmlns:p14="http://schemas.microsoft.com/office/powerpoint/2010/main">
-    <mc:Choice Requires="p14">
+  <mc:AlternateContent xmlns:mc="http://schemas.openxmlformats.org/markup-compatibility/2006">
+    <mc:Choice xmlns:p14="http://schemas.microsoft.com/office/powerpoint/2010/main" Requires="p14">
       <p:transition spd="slow" p14:dur="1500">
         <p:random/>
       </p:transition>
     </mc:Choice>
-    <mc:Fallback xmlns="">
+    <mc:Fallback>
       <p:transition spd="slow">
         <p:random/>
       </p:transition>
@@ -5674,6 +5726,106 @@
         </p:nvSpPr>
         <p:spPr>
           <a:xfrm>
+            <a:off x="46400" y="1602442"/>
+            <a:ext cx="5636895" cy="1938020"/>
+          </a:xfrm>
+          <a:prstGeom prst="rect">
+            <a:avLst/>
+          </a:prstGeom>
+          <a:noFill/>
+        </p:spPr>
+        <p:txBody>
+          <a:bodyPr wrap="none">
+            <a:spAutoFit/>
+          </a:bodyPr>
+          <a:lstStyle/>
+          <a:p>
+            <a:pPr lvl="1">
+              <a:defRPr/>
+            </a:pPr>
+            <a:r>
+              <a:rPr lang="en-US" altLang="zh-CN" sz="6000">
+                <a:solidFill>
+                  <a:srgbClr val="FBDED3"/>
+                </a:solidFill>
+                <a:latin typeface="Arial" panose="020B0604020202020204"/>
+              </a:rPr>
+              <a:t>CRC Cards &amp;</a:t>
+            </a:r>
+            <a:endParaRPr lang="en-US" altLang="zh-CN" sz="6000">
+              <a:solidFill>
+                <a:srgbClr val="FBDED3"/>
+              </a:solidFill>
+              <a:latin typeface="Arial" panose="020B0604020202020204"/>
+            </a:endParaRPr>
+          </a:p>
+          <a:p>
+            <a:pPr lvl="1">
+              <a:defRPr/>
+            </a:pPr>
+            <a:r>
+              <a:rPr lang="en-US" altLang="zh-CN" sz="6000">
+                <a:solidFill>
+                  <a:srgbClr val="FBDED3"/>
+                </a:solidFill>
+                <a:latin typeface="Arial" panose="020B0604020202020204"/>
+              </a:rPr>
+              <a:t>Class Diagram</a:t>
+            </a:r>
+            <a:endParaRPr lang="en-US" altLang="zh-CN" sz="6000">
+              <a:solidFill>
+                <a:srgbClr val="FBDED3"/>
+              </a:solidFill>
+              <a:latin typeface="Arial" panose="020B0604020202020204"/>
+            </a:endParaRPr>
+          </a:p>
+        </p:txBody>
+      </p:sp>
+    </p:spTree>
+  </p:cSld>
+  <p:clrMapOvr>
+    <a:masterClrMapping/>
+  </p:clrMapOvr>
+  <mc:AlternateContent xmlns:mc="http://schemas.openxmlformats.org/markup-compatibility/2006">
+    <mc:Choice xmlns:p14="http://schemas.microsoft.com/office/powerpoint/2010/main" Requires="p14">
+      <p:transition spd="slow" p14:dur="1500">
+        <p:random/>
+      </p:transition>
+    </mc:Choice>
+    <mc:Fallback>
+      <p:transition spd="slow">
+        <p:random/>
+      </p:transition>
+    </mc:Fallback>
+  </mc:AlternateContent>
+</p:sld>
+</file>
+
+<file path=ppt/slides/slide11.xml><?xml version="1.0" encoding="utf-8"?>
+<p:sld xmlns:a="http://schemas.openxmlformats.org/drawingml/2006/main" xmlns:r="http://schemas.openxmlformats.org/officeDocument/2006/relationships" xmlns:p="http://schemas.openxmlformats.org/presentationml/2006/main">
+  <p:cSld>
+    <p:spTree>
+      <p:nvGrpSpPr>
+        <p:cNvPr id="1" name=""/>
+        <p:cNvGrpSpPr/>
+        <p:nvPr/>
+      </p:nvGrpSpPr>
+      <p:grpSpPr>
+        <a:xfrm>
+          <a:off x="0" y="0"/>
+          <a:ext cx="0" cy="0"/>
+          <a:chOff x="0" y="0"/>
+          <a:chExt cx="0" cy="0"/>
+        </a:xfrm>
+      </p:grpSpPr>
+      <p:sp>
+        <p:nvSpPr>
+          <p:cNvPr id="21" name="矩形 20" descr="e7d195523061f1c09e9d68d7cf438b91ef959ecb14fc25d26BBA7F7DBC18E55DFF4014AF651F0BF2569D4B6C1DA7F1A4683A481403BD872FC687266AD13265C1DE7C373772FD8728ABDD69ADD03BFF5BE2862BC891DBB79E10DB513E374AE534FA998B5905FE5628651D9625737F40972089C532E5406DDB64F9FF52DCC7F4E0E52573EB41B30AC074A5450FD255FE64"/>
+          <p:cNvSpPr/>
+          <p:nvPr/>
+        </p:nvSpPr>
+        <p:spPr>
+          <a:xfrm>
             <a:off x="2123439" y="241471"/>
             <a:ext cx="5308600" cy="583565"/>
           </a:xfrm>
@@ -5700,6 +5852,223 @@
               </a:rPr>
               <a:t>CRC Cards &amp;Class Diagram</a:t>
             </a:r>
+            <a:endParaRPr lang="en-US" altLang="zh-CN" sz="3200">
+              <a:solidFill>
+                <a:srgbClr val="FBDED3"/>
+              </a:solidFill>
+              <a:latin typeface="Arial" panose="020B0604020202020204"/>
+            </a:endParaRPr>
+          </a:p>
+        </p:txBody>
+      </p:sp>
+      <p:cxnSp>
+        <p:nvCxnSpPr>
+          <p:cNvPr id="3" name="直接连接符 2"/>
+          <p:cNvCxnSpPr/>
+          <p:nvPr/>
+        </p:nvCxnSpPr>
+        <p:spPr>
+          <a:xfrm>
+            <a:off x="4412609" y="824977"/>
+            <a:ext cx="318782" cy="0"/>
+          </a:xfrm>
+          <a:prstGeom prst="line">
+            <a:avLst/>
+          </a:prstGeom>
+          <a:ln w="19050">
+            <a:solidFill>
+              <a:srgbClr val="FBDED3"/>
+            </a:solidFill>
+          </a:ln>
+        </p:spPr>
+        <p:style>
+          <a:lnRef idx="1">
+            <a:schemeClr val="accent1"/>
+          </a:lnRef>
+          <a:fillRef idx="0">
+            <a:schemeClr val="accent1"/>
+          </a:fillRef>
+          <a:effectRef idx="0">
+            <a:schemeClr val="accent1"/>
+          </a:effectRef>
+          <a:fontRef idx="minor">
+            <a:schemeClr val="tx1"/>
+          </a:fontRef>
+        </p:style>
+      </p:cxnSp>
+      <p:pic>
+        <p:nvPicPr>
+          <p:cNvPr id="2" name="图片 1"/>
+          <p:cNvPicPr>
+            <a:picLocks noChangeAspect="1"/>
+          </p:cNvPicPr>
+          <p:nvPr/>
+        </p:nvPicPr>
+        <p:blipFill>
+          <a:blip r:embed="rId1"/>
+          <a:stretch>
+            <a:fillRect/>
+          </a:stretch>
+        </p:blipFill>
+        <p:spPr>
+          <a:xfrm>
+            <a:off x="572770" y="951865"/>
+            <a:ext cx="3190875" cy="2310130"/>
+          </a:xfrm>
+          <a:prstGeom prst="rect">
+            <a:avLst/>
+          </a:prstGeom>
+        </p:spPr>
+      </p:pic>
+      <p:pic>
+        <p:nvPicPr>
+          <p:cNvPr id="4" name="图片 3"/>
+          <p:cNvPicPr>
+            <a:picLocks noChangeAspect="1"/>
+          </p:cNvPicPr>
+          <p:nvPr/>
+        </p:nvPicPr>
+        <p:blipFill>
+          <a:blip r:embed="rId2"/>
+          <a:stretch>
+            <a:fillRect/>
+          </a:stretch>
+        </p:blipFill>
+        <p:spPr>
+          <a:xfrm>
+            <a:off x="572770" y="3485515"/>
+            <a:ext cx="3190875" cy="1254760"/>
+          </a:xfrm>
+          <a:prstGeom prst="rect">
+            <a:avLst/>
+          </a:prstGeom>
+        </p:spPr>
+      </p:pic>
+      <p:pic>
+        <p:nvPicPr>
+          <p:cNvPr id="5" name="图片 4"/>
+          <p:cNvPicPr>
+            <a:picLocks noChangeAspect="1"/>
+          </p:cNvPicPr>
+          <p:nvPr/>
+        </p:nvPicPr>
+        <p:blipFill>
+          <a:blip r:embed="rId3"/>
+          <a:stretch>
+            <a:fillRect/>
+          </a:stretch>
+        </p:blipFill>
+        <p:spPr>
+          <a:xfrm>
+            <a:off x="4933950" y="951865"/>
+            <a:ext cx="3046095" cy="2353310"/>
+          </a:xfrm>
+          <a:prstGeom prst="rect">
+            <a:avLst/>
+          </a:prstGeom>
+        </p:spPr>
+      </p:pic>
+      <p:pic>
+        <p:nvPicPr>
+          <p:cNvPr id="6" name="图片 5"/>
+          <p:cNvPicPr>
+            <a:picLocks noChangeAspect="1"/>
+          </p:cNvPicPr>
+          <p:nvPr/>
+        </p:nvPicPr>
+        <p:blipFill>
+          <a:blip r:embed="rId4"/>
+          <a:stretch>
+            <a:fillRect/>
+          </a:stretch>
+        </p:blipFill>
+        <p:spPr>
+          <a:xfrm>
+            <a:off x="4933950" y="3530600"/>
+            <a:ext cx="3046095" cy="1209675"/>
+          </a:xfrm>
+          <a:prstGeom prst="rect">
+            <a:avLst/>
+          </a:prstGeom>
+        </p:spPr>
+      </p:pic>
+    </p:spTree>
+  </p:cSld>
+  <p:clrMapOvr>
+    <a:masterClrMapping/>
+  </p:clrMapOvr>
+  <mc:AlternateContent xmlns:mc="http://schemas.openxmlformats.org/markup-compatibility/2006">
+    <mc:Choice xmlns:p14="http://schemas.microsoft.com/office/powerpoint/2010/main" Requires="p14">
+      <p:transition spd="slow" p14:dur="1500">
+        <p:random/>
+      </p:transition>
+    </mc:Choice>
+    <mc:Fallback>
+      <p:transition spd="slow">
+        <p:random/>
+      </p:transition>
+    </mc:Fallback>
+  </mc:AlternateContent>
+</p:sld>
+</file>
+
+<file path=ppt/slides/slide12.xml><?xml version="1.0" encoding="utf-8"?>
+<p:sld xmlns:a="http://schemas.openxmlformats.org/drawingml/2006/main" xmlns:r="http://schemas.openxmlformats.org/officeDocument/2006/relationships" xmlns:p="http://schemas.openxmlformats.org/presentationml/2006/main">
+  <p:cSld>
+    <p:spTree>
+      <p:nvGrpSpPr>
+        <p:cNvPr id="1" name=""/>
+        <p:cNvGrpSpPr/>
+        <p:nvPr/>
+      </p:nvGrpSpPr>
+      <p:grpSpPr>
+        <a:xfrm>
+          <a:off x="0" y="0"/>
+          <a:ext cx="0" cy="0"/>
+          <a:chOff x="0" y="0"/>
+          <a:chExt cx="0" cy="0"/>
+        </a:xfrm>
+      </p:grpSpPr>
+      <p:sp>
+        <p:nvSpPr>
+          <p:cNvPr id="21" name="矩形 20" descr="e7d195523061f1c09e9d68d7cf438b91ef959ecb14fc25d26BBA7F7DBC18E55DFF4014AF651F0BF2569D4B6C1DA7F1A4683A481403BD872FC687266AD13265C1DE7C373772FD8728ABDD69ADD03BFF5BE2862BC891DBB79E10DB513E374AE534FA998B5905FE5628651D9625737F40972089C532E5406DDB64F9FF52DCC7F4E0E52573EB41B30AC074A5450FD255FE64"/>
+          <p:cNvSpPr/>
+          <p:nvPr/>
+        </p:nvSpPr>
+        <p:spPr>
+          <a:xfrm>
+            <a:off x="2123439" y="241471"/>
+            <a:ext cx="5308600" cy="583565"/>
+          </a:xfrm>
+          <a:prstGeom prst="rect">
+            <a:avLst/>
+          </a:prstGeom>
+          <a:noFill/>
+        </p:spPr>
+        <p:txBody>
+          <a:bodyPr wrap="none">
+            <a:spAutoFit/>
+          </a:bodyPr>
+          <a:lstStyle/>
+          <a:p>
+            <a:pPr lvl="0" algn="ctr">
+              <a:defRPr/>
+            </a:pPr>
+            <a:r>
+              <a:rPr lang="en-US" altLang="zh-CN" sz="3200">
+                <a:solidFill>
+                  <a:srgbClr val="FBDED3"/>
+                </a:solidFill>
+                <a:latin typeface="Arial" panose="020B0604020202020204"/>
+              </a:rPr>
+              <a:t>CRC Cards &amp;Class Diagram</a:t>
+            </a:r>
+            <a:endParaRPr lang="en-US" altLang="zh-CN" sz="3200">
+              <a:solidFill>
+                <a:srgbClr val="FBDED3"/>
+              </a:solidFill>
+              <a:latin typeface="Arial" panose="020B0604020202020204"/>
+            </a:endParaRPr>
           </a:p>
         </p:txBody>
       </p:sp>
@@ -5747,7 +6116,7 @@
           <p:nvPr/>
         </p:nvPicPr>
         <p:blipFill>
-          <a:blip r:embed="rId2"/>
+          <a:blip r:embed="rId1"/>
           <a:stretch>
             <a:fillRect/>
           </a:stretch>
@@ -5771,7 +6140,7 @@
           <p:nvPr/>
         </p:nvPicPr>
         <p:blipFill>
-          <a:blip r:embed="rId3"/>
+          <a:blip r:embed="rId2"/>
           <a:stretch>
             <a:fillRect/>
           </a:stretch>
@@ -5795,7 +6164,7 @@
           <p:nvPr/>
         </p:nvPicPr>
         <p:blipFill>
-          <a:blip r:embed="rId4"/>
+          <a:blip r:embed="rId3"/>
           <a:stretch>
             <a:fillRect/>
           </a:stretch>
@@ -5815,13 +6184,13 @@
   <p:clrMapOvr>
     <a:masterClrMapping/>
   </p:clrMapOvr>
-  <mc:AlternateContent xmlns:mc="http://schemas.openxmlformats.org/markup-compatibility/2006" xmlns:p14="http://schemas.microsoft.com/office/powerpoint/2010/main">
-    <mc:Choice Requires="p14">
+  <mc:AlternateContent xmlns:mc="http://schemas.openxmlformats.org/markup-compatibility/2006">
+    <mc:Choice xmlns:p14="http://schemas.microsoft.com/office/powerpoint/2010/main" Requires="p14">
       <p:transition spd="slow" p14:dur="1500">
         <p:random/>
       </p:transition>
     </mc:Choice>
-    <mc:Fallback xmlns="">
+    <mc:Fallback>
       <p:transition spd="slow">
         <p:random/>
       </p:transition>
@@ -5830,7 +6199,7 @@
 </p:sld>
 </file>
 
-<file path=ppt/slides/slide11.xml><?xml version="1.0" encoding="utf-8"?>
+<file path=ppt/slides/slide13.xml><?xml version="1.0" encoding="utf-8"?>
 <p:sld xmlns:a="http://schemas.openxmlformats.org/drawingml/2006/main" xmlns:r="http://schemas.openxmlformats.org/officeDocument/2006/relationships" xmlns:p="http://schemas.openxmlformats.org/presentationml/2006/main">
   <p:cSld>
     <p:spTree>
@@ -5881,6 +6250,12 @@
               </a:rPr>
               <a:t>Traceability link matrix</a:t>
             </a:r>
+            <a:endParaRPr lang="en-US" altLang="zh-CN" sz="3200" dirty="0">
+              <a:solidFill>
+                <a:srgbClr val="FBDED3"/>
+              </a:solidFill>
+              <a:latin typeface="Arial" panose="020B0604020202020204"/>
+            </a:endParaRPr>
           </a:p>
         </p:txBody>
       </p:sp>
@@ -5928,7 +6303,7 @@
           <p:nvPr/>
         </p:nvPicPr>
         <p:blipFill>
-          <a:blip r:embed="rId2"/>
+          <a:blip r:embed="rId1"/>
           <a:stretch>
             <a:fillRect/>
           </a:stretch>
@@ -5948,13 +6323,13 @@
   <p:clrMapOvr>
     <a:masterClrMapping/>
   </p:clrMapOvr>
-  <mc:AlternateContent xmlns:mc="http://schemas.openxmlformats.org/markup-compatibility/2006" xmlns:p14="http://schemas.microsoft.com/office/powerpoint/2010/main">
-    <mc:Choice Requires="p14">
+  <mc:AlternateContent xmlns:mc="http://schemas.openxmlformats.org/markup-compatibility/2006">
+    <mc:Choice xmlns:p14="http://schemas.microsoft.com/office/powerpoint/2010/main" Requires="p14">
       <p:transition spd="slow" p14:dur="1500">
         <p:random/>
       </p:transition>
     </mc:Choice>
-    <mc:Fallback xmlns="">
+    <mc:Fallback>
       <p:transition spd="slow">
         <p:random/>
       </p:transition>
@@ -5963,7 +6338,7 @@
 </p:sld>
 </file>
 
-<file path=ppt/slides/slide12.xml><?xml version="1.0" encoding="utf-8"?>
+<file path=ppt/slides/slide14.xml><?xml version="1.0" encoding="utf-8"?>
 <p:sld xmlns:a="http://schemas.openxmlformats.org/drawingml/2006/main" xmlns:r="http://schemas.openxmlformats.org/officeDocument/2006/relationships" xmlns:p="http://schemas.openxmlformats.org/presentationml/2006/main">
   <p:cSld>
     <p:spTree>
@@ -6014,6 +6389,12 @@
               </a:rPr>
               <a:t>CRC Cards &amp;Class Diagram</a:t>
             </a:r>
+            <a:endParaRPr lang="en-US" altLang="zh-CN" sz="3200">
+              <a:solidFill>
+                <a:srgbClr val="FBDED3"/>
+              </a:solidFill>
+              <a:latin typeface="Arial" panose="020B0604020202020204"/>
+            </a:endParaRPr>
           </a:p>
         </p:txBody>
       </p:sp>
@@ -6061,7 +6442,7 @@
           <p:nvPr/>
         </p:nvPicPr>
         <p:blipFill>
-          <a:blip r:embed="rId2"/>
+          <a:blip r:embed="rId1"/>
           <a:stretch>
             <a:fillRect/>
           </a:stretch>
@@ -6081,13 +6462,13 @@
   <p:clrMapOvr>
     <a:masterClrMapping/>
   </p:clrMapOvr>
-  <mc:AlternateContent xmlns:mc="http://schemas.openxmlformats.org/markup-compatibility/2006" xmlns:p14="http://schemas.microsoft.com/office/powerpoint/2010/main">
-    <mc:Choice Requires="p14">
+  <mc:AlternateContent xmlns:mc="http://schemas.openxmlformats.org/markup-compatibility/2006">
+    <mc:Choice xmlns:p14="http://schemas.microsoft.com/office/powerpoint/2010/main" Requires="p14">
       <p:transition spd="slow" p14:dur="1500">
         <p:random/>
       </p:transition>
     </mc:Choice>
-    <mc:Fallback xmlns="">
+    <mc:Fallback>
       <p:transition spd="slow">
         <p:random/>
       </p:transition>
@@ -6096,7 +6477,7 @@
 </p:sld>
 </file>
 
-<file path=ppt/slides/slide13.xml><?xml version="1.0" encoding="utf-8"?>
+<file path=ppt/slides/slide15.xml><?xml version="1.0" encoding="utf-8"?>
 <p:sld xmlns:a="http://schemas.openxmlformats.org/drawingml/2006/main" xmlns:r="http://schemas.openxmlformats.org/officeDocument/2006/relationships" xmlns:p="http://schemas.openxmlformats.org/presentationml/2006/main">
   <p:cSld>
     <p:spTree>
@@ -6147,6 +6528,12 @@
               </a:rPr>
               <a:t>Kanban</a:t>
             </a:r>
+            <a:endParaRPr lang="en-US" altLang="zh-CN" sz="3200">
+              <a:solidFill>
+                <a:srgbClr val="FBDED3"/>
+              </a:solidFill>
+              <a:latin typeface="Arial" panose="020B0604020202020204"/>
+            </a:endParaRPr>
           </a:p>
         </p:txBody>
       </p:sp>
@@ -6194,7 +6581,7 @@
           <p:nvPr/>
         </p:nvPicPr>
         <p:blipFill>
-          <a:blip r:embed="rId2"/>
+          <a:blip r:embed="rId1"/>
           <a:stretch>
             <a:fillRect/>
           </a:stretch>
@@ -6214,13 +6601,13 @@
   <p:clrMapOvr>
     <a:masterClrMapping/>
   </p:clrMapOvr>
-  <mc:AlternateContent xmlns:mc="http://schemas.openxmlformats.org/markup-compatibility/2006" xmlns:p14="http://schemas.microsoft.com/office/powerpoint/2010/main">
-    <mc:Choice Requires="p14">
+  <mc:AlternateContent xmlns:mc="http://schemas.openxmlformats.org/markup-compatibility/2006">
+    <mc:Choice xmlns:p14="http://schemas.microsoft.com/office/powerpoint/2010/main" Requires="p14">
       <p:transition spd="slow" p14:dur="1500">
         <p:random/>
       </p:transition>
     </mc:Choice>
-    <mc:Fallback xmlns="">
+    <mc:Fallback>
       <p:transition spd="slow">
         <p:random/>
       </p:transition>
@@ -6229,7 +6616,7 @@
 </p:sld>
 </file>
 
-<file path=ppt/slides/slide14.xml><?xml version="1.0" encoding="utf-8"?>
+<file path=ppt/slides/slide16.xml><?xml version="1.0" encoding="utf-8"?>
 <p:sld xmlns:a="http://schemas.openxmlformats.org/drawingml/2006/main" xmlns:r="http://schemas.openxmlformats.org/officeDocument/2006/relationships" xmlns:p="http://schemas.openxmlformats.org/presentationml/2006/main">
   <p:cSld>
     <p:spTree>
@@ -6284,6 +6671,13 @@
               </a:rPr>
               <a:t>Sprint Review </a:t>
             </a:r>
+            <a:endParaRPr lang="en-US" altLang="zh-CN" sz="6000" dirty="0">
+              <a:solidFill>
+                <a:srgbClr val="FBDED3"/>
+              </a:solidFill>
+              <a:latin typeface="Arial" panose="020B0604020202020204"/>
+              <a:sym typeface="+mn-ea"/>
+            </a:endParaRPr>
           </a:p>
           <a:p>
             <a:pPr lvl="0" algn="l">
@@ -6301,6 +6695,12 @@
               </a:rPr>
               <a:t>and Retrospective</a:t>
             </a:r>
+            <a:endParaRPr lang="en-US" altLang="zh-CN" sz="6000" dirty="0">
+              <a:solidFill>
+                <a:srgbClr val="FBDED3"/>
+              </a:solidFill>
+              <a:latin typeface="Arial" panose="020B0604020202020204"/>
+            </a:endParaRPr>
           </a:p>
         </p:txBody>
       </p:sp>
@@ -6309,13 +6709,13 @@
   <p:clrMapOvr>
     <a:masterClrMapping/>
   </p:clrMapOvr>
-  <mc:AlternateContent xmlns:mc="http://schemas.openxmlformats.org/markup-compatibility/2006" xmlns:p14="http://schemas.microsoft.com/office/powerpoint/2010/main">
-    <mc:Choice Requires="p14">
+  <mc:AlternateContent xmlns:mc="http://schemas.openxmlformats.org/markup-compatibility/2006">
+    <mc:Choice xmlns:p14="http://schemas.microsoft.com/office/powerpoint/2010/main" Requires="p14">
       <p:transition spd="slow" p14:dur="1500">
         <p:random/>
       </p:transition>
     </mc:Choice>
-    <mc:Fallback xmlns="">
+    <mc:Fallback>
       <p:transition spd="slow">
         <p:random/>
       </p:transition>
@@ -6324,7 +6724,7 @@
 </p:sld>
 </file>
 
-<file path=ppt/slides/slide15.xml><?xml version="1.0" encoding="utf-8"?>
+<file path=ppt/slides/slide17.xml><?xml version="1.0" encoding="utf-8"?>
 <p:sld xmlns:a="http://schemas.openxmlformats.org/drawingml/2006/main" xmlns:r="http://schemas.openxmlformats.org/officeDocument/2006/relationships" xmlns:p="http://schemas.openxmlformats.org/presentationml/2006/main">
   <p:cSld>
     <p:spTree>
@@ -6627,6 +7027,7 @@
               <a:rPr lang="en-US" altLang="zh-CN" sz="2400" b="1" dirty="0"/>
               <a:t>Daily scrums:</a:t>
             </a:r>
+            <a:endParaRPr lang="en-US" altLang="zh-CN" sz="2400" b="1" dirty="0"/>
           </a:p>
           <a:p>
             <a:endParaRPr lang="en-US" altLang="zh-CN" sz="2400" b="1" dirty="0"/>
@@ -6640,6 +7041,7 @@
               <a:rPr lang="en-US" altLang="zh-CN" dirty="0"/>
               <a:t>Discussed progress</a:t>
             </a:r>
+            <a:endParaRPr lang="en-US" altLang="zh-CN" dirty="0"/>
           </a:p>
           <a:p>
             <a:pPr marL="285750" indent="-285750">
@@ -6682,6 +7084,7 @@
               <a:rPr lang="en-US" altLang="zh-CN" dirty="0"/>
               <a:t>Went over results of sprint</a:t>
             </a:r>
+            <a:endParaRPr lang="en-US" altLang="zh-CN" dirty="0"/>
           </a:p>
           <a:p>
             <a:pPr marL="285750" indent="-285750">
@@ -6692,6 +7095,7 @@
               <a:rPr lang="en-US" altLang="zh-CN" dirty="0"/>
               <a:t>Made changes as needed according to product owner</a:t>
             </a:r>
+            <a:endParaRPr lang="en-US" altLang="zh-CN" dirty="0"/>
           </a:p>
           <a:p>
             <a:pPr marL="285750" indent="-285750">
@@ -6738,6 +7142,11 @@
               </a:rPr>
               <a:t>Retrospective:</a:t>
             </a:r>
+            <a:endParaRPr lang="en-US" altLang="zh-CN" sz="2400" b="1">
+              <a:solidFill>
+                <a:srgbClr val="EEE5E6"/>
+              </a:solidFill>
+            </a:endParaRPr>
           </a:p>
           <a:p>
             <a:pPr indent="0" algn="l">
@@ -6767,6 +7176,11 @@
               </a:rPr>
               <a:t>Identified what could improve</a:t>
             </a:r>
+            <a:endParaRPr lang="en-US" altLang="zh-CN" sz="2400" b="1">
+              <a:solidFill>
+                <a:srgbClr val="EEE5E6"/>
+              </a:solidFill>
+            </a:endParaRPr>
           </a:p>
           <a:p>
             <a:pPr indent="0" algn="l">
@@ -6796,6 +7210,11 @@
               </a:rPr>
               <a:t>Identified what went well</a:t>
             </a:r>
+            <a:endParaRPr lang="en-US" altLang="zh-CN" sz="2400" b="1">
+              <a:solidFill>
+                <a:srgbClr val="EEE5E6"/>
+              </a:solidFill>
+            </a:endParaRPr>
           </a:p>
         </p:txBody>
       </p:sp>
@@ -6804,13 +7223,13 @@
   <p:clrMapOvr>
     <a:masterClrMapping/>
   </p:clrMapOvr>
-  <mc:AlternateContent xmlns:mc="http://schemas.openxmlformats.org/markup-compatibility/2006" xmlns:p14="http://schemas.microsoft.com/office/powerpoint/2010/main">
-    <mc:Choice Requires="p14">
+  <mc:AlternateContent xmlns:mc="http://schemas.openxmlformats.org/markup-compatibility/2006">
+    <mc:Choice xmlns:p14="http://schemas.microsoft.com/office/powerpoint/2010/main" Requires="p14">
       <p:transition spd="slow" p14:dur="1500">
         <p:random/>
       </p:transition>
     </mc:Choice>
-    <mc:Fallback xmlns="">
+    <mc:Fallback>
       <p:transition spd="slow">
         <p:random/>
       </p:transition>
@@ -6819,7 +7238,7 @@
 </p:sld>
 </file>
 
-<file path=ppt/slides/slide16.xml><?xml version="1.0" encoding="utf-8"?>
+<file path=ppt/slides/slide18.xml><?xml version="1.0" encoding="utf-8"?>
 <p:sld xmlns:a="http://schemas.openxmlformats.org/drawingml/2006/main" xmlns:r="http://schemas.openxmlformats.org/officeDocument/2006/relationships" xmlns:p="http://schemas.openxmlformats.org/presentationml/2006/main">
   <p:cSld>
     <p:spTree>
@@ -7086,6 +7505,11 @@
               </a:rPr>
               <a:t>10/11-During this scrum, we discussed the file content of P2 together and allocated the files within the file.</a:t>
             </a:r>
+            <a:endParaRPr lang="en-US" altLang="zh-CN" sz="2000" b="1" dirty="0">
+              <a:solidFill>
+                <a:srgbClr val="EEE5E6"/>
+              </a:solidFill>
+            </a:endParaRPr>
           </a:p>
           <a:p>
             <a:pPr indent="0" algn="l">
@@ -7115,6 +7539,11 @@
               </a:rPr>
               <a:t>10/21-During this scrum, we asked the professor about the parts of the P1 document that could be improved. The task of file improvement was assigned.</a:t>
             </a:r>
+            <a:endParaRPr lang="en-US" altLang="zh-CN" sz="2000" b="1" dirty="0">
+              <a:solidFill>
+                <a:srgbClr val="EEE5E6"/>
+              </a:solidFill>
+            </a:endParaRPr>
           </a:p>
           <a:p>
             <a:pPr indent="0" algn="l">
@@ -7144,6 +7573,11 @@
               </a:rPr>
               <a:t>10/24-During this scrum, we solved the game's implementation of the code logic for the round, assigned code tasks based on the improved task and each person's familiar direction, and worked out the deadline.</a:t>
             </a:r>
+            <a:endParaRPr lang="en-US" altLang="zh-CN" sz="2000" b="1" dirty="0">
+              <a:solidFill>
+                <a:srgbClr val="EEE5E6"/>
+              </a:solidFill>
+            </a:endParaRPr>
           </a:p>
           <a:p>
             <a:pPr indent="0" algn="l">
@@ -7174,6 +7608,12 @@
               </a:rPr>
               <a:t>10/31-During this scrum,  we integrated the code into a project.</a:t>
             </a:r>
+            <a:endParaRPr lang="en-US" altLang="zh-CN" sz="2000" b="1" dirty="0">
+              <a:solidFill>
+                <a:srgbClr val="EEE5E6"/>
+              </a:solidFill>
+              <a:sym typeface="+mn-ea"/>
+            </a:endParaRPr>
           </a:p>
           <a:p>
             <a:pPr indent="0" algn="l">
@@ -7208,13 +7648,13 @@
   <p:clrMapOvr>
     <a:masterClrMapping/>
   </p:clrMapOvr>
-  <mc:AlternateContent xmlns:mc="http://schemas.openxmlformats.org/markup-compatibility/2006" xmlns:p14="http://schemas.microsoft.com/office/powerpoint/2010/main">
-    <mc:Choice Requires="p14">
+  <mc:AlternateContent xmlns:mc="http://schemas.openxmlformats.org/markup-compatibility/2006">
+    <mc:Choice xmlns:p14="http://schemas.microsoft.com/office/powerpoint/2010/main" Requires="p14">
       <p:transition spd="slow" p14:dur="1500">
         <p:random/>
       </p:transition>
     </mc:Choice>
-    <mc:Fallback xmlns="">
+    <mc:Fallback>
       <p:transition spd="slow">
         <p:random/>
       </p:transition>
@@ -7223,7 +7663,7 @@
 </p:sld>
 </file>
 
-<file path=ppt/slides/slide17.xml><?xml version="1.0" encoding="utf-8"?>
+<file path=ppt/slides/slide19.xml><?xml version="1.0" encoding="utf-8"?>
 <p:sld xmlns:a="http://schemas.openxmlformats.org/drawingml/2006/main" xmlns:r="http://schemas.openxmlformats.org/officeDocument/2006/relationships" xmlns:p="http://schemas.openxmlformats.org/presentationml/2006/main">
   <p:cSld>
     <p:spTree>
@@ -7491,6 +7931,12 @@
               </a:rPr>
               <a:t>What went well:</a:t>
             </a:r>
+            <a:endParaRPr lang="en-US" altLang="zh-CN" sz="2000" b="1" dirty="0">
+              <a:solidFill>
+                <a:srgbClr val="EEE5E6"/>
+              </a:solidFill>
+              <a:sym typeface="+mn-ea"/>
+            </a:endParaRPr>
           </a:p>
           <a:p>
             <a:pPr indent="0" algn="l">
@@ -7508,6 +7954,12 @@
               </a:rPr>
               <a:t>Our scrum meetings discussed a lot of details about the implementation of the game, actively assigning tasks, making plans for each week and the next meeting time.</a:t>
             </a:r>
+            <a:endParaRPr lang="en-US" altLang="zh-CN" sz="2000" b="1" dirty="0">
+              <a:solidFill>
+                <a:srgbClr val="EEE5E6"/>
+              </a:solidFill>
+              <a:sym typeface="+mn-ea"/>
+            </a:endParaRPr>
           </a:p>
           <a:p>
             <a:pPr indent="0" algn="l">
@@ -7539,6 +7991,12 @@
               </a:rPr>
               <a:t>What could improve:</a:t>
             </a:r>
+            <a:endParaRPr lang="en-US" altLang="zh-CN" sz="2000" b="1" dirty="0">
+              <a:solidFill>
+                <a:srgbClr val="EEE5E6"/>
+              </a:solidFill>
+              <a:sym typeface="+mn-ea"/>
+            </a:endParaRPr>
           </a:p>
           <a:p>
             <a:pPr indent="0" algn="l">
@@ -7556,6 +8014,12 @@
               </a:rPr>
               <a:t>1.The task should smaller and clearer, avoiding two people spending time on similar functionality</a:t>
             </a:r>
+            <a:endParaRPr lang="en-US" altLang="zh-CN" sz="2000" b="1" dirty="0">
+              <a:solidFill>
+                <a:srgbClr val="EEE5E6"/>
+              </a:solidFill>
+              <a:sym typeface="+mn-ea"/>
+            </a:endParaRPr>
           </a:p>
           <a:p>
             <a:pPr indent="0" algn="l">
@@ -7573,6 +8037,12 @@
               </a:rPr>
               <a:t>2. Need more effective communication during our team meeting</a:t>
             </a:r>
+            <a:endParaRPr lang="en-US" altLang="zh-CN" sz="2000" b="1" dirty="0">
+              <a:solidFill>
+                <a:srgbClr val="EEE5E6"/>
+              </a:solidFill>
+              <a:sym typeface="+mn-ea"/>
+            </a:endParaRPr>
           </a:p>
           <a:p>
             <a:pPr indent="0" algn="l">
@@ -7590,6 +8060,12 @@
               </a:rPr>
               <a:t>3. Everyone must abide by agreed upon deadlines and deliver the outcomes on time.</a:t>
             </a:r>
+            <a:endParaRPr lang="en-US" altLang="zh-CN" sz="2000" b="1" dirty="0">
+              <a:solidFill>
+                <a:srgbClr val="EEE5E6"/>
+              </a:solidFill>
+              <a:sym typeface="+mn-ea"/>
+            </a:endParaRPr>
           </a:p>
           <a:p>
             <a:pPr indent="0" algn="l">
@@ -7607,6 +8083,12 @@
               </a:rPr>
               <a:t>4. Have more meetings with the PO</a:t>
             </a:r>
+            <a:endParaRPr lang="en-US" altLang="zh-CN" sz="2000" b="1" dirty="0">
+              <a:solidFill>
+                <a:srgbClr val="EEE5E6"/>
+              </a:solidFill>
+              <a:sym typeface="+mn-ea"/>
+            </a:endParaRPr>
           </a:p>
           <a:p>
             <a:pPr indent="0" algn="l">
@@ -7641,86 +8123,13 @@
   <p:clrMapOvr>
     <a:masterClrMapping/>
   </p:clrMapOvr>
-  <mc:AlternateContent xmlns:mc="http://schemas.openxmlformats.org/markup-compatibility/2006" xmlns:p14="http://schemas.microsoft.com/office/powerpoint/2010/main">
-    <mc:Choice Requires="p14">
+  <mc:AlternateContent xmlns:mc="http://schemas.openxmlformats.org/markup-compatibility/2006">
+    <mc:Choice xmlns:p14="http://schemas.microsoft.com/office/powerpoint/2010/main" Requires="p14">
       <p:transition spd="slow" p14:dur="1500">
         <p:random/>
       </p:transition>
     </mc:Choice>
-    <mc:Fallback xmlns="">
-      <p:transition spd="slow">
-        <p:random/>
-      </p:transition>
-    </mc:Fallback>
-  </mc:AlternateContent>
-</p:sld>
-</file>
-
-<file path=ppt/slides/slide18.xml><?xml version="1.0" encoding="utf-8"?>
-<p:sld xmlns:a="http://schemas.openxmlformats.org/drawingml/2006/main" xmlns:r="http://schemas.openxmlformats.org/officeDocument/2006/relationships" xmlns:p="http://schemas.openxmlformats.org/presentationml/2006/main">
-  <p:cSld>
-    <p:spTree>
-      <p:nvGrpSpPr>
-        <p:cNvPr id="1" name=""/>
-        <p:cNvGrpSpPr/>
-        <p:nvPr/>
-      </p:nvGrpSpPr>
-      <p:grpSpPr>
-        <a:xfrm>
-          <a:off x="0" y="0"/>
-          <a:ext cx="0" cy="0"/>
-          <a:chOff x="0" y="0"/>
-          <a:chExt cx="0" cy="0"/>
-        </a:xfrm>
-      </p:grpSpPr>
-      <p:sp>
-        <p:nvSpPr>
-          <p:cNvPr id="10" name="矩形 9" descr="e7d195523061f1c09e9d68d7cf438b91ef959ecb14fc25d26BBA7F7DBC18E55DFF4014AF651F0BF2569D4B6C1DA7F1A4683A481403BD872FC687266AD13265C1DE7C373772FD8728ABDD69ADD03BFF5BE2862BC891DBB79E10DB513E374AE534FA998B5905FE5628651D9625737F40972089C532E5406DDB64F9FF52DCC7F4E0E52573EB41B30AC074A5450FD255FE64"/>
-          <p:cNvSpPr/>
-          <p:nvPr/>
-        </p:nvSpPr>
-        <p:spPr>
-          <a:xfrm>
-            <a:off x="91705" y="2279516"/>
-            <a:ext cx="2492990" cy="1015663"/>
-          </a:xfrm>
-          <a:prstGeom prst="rect">
-            <a:avLst/>
-          </a:prstGeom>
-        </p:spPr>
-        <p:txBody>
-          <a:bodyPr wrap="none">
-            <a:spAutoFit/>
-          </a:bodyPr>
-          <a:lstStyle/>
-          <a:p>
-            <a:pPr lvl="0">
-              <a:defRPr/>
-            </a:pPr>
-            <a:r>
-              <a:rPr lang="en-US" altLang="zh-CN" sz="6000" dirty="0">
-                <a:solidFill>
-                  <a:srgbClr val="FBDED3"/>
-                </a:solidFill>
-                <a:latin typeface="Arial" panose="020B0604020202020204"/>
-              </a:rPr>
-              <a:t>DEMO</a:t>
-            </a:r>
-          </a:p>
-        </p:txBody>
-      </p:sp>
-    </p:spTree>
-  </p:cSld>
-  <p:clrMapOvr>
-    <a:masterClrMapping/>
-  </p:clrMapOvr>
-  <mc:AlternateContent xmlns:mc="http://schemas.openxmlformats.org/markup-compatibility/2006" xmlns:p14="http://schemas.microsoft.com/office/powerpoint/2010/main">
-    <mc:Choice Requires="p14">
-      <p:transition spd="slow" p14:dur="1500">
-        <p:random/>
-      </p:transition>
-    </mc:Choice>
-    <mc:Fallback xmlns="">
+    <mc:Fallback>
       <p:transition spd="slow">
         <p:random/>
       </p:transition>
@@ -7815,6 +8224,12 @@
               </a:rPr>
               <a:t>The perfection of documents  </a:t>
             </a:r>
+            <a:endParaRPr lang="en-US" altLang="zh-CN">
+              <a:solidFill>
+                <a:srgbClr val="FBDED3"/>
+              </a:solidFill>
+              <a:latin typeface="Arial" panose="020B0604020202020204"/>
+            </a:endParaRPr>
           </a:p>
         </p:txBody>
       </p:sp>
@@ -7850,6 +8265,13 @@
               </a:rPr>
               <a:t>Picture Source: the picture from the network.  https://zhuanlan.zhihu.com/p/33300643</a:t>
             </a:r>
+            <a:endParaRPr lang="en-US" altLang="zh-CN">
+              <a:solidFill>
+                <a:schemeClr val="bg1">
+                  <a:lumMod val="65000"/>
+                </a:schemeClr>
+              </a:solidFill>
+            </a:endParaRPr>
           </a:p>
         </p:txBody>
       </p:sp>
@@ -7883,8 +8305,6 @@
               </a:rPr>
               <a:t>1. User stories</a:t>
             </a:r>
-          </a:p>
-          <a:p>
             <a:endParaRPr lang="en-US" altLang="zh-CN" sz="2400" b="1">
               <a:solidFill>
                 <a:srgbClr val="FBDED3"/>
@@ -7892,16 +8312,6 @@
             </a:endParaRPr>
           </a:p>
           <a:p>
-            <a:r>
-              <a:rPr lang="en-US" altLang="zh-CN" sz="2400" b="1">
-                <a:solidFill>
-                  <a:srgbClr val="FBDED3"/>
-                </a:solidFill>
-              </a:rPr>
-              <a:t>2.CRC card &amp; class diagram</a:t>
-            </a:r>
-          </a:p>
-          <a:p>
             <a:endParaRPr lang="en-US" altLang="zh-CN" sz="2400" b="1">
               <a:solidFill>
                 <a:srgbClr val="FBDED3"/>
@@ -7915,10 +8325,8 @@
                   <a:srgbClr val="FBDED3"/>
                 </a:solidFill>
               </a:rPr>
-              <a:t>3.Acceptance Criteria</a:t>
-            </a:r>
-          </a:p>
-          <a:p>
+              <a:t>2.CRC card &amp; class diagram</a:t>
+            </a:r>
             <a:endParaRPr lang="en-US" altLang="zh-CN" sz="2400" b="1">
               <a:solidFill>
                 <a:srgbClr val="FBDED3"/>
@@ -7926,16 +8334,6 @@
             </a:endParaRPr>
           </a:p>
           <a:p>
-            <a:r>
-              <a:rPr lang="en-US" altLang="zh-CN" sz="2400" b="1">
-                <a:solidFill>
-                  <a:srgbClr val="FBDED3"/>
-                </a:solidFill>
-              </a:rPr>
-              <a:t>4. Task for User stories</a:t>
-            </a:r>
-          </a:p>
-          <a:p>
             <a:endParaRPr lang="en-US" altLang="zh-CN" sz="2400" b="1">
               <a:solidFill>
                 <a:srgbClr val="FBDED3"/>
@@ -7949,8 +8347,57 @@
                   <a:srgbClr val="FBDED3"/>
                 </a:solidFill>
               </a:rPr>
+              <a:t>3.Acceptance Criteria</a:t>
+            </a:r>
+            <a:endParaRPr lang="en-US" altLang="zh-CN" sz="2400" b="1">
+              <a:solidFill>
+                <a:srgbClr val="FBDED3"/>
+              </a:solidFill>
+            </a:endParaRPr>
+          </a:p>
+          <a:p>
+            <a:endParaRPr lang="en-US" altLang="zh-CN" sz="2400" b="1">
+              <a:solidFill>
+                <a:srgbClr val="FBDED3"/>
+              </a:solidFill>
+            </a:endParaRPr>
+          </a:p>
+          <a:p>
+            <a:r>
+              <a:rPr lang="en-US" altLang="zh-CN" sz="2400" b="1">
+                <a:solidFill>
+                  <a:srgbClr val="FBDED3"/>
+                </a:solidFill>
+              </a:rPr>
+              <a:t>4. Task for User stories</a:t>
+            </a:r>
+            <a:endParaRPr lang="en-US" altLang="zh-CN" sz="2400" b="1">
+              <a:solidFill>
+                <a:srgbClr val="FBDED3"/>
+              </a:solidFill>
+            </a:endParaRPr>
+          </a:p>
+          <a:p>
+            <a:endParaRPr lang="en-US" altLang="zh-CN" sz="2400" b="1">
+              <a:solidFill>
+                <a:srgbClr val="FBDED3"/>
+              </a:solidFill>
+            </a:endParaRPr>
+          </a:p>
+          <a:p>
+            <a:r>
+              <a:rPr lang="en-US" altLang="zh-CN" sz="2400" b="1">
+                <a:solidFill>
+                  <a:srgbClr val="FBDED3"/>
+                </a:solidFill>
+              </a:rPr>
               <a:t>5. Development Manual</a:t>
             </a:r>
+            <a:endParaRPr lang="en-US" altLang="zh-CN" sz="2400" b="1">
+              <a:solidFill>
+                <a:srgbClr val="FBDED3"/>
+              </a:solidFill>
+            </a:endParaRPr>
           </a:p>
         </p:txBody>
       </p:sp>
@@ -7959,13 +8406,92 @@
   <p:clrMapOvr>
     <a:masterClrMapping/>
   </p:clrMapOvr>
-  <mc:AlternateContent xmlns:mc="http://schemas.openxmlformats.org/markup-compatibility/2006" xmlns:p14="http://schemas.microsoft.com/office/powerpoint/2010/main">
-    <mc:Choice Requires="p14">
+  <mc:AlternateContent xmlns:mc="http://schemas.openxmlformats.org/markup-compatibility/2006">
+    <mc:Choice xmlns:p14="http://schemas.microsoft.com/office/powerpoint/2010/main" Requires="p14">
       <p:transition spd="slow" p14:dur="1500">
         <p:random/>
       </p:transition>
     </mc:Choice>
-    <mc:Fallback xmlns="">
+    <mc:Fallback>
+      <p:transition spd="slow">
+        <p:random/>
+      </p:transition>
+    </mc:Fallback>
+  </mc:AlternateContent>
+</p:sld>
+</file>
+
+<file path=ppt/slides/slide20.xml><?xml version="1.0" encoding="utf-8"?>
+<p:sld xmlns:a="http://schemas.openxmlformats.org/drawingml/2006/main" xmlns:r="http://schemas.openxmlformats.org/officeDocument/2006/relationships" xmlns:p="http://schemas.openxmlformats.org/presentationml/2006/main">
+  <p:cSld>
+    <p:spTree>
+      <p:nvGrpSpPr>
+        <p:cNvPr id="1" name=""/>
+        <p:cNvGrpSpPr/>
+        <p:nvPr/>
+      </p:nvGrpSpPr>
+      <p:grpSpPr>
+        <a:xfrm>
+          <a:off x="0" y="0"/>
+          <a:ext cx="0" cy="0"/>
+          <a:chOff x="0" y="0"/>
+          <a:chExt cx="0" cy="0"/>
+        </a:xfrm>
+      </p:grpSpPr>
+      <p:sp>
+        <p:nvSpPr>
+          <p:cNvPr id="10" name="矩形 9" descr="e7d195523061f1c09e9d68d7cf438b91ef959ecb14fc25d26BBA7F7DBC18E55DFF4014AF651F0BF2569D4B6C1DA7F1A4683A481403BD872FC687266AD13265C1DE7C373772FD8728ABDD69ADD03BFF5BE2862BC891DBB79E10DB513E374AE534FA998B5905FE5628651D9625737F40972089C532E5406DDB64F9FF52DCC7F4E0E52573EB41B30AC074A5450FD255FE64"/>
+          <p:cNvSpPr/>
+          <p:nvPr/>
+        </p:nvSpPr>
+        <p:spPr>
+          <a:xfrm>
+            <a:off x="91705" y="2279516"/>
+            <a:ext cx="2492990" cy="1015663"/>
+          </a:xfrm>
+          <a:prstGeom prst="rect">
+            <a:avLst/>
+          </a:prstGeom>
+        </p:spPr>
+        <p:txBody>
+          <a:bodyPr wrap="none">
+            <a:spAutoFit/>
+          </a:bodyPr>
+          <a:lstStyle/>
+          <a:p>
+            <a:pPr lvl="0">
+              <a:defRPr/>
+            </a:pPr>
+            <a:r>
+              <a:rPr lang="en-US" altLang="zh-CN" sz="6000" dirty="0">
+                <a:solidFill>
+                  <a:srgbClr val="FBDED3"/>
+                </a:solidFill>
+                <a:latin typeface="Arial" panose="020B0604020202020204"/>
+              </a:rPr>
+              <a:t>DEMO</a:t>
+            </a:r>
+            <a:endParaRPr lang="en-US" altLang="zh-CN" sz="6000" dirty="0">
+              <a:solidFill>
+                <a:srgbClr val="FBDED3"/>
+              </a:solidFill>
+              <a:latin typeface="Arial" panose="020B0604020202020204"/>
+            </a:endParaRPr>
+          </a:p>
+        </p:txBody>
+      </p:sp>
+    </p:spTree>
+  </p:cSld>
+  <p:clrMapOvr>
+    <a:masterClrMapping/>
+  </p:clrMapOvr>
+  <mc:AlternateContent xmlns:mc="http://schemas.openxmlformats.org/markup-compatibility/2006">
+    <mc:Choice xmlns:p14="http://schemas.microsoft.com/office/powerpoint/2010/main" Requires="p14">
+      <p:transition spd="slow" p14:dur="1500">
+        <p:random/>
+      </p:transition>
+    </mc:Choice>
+    <mc:Fallback>
       <p:transition spd="slow">
         <p:random/>
       </p:transition>
@@ -8068,13 +8594,13 @@
   <p:clrMapOvr>
     <a:masterClrMapping/>
   </p:clrMapOvr>
-  <mc:AlternateContent xmlns:mc="http://schemas.openxmlformats.org/markup-compatibility/2006" xmlns:p14="http://schemas.microsoft.com/office/powerpoint/2010/main">
-    <mc:Choice Requires="p14">
+  <mc:AlternateContent xmlns:mc="http://schemas.openxmlformats.org/markup-compatibility/2006">
+    <mc:Choice xmlns:p14="http://schemas.microsoft.com/office/powerpoint/2010/main" Requires="p14">
       <p:transition spd="slow" p14:dur="1500">
         <p:random/>
       </p:transition>
     </mc:Choice>
-    <mc:Fallback xmlns="">
+    <mc:Fallback>
       <p:transition spd="slow">
         <p:random/>
       </p:transition>
@@ -8176,6 +8702,9 @@
               </a:rPr>
               <a:t>1. As a user, I want to register to this platform by using an email, nickname and a password.</a:t>
             </a:r>
+            <a:endParaRPr lang="en-US" sz="2000" b="1" dirty="0">
+              <a:sym typeface="+mn-ea"/>
+            </a:endParaRPr>
           </a:p>
           <a:p>
             <a:pPr marL="0" indent="0">
@@ -8193,6 +8722,9 @@
               </a:rPr>
               <a:t>2. As a user, I want to login to this platform using the account I registered.</a:t>
             </a:r>
+            <a:endParaRPr lang="en-US" sz="2000" b="1" dirty="0">
+              <a:sym typeface="+mn-ea"/>
+            </a:endParaRPr>
           </a:p>
           <a:p>
             <a:pPr marL="0" indent="0">
@@ -8222,6 +8754,9 @@
               </a:rPr>
               <a:t>.</a:t>
             </a:r>
+            <a:endParaRPr lang="en-US" sz="2000" b="1" dirty="0">
+              <a:sym typeface="+mn-ea"/>
+            </a:endParaRPr>
           </a:p>
           <a:p>
             <a:pPr marL="0" indent="0">
@@ -8239,6 +8774,9 @@
               </a:rPr>
               <a:t>4. As a user, I want to know when it is my turn.</a:t>
             </a:r>
+            <a:endParaRPr lang="en-US" sz="2000" b="1" dirty="0">
+              <a:sym typeface="+mn-ea"/>
+            </a:endParaRPr>
           </a:p>
           <a:p>
             <a:pPr marL="0" indent="0">
@@ -8444,6 +8982,14 @@
               </a:rPr>
               <a:t>User Stories</a:t>
             </a:r>
+            <a:endParaRPr lang="en-US" altLang="zh-CN" sz="2400">
+              <a:solidFill>
+                <a:srgbClr val="FBDED3"/>
+              </a:solidFill>
+              <a:latin typeface="+mj-lt"/>
+              <a:ea typeface="+mj-ea"/>
+              <a:sym typeface="Calibri" panose="020F0502020204030204" pitchFamily="34" charset="0"/>
+            </a:endParaRPr>
           </a:p>
         </p:txBody>
       </p:sp>
@@ -8491,7 +9037,7 @@
           <p:nvPr/>
         </p:nvPicPr>
         <p:blipFill rotWithShape="1">
-          <a:blip r:embed="rId2" cstate="print">
+          <a:blip r:embed="rId1" cstate="print">
             <a:extLst>
               <a:ext uri="{28A0092B-C50C-407E-A947-70E740481C1C}">
                 <a14:useLocalDpi xmlns:a14="http://schemas.microsoft.com/office/drawing/2010/main" val="0"/>
@@ -8518,13 +9064,13 @@
   <p:clrMapOvr>
     <a:masterClrMapping/>
   </p:clrMapOvr>
-  <mc:AlternateContent xmlns:mc="http://schemas.openxmlformats.org/markup-compatibility/2006" xmlns:p14="http://schemas.microsoft.com/office/powerpoint/2010/main">
-    <mc:Choice Requires="p14">
+  <mc:AlternateContent xmlns:mc="http://schemas.openxmlformats.org/markup-compatibility/2006">
+    <mc:Choice xmlns:p14="http://schemas.microsoft.com/office/powerpoint/2010/main" Requires="p14">
       <p:transition spd="slow" p14:dur="1500">
         <p:random/>
       </p:transition>
     </mc:Choice>
-    <mc:Fallback xmlns="">
+    <mc:Fallback>
       <p:transition spd="slow">
         <p:random/>
       </p:transition>
@@ -8853,62 +9399,74 @@
               </a:rPr>
               <a:t>()</a:t>
             </a:r>
-          </a:p>
-          <a:p>
-            <a:pPr lvl="1" algn="l"/>
-            <a:r>
-              <a:rPr lang="en-US" sz="2400" dirty="0" err="1">
-                <a:solidFill>
-                  <a:srgbClr val="FBDED3"/>
-                </a:solidFill>
-                <a:sym typeface="+mn-ea"/>
-              </a:rPr>
-              <a:t>boolean</a:t>
-            </a:r>
-            <a:r>
-              <a:rPr lang="en-US" sz="2400" dirty="0">
-                <a:solidFill>
-                  <a:srgbClr val="FBDED3"/>
-                </a:solidFill>
-                <a:sym typeface="+mn-ea"/>
-              </a:rPr>
-              <a:t> </a:t>
-            </a:r>
-            <a:r>
-              <a:rPr lang="en-US" sz="2400" dirty="0" err="1">
-                <a:solidFill>
-                  <a:srgbClr val="FBDED3"/>
-                </a:solidFill>
-                <a:sym typeface="+mn-ea"/>
-              </a:rPr>
-              <a:t>placePiece</a:t>
-            </a:r>
-            <a:r>
-              <a:rPr lang="en-US" sz="2400" dirty="0">
-                <a:solidFill>
-                  <a:srgbClr val="FBDED3"/>
-                </a:solidFill>
-                <a:sym typeface="+mn-ea"/>
-              </a:rPr>
-              <a:t>() </a:t>
-            </a:r>
             <a:endParaRPr lang="en-US" sz="2400" dirty="0">
               <a:solidFill>
                 <a:srgbClr val="FBDED3"/>
               </a:solidFill>
+              <a:sym typeface="+mn-ea"/>
             </a:endParaRPr>
           </a:p>
           <a:p>
             <a:pPr lvl="1" algn="l"/>
             <a:r>
+              <a:rPr lang="en-US" sz="2400" dirty="0" err="1">
+                <a:solidFill>
+                  <a:srgbClr val="FBDED3"/>
+                </a:solidFill>
+                <a:sym typeface="+mn-ea"/>
+              </a:rPr>
+              <a:t>boolean</a:t>
+            </a:r>
+            <a:r>
               <a:rPr lang="en-US" sz="2400" dirty="0">
                 <a:solidFill>
                   <a:srgbClr val="FBDED3"/>
                 </a:solidFill>
                 <a:sym typeface="+mn-ea"/>
               </a:rPr>
+              <a:t> </a:t>
+            </a:r>
+            <a:r>
+              <a:rPr lang="en-US" sz="2400" dirty="0" err="1">
+                <a:solidFill>
+                  <a:srgbClr val="FBDED3"/>
+                </a:solidFill>
+                <a:sym typeface="+mn-ea"/>
+              </a:rPr>
+              <a:t>placePiece</a:t>
+            </a:r>
+            <a:r>
+              <a:rPr lang="en-US" sz="2400" dirty="0">
+                <a:solidFill>
+                  <a:srgbClr val="FBDED3"/>
+                </a:solidFill>
+                <a:sym typeface="+mn-ea"/>
+              </a:rPr>
+              <a:t>() </a:t>
+            </a:r>
+            <a:endParaRPr lang="en-US" sz="2400" dirty="0">
+              <a:solidFill>
+                <a:srgbClr val="FBDED3"/>
+              </a:solidFill>
+            </a:endParaRPr>
+          </a:p>
+          <a:p>
+            <a:pPr lvl="1" algn="l"/>
+            <a:r>
+              <a:rPr lang="en-US" sz="2400" dirty="0">
+                <a:solidFill>
+                  <a:srgbClr val="FBDED3"/>
+                </a:solidFill>
+                <a:sym typeface="+mn-ea"/>
+              </a:rPr>
               <a:t>int move() </a:t>
             </a:r>
+            <a:endParaRPr lang="en-US" sz="2400" dirty="0">
+              <a:solidFill>
+                <a:srgbClr val="FBDED3"/>
+              </a:solidFill>
+              <a:sym typeface="+mn-ea"/>
+            </a:endParaRPr>
           </a:p>
           <a:p>
             <a:pPr lvl="1" algn="l"/>
@@ -8939,6 +9497,12 @@
               </a:rPr>
               <a:t>()</a:t>
             </a:r>
+            <a:endParaRPr lang="en-US" sz="2400" dirty="0">
+              <a:solidFill>
+                <a:srgbClr val="FBDED3"/>
+              </a:solidFill>
+              <a:sym typeface="+mn-ea"/>
+            </a:endParaRPr>
           </a:p>
           <a:p>
             <a:pPr lvl="1" algn="l"/>
@@ -9154,13 +9718,13 @@
   <p:clrMapOvr>
     <a:masterClrMapping/>
   </p:clrMapOvr>
-  <mc:AlternateContent xmlns:mc="http://schemas.openxmlformats.org/markup-compatibility/2006" xmlns:p14="http://schemas.microsoft.com/office/powerpoint/2010/main">
-    <mc:Choice Requires="p14">
+  <mc:AlternateContent xmlns:mc="http://schemas.openxmlformats.org/markup-compatibility/2006">
+    <mc:Choice xmlns:p14="http://schemas.microsoft.com/office/powerpoint/2010/main" Requires="p14">
       <p:transition spd="slow" p14:dur="1500">
         <p:random/>
       </p:transition>
     </mc:Choice>
-    <mc:Fallback xmlns="">
+    <mc:Fallback>
       <p:transition spd="slow">
         <p:random/>
       </p:transition>
@@ -9264,6 +9828,12 @@
               </a:rPr>
               <a:t>  </a:t>
             </a:r>
+            <a:endParaRPr lang="en-US" altLang="zh-CN">
+              <a:solidFill>
+                <a:srgbClr val="FBDED3"/>
+              </a:solidFill>
+              <a:latin typeface="Arial" panose="020B0604020202020204"/>
+            </a:endParaRPr>
           </a:p>
         </p:txBody>
       </p:sp>
@@ -9313,6 +9883,11 @@
               </a:rPr>
               <a:t>. </a:t>
             </a:r>
+            <a:endParaRPr lang="en-US" altLang="zh-CN" sz="2400" b="1" dirty="0">
+              <a:solidFill>
+                <a:srgbClr val="FBDED3"/>
+              </a:solidFill>
+            </a:endParaRPr>
           </a:p>
           <a:p>
             <a:r>
@@ -9323,6 +9898,11 @@
               </a:rPr>
               <a:t>Priority:1 </a:t>
             </a:r>
+            <a:endParaRPr lang="en-US" altLang="zh-CN" sz="2400" b="1" dirty="0">
+              <a:solidFill>
+                <a:srgbClr val="FBDED3"/>
+              </a:solidFill>
+            </a:endParaRPr>
           </a:p>
           <a:p>
             <a:r>
@@ -9333,6 +9913,11 @@
               </a:rPr>
               <a:t>Task: </a:t>
             </a:r>
+            <a:endParaRPr lang="en-US" altLang="zh-CN" sz="2400" b="1" dirty="0">
+              <a:solidFill>
+                <a:srgbClr val="FBDED3"/>
+              </a:solidFill>
+            </a:endParaRPr>
           </a:p>
           <a:p>
             <a:r>
@@ -9343,6 +9928,11 @@
               </a:rPr>
               <a:t>1.Implement ability to display basic game screen to the user </a:t>
             </a:r>
+            <a:endParaRPr lang="en-US" altLang="zh-CN" sz="2400" b="1" dirty="0">
+              <a:solidFill>
+                <a:srgbClr val="FBDED3"/>
+              </a:solidFill>
+            </a:endParaRPr>
           </a:p>
           <a:p>
             <a:r>
@@ -9353,6 +9943,11 @@
               </a:rPr>
               <a:t>2.Write code to achieve chess movement</a:t>
             </a:r>
+            <a:endParaRPr lang="en-US" altLang="zh-CN" sz="2400" b="1" dirty="0">
+              <a:solidFill>
+                <a:srgbClr val="FBDED3"/>
+              </a:solidFill>
+            </a:endParaRPr>
           </a:p>
           <a:p>
             <a:r>
@@ -9363,6 +9958,11 @@
               </a:rPr>
               <a:t>3.Write code to achieve the pieces capturing the opponent’s pieces</a:t>
             </a:r>
+            <a:endParaRPr lang="en-US" altLang="zh-CN" sz="2400" b="1" dirty="0">
+              <a:solidFill>
+                <a:srgbClr val="FBDED3"/>
+              </a:solidFill>
+            </a:endParaRPr>
           </a:p>
           <a:p>
             <a:r>
@@ -9373,6 +9973,11 @@
               </a:rPr>
               <a:t>4.Write code to update game screen</a:t>
             </a:r>
+            <a:endParaRPr lang="en-US" altLang="zh-CN" sz="2400" b="1" dirty="0">
+              <a:solidFill>
+                <a:srgbClr val="FBDED3"/>
+              </a:solidFill>
+            </a:endParaRPr>
           </a:p>
           <a:p>
             <a:r>
@@ -9383,6 +9988,11 @@
               </a:rPr>
               <a:t>5.Write code to add the logout button</a:t>
             </a:r>
+            <a:endParaRPr lang="en-US" altLang="zh-CN" sz="2400" b="1" dirty="0">
+              <a:solidFill>
+                <a:srgbClr val="FBDED3"/>
+              </a:solidFill>
+            </a:endParaRPr>
           </a:p>
           <a:p>
             <a:endParaRPr lang="en-US" altLang="zh-CN" sz="2400" b="1" dirty="0">
@@ -9405,13 +10015,13 @@
   <p:clrMapOvr>
     <a:masterClrMapping/>
   </p:clrMapOvr>
-  <mc:AlternateContent xmlns:mc="http://schemas.openxmlformats.org/markup-compatibility/2006" xmlns:p14="http://schemas.microsoft.com/office/powerpoint/2010/main">
-    <mc:Choice Requires="p14">
+  <mc:AlternateContent xmlns:mc="http://schemas.openxmlformats.org/markup-compatibility/2006">
+    <mc:Choice xmlns:p14="http://schemas.microsoft.com/office/powerpoint/2010/main" Requires="p14">
       <p:transition spd="slow" p14:dur="1500">
         <p:random/>
       </p:transition>
     </mc:Choice>
-    <mc:Fallback xmlns="">
+    <mc:Fallback>
       <p:transition spd="slow">
         <p:random/>
       </p:transition>
@@ -9515,6 +10125,12 @@
               </a:rPr>
               <a:t>  </a:t>
             </a:r>
+            <a:endParaRPr lang="en-US" altLang="zh-CN">
+              <a:solidFill>
+                <a:srgbClr val="FBDED3"/>
+              </a:solidFill>
+              <a:latin typeface="Arial" panose="020B0604020202020204"/>
+            </a:endParaRPr>
           </a:p>
         </p:txBody>
       </p:sp>
@@ -9597,6 +10213,12 @@
               </a:rPr>
               <a:t>1.Write code to determine which users turn it is </a:t>
             </a:r>
+            <a:endParaRPr lang="en-US" altLang="zh-CN" sz="2400" b="1" dirty="0">
+              <a:solidFill>
+                <a:srgbClr val="FBDED3"/>
+              </a:solidFill>
+              <a:sym typeface="+mn-ea"/>
+            </a:endParaRPr>
           </a:p>
           <a:p>
             <a:r>
@@ -9628,13 +10250,13 @@
   <p:clrMapOvr>
     <a:masterClrMapping/>
   </p:clrMapOvr>
-  <mc:AlternateContent xmlns:mc="http://schemas.openxmlformats.org/markup-compatibility/2006" xmlns:p14="http://schemas.microsoft.com/office/powerpoint/2010/main">
-    <mc:Choice Requires="p14">
+  <mc:AlternateContent xmlns:mc="http://schemas.openxmlformats.org/markup-compatibility/2006">
+    <mc:Choice xmlns:p14="http://schemas.microsoft.com/office/powerpoint/2010/main" Requires="p14">
       <p:transition spd="slow" p14:dur="1500">
         <p:random/>
       </p:transition>
     </mc:Choice>
-    <mc:Fallback xmlns="">
+    <mc:Fallback>
       <p:transition spd="slow">
         <p:random/>
       </p:transition>
@@ -9660,131 +10282,6 @@
           <a:chExt cx="0" cy="0"/>
         </a:xfrm>
       </p:grpSpPr>
-      <p:sp>
-        <p:nvSpPr>
-          <p:cNvPr id="21" name="矩形 20" descr="e7d195523061f1c09e9d68d7cf438b91ef959ecb14fc25d26BBA7F7DBC18E55DFF4014AF651F0BF2569D4B6C1DA7F1A4683A481403BD872FC687266AD13265C1DE7C373772FD8728ABDD69ADD03BFF5BE2862BC891DBB79E10DB513E374AE534FA998B5905FE5628651D9625737F40972089C532E5406DDB64F9FF52DCC7F4E0E52573EB41B30AC074A5450FD255FE64"/>
-          <p:cNvSpPr/>
-          <p:nvPr/>
-        </p:nvSpPr>
-        <p:spPr>
-          <a:xfrm>
-            <a:off x="46400" y="1602442"/>
-            <a:ext cx="5636895" cy="1938020"/>
-          </a:xfrm>
-          <a:prstGeom prst="rect">
-            <a:avLst/>
-          </a:prstGeom>
-          <a:noFill/>
-        </p:spPr>
-        <p:txBody>
-          <a:bodyPr wrap="none">
-            <a:spAutoFit/>
-          </a:bodyPr>
-          <a:lstStyle/>
-          <a:p>
-            <a:pPr lvl="1">
-              <a:defRPr/>
-            </a:pPr>
-            <a:r>
-              <a:rPr lang="en-US" altLang="zh-CN" sz="6000">
-                <a:solidFill>
-                  <a:srgbClr val="FBDED3"/>
-                </a:solidFill>
-                <a:latin typeface="Arial" panose="020B0604020202020204"/>
-              </a:rPr>
-              <a:t>CRC Cards &amp;</a:t>
-            </a:r>
-          </a:p>
-          <a:p>
-            <a:pPr lvl="1">
-              <a:defRPr/>
-            </a:pPr>
-            <a:r>
-              <a:rPr lang="en-US" altLang="zh-CN" sz="6000">
-                <a:solidFill>
-                  <a:srgbClr val="FBDED3"/>
-                </a:solidFill>
-                <a:latin typeface="Arial" panose="020B0604020202020204"/>
-              </a:rPr>
-              <a:t>Class Diagram</a:t>
-            </a:r>
-          </a:p>
-        </p:txBody>
-      </p:sp>
-    </p:spTree>
-  </p:cSld>
-  <p:clrMapOvr>
-    <a:masterClrMapping/>
-  </p:clrMapOvr>
-  <mc:AlternateContent xmlns:mc="http://schemas.openxmlformats.org/markup-compatibility/2006" xmlns:p14="http://schemas.microsoft.com/office/powerpoint/2010/main">
-    <mc:Choice Requires="p14">
-      <p:transition spd="slow" p14:dur="1500">
-        <p:random/>
-      </p:transition>
-    </mc:Choice>
-    <mc:Fallback xmlns="">
-      <p:transition spd="slow">
-        <p:random/>
-      </p:transition>
-    </mc:Fallback>
-  </mc:AlternateContent>
-</p:sld>
-</file>
-
-<file path=ppt/slides/slide9.xml><?xml version="1.0" encoding="utf-8"?>
-<p:sld xmlns:a="http://schemas.openxmlformats.org/drawingml/2006/main" xmlns:r="http://schemas.openxmlformats.org/officeDocument/2006/relationships" xmlns:p="http://schemas.openxmlformats.org/presentationml/2006/main">
-  <p:cSld>
-    <p:spTree>
-      <p:nvGrpSpPr>
-        <p:cNvPr id="1" name=""/>
-        <p:cNvGrpSpPr/>
-        <p:nvPr/>
-      </p:nvGrpSpPr>
-      <p:grpSpPr>
-        <a:xfrm>
-          <a:off x="0" y="0"/>
-          <a:ext cx="0" cy="0"/>
-          <a:chOff x="0" y="0"/>
-          <a:chExt cx="0" cy="0"/>
-        </a:xfrm>
-      </p:grpSpPr>
-      <p:sp>
-        <p:nvSpPr>
-          <p:cNvPr id="21" name="矩形 20" descr="e7d195523061f1c09e9d68d7cf438b91ef959ecb14fc25d26BBA7F7DBC18E55DFF4014AF651F0BF2569D4B6C1DA7F1A4683A481403BD872FC687266AD13265C1DE7C373772FD8728ABDD69ADD03BFF5BE2862BC891DBB79E10DB513E374AE534FA998B5905FE5628651D9625737F40972089C532E5406DDB64F9FF52DCC7F4E0E52573EB41B30AC074A5450FD255FE64"/>
-          <p:cNvSpPr/>
-          <p:nvPr/>
-        </p:nvSpPr>
-        <p:spPr>
-          <a:xfrm>
-            <a:off x="2123439" y="241471"/>
-            <a:ext cx="5308600" cy="583565"/>
-          </a:xfrm>
-          <a:prstGeom prst="rect">
-            <a:avLst/>
-          </a:prstGeom>
-          <a:noFill/>
-        </p:spPr>
-        <p:txBody>
-          <a:bodyPr wrap="none">
-            <a:spAutoFit/>
-          </a:bodyPr>
-          <a:lstStyle/>
-          <a:p>
-            <a:pPr lvl="0" algn="ctr">
-              <a:defRPr/>
-            </a:pPr>
-            <a:r>
-              <a:rPr lang="en-US" altLang="zh-CN" sz="3200">
-                <a:solidFill>
-                  <a:srgbClr val="FBDED3"/>
-                </a:solidFill>
-                <a:latin typeface="Arial" panose="020B0604020202020204"/>
-              </a:rPr>
-              <a:t>CRC Cards &amp;Class Diagram</a:t>
-            </a:r>
-          </a:p>
-        </p:txBody>
-      </p:sp>
       <p:cxnSp>
         <p:nvCxnSpPr>
           <p:cNvPr id="3" name="直接连接符 2"/>
@@ -9793,7 +10290,7 @@
         </p:nvCxnSpPr>
         <p:spPr>
           <a:xfrm>
-            <a:off x="4412609" y="824977"/>
+            <a:off x="4412609" y="619872"/>
             <a:ext cx="318782" cy="0"/>
           </a:xfrm>
           <a:prstGeom prst="line">
@@ -9820,114 +10317,594 @@
           </a:fontRef>
         </p:style>
       </p:cxnSp>
-      <p:pic>
-        <p:nvPicPr>
-          <p:cNvPr id="2" name="图片 1"/>
-          <p:cNvPicPr>
-            <a:picLocks noChangeAspect="1"/>
-          </p:cNvPicPr>
+      <p:sp>
+        <p:nvSpPr>
+          <p:cNvPr id="5" name="文本框 4"/>
+          <p:cNvSpPr txBox="1"/>
           <p:nvPr/>
-        </p:nvPicPr>
-        <p:blipFill>
-          <a:blip r:embed="rId2"/>
-          <a:stretch>
-            <a:fillRect/>
-          </a:stretch>
-        </p:blipFill>
+        </p:nvSpPr>
         <p:spPr>
           <a:xfrm>
-            <a:off x="572770" y="951865"/>
-            <a:ext cx="3190875" cy="2310130"/>
+            <a:off x="2822785" y="35911"/>
+            <a:ext cx="3498215" cy="583565"/>
           </a:xfrm>
           <a:prstGeom prst="rect">
             <a:avLst/>
           </a:prstGeom>
+          <a:noFill/>
         </p:spPr>
-      </p:pic>
-      <p:pic>
-        <p:nvPicPr>
-          <p:cNvPr id="4" name="图片 3"/>
-          <p:cNvPicPr>
-            <a:picLocks noChangeAspect="1"/>
-          </p:cNvPicPr>
+        <p:txBody>
+          <a:bodyPr wrap="none" rtlCol="0">
+            <a:spAutoFit/>
+          </a:bodyPr>
+          <a:lstStyle/>
+          <a:p>
+            <a:pPr lvl="0" algn="l">
+              <a:defRPr/>
+            </a:pPr>
+            <a:r>
+              <a:rPr lang="en-US" altLang="zh-CN" sz="3200" b="1">
+                <a:solidFill>
+                  <a:srgbClr val="FBDED3"/>
+                </a:solidFill>
+                <a:sym typeface="+mn-ea"/>
+              </a:rPr>
+              <a:t>Task for User Stories</a:t>
+            </a:r>
+            <a:r>
+              <a:rPr lang="en-US" altLang="zh-CN">
+                <a:solidFill>
+                  <a:srgbClr val="FBDED3"/>
+                </a:solidFill>
+                <a:latin typeface="Arial" panose="020B0604020202020204"/>
+              </a:rPr>
+              <a:t>  </a:t>
+            </a:r>
+            <a:endParaRPr lang="en-US" altLang="zh-CN">
+              <a:solidFill>
+                <a:srgbClr val="FBDED3"/>
+              </a:solidFill>
+              <a:latin typeface="Arial" panose="020B0604020202020204"/>
+            </a:endParaRPr>
+          </a:p>
+        </p:txBody>
+      </p:sp>
+      <p:sp>
+        <p:nvSpPr>
+          <p:cNvPr id="4" name="文本框 3"/>
+          <p:cNvSpPr txBox="1"/>
           <p:nvPr/>
-        </p:nvPicPr>
-        <p:blipFill>
-          <a:blip r:embed="rId3"/>
-          <a:stretch>
-            <a:fillRect/>
-          </a:stretch>
-        </p:blipFill>
+        </p:nvSpPr>
         <p:spPr>
           <a:xfrm>
-            <a:off x="572770" y="3485515"/>
-            <a:ext cx="3190875" cy="1254760"/>
+            <a:off x="780415" y="729615"/>
+            <a:ext cx="7583170" cy="4523105"/>
           </a:xfrm>
           <a:prstGeom prst="rect">
             <a:avLst/>
           </a:prstGeom>
+          <a:noFill/>
         </p:spPr>
-      </p:pic>
-      <p:pic>
-        <p:nvPicPr>
-          <p:cNvPr id="5" name="图片 4"/>
-          <p:cNvPicPr>
-            <a:picLocks noChangeAspect="1"/>
-          </p:cNvPicPr>
-          <p:nvPr/>
-        </p:nvPicPr>
-        <p:blipFill>
-          <a:blip r:embed="rId4"/>
-          <a:stretch>
-            <a:fillRect/>
-          </a:stretch>
-        </p:blipFill>
-        <p:spPr>
-          <a:xfrm>
-            <a:off x="4933950" y="951865"/>
-            <a:ext cx="3046095" cy="2353310"/>
-          </a:xfrm>
-          <a:prstGeom prst="rect">
-            <a:avLst/>
-          </a:prstGeom>
-        </p:spPr>
-      </p:pic>
-      <p:pic>
-        <p:nvPicPr>
-          <p:cNvPr id="6" name="图片 5"/>
-          <p:cNvPicPr>
-            <a:picLocks noChangeAspect="1"/>
-          </p:cNvPicPr>
-          <p:nvPr/>
-        </p:nvPicPr>
-        <p:blipFill>
-          <a:blip r:embed="rId5"/>
-          <a:stretch>
-            <a:fillRect/>
-          </a:stretch>
-        </p:blipFill>
-        <p:spPr>
-          <a:xfrm>
-            <a:off x="4933950" y="3530600"/>
-            <a:ext cx="3046095" cy="1209675"/>
-          </a:xfrm>
-          <a:prstGeom prst="rect">
-            <a:avLst/>
-          </a:prstGeom>
-        </p:spPr>
-      </p:pic>
+        <p:txBody>
+          <a:bodyPr wrap="square" rtlCol="0">
+            <a:spAutoFit/>
+          </a:bodyPr>
+          <a:lstStyle/>
+          <a:p>
+            <a:r>
+              <a:rPr lang="en-US" altLang="zh-CN" sz="2400" b="1" dirty="0">
+                <a:solidFill>
+                  <a:srgbClr val="FBDED3"/>
+                </a:solidFill>
+                <a:sym typeface="+mn-ea"/>
+              </a:rPr>
+              <a:t>• As a user, I want to register to this platform by using an email, nickname and a password. </a:t>
+            </a:r>
+            <a:endParaRPr lang="en-US" altLang="zh-CN" sz="2400" b="1" dirty="0">
+              <a:solidFill>
+                <a:srgbClr val="FBDED3"/>
+              </a:solidFill>
+              <a:sym typeface="+mn-ea"/>
+            </a:endParaRPr>
+          </a:p>
+          <a:p>
+            <a:r>
+              <a:rPr lang="en-US" altLang="zh-CN" sz="2400" b="1" dirty="0">
+                <a:solidFill>
+                  <a:srgbClr val="FBDED3"/>
+                </a:solidFill>
+                <a:sym typeface="+mn-ea"/>
+              </a:rPr>
+              <a:t>Priority:3 </a:t>
+            </a:r>
+            <a:endParaRPr lang="en-US" altLang="zh-CN" sz="2400" b="1" dirty="0">
+              <a:solidFill>
+                <a:srgbClr val="FBDED3"/>
+              </a:solidFill>
+              <a:sym typeface="+mn-ea"/>
+            </a:endParaRPr>
+          </a:p>
+          <a:p>
+            <a:r>
+              <a:rPr lang="en-US" altLang="zh-CN" sz="2400" b="1" dirty="0">
+                <a:solidFill>
+                  <a:srgbClr val="FBDED3"/>
+                </a:solidFill>
+                <a:sym typeface="+mn-ea"/>
+              </a:rPr>
+              <a:t>Task: </a:t>
+            </a:r>
+            <a:endParaRPr lang="en-US" altLang="zh-CN" sz="2400" b="1" dirty="0">
+              <a:solidFill>
+                <a:srgbClr val="FBDED3"/>
+              </a:solidFill>
+              <a:sym typeface="+mn-ea"/>
+            </a:endParaRPr>
+          </a:p>
+          <a:p>
+            <a:r>
+              <a:rPr lang="en-US" altLang="zh-CN" sz="2400" b="1" dirty="0">
+                <a:solidFill>
+                  <a:srgbClr val="FBDED3"/>
+                </a:solidFill>
+                <a:sym typeface="+mn-ea"/>
+              </a:rPr>
+              <a:t>1.Write code about basic register screen</a:t>
+            </a:r>
+            <a:endParaRPr lang="en-US" altLang="zh-CN" sz="2400" b="1" dirty="0">
+              <a:solidFill>
+                <a:srgbClr val="FBDED3"/>
+              </a:solidFill>
+              <a:sym typeface="+mn-ea"/>
+            </a:endParaRPr>
+          </a:p>
+          <a:p>
+            <a:r>
+              <a:rPr lang="en-US" altLang="zh-CN" sz="2400" b="1" dirty="0">
+                <a:solidFill>
+                  <a:srgbClr val="FBDED3"/>
+                </a:solidFill>
+                <a:sym typeface="+mn-ea"/>
+              </a:rPr>
+              <a:t>2.Write code to implement the legality of user information (such as the format of E-mail, length of password).</a:t>
+            </a:r>
+            <a:endParaRPr lang="en-US" altLang="zh-CN" sz="2400" b="1" dirty="0">
+              <a:solidFill>
+                <a:srgbClr val="FBDED3"/>
+              </a:solidFill>
+              <a:sym typeface="+mn-ea"/>
+            </a:endParaRPr>
+          </a:p>
+          <a:p>
+            <a:r>
+              <a:rPr lang="en-US" altLang="zh-CN" sz="2400" b="1" dirty="0">
+                <a:solidFill>
+                  <a:srgbClr val="FBDED3"/>
+                </a:solidFill>
+                <a:sym typeface="+mn-ea"/>
+              </a:rPr>
+              <a:t>3.Write code to implement the registration button and the cancel button</a:t>
+            </a:r>
+            <a:endParaRPr lang="en-US" altLang="zh-CN" sz="2400" b="1" dirty="0">
+              <a:solidFill>
+                <a:srgbClr val="FBDED3"/>
+              </a:solidFill>
+              <a:sym typeface="+mn-ea"/>
+            </a:endParaRPr>
+          </a:p>
+          <a:p>
+            <a:r>
+              <a:rPr lang="en-US" altLang="zh-CN" sz="2400" b="1" dirty="0">
+                <a:solidFill>
+                  <a:srgbClr val="FBDED3"/>
+                </a:solidFill>
+                <a:sym typeface="+mn-ea"/>
+              </a:rPr>
+              <a:t>4.Write code to achieve a successful registration screen and return to the login screen button</a:t>
+            </a:r>
+            <a:endParaRPr lang="en-US" altLang="zh-CN" sz="2400" b="1" dirty="0">
+              <a:solidFill>
+                <a:srgbClr val="FBDED3"/>
+              </a:solidFill>
+              <a:sym typeface="+mn-ea"/>
+            </a:endParaRPr>
+          </a:p>
+          <a:p>
+            <a:endParaRPr lang="en-US" altLang="zh-CN" sz="2400" b="1" dirty="0">
+              <a:solidFill>
+                <a:srgbClr val="FBDED3"/>
+              </a:solidFill>
+            </a:endParaRPr>
+          </a:p>
+        </p:txBody>
+      </p:sp>
     </p:spTree>
   </p:cSld>
   <p:clrMapOvr>
     <a:masterClrMapping/>
   </p:clrMapOvr>
-  <mc:AlternateContent xmlns:mc="http://schemas.openxmlformats.org/markup-compatibility/2006" xmlns:p14="http://schemas.microsoft.com/office/powerpoint/2010/main">
-    <mc:Choice Requires="p14">
+  <mc:AlternateContent xmlns:mc="http://schemas.openxmlformats.org/markup-compatibility/2006">
+    <mc:Choice xmlns:p14="http://schemas.microsoft.com/office/powerpoint/2010/main" Requires="p14">
       <p:transition spd="slow" p14:dur="1500">
         <p:random/>
       </p:transition>
     </mc:Choice>
-    <mc:Fallback xmlns="">
+    <mc:Fallback>
+      <p:transition spd="slow">
+        <p:random/>
+      </p:transition>
+    </mc:Fallback>
+  </mc:AlternateContent>
+</p:sld>
+</file>
+
+<file path=ppt/slides/slide9.xml><?xml version="1.0" encoding="utf-8"?>
+<p:sld xmlns:a="http://schemas.openxmlformats.org/drawingml/2006/main" xmlns:r="http://schemas.openxmlformats.org/officeDocument/2006/relationships" xmlns:p="http://schemas.openxmlformats.org/presentationml/2006/main">
+  <p:cSld>
+    <p:spTree>
+      <p:nvGrpSpPr>
+        <p:cNvPr id="1" name=""/>
+        <p:cNvGrpSpPr/>
+        <p:nvPr/>
+      </p:nvGrpSpPr>
+      <p:grpSpPr>
+        <a:xfrm>
+          <a:off x="0" y="0"/>
+          <a:ext cx="0" cy="0"/>
+          <a:chOff x="0" y="0"/>
+          <a:chExt cx="0" cy="0"/>
+        </a:xfrm>
+      </p:grpSpPr>
+      <p:cxnSp>
+        <p:nvCxnSpPr>
+          <p:cNvPr id="3" name="直接连接符 2"/>
+          <p:cNvCxnSpPr/>
+          <p:nvPr/>
+        </p:nvCxnSpPr>
+        <p:spPr>
+          <a:xfrm>
+            <a:off x="4412609" y="619872"/>
+            <a:ext cx="318782" cy="0"/>
+          </a:xfrm>
+          <a:prstGeom prst="line">
+            <a:avLst/>
+          </a:prstGeom>
+          <a:ln w="19050">
+            <a:solidFill>
+              <a:srgbClr val="FBDED3"/>
+            </a:solidFill>
+          </a:ln>
+        </p:spPr>
+        <p:style>
+          <a:lnRef idx="1">
+            <a:schemeClr val="accent1"/>
+          </a:lnRef>
+          <a:fillRef idx="0">
+            <a:schemeClr val="accent1"/>
+          </a:fillRef>
+          <a:effectRef idx="0">
+            <a:schemeClr val="accent1"/>
+          </a:effectRef>
+          <a:fontRef idx="minor">
+            <a:schemeClr val="tx1"/>
+          </a:fontRef>
+        </p:style>
+      </p:cxnSp>
+      <p:sp>
+        <p:nvSpPr>
+          <p:cNvPr id="5" name="文本框 4"/>
+          <p:cNvSpPr txBox="1"/>
+          <p:nvPr/>
+        </p:nvSpPr>
+        <p:spPr>
+          <a:xfrm>
+            <a:off x="2822785" y="35911"/>
+            <a:ext cx="3498215" cy="583565"/>
+          </a:xfrm>
+          <a:prstGeom prst="rect">
+            <a:avLst/>
+          </a:prstGeom>
+          <a:noFill/>
+        </p:spPr>
+        <p:txBody>
+          <a:bodyPr wrap="none" rtlCol="0">
+            <a:spAutoFit/>
+          </a:bodyPr>
+          <a:lstStyle/>
+          <a:p>
+            <a:pPr lvl="0" algn="l">
+              <a:defRPr/>
+            </a:pPr>
+            <a:r>
+              <a:rPr lang="en-US" altLang="zh-CN" sz="3200" b="1">
+                <a:solidFill>
+                  <a:srgbClr val="FBDED3"/>
+                </a:solidFill>
+                <a:sym typeface="+mn-ea"/>
+              </a:rPr>
+              <a:t>Task for User Stories</a:t>
+            </a:r>
+            <a:r>
+              <a:rPr lang="en-US" altLang="zh-CN">
+                <a:solidFill>
+                  <a:srgbClr val="FBDED3"/>
+                </a:solidFill>
+                <a:latin typeface="Arial" panose="020B0604020202020204"/>
+              </a:rPr>
+              <a:t>  </a:t>
+            </a:r>
+            <a:endParaRPr lang="en-US" altLang="zh-CN">
+              <a:solidFill>
+                <a:srgbClr val="FBDED3"/>
+              </a:solidFill>
+              <a:latin typeface="Arial" panose="020B0604020202020204"/>
+            </a:endParaRPr>
+          </a:p>
+        </p:txBody>
+      </p:sp>
+      <p:sp>
+        <p:nvSpPr>
+          <p:cNvPr id="4" name="文本框 3"/>
+          <p:cNvSpPr txBox="1"/>
+          <p:nvPr/>
+        </p:nvSpPr>
+        <p:spPr>
+          <a:xfrm>
+            <a:off x="626110" y="619760"/>
+            <a:ext cx="8319135" cy="4799965"/>
+          </a:xfrm>
+          <a:prstGeom prst="rect">
+            <a:avLst/>
+          </a:prstGeom>
+          <a:noFill/>
+        </p:spPr>
+        <p:txBody>
+          <a:bodyPr wrap="square" rtlCol="0">
+            <a:spAutoFit/>
+          </a:bodyPr>
+          <a:lstStyle/>
+          <a:p>
+            <a:r>
+              <a:rPr lang="en-US" altLang="zh-CN" b="1" dirty="0">
+                <a:solidFill>
+                  <a:srgbClr val="FBDED3"/>
+                </a:solidFill>
+                <a:sym typeface="+mn-ea"/>
+              </a:rPr>
+              <a:t>• As a user, I want to login to this platform using the account I registered. </a:t>
+            </a:r>
+            <a:endParaRPr lang="en-US" altLang="zh-CN" b="1" dirty="0">
+              <a:solidFill>
+                <a:srgbClr val="FBDED3"/>
+              </a:solidFill>
+              <a:sym typeface="+mn-ea"/>
+            </a:endParaRPr>
+          </a:p>
+          <a:p>
+            <a:r>
+              <a:rPr lang="en-US" altLang="zh-CN" b="1" dirty="0">
+                <a:solidFill>
+                  <a:srgbClr val="FBDED3"/>
+                </a:solidFill>
+                <a:sym typeface="+mn-ea"/>
+              </a:rPr>
+              <a:t>Priority:4 </a:t>
+            </a:r>
+            <a:endParaRPr lang="en-US" altLang="zh-CN" b="1" dirty="0">
+              <a:solidFill>
+                <a:srgbClr val="FBDED3"/>
+              </a:solidFill>
+              <a:sym typeface="+mn-ea"/>
+            </a:endParaRPr>
+          </a:p>
+          <a:p>
+            <a:endParaRPr lang="en-US" altLang="zh-CN" b="1" dirty="0">
+              <a:solidFill>
+                <a:srgbClr val="FBDED3"/>
+              </a:solidFill>
+              <a:sym typeface="+mn-ea"/>
+            </a:endParaRPr>
+          </a:p>
+          <a:p>
+            <a:r>
+              <a:rPr lang="en-US" altLang="zh-CN" b="1" dirty="0">
+                <a:solidFill>
+                  <a:srgbClr val="FBDED3"/>
+                </a:solidFill>
+                <a:sym typeface="+mn-ea"/>
+              </a:rPr>
+              <a:t>Task: </a:t>
+            </a:r>
+            <a:endParaRPr lang="en-US" altLang="zh-CN" b="1" dirty="0">
+              <a:solidFill>
+                <a:srgbClr val="FBDED3"/>
+              </a:solidFill>
+              <a:sym typeface="+mn-ea"/>
+            </a:endParaRPr>
+          </a:p>
+          <a:p>
+            <a:r>
+              <a:rPr lang="en-US" altLang="zh-CN" b="1" dirty="0">
+                <a:solidFill>
+                  <a:srgbClr val="FBDED3"/>
+                </a:solidFill>
+                <a:sym typeface="+mn-ea"/>
+              </a:rPr>
+              <a:t>1.Write code to implement basic Login screen</a:t>
+            </a:r>
+            <a:endParaRPr lang="en-US" altLang="zh-CN" b="1" dirty="0">
+              <a:solidFill>
+                <a:srgbClr val="FBDED3"/>
+              </a:solidFill>
+              <a:sym typeface="+mn-ea"/>
+            </a:endParaRPr>
+          </a:p>
+          <a:p>
+            <a:r>
+              <a:rPr lang="en-US" altLang="zh-CN" b="1" dirty="0">
+                <a:solidFill>
+                  <a:srgbClr val="FBDED3"/>
+                </a:solidFill>
+                <a:sym typeface="+mn-ea"/>
+              </a:rPr>
+              <a:t>2.Write code to implement the legality of user information (such as the format of E-mail, length of password).</a:t>
+            </a:r>
+            <a:endParaRPr lang="en-US" altLang="zh-CN" b="1" dirty="0">
+              <a:solidFill>
+                <a:srgbClr val="FBDED3"/>
+              </a:solidFill>
+              <a:sym typeface="+mn-ea"/>
+            </a:endParaRPr>
+          </a:p>
+          <a:p>
+            <a:r>
+              <a:rPr lang="en-US" altLang="zh-CN" b="1" dirty="0">
+                <a:solidFill>
+                  <a:srgbClr val="FBDED3"/>
+                </a:solidFill>
+                <a:sym typeface="+mn-ea"/>
+              </a:rPr>
+              <a:t>3.Write code to implement the login button and the registration button</a:t>
+            </a:r>
+            <a:endParaRPr lang="en-US" altLang="zh-CN" b="1" dirty="0">
+              <a:solidFill>
+                <a:srgbClr val="FBDED3"/>
+              </a:solidFill>
+              <a:sym typeface="+mn-ea"/>
+            </a:endParaRPr>
+          </a:p>
+          <a:p>
+            <a:endParaRPr lang="en-US" altLang="zh-CN" b="1" dirty="0">
+              <a:solidFill>
+                <a:srgbClr val="FBDED3"/>
+              </a:solidFill>
+              <a:sym typeface="+mn-ea"/>
+            </a:endParaRPr>
+          </a:p>
+          <a:p>
+            <a:r>
+              <a:rPr lang="en-US" altLang="zh-CN" b="1" dirty="0">
+                <a:solidFill>
+                  <a:srgbClr val="FBDED3"/>
+                </a:solidFill>
+                <a:sym typeface="+mn-ea"/>
+              </a:rPr>
+              <a:t>• As a user, I want to be able to logout from my account when I do not want to play, and receive a prompt before it exits. </a:t>
+            </a:r>
+            <a:endParaRPr lang="en-US" altLang="zh-CN" b="1" dirty="0">
+              <a:solidFill>
+                <a:srgbClr val="FBDED3"/>
+              </a:solidFill>
+              <a:sym typeface="+mn-ea"/>
+            </a:endParaRPr>
+          </a:p>
+          <a:p>
+            <a:r>
+              <a:rPr lang="en-US" altLang="zh-CN" b="1" dirty="0">
+                <a:solidFill>
+                  <a:srgbClr val="FBDED3"/>
+                </a:solidFill>
+                <a:sym typeface="+mn-ea"/>
+              </a:rPr>
+              <a:t>Priority:5 </a:t>
+            </a:r>
+            <a:endParaRPr lang="en-US" altLang="zh-CN" b="1" dirty="0">
+              <a:solidFill>
+                <a:srgbClr val="FBDED3"/>
+              </a:solidFill>
+              <a:sym typeface="+mn-ea"/>
+            </a:endParaRPr>
+          </a:p>
+          <a:p>
+            <a:r>
+              <a:rPr lang="en-US" altLang="zh-CN" b="1" dirty="0">
+                <a:solidFill>
+                  <a:srgbClr val="FBDED3"/>
+                </a:solidFill>
+                <a:sym typeface="+mn-ea"/>
+              </a:rPr>
+              <a:t>Task: </a:t>
+            </a:r>
+            <a:endParaRPr lang="en-US" altLang="zh-CN" b="1" dirty="0">
+              <a:solidFill>
+                <a:srgbClr val="FBDED3"/>
+              </a:solidFill>
+              <a:sym typeface="+mn-ea"/>
+            </a:endParaRPr>
+          </a:p>
+          <a:p>
+            <a:r>
+              <a:rPr lang="en-US" altLang="zh-CN" b="1" dirty="0">
+                <a:solidFill>
+                  <a:srgbClr val="FBDED3"/>
+                </a:solidFill>
+                <a:sym typeface="+mn-ea"/>
+              </a:rPr>
+              <a:t>1.Write code to logout prompt screen</a:t>
+            </a:r>
+            <a:endParaRPr lang="en-US" altLang="zh-CN" b="1" dirty="0">
+              <a:solidFill>
+                <a:srgbClr val="FBDED3"/>
+              </a:solidFill>
+              <a:sym typeface="+mn-ea"/>
+            </a:endParaRPr>
+          </a:p>
+          <a:p>
+            <a:r>
+              <a:rPr lang="en-US" altLang="zh-CN" b="1" dirty="0">
+                <a:solidFill>
+                  <a:srgbClr val="FBDED3"/>
+                </a:solidFill>
+                <a:sym typeface="+mn-ea"/>
+              </a:rPr>
+              <a:t>2.Write code to implement the logout button and the return button</a:t>
+            </a:r>
+            <a:endParaRPr lang="en-US" altLang="zh-CN" b="1" dirty="0">
+              <a:solidFill>
+                <a:srgbClr val="FBDED3"/>
+              </a:solidFill>
+              <a:sym typeface="+mn-ea"/>
+            </a:endParaRPr>
+          </a:p>
+          <a:p>
+            <a:r>
+              <a:rPr lang="en-US" altLang="zh-CN" b="1" dirty="0">
+                <a:solidFill>
+                  <a:srgbClr val="FBDED3"/>
+                </a:solidFill>
+                <a:sym typeface="+mn-ea"/>
+              </a:rPr>
+              <a:t>3.Write code to jump back to the login screen</a:t>
+            </a:r>
+            <a:endParaRPr lang="en-US" altLang="zh-CN" b="1" dirty="0">
+              <a:solidFill>
+                <a:srgbClr val="FBDED3"/>
+              </a:solidFill>
+              <a:sym typeface="+mn-ea"/>
+            </a:endParaRPr>
+          </a:p>
+          <a:p>
+            <a:endParaRPr lang="en-US" altLang="zh-CN" b="1" dirty="0">
+              <a:solidFill>
+                <a:srgbClr val="FBDED3"/>
+              </a:solidFill>
+              <a:sym typeface="+mn-ea"/>
+            </a:endParaRPr>
+          </a:p>
+        </p:txBody>
+      </p:sp>
+    </p:spTree>
+  </p:cSld>
+  <p:clrMapOvr>
+    <a:masterClrMapping/>
+  </p:clrMapOvr>
+  <mc:AlternateContent xmlns:mc="http://schemas.openxmlformats.org/markup-compatibility/2006">
+    <mc:Choice xmlns:p14="http://schemas.microsoft.com/office/powerpoint/2010/main" Requires="p14">
+      <p:transition spd="slow" p14:dur="1500">
+        <p:random/>
+      </p:transition>
+    </mc:Choice>
+    <mc:Fallback>
       <p:transition spd="slow">
         <p:random/>
       </p:transition>
@@ -10127,8 +11104,6 @@
       </a:bgFillStyleLst>
     </a:fmtScheme>
   </a:themeElements>
-  <a:objectDefaults/>
-  <a:extraClrSchemeLst/>
   <a:extLst>
     <a:ext uri="{05A4C25C-085E-4340-85A3-A5531E510DB2}">
       <thm15:themeFamily xmlns:thm15="http://schemas.microsoft.com/office/thememl/2012/main" name="Office Theme" id="{62F939B6-93AF-4DB8-9C6B-D6C7DFDC589F}" vid="{4A3C46E8-61CC-4603-A589-7422A47A8E4A}"/>
@@ -10328,8 +11303,6 @@
       </a:bgFillStyleLst>
     </a:fmtScheme>
   </a:themeElements>
-  <a:objectDefaults/>
-  <a:extraClrSchemeLst/>
   <a:extLst>
     <a:ext uri="{05A4C25C-085E-4340-85A3-A5531E510DB2}">
       <thm15:themeFamily xmlns:thm15="http://schemas.microsoft.com/office/thememl/2012/main" name="Office Theme" id="{62F939B6-93AF-4DB8-9C6B-D6C7DFDC589F}" vid="{4A3C46E8-61CC-4603-A589-7422A47A8E4A}"/>
@@ -10589,8 +11562,6 @@
       </a:bgFillStyleLst>
     </a:fmtScheme>
   </a:themeElements>
-  <a:objectDefaults/>
-  <a:extraClrSchemeLst/>
   <a:extLst>
     <a:ext uri="{05A4C25C-085E-4340-85A3-A5531E510DB2}">
       <thm15:themeFamily xmlns:thm15="http://schemas.microsoft.com/office/thememl/2012/main" name="Office Theme" id="{62F939B6-93AF-4DB8-9C6B-D6C7DFDC589F}" vid="{4A3C46E8-61CC-4603-A589-7422A47A8E4A}"/>

--- a/P2/P2-Power Point.pptx
+++ b/P2/P2-Power Point.pptx
@@ -3,32 +3,32 @@
 <p:presentation xmlns:a="http://schemas.openxmlformats.org/drawingml/2006/main" xmlns:r="http://schemas.openxmlformats.org/officeDocument/2006/relationships" xmlns:p="http://schemas.openxmlformats.org/presentationml/2006/main">
   <p:sldMasterIdLst>
     <p:sldMasterId id="2147483648" r:id="rId1"/>
-    <p:sldMasterId id="2147483663" r:id="rId3"/>
+    <p:sldMasterId id="2147483663" r:id="rId2"/>
   </p:sldMasterIdLst>
   <p:handoutMasterIdLst>
-    <p:handoutMasterId r:id="rId24"/>
+    <p:handoutMasterId r:id="rId23"/>
   </p:handoutMasterIdLst>
   <p:sldIdLst>
-    <p:sldId id="256" r:id="rId4"/>
-    <p:sldId id="259" r:id="rId5"/>
-    <p:sldId id="289" r:id="rId6"/>
-    <p:sldId id="265" r:id="rId7"/>
-    <p:sldId id="306" r:id="rId8"/>
-    <p:sldId id="331" r:id="rId9"/>
-    <p:sldId id="366" r:id="rId10"/>
-    <p:sldId id="332" r:id="rId11"/>
-    <p:sldId id="365" r:id="rId12"/>
-    <p:sldId id="290" r:id="rId13"/>
-    <p:sldId id="307" r:id="rId14"/>
-    <p:sldId id="355" r:id="rId15"/>
-    <p:sldId id="311" r:id="rId16"/>
-    <p:sldId id="358" r:id="rId17"/>
-    <p:sldId id="348" r:id="rId18"/>
-    <p:sldId id="314" r:id="rId19"/>
-    <p:sldId id="315" r:id="rId20"/>
-    <p:sldId id="356" r:id="rId21"/>
-    <p:sldId id="359" r:id="rId22"/>
-    <p:sldId id="294" r:id="rId23"/>
+    <p:sldId id="256" r:id="rId3"/>
+    <p:sldId id="259" r:id="rId4"/>
+    <p:sldId id="289" r:id="rId5"/>
+    <p:sldId id="265" r:id="rId6"/>
+    <p:sldId id="306" r:id="rId7"/>
+    <p:sldId id="331" r:id="rId8"/>
+    <p:sldId id="366" r:id="rId9"/>
+    <p:sldId id="332" r:id="rId10"/>
+    <p:sldId id="365" r:id="rId11"/>
+    <p:sldId id="290" r:id="rId12"/>
+    <p:sldId id="307" r:id="rId13"/>
+    <p:sldId id="355" r:id="rId14"/>
+    <p:sldId id="311" r:id="rId15"/>
+    <p:sldId id="358" r:id="rId16"/>
+    <p:sldId id="348" r:id="rId17"/>
+    <p:sldId id="314" r:id="rId18"/>
+    <p:sldId id="315" r:id="rId19"/>
+    <p:sldId id="356" r:id="rId20"/>
+    <p:sldId id="359" r:id="rId21"/>
+    <p:sldId id="294" r:id="rId22"/>
   </p:sldIdLst>
   <p:sldSz cx="9144000" cy="5143500" type="screen16x9"/>
   <p:notesSz cx="6858000" cy="9144000"/>
@@ -128,8 +128,30 @@
     </a:lvl9pPr>
   </p:defaultTextStyle>
   <p:extLst>
+    <p:ext uri="{EFAFB233-063F-42B5-8137-9DF3F51BA10A}">
+      <p15:sldGuideLst xmlns:p15="http://schemas.microsoft.com/office/powerpoint/2012/main">
+        <p15:guide id="1" orient="horz" pos="2676">
+          <p15:clr>
+            <a:srgbClr val="A4A3A4"/>
+          </p15:clr>
+        </p15:guide>
+        <p15:guide id="2" pos="1655">
+          <p15:clr>
+            <a:srgbClr val="A4A3A4"/>
+          </p15:clr>
+        </p15:guide>
+        <p15:guide id="3" pos="2880">
+          <p15:clr>
+            <a:srgbClr val="A4A3A4"/>
+          </p15:clr>
+        </p15:guide>
+      </p15:sldGuideLst>
+    </p:ext>
+    <p:ext uri="{2D200454-40CA-4A62-9FC3-DE9A4176ACB9}">
+      <p15:notesGuideLst xmlns:p15="http://schemas.microsoft.com/office/powerpoint/2012/main"/>
+    </p:ext>
     <p:ext uri="{505F2C04-C923-438B-8C0F-E0CD2BADF298}">
-      <wppc:fontMiss xmlns:wppc="http://www.wps.cn/officeDocument/PresentationCustomData" type="true"/>
+      <wppc:fontMiss xmlns:wppc="http://www.wps.cn/officeDocument/PresentationCustomData" xmlns="" type="true"/>
     </p:ext>
   </p:extLst>
 </p:presentation>
@@ -217,6 +239,7 @@
           <a:p>
             <a:fld id="{EB402216-1DD8-4AB3-8BF0-CFB6DFF12492}" type="datetimeFigureOut">
               <a:rPr lang="zh-CN" altLang="en-US" smtClean="0"/>
+              <a:t>2019/11/6</a:t>
             </a:fld>
             <a:endParaRPr lang="zh-CN" altLang="en-US"/>
           </a:p>
@@ -282,6 +305,7 @@
           <a:p>
             <a:fld id="{D1C69EFE-5A9A-4272-A138-4483215D921A}" type="slidenum">
               <a:rPr lang="zh-CN" altLang="en-US" smtClean="0"/>
+              <a:t>‹#›</a:t>
             </a:fld>
             <a:endParaRPr lang="zh-CN" altLang="en-US"/>
           </a:p>
@@ -346,13 +370,13 @@
   <p:clrMapOvr>
     <a:masterClrMapping/>
   </p:clrMapOvr>
-  <mc:AlternateContent xmlns:mc="http://schemas.openxmlformats.org/markup-compatibility/2006">
-    <mc:Choice xmlns:p14="http://schemas.microsoft.com/office/powerpoint/2010/main" Requires="p14">
+  <mc:AlternateContent xmlns:mc="http://schemas.openxmlformats.org/markup-compatibility/2006" xmlns:p14="http://schemas.microsoft.com/office/powerpoint/2010/main">
+    <mc:Choice Requires="p14">
       <p:transition spd="slow" p14:dur="1500">
         <p:random/>
       </p:transition>
     </mc:Choice>
-    <mc:Fallback>
+    <mc:Fallback xmlns="">
       <p:transition spd="slow">
         <p:random/>
       </p:transition>
@@ -395,6 +419,7 @@
           <a:p>
             <a:fld id="{95666703-9F6B-41A9-8273-A226E2EEC7FD}" type="datetimeFigureOut">
               <a:rPr lang="zh-CN" altLang="en-US" smtClean="0"/>
+              <a:t>2019/11/6</a:t>
             </a:fld>
             <a:endParaRPr lang="zh-CN" altLang="en-US"/>
           </a:p>
@@ -436,6 +461,7 @@
           <a:p>
             <a:fld id="{4F9A4CF2-39D5-471D-AEEA-44C9DDC76718}" type="slidenum">
               <a:rPr lang="zh-CN" altLang="en-US" smtClean="0"/>
+              <a:t>‹#›</a:t>
             </a:fld>
             <a:endParaRPr lang="zh-CN" altLang="en-US"/>
           </a:p>
@@ -446,13 +472,13 @@
   <p:clrMapOvr>
     <a:masterClrMapping/>
   </p:clrMapOvr>
-  <mc:AlternateContent xmlns:mc="http://schemas.openxmlformats.org/markup-compatibility/2006">
-    <mc:Choice xmlns:p14="http://schemas.microsoft.com/office/powerpoint/2010/main" Requires="p14">
+  <mc:AlternateContent xmlns:mc="http://schemas.openxmlformats.org/markup-compatibility/2006" xmlns:p14="http://schemas.microsoft.com/office/powerpoint/2010/main">
+    <mc:Choice Requires="p14">
       <p:transition spd="slow" p14:dur="1500">
         <p:random/>
       </p:transition>
     </mc:Choice>
-    <mc:Fallback>
+    <mc:Fallback xmlns="">
       <p:transition spd="slow">
         <p:random/>
       </p:transition>
@@ -563,7 +589,6 @@
               <a:rPr lang="zh-CN" altLang="en-US"/>
               <a:t>编辑母版文本样式</a:t>
             </a:r>
-            <a:endParaRPr lang="zh-CN" altLang="en-US"/>
           </a:p>
           <a:p>
             <a:pPr lvl="1"/>
@@ -571,7 +596,6 @@
               <a:rPr lang="zh-CN" altLang="en-US"/>
               <a:t>第二级</a:t>
             </a:r>
-            <a:endParaRPr lang="zh-CN" altLang="en-US"/>
           </a:p>
           <a:p>
             <a:pPr lvl="2"/>
@@ -579,7 +603,6 @@
               <a:rPr lang="zh-CN" altLang="en-US"/>
               <a:t>第三级</a:t>
             </a:r>
-            <a:endParaRPr lang="zh-CN" altLang="en-US"/>
           </a:p>
           <a:p>
             <a:pPr lvl="3"/>
@@ -587,7 +610,6 @@
               <a:rPr lang="zh-CN" altLang="en-US"/>
               <a:t>第四级</a:t>
             </a:r>
-            <a:endParaRPr lang="zh-CN" altLang="en-US"/>
           </a:p>
           <a:p>
             <a:pPr lvl="4"/>
@@ -661,7 +683,6 @@
               <a:rPr lang="zh-CN" altLang="en-US"/>
               <a:t>编辑母版文本样式</a:t>
             </a:r>
-            <a:endParaRPr lang="zh-CN" altLang="en-US"/>
           </a:p>
         </p:txBody>
       </p:sp>
@@ -682,6 +703,7 @@
           <a:p>
             <a:fld id="{95666703-9F6B-41A9-8273-A226E2EEC7FD}" type="datetimeFigureOut">
               <a:rPr lang="zh-CN" altLang="en-US" smtClean="0"/>
+              <a:t>2019/11/6</a:t>
             </a:fld>
             <a:endParaRPr lang="zh-CN" altLang="en-US"/>
           </a:p>
@@ -723,6 +745,7 @@
           <a:p>
             <a:fld id="{4F9A4CF2-39D5-471D-AEEA-44C9DDC76718}" type="slidenum">
               <a:rPr lang="zh-CN" altLang="en-US" smtClean="0"/>
+              <a:t>‹#›</a:t>
             </a:fld>
             <a:endParaRPr lang="zh-CN" altLang="en-US"/>
           </a:p>
@@ -733,13 +756,13 @@
   <p:clrMapOvr>
     <a:masterClrMapping/>
   </p:clrMapOvr>
-  <mc:AlternateContent xmlns:mc="http://schemas.openxmlformats.org/markup-compatibility/2006">
-    <mc:Choice xmlns:p14="http://schemas.microsoft.com/office/powerpoint/2010/main" Requires="p14">
+  <mc:AlternateContent xmlns:mc="http://schemas.openxmlformats.org/markup-compatibility/2006" xmlns:p14="http://schemas.microsoft.com/office/powerpoint/2010/main">
+    <mc:Choice Requires="p14">
       <p:transition spd="slow" p14:dur="1500">
         <p:random/>
       </p:transition>
     </mc:Choice>
-    <mc:Fallback>
+    <mc:Fallback xmlns="">
       <p:transition spd="slow">
         <p:random/>
       </p:transition>
@@ -924,7 +947,6 @@
               <a:rPr lang="zh-CN" altLang="en-US"/>
               <a:t>编辑母版文本样式</a:t>
             </a:r>
-            <a:endParaRPr lang="zh-CN" altLang="en-US"/>
           </a:p>
         </p:txBody>
       </p:sp>
@@ -945,6 +967,7 @@
           <a:p>
             <a:fld id="{95666703-9F6B-41A9-8273-A226E2EEC7FD}" type="datetimeFigureOut">
               <a:rPr lang="zh-CN" altLang="en-US" smtClean="0"/>
+              <a:t>2019/11/6</a:t>
             </a:fld>
             <a:endParaRPr lang="zh-CN" altLang="en-US"/>
           </a:p>
@@ -986,6 +1009,7 @@
           <a:p>
             <a:fld id="{4F9A4CF2-39D5-471D-AEEA-44C9DDC76718}" type="slidenum">
               <a:rPr lang="zh-CN" altLang="en-US" smtClean="0"/>
+              <a:t>‹#›</a:t>
             </a:fld>
             <a:endParaRPr lang="zh-CN" altLang="en-US"/>
           </a:p>
@@ -996,13 +1020,13 @@
   <p:clrMapOvr>
     <a:masterClrMapping/>
   </p:clrMapOvr>
-  <mc:AlternateContent xmlns:mc="http://schemas.openxmlformats.org/markup-compatibility/2006">
-    <mc:Choice xmlns:p14="http://schemas.microsoft.com/office/powerpoint/2010/main" Requires="p14">
+  <mc:AlternateContent xmlns:mc="http://schemas.openxmlformats.org/markup-compatibility/2006" xmlns:p14="http://schemas.microsoft.com/office/powerpoint/2010/main">
+    <mc:Choice Requires="p14">
       <p:transition spd="slow" p14:dur="1500">
         <p:random/>
       </p:transition>
     </mc:Choice>
-    <mc:Fallback>
+    <mc:Fallback xmlns="">
       <p:transition spd="slow">
         <p:random/>
       </p:transition>
@@ -1071,7 +1095,6 @@
               <a:rPr lang="zh-CN" altLang="en-US"/>
               <a:t>编辑母版文本样式</a:t>
             </a:r>
-            <a:endParaRPr lang="zh-CN" altLang="en-US"/>
           </a:p>
           <a:p>
             <a:pPr lvl="1"/>
@@ -1079,7 +1102,6 @@
               <a:rPr lang="zh-CN" altLang="en-US"/>
               <a:t>第二级</a:t>
             </a:r>
-            <a:endParaRPr lang="zh-CN" altLang="en-US"/>
           </a:p>
           <a:p>
             <a:pPr lvl="2"/>
@@ -1087,7 +1109,6 @@
               <a:rPr lang="zh-CN" altLang="en-US"/>
               <a:t>第三级</a:t>
             </a:r>
-            <a:endParaRPr lang="zh-CN" altLang="en-US"/>
           </a:p>
           <a:p>
             <a:pPr lvl="3"/>
@@ -1095,7 +1116,6 @@
               <a:rPr lang="zh-CN" altLang="en-US"/>
               <a:t>第四级</a:t>
             </a:r>
-            <a:endParaRPr lang="zh-CN" altLang="en-US"/>
           </a:p>
           <a:p>
             <a:pPr lvl="4"/>
@@ -1124,6 +1144,7 @@
           <a:p>
             <a:fld id="{95666703-9F6B-41A9-8273-A226E2EEC7FD}" type="datetimeFigureOut">
               <a:rPr lang="zh-CN" altLang="en-US" smtClean="0"/>
+              <a:t>2019/11/6</a:t>
             </a:fld>
             <a:endParaRPr lang="zh-CN" altLang="en-US"/>
           </a:p>
@@ -1165,6 +1186,7 @@
           <a:p>
             <a:fld id="{4F9A4CF2-39D5-471D-AEEA-44C9DDC76718}" type="slidenum">
               <a:rPr lang="zh-CN" altLang="en-US" smtClean="0"/>
+              <a:t>‹#›</a:t>
             </a:fld>
             <a:endParaRPr lang="zh-CN" altLang="en-US"/>
           </a:p>
@@ -1175,13 +1197,13 @@
   <p:clrMapOvr>
     <a:masterClrMapping/>
   </p:clrMapOvr>
-  <mc:AlternateContent xmlns:mc="http://schemas.openxmlformats.org/markup-compatibility/2006">
-    <mc:Choice xmlns:p14="http://schemas.microsoft.com/office/powerpoint/2010/main" Requires="p14">
+  <mc:AlternateContent xmlns:mc="http://schemas.openxmlformats.org/markup-compatibility/2006" xmlns:p14="http://schemas.microsoft.com/office/powerpoint/2010/main">
+    <mc:Choice Requires="p14">
       <p:transition spd="slow" p14:dur="1500">
         <p:random/>
       </p:transition>
     </mc:Choice>
-    <mc:Fallback>
+    <mc:Fallback xmlns="">
       <p:transition spd="slow">
         <p:random/>
       </p:transition>
@@ -1260,7 +1282,6 @@
               <a:rPr lang="zh-CN" altLang="en-US"/>
               <a:t>编辑母版文本样式</a:t>
             </a:r>
-            <a:endParaRPr lang="zh-CN" altLang="en-US"/>
           </a:p>
           <a:p>
             <a:pPr lvl="1"/>
@@ -1268,7 +1289,6 @@
               <a:rPr lang="zh-CN" altLang="en-US"/>
               <a:t>第二级</a:t>
             </a:r>
-            <a:endParaRPr lang="zh-CN" altLang="en-US"/>
           </a:p>
           <a:p>
             <a:pPr lvl="2"/>
@@ -1276,7 +1296,6 @@
               <a:rPr lang="zh-CN" altLang="en-US"/>
               <a:t>第三级</a:t>
             </a:r>
-            <a:endParaRPr lang="zh-CN" altLang="en-US"/>
           </a:p>
           <a:p>
             <a:pPr lvl="3"/>
@@ -1284,7 +1303,6 @@
               <a:rPr lang="zh-CN" altLang="en-US"/>
               <a:t>第四级</a:t>
             </a:r>
-            <a:endParaRPr lang="zh-CN" altLang="en-US"/>
           </a:p>
           <a:p>
             <a:pPr lvl="4"/>
@@ -1313,6 +1331,7 @@
           <a:p>
             <a:fld id="{95666703-9F6B-41A9-8273-A226E2EEC7FD}" type="datetimeFigureOut">
               <a:rPr lang="zh-CN" altLang="en-US" smtClean="0"/>
+              <a:t>2019/11/6</a:t>
             </a:fld>
             <a:endParaRPr lang="zh-CN" altLang="en-US"/>
           </a:p>
@@ -1354,6 +1373,7 @@
           <a:p>
             <a:fld id="{4F9A4CF2-39D5-471D-AEEA-44C9DDC76718}" type="slidenum">
               <a:rPr lang="zh-CN" altLang="en-US" smtClean="0"/>
+              <a:t>‹#›</a:t>
             </a:fld>
             <a:endParaRPr lang="zh-CN" altLang="en-US"/>
           </a:p>
@@ -1364,13 +1384,13 @@
   <p:clrMapOvr>
     <a:masterClrMapping/>
   </p:clrMapOvr>
-  <mc:AlternateContent xmlns:mc="http://schemas.openxmlformats.org/markup-compatibility/2006">
-    <mc:Choice xmlns:p14="http://schemas.microsoft.com/office/powerpoint/2010/main" Requires="p14">
+  <mc:AlternateContent xmlns:mc="http://schemas.openxmlformats.org/markup-compatibility/2006" xmlns:p14="http://schemas.microsoft.com/office/powerpoint/2010/main">
+    <mc:Choice Requires="p14">
       <p:transition spd="slow" p14:dur="1500">
         <p:random/>
       </p:transition>
     </mc:Choice>
-    <mc:Fallback>
+    <mc:Fallback xmlns="">
       <p:transition spd="slow">
         <p:random/>
       </p:transition>
@@ -1510,6 +1530,7 @@
           <a:p>
             <a:fld id="{9C3DB8B4-2C49-4FA1-8C80-9F8CC676210A}" type="datetimeFigureOut">
               <a:rPr lang="zh-CN" altLang="en-US" smtClean="0"/>
+              <a:t>2019/11/6</a:t>
             </a:fld>
             <a:endParaRPr lang="zh-CN" altLang="en-US"/>
           </a:p>
@@ -1551,6 +1572,7 @@
           <a:p>
             <a:fld id="{B662284E-E4CE-4A2F-8620-F19FEDCC162F}" type="slidenum">
               <a:rPr lang="zh-CN" altLang="en-US" smtClean="0"/>
+              <a:t>‹#›</a:t>
             </a:fld>
             <a:endParaRPr lang="zh-CN" altLang="en-US"/>
           </a:p>
@@ -1561,13 +1583,13 @@
   <p:clrMapOvr>
     <a:masterClrMapping/>
   </p:clrMapOvr>
-  <mc:AlternateContent xmlns:mc="http://schemas.openxmlformats.org/markup-compatibility/2006">
-    <mc:Choice xmlns:p14="http://schemas.microsoft.com/office/powerpoint/2010/main" Requires="p14">
+  <mc:AlternateContent xmlns:mc="http://schemas.openxmlformats.org/markup-compatibility/2006" xmlns:p14="http://schemas.microsoft.com/office/powerpoint/2010/main">
+    <mc:Choice Requires="p14">
       <p:transition spd="slow" p14:dur="1500">
         <p:random/>
       </p:transition>
     </mc:Choice>
-    <mc:Fallback>
+    <mc:Fallback xmlns="">
       <p:transition spd="slow">
         <p:random/>
       </p:transition>
@@ -1598,13 +1620,13 @@
   <p:clrMapOvr>
     <a:masterClrMapping/>
   </p:clrMapOvr>
-  <mc:AlternateContent xmlns:mc="http://schemas.openxmlformats.org/markup-compatibility/2006">
-    <mc:Choice xmlns:p14="http://schemas.microsoft.com/office/powerpoint/2010/main" Requires="p14">
+  <mc:AlternateContent xmlns:mc="http://schemas.openxmlformats.org/markup-compatibility/2006" xmlns:p14="http://schemas.microsoft.com/office/powerpoint/2010/main">
+    <mc:Choice Requires="p14">
       <p:transition spd="slow" p14:dur="1500">
         <p:random/>
       </p:transition>
     </mc:Choice>
-    <mc:Fallback>
+    <mc:Fallback xmlns="">
       <p:transition spd="slow">
         <p:random/>
       </p:transition>
@@ -1720,7 +1742,6 @@
               <a:rPr lang="zh-CN" altLang="en-US"/>
               <a:t>编辑母版文本样式</a:t>
             </a:r>
-            <a:endParaRPr lang="zh-CN" altLang="en-US"/>
           </a:p>
         </p:txBody>
       </p:sp>
@@ -1749,7 +1770,6 @@
               <a:rPr lang="zh-CN" altLang="en-US"/>
               <a:t>编辑母版文本样式</a:t>
             </a:r>
-            <a:endParaRPr lang="zh-CN" altLang="en-US"/>
           </a:p>
           <a:p>
             <a:pPr lvl="1"/>
@@ -1757,7 +1777,6 @@
               <a:rPr lang="zh-CN" altLang="en-US"/>
               <a:t>第二级</a:t>
             </a:r>
-            <a:endParaRPr lang="zh-CN" altLang="en-US"/>
           </a:p>
           <a:p>
             <a:pPr lvl="2"/>
@@ -1765,7 +1784,6 @@
               <a:rPr lang="zh-CN" altLang="en-US"/>
               <a:t>第三级</a:t>
             </a:r>
-            <a:endParaRPr lang="zh-CN" altLang="en-US"/>
           </a:p>
           <a:p>
             <a:pPr lvl="3"/>
@@ -1773,7 +1791,6 @@
               <a:rPr lang="zh-CN" altLang="en-US"/>
               <a:t>第四级</a:t>
             </a:r>
-            <a:endParaRPr lang="zh-CN" altLang="en-US"/>
           </a:p>
           <a:p>
             <a:pPr lvl="4"/>
@@ -1847,7 +1864,6 @@
               <a:rPr lang="zh-CN" altLang="en-US"/>
               <a:t>编辑母版文本样式</a:t>
             </a:r>
-            <a:endParaRPr lang="zh-CN" altLang="en-US"/>
           </a:p>
         </p:txBody>
       </p:sp>
@@ -1876,7 +1892,6 @@
               <a:rPr lang="zh-CN" altLang="en-US"/>
               <a:t>编辑母版文本样式</a:t>
             </a:r>
-            <a:endParaRPr lang="zh-CN" altLang="en-US"/>
           </a:p>
           <a:p>
             <a:pPr lvl="1"/>
@@ -1884,7 +1899,6 @@
               <a:rPr lang="zh-CN" altLang="en-US"/>
               <a:t>第二级</a:t>
             </a:r>
-            <a:endParaRPr lang="zh-CN" altLang="en-US"/>
           </a:p>
           <a:p>
             <a:pPr lvl="2"/>
@@ -1892,7 +1906,6 @@
               <a:rPr lang="zh-CN" altLang="en-US"/>
               <a:t>第三级</a:t>
             </a:r>
-            <a:endParaRPr lang="zh-CN" altLang="en-US"/>
           </a:p>
           <a:p>
             <a:pPr lvl="3"/>
@@ -1900,7 +1913,6 @@
               <a:rPr lang="zh-CN" altLang="en-US"/>
               <a:t>第四级</a:t>
             </a:r>
-            <a:endParaRPr lang="zh-CN" altLang="en-US"/>
           </a:p>
           <a:p>
             <a:pPr lvl="4"/>
@@ -1929,6 +1941,7 @@
           <a:p>
             <a:fld id="{9C3DB8B4-2C49-4FA1-8C80-9F8CC676210A}" type="datetimeFigureOut">
               <a:rPr lang="zh-CN" altLang="en-US" smtClean="0"/>
+              <a:t>2019/11/6</a:t>
             </a:fld>
             <a:endParaRPr lang="zh-CN" altLang="en-US"/>
           </a:p>
@@ -1970,6 +1983,7 @@
           <a:p>
             <a:fld id="{B662284E-E4CE-4A2F-8620-F19FEDCC162F}" type="slidenum">
               <a:rPr lang="zh-CN" altLang="en-US" smtClean="0"/>
+              <a:t>‹#›</a:t>
             </a:fld>
             <a:endParaRPr lang="zh-CN" altLang="en-US"/>
           </a:p>
@@ -1980,13 +1994,13 @@
   <p:clrMapOvr>
     <a:masterClrMapping/>
   </p:clrMapOvr>
-  <mc:AlternateContent xmlns:mc="http://schemas.openxmlformats.org/markup-compatibility/2006">
-    <mc:Choice xmlns:p14="http://schemas.microsoft.com/office/powerpoint/2010/main" Requires="p14">
+  <mc:AlternateContent xmlns:mc="http://schemas.openxmlformats.org/markup-compatibility/2006" xmlns:p14="http://schemas.microsoft.com/office/powerpoint/2010/main">
+    <mc:Choice Requires="p14">
       <p:transition spd="slow" p14:dur="1500">
         <p:random/>
       </p:transition>
     </mc:Choice>
-    <mc:Fallback>
+    <mc:Fallback xmlns="">
       <p:transition spd="slow">
         <p:random/>
       </p:transition>
@@ -2052,6 +2066,7 @@
           <a:p>
             <a:fld id="{9C3DB8B4-2C49-4FA1-8C80-9F8CC676210A}" type="datetimeFigureOut">
               <a:rPr lang="zh-CN" altLang="en-US" smtClean="0"/>
+              <a:t>2019/11/6</a:t>
             </a:fld>
             <a:endParaRPr lang="zh-CN" altLang="en-US"/>
           </a:p>
@@ -2093,6 +2108,7 @@
           <a:p>
             <a:fld id="{B662284E-E4CE-4A2F-8620-F19FEDCC162F}" type="slidenum">
               <a:rPr lang="zh-CN" altLang="en-US" smtClean="0"/>
+              <a:t>‹#›</a:t>
             </a:fld>
             <a:endParaRPr lang="zh-CN" altLang="en-US"/>
           </a:p>
@@ -2103,13 +2119,13 @@
   <p:clrMapOvr>
     <a:masterClrMapping/>
   </p:clrMapOvr>
-  <mc:AlternateContent xmlns:mc="http://schemas.openxmlformats.org/markup-compatibility/2006">
-    <mc:Choice xmlns:p14="http://schemas.microsoft.com/office/powerpoint/2010/main" Requires="p14">
+  <mc:AlternateContent xmlns:mc="http://schemas.openxmlformats.org/markup-compatibility/2006" xmlns:p14="http://schemas.microsoft.com/office/powerpoint/2010/main">
+    <mc:Choice Requires="p14">
       <p:transition spd="slow" p14:dur="1500">
         <p:random/>
       </p:transition>
     </mc:Choice>
-    <mc:Fallback>
+    <mc:Fallback xmlns="">
       <p:transition spd="slow">
         <p:random/>
       </p:transition>
@@ -2152,6 +2168,7 @@
           <a:p>
             <a:fld id="{9C3DB8B4-2C49-4FA1-8C80-9F8CC676210A}" type="datetimeFigureOut">
               <a:rPr lang="zh-CN" altLang="en-US" smtClean="0"/>
+              <a:t>2019/11/6</a:t>
             </a:fld>
             <a:endParaRPr lang="zh-CN" altLang="en-US"/>
           </a:p>
@@ -2193,6 +2210,7 @@
           <a:p>
             <a:fld id="{B662284E-E4CE-4A2F-8620-F19FEDCC162F}" type="slidenum">
               <a:rPr lang="zh-CN" altLang="en-US" smtClean="0"/>
+              <a:t>‹#›</a:t>
             </a:fld>
             <a:endParaRPr lang="zh-CN" altLang="en-US"/>
           </a:p>
@@ -2203,13 +2221,13 @@
   <p:clrMapOvr>
     <a:masterClrMapping/>
   </p:clrMapOvr>
-  <mc:AlternateContent xmlns:mc="http://schemas.openxmlformats.org/markup-compatibility/2006">
-    <mc:Choice xmlns:p14="http://schemas.microsoft.com/office/powerpoint/2010/main" Requires="p14">
+  <mc:AlternateContent xmlns:mc="http://schemas.openxmlformats.org/markup-compatibility/2006" xmlns:p14="http://schemas.microsoft.com/office/powerpoint/2010/main">
+    <mc:Choice Requires="p14">
       <p:transition spd="slow" p14:dur="1500">
         <p:random/>
       </p:transition>
     </mc:Choice>
-    <mc:Fallback>
+    <mc:Fallback xmlns="">
       <p:transition spd="slow">
         <p:random/>
       </p:transition>
@@ -2271,13 +2289,13 @@
   <p:clrMapOvr>
     <a:masterClrMapping/>
   </p:clrMapOvr>
-  <mc:AlternateContent xmlns:mc="http://schemas.openxmlformats.org/markup-compatibility/2006">
-    <mc:Choice xmlns:p14="http://schemas.microsoft.com/office/powerpoint/2010/main" Requires="p14">
+  <mc:AlternateContent xmlns:mc="http://schemas.openxmlformats.org/markup-compatibility/2006" xmlns:p14="http://schemas.microsoft.com/office/powerpoint/2010/main">
+    <mc:Choice Requires="p14">
       <p:transition spd="slow" p14:dur="1500">
         <p:random/>
       </p:transition>
     </mc:Choice>
-    <mc:Fallback>
+    <mc:Fallback xmlns="">
       <p:transition spd="slow">
         <p:random/>
       </p:transition>
@@ -2388,7 +2406,6 @@
               <a:rPr lang="zh-CN" altLang="en-US"/>
               <a:t>编辑母版文本样式</a:t>
             </a:r>
-            <a:endParaRPr lang="zh-CN" altLang="en-US"/>
           </a:p>
           <a:p>
             <a:pPr lvl="1"/>
@@ -2396,7 +2413,6 @@
               <a:rPr lang="zh-CN" altLang="en-US"/>
               <a:t>第二级</a:t>
             </a:r>
-            <a:endParaRPr lang="zh-CN" altLang="en-US"/>
           </a:p>
           <a:p>
             <a:pPr lvl="2"/>
@@ -2404,7 +2420,6 @@
               <a:rPr lang="zh-CN" altLang="en-US"/>
               <a:t>第三级</a:t>
             </a:r>
-            <a:endParaRPr lang="zh-CN" altLang="en-US"/>
           </a:p>
           <a:p>
             <a:pPr lvl="3"/>
@@ -2412,7 +2427,6 @@
               <a:rPr lang="zh-CN" altLang="en-US"/>
               <a:t>第四级</a:t>
             </a:r>
-            <a:endParaRPr lang="zh-CN" altLang="en-US"/>
           </a:p>
           <a:p>
             <a:pPr lvl="4"/>
@@ -2486,7 +2500,6 @@
               <a:rPr lang="zh-CN" altLang="en-US"/>
               <a:t>编辑母版文本样式</a:t>
             </a:r>
-            <a:endParaRPr lang="zh-CN" altLang="en-US"/>
           </a:p>
         </p:txBody>
       </p:sp>
@@ -2507,6 +2520,7 @@
           <a:p>
             <a:fld id="{9C3DB8B4-2C49-4FA1-8C80-9F8CC676210A}" type="datetimeFigureOut">
               <a:rPr lang="zh-CN" altLang="en-US" smtClean="0"/>
+              <a:t>2019/11/6</a:t>
             </a:fld>
             <a:endParaRPr lang="zh-CN" altLang="en-US"/>
           </a:p>
@@ -2548,6 +2562,7 @@
           <a:p>
             <a:fld id="{B662284E-E4CE-4A2F-8620-F19FEDCC162F}" type="slidenum">
               <a:rPr lang="zh-CN" altLang="en-US" smtClean="0"/>
+              <a:t>‹#›</a:t>
             </a:fld>
             <a:endParaRPr lang="zh-CN" altLang="en-US"/>
           </a:p>
@@ -2558,13 +2573,13 @@
   <p:clrMapOvr>
     <a:masterClrMapping/>
   </p:clrMapOvr>
-  <mc:AlternateContent xmlns:mc="http://schemas.openxmlformats.org/markup-compatibility/2006">
-    <mc:Choice xmlns:p14="http://schemas.microsoft.com/office/powerpoint/2010/main" Requires="p14">
+  <mc:AlternateContent xmlns:mc="http://schemas.openxmlformats.org/markup-compatibility/2006" xmlns:p14="http://schemas.microsoft.com/office/powerpoint/2010/main">
+    <mc:Choice Requires="p14">
       <p:transition spd="slow" p14:dur="1500">
         <p:random/>
       </p:transition>
     </mc:Choice>
-    <mc:Fallback>
+    <mc:Fallback xmlns="">
       <p:transition spd="slow">
         <p:random/>
       </p:transition>
@@ -2749,7 +2764,6 @@
               <a:rPr lang="zh-CN" altLang="en-US"/>
               <a:t>编辑母版文本样式</a:t>
             </a:r>
-            <a:endParaRPr lang="zh-CN" altLang="en-US"/>
           </a:p>
         </p:txBody>
       </p:sp>
@@ -2770,6 +2784,7 @@
           <a:p>
             <a:fld id="{9C3DB8B4-2C49-4FA1-8C80-9F8CC676210A}" type="datetimeFigureOut">
               <a:rPr lang="zh-CN" altLang="en-US" smtClean="0"/>
+              <a:t>2019/11/6</a:t>
             </a:fld>
             <a:endParaRPr lang="zh-CN" altLang="en-US"/>
           </a:p>
@@ -2811,6 +2826,7 @@
           <a:p>
             <a:fld id="{B662284E-E4CE-4A2F-8620-F19FEDCC162F}" type="slidenum">
               <a:rPr lang="zh-CN" altLang="en-US" smtClean="0"/>
+              <a:t>‹#›</a:t>
             </a:fld>
             <a:endParaRPr lang="zh-CN" altLang="en-US"/>
           </a:p>
@@ -2821,13 +2837,13 @@
   <p:clrMapOvr>
     <a:masterClrMapping/>
   </p:clrMapOvr>
-  <mc:AlternateContent xmlns:mc="http://schemas.openxmlformats.org/markup-compatibility/2006">
-    <mc:Choice xmlns:p14="http://schemas.microsoft.com/office/powerpoint/2010/main" Requires="p14">
+  <mc:AlternateContent xmlns:mc="http://schemas.openxmlformats.org/markup-compatibility/2006" xmlns:p14="http://schemas.microsoft.com/office/powerpoint/2010/main">
+    <mc:Choice Requires="p14">
       <p:transition spd="slow" p14:dur="1500">
         <p:random/>
       </p:transition>
     </mc:Choice>
-    <mc:Fallback>
+    <mc:Fallback xmlns="">
       <p:transition spd="slow">
         <p:random/>
       </p:transition>
@@ -2896,7 +2912,6 @@
               <a:rPr lang="zh-CN" altLang="en-US"/>
               <a:t>编辑母版文本样式</a:t>
             </a:r>
-            <a:endParaRPr lang="zh-CN" altLang="en-US"/>
           </a:p>
           <a:p>
             <a:pPr lvl="1"/>
@@ -2904,7 +2919,6 @@
               <a:rPr lang="zh-CN" altLang="en-US"/>
               <a:t>第二级</a:t>
             </a:r>
-            <a:endParaRPr lang="zh-CN" altLang="en-US"/>
           </a:p>
           <a:p>
             <a:pPr lvl="2"/>
@@ -2912,7 +2926,6 @@
               <a:rPr lang="zh-CN" altLang="en-US"/>
               <a:t>第三级</a:t>
             </a:r>
-            <a:endParaRPr lang="zh-CN" altLang="en-US"/>
           </a:p>
           <a:p>
             <a:pPr lvl="3"/>
@@ -2920,7 +2933,6 @@
               <a:rPr lang="zh-CN" altLang="en-US"/>
               <a:t>第四级</a:t>
             </a:r>
-            <a:endParaRPr lang="zh-CN" altLang="en-US"/>
           </a:p>
           <a:p>
             <a:pPr lvl="4"/>
@@ -2949,6 +2961,7 @@
           <a:p>
             <a:fld id="{9C3DB8B4-2C49-4FA1-8C80-9F8CC676210A}" type="datetimeFigureOut">
               <a:rPr lang="zh-CN" altLang="en-US" smtClean="0"/>
+              <a:t>2019/11/6</a:t>
             </a:fld>
             <a:endParaRPr lang="zh-CN" altLang="en-US"/>
           </a:p>
@@ -2990,6 +3003,7 @@
           <a:p>
             <a:fld id="{B662284E-E4CE-4A2F-8620-F19FEDCC162F}" type="slidenum">
               <a:rPr lang="zh-CN" altLang="en-US" smtClean="0"/>
+              <a:t>‹#›</a:t>
             </a:fld>
             <a:endParaRPr lang="zh-CN" altLang="en-US"/>
           </a:p>
@@ -3000,13 +3014,13 @@
   <p:clrMapOvr>
     <a:masterClrMapping/>
   </p:clrMapOvr>
-  <mc:AlternateContent xmlns:mc="http://schemas.openxmlformats.org/markup-compatibility/2006">
-    <mc:Choice xmlns:p14="http://schemas.microsoft.com/office/powerpoint/2010/main" Requires="p14">
+  <mc:AlternateContent xmlns:mc="http://schemas.openxmlformats.org/markup-compatibility/2006" xmlns:p14="http://schemas.microsoft.com/office/powerpoint/2010/main">
+    <mc:Choice Requires="p14">
       <p:transition spd="slow" p14:dur="1500">
         <p:random/>
       </p:transition>
     </mc:Choice>
-    <mc:Fallback>
+    <mc:Fallback xmlns="">
       <p:transition spd="slow">
         <p:random/>
       </p:transition>
@@ -3085,7 +3099,6 @@
               <a:rPr lang="zh-CN" altLang="en-US"/>
               <a:t>编辑母版文本样式</a:t>
             </a:r>
-            <a:endParaRPr lang="zh-CN" altLang="en-US"/>
           </a:p>
           <a:p>
             <a:pPr lvl="1"/>
@@ -3093,7 +3106,6 @@
               <a:rPr lang="zh-CN" altLang="en-US"/>
               <a:t>第二级</a:t>
             </a:r>
-            <a:endParaRPr lang="zh-CN" altLang="en-US"/>
           </a:p>
           <a:p>
             <a:pPr lvl="2"/>
@@ -3101,7 +3113,6 @@
               <a:rPr lang="zh-CN" altLang="en-US"/>
               <a:t>第三级</a:t>
             </a:r>
-            <a:endParaRPr lang="zh-CN" altLang="en-US"/>
           </a:p>
           <a:p>
             <a:pPr lvl="3"/>
@@ -3109,7 +3120,6 @@
               <a:rPr lang="zh-CN" altLang="en-US"/>
               <a:t>第四级</a:t>
             </a:r>
-            <a:endParaRPr lang="zh-CN" altLang="en-US"/>
           </a:p>
           <a:p>
             <a:pPr lvl="4"/>
@@ -3138,6 +3148,7 @@
           <a:p>
             <a:fld id="{9C3DB8B4-2C49-4FA1-8C80-9F8CC676210A}" type="datetimeFigureOut">
               <a:rPr lang="zh-CN" altLang="en-US" smtClean="0"/>
+              <a:t>2019/11/6</a:t>
             </a:fld>
             <a:endParaRPr lang="zh-CN" altLang="en-US"/>
           </a:p>
@@ -3179,6 +3190,7 @@
           <a:p>
             <a:fld id="{B662284E-E4CE-4A2F-8620-F19FEDCC162F}" type="slidenum">
               <a:rPr lang="zh-CN" altLang="en-US" smtClean="0"/>
+              <a:t>‹#›</a:t>
             </a:fld>
             <a:endParaRPr lang="zh-CN" altLang="en-US"/>
           </a:p>
@@ -3189,13 +3201,13 @@
   <p:clrMapOvr>
     <a:masterClrMapping/>
   </p:clrMapOvr>
-  <mc:AlternateContent xmlns:mc="http://schemas.openxmlformats.org/markup-compatibility/2006">
-    <mc:Choice xmlns:p14="http://schemas.microsoft.com/office/powerpoint/2010/main" Requires="p14">
+  <mc:AlternateContent xmlns:mc="http://schemas.openxmlformats.org/markup-compatibility/2006" xmlns:p14="http://schemas.microsoft.com/office/powerpoint/2010/main">
+    <mc:Choice Requires="p14">
       <p:transition spd="slow" p14:dur="1500">
         <p:random/>
       </p:transition>
     </mc:Choice>
-    <mc:Fallback>
+    <mc:Fallback xmlns="">
       <p:transition spd="slow">
         <p:random/>
       </p:transition>
@@ -3257,13 +3269,13 @@
   <p:clrMapOvr>
     <a:masterClrMapping/>
   </p:clrMapOvr>
-  <mc:AlternateContent xmlns:mc="http://schemas.openxmlformats.org/markup-compatibility/2006">
-    <mc:Choice xmlns:p14="http://schemas.microsoft.com/office/powerpoint/2010/main" Requires="p14">
+  <mc:AlternateContent xmlns:mc="http://schemas.openxmlformats.org/markup-compatibility/2006" xmlns:p14="http://schemas.microsoft.com/office/powerpoint/2010/main">
+    <mc:Choice Requires="p14">
       <p:transition spd="slow" p14:dur="1500">
         <p:random/>
       </p:transition>
     </mc:Choice>
-    <mc:Fallback>
+    <mc:Fallback xmlns="">
       <p:transition spd="slow">
         <p:random/>
       </p:transition>
@@ -3325,13 +3337,13 @@
   <p:clrMapOvr>
     <a:masterClrMapping/>
   </p:clrMapOvr>
-  <mc:AlternateContent xmlns:mc="http://schemas.openxmlformats.org/markup-compatibility/2006">
-    <mc:Choice xmlns:p14="http://schemas.microsoft.com/office/powerpoint/2010/main" Requires="p14">
+  <mc:AlternateContent xmlns:mc="http://schemas.openxmlformats.org/markup-compatibility/2006" xmlns:p14="http://schemas.microsoft.com/office/powerpoint/2010/main">
+    <mc:Choice Requires="p14">
       <p:transition spd="slow" p14:dur="1500">
         <p:random/>
       </p:transition>
     </mc:Choice>
-    <mc:Fallback>
+    <mc:Fallback xmlns="">
       <p:transition spd="slow">
         <p:random/>
       </p:transition>
@@ -3489,13 +3501,13 @@
   <p:clrMapOvr>
     <a:masterClrMapping/>
   </p:clrMapOvr>
-  <mc:AlternateContent xmlns:mc="http://schemas.openxmlformats.org/markup-compatibility/2006">
-    <mc:Choice xmlns:p14="http://schemas.microsoft.com/office/powerpoint/2010/main" Requires="p14">
+  <mc:AlternateContent xmlns:mc="http://schemas.openxmlformats.org/markup-compatibility/2006" xmlns:p14="http://schemas.microsoft.com/office/powerpoint/2010/main">
+    <mc:Choice Requires="p14">
       <p:transition spd="slow" p14:dur="1500">
         <p:random/>
       </p:transition>
     </mc:Choice>
-    <mc:Fallback>
+    <mc:Fallback xmlns="">
       <p:transition spd="slow">
         <p:random/>
       </p:transition>
@@ -3557,13 +3569,13 @@
   <p:clrMapOvr>
     <a:masterClrMapping/>
   </p:clrMapOvr>
-  <mc:AlternateContent xmlns:mc="http://schemas.openxmlformats.org/markup-compatibility/2006">
-    <mc:Choice xmlns:p14="http://schemas.microsoft.com/office/powerpoint/2010/main" Requires="p14">
+  <mc:AlternateContent xmlns:mc="http://schemas.openxmlformats.org/markup-compatibility/2006" xmlns:p14="http://schemas.microsoft.com/office/powerpoint/2010/main">
+    <mc:Choice Requires="p14">
       <p:transition spd="slow" p14:dur="1500">
         <p:random/>
       </p:transition>
     </mc:Choice>
-    <mc:Fallback>
+    <mc:Fallback xmlns="">
       <p:transition spd="slow">
         <p:random/>
       </p:transition>
@@ -3637,7 +3649,6 @@
               <a:rPr lang="zh-CN" altLang="en-US"/>
               <a:t>编辑母版文本样式</a:t>
             </a:r>
-            <a:endParaRPr lang="zh-CN" altLang="en-US"/>
           </a:p>
           <a:p>
             <a:pPr lvl="1"/>
@@ -3645,7 +3656,6 @@
               <a:rPr lang="zh-CN" altLang="en-US"/>
               <a:t>第二级</a:t>
             </a:r>
-            <a:endParaRPr lang="zh-CN" altLang="en-US"/>
           </a:p>
           <a:p>
             <a:pPr lvl="2"/>
@@ -3653,7 +3663,6 @@
               <a:rPr lang="zh-CN" altLang="en-US"/>
               <a:t>第三级</a:t>
             </a:r>
-            <a:endParaRPr lang="zh-CN" altLang="en-US"/>
           </a:p>
           <a:p>
             <a:pPr lvl="3"/>
@@ -3661,7 +3670,6 @@
               <a:rPr lang="zh-CN" altLang="en-US"/>
               <a:t>第四级</a:t>
             </a:r>
-            <a:endParaRPr lang="zh-CN" altLang="en-US"/>
           </a:p>
           <a:p>
             <a:pPr lvl="4"/>
@@ -3698,7 +3706,6 @@
               <a:rPr lang="zh-CN" altLang="en-US"/>
               <a:t>编辑母版文本样式</a:t>
             </a:r>
-            <a:endParaRPr lang="zh-CN" altLang="en-US"/>
           </a:p>
           <a:p>
             <a:pPr lvl="1"/>
@@ -3706,7 +3713,6 @@
               <a:rPr lang="zh-CN" altLang="en-US"/>
               <a:t>第二级</a:t>
             </a:r>
-            <a:endParaRPr lang="zh-CN" altLang="en-US"/>
           </a:p>
           <a:p>
             <a:pPr lvl="2"/>
@@ -3714,7 +3720,6 @@
               <a:rPr lang="zh-CN" altLang="en-US"/>
               <a:t>第三级</a:t>
             </a:r>
-            <a:endParaRPr lang="zh-CN" altLang="en-US"/>
           </a:p>
           <a:p>
             <a:pPr lvl="3"/>
@@ -3722,7 +3727,6 @@
               <a:rPr lang="zh-CN" altLang="en-US"/>
               <a:t>第四级</a:t>
             </a:r>
-            <a:endParaRPr lang="zh-CN" altLang="en-US"/>
           </a:p>
           <a:p>
             <a:pPr lvl="4"/>
@@ -3751,6 +3755,7 @@
           <a:p>
             <a:fld id="{95666703-9F6B-41A9-8273-A226E2EEC7FD}" type="datetimeFigureOut">
               <a:rPr lang="zh-CN" altLang="en-US" smtClean="0"/>
+              <a:t>2019/11/6</a:t>
             </a:fld>
             <a:endParaRPr lang="zh-CN" altLang="en-US"/>
           </a:p>
@@ -3792,6 +3797,7 @@
           <a:p>
             <a:fld id="{4F9A4CF2-39D5-471D-AEEA-44C9DDC76718}" type="slidenum">
               <a:rPr lang="zh-CN" altLang="en-US" smtClean="0"/>
+              <a:t>‹#›</a:t>
             </a:fld>
             <a:endParaRPr lang="zh-CN" altLang="en-US"/>
           </a:p>
@@ -3802,13 +3808,13 @@
   <p:clrMapOvr>
     <a:masterClrMapping/>
   </p:clrMapOvr>
-  <mc:AlternateContent xmlns:mc="http://schemas.openxmlformats.org/markup-compatibility/2006">
-    <mc:Choice xmlns:p14="http://schemas.microsoft.com/office/powerpoint/2010/main" Requires="p14">
+  <mc:AlternateContent xmlns:mc="http://schemas.openxmlformats.org/markup-compatibility/2006" xmlns:p14="http://schemas.microsoft.com/office/powerpoint/2010/main">
+    <mc:Choice Requires="p14">
       <p:transition spd="slow" p14:dur="1500">
         <p:random/>
       </p:transition>
     </mc:Choice>
-    <mc:Fallback>
+    <mc:Fallback xmlns="">
       <p:transition spd="slow">
         <p:random/>
       </p:transition>
@@ -3924,7 +3930,6 @@
               <a:rPr lang="zh-CN" altLang="en-US"/>
               <a:t>编辑母版文本样式</a:t>
             </a:r>
-            <a:endParaRPr lang="zh-CN" altLang="en-US"/>
           </a:p>
         </p:txBody>
       </p:sp>
@@ -3953,7 +3958,6 @@
               <a:rPr lang="zh-CN" altLang="en-US"/>
               <a:t>编辑母版文本样式</a:t>
             </a:r>
-            <a:endParaRPr lang="zh-CN" altLang="en-US"/>
           </a:p>
           <a:p>
             <a:pPr lvl="1"/>
@@ -3961,7 +3965,6 @@
               <a:rPr lang="zh-CN" altLang="en-US"/>
               <a:t>第二级</a:t>
             </a:r>
-            <a:endParaRPr lang="zh-CN" altLang="en-US"/>
           </a:p>
           <a:p>
             <a:pPr lvl="2"/>
@@ -3969,7 +3972,6 @@
               <a:rPr lang="zh-CN" altLang="en-US"/>
               <a:t>第三级</a:t>
             </a:r>
-            <a:endParaRPr lang="zh-CN" altLang="en-US"/>
           </a:p>
           <a:p>
             <a:pPr lvl="3"/>
@@ -3977,7 +3979,6 @@
               <a:rPr lang="zh-CN" altLang="en-US"/>
               <a:t>第四级</a:t>
             </a:r>
-            <a:endParaRPr lang="zh-CN" altLang="en-US"/>
           </a:p>
           <a:p>
             <a:pPr lvl="4"/>
@@ -4051,7 +4052,6 @@
               <a:rPr lang="zh-CN" altLang="en-US"/>
               <a:t>编辑母版文本样式</a:t>
             </a:r>
-            <a:endParaRPr lang="zh-CN" altLang="en-US"/>
           </a:p>
         </p:txBody>
       </p:sp>
@@ -4080,7 +4080,6 @@
               <a:rPr lang="zh-CN" altLang="en-US"/>
               <a:t>编辑母版文本样式</a:t>
             </a:r>
-            <a:endParaRPr lang="zh-CN" altLang="en-US"/>
           </a:p>
           <a:p>
             <a:pPr lvl="1"/>
@@ -4088,7 +4087,6 @@
               <a:rPr lang="zh-CN" altLang="en-US"/>
               <a:t>第二级</a:t>
             </a:r>
-            <a:endParaRPr lang="zh-CN" altLang="en-US"/>
           </a:p>
           <a:p>
             <a:pPr lvl="2"/>
@@ -4096,7 +4094,6 @@
               <a:rPr lang="zh-CN" altLang="en-US"/>
               <a:t>第三级</a:t>
             </a:r>
-            <a:endParaRPr lang="zh-CN" altLang="en-US"/>
           </a:p>
           <a:p>
             <a:pPr lvl="3"/>
@@ -4104,7 +4101,6 @@
               <a:rPr lang="zh-CN" altLang="en-US"/>
               <a:t>第四级</a:t>
             </a:r>
-            <a:endParaRPr lang="zh-CN" altLang="en-US"/>
           </a:p>
           <a:p>
             <a:pPr lvl="4"/>
@@ -4133,6 +4129,7 @@
           <a:p>
             <a:fld id="{95666703-9F6B-41A9-8273-A226E2EEC7FD}" type="datetimeFigureOut">
               <a:rPr lang="zh-CN" altLang="en-US" smtClean="0"/>
+              <a:t>2019/11/6</a:t>
             </a:fld>
             <a:endParaRPr lang="zh-CN" altLang="en-US"/>
           </a:p>
@@ -4174,6 +4171,7 @@
           <a:p>
             <a:fld id="{4F9A4CF2-39D5-471D-AEEA-44C9DDC76718}" type="slidenum">
               <a:rPr lang="zh-CN" altLang="en-US" smtClean="0"/>
+              <a:t>‹#›</a:t>
             </a:fld>
             <a:endParaRPr lang="zh-CN" altLang="en-US"/>
           </a:p>
@@ -4184,13 +4182,13 @@
   <p:clrMapOvr>
     <a:masterClrMapping/>
   </p:clrMapOvr>
-  <mc:AlternateContent xmlns:mc="http://schemas.openxmlformats.org/markup-compatibility/2006">
-    <mc:Choice xmlns:p14="http://schemas.microsoft.com/office/powerpoint/2010/main" Requires="p14">
+  <mc:AlternateContent xmlns:mc="http://schemas.openxmlformats.org/markup-compatibility/2006" xmlns:p14="http://schemas.microsoft.com/office/powerpoint/2010/main">
+    <mc:Choice Requires="p14">
       <p:transition spd="slow" p14:dur="1500">
         <p:random/>
       </p:transition>
     </mc:Choice>
-    <mc:Fallback>
+    <mc:Fallback xmlns="">
       <p:transition spd="slow">
         <p:random/>
       </p:transition>
@@ -4256,6 +4254,7 @@
           <a:p>
             <a:fld id="{95666703-9F6B-41A9-8273-A226E2EEC7FD}" type="datetimeFigureOut">
               <a:rPr lang="zh-CN" altLang="en-US" smtClean="0"/>
+              <a:t>2019/11/6</a:t>
             </a:fld>
             <a:endParaRPr lang="zh-CN" altLang="en-US"/>
           </a:p>
@@ -4297,6 +4296,7 @@
           <a:p>
             <a:fld id="{4F9A4CF2-39D5-471D-AEEA-44C9DDC76718}" type="slidenum">
               <a:rPr lang="zh-CN" altLang="en-US" smtClean="0"/>
+              <a:t>‹#›</a:t>
             </a:fld>
             <a:endParaRPr lang="zh-CN" altLang="en-US"/>
           </a:p>
@@ -4307,13 +4307,13 @@
   <p:clrMapOvr>
     <a:masterClrMapping/>
   </p:clrMapOvr>
-  <mc:AlternateContent xmlns:mc="http://schemas.openxmlformats.org/markup-compatibility/2006">
-    <mc:Choice xmlns:p14="http://schemas.microsoft.com/office/powerpoint/2010/main" Requires="p14">
+  <mc:AlternateContent xmlns:mc="http://schemas.openxmlformats.org/markup-compatibility/2006" xmlns:p14="http://schemas.microsoft.com/office/powerpoint/2010/main">
+    <mc:Choice Requires="p14">
       <p:transition spd="slow" p14:dur="1500">
         <p:random/>
       </p:transition>
     </mc:Choice>
-    <mc:Fallback>
+    <mc:Fallback xmlns="">
       <p:transition spd="slow">
         <p:random/>
       </p:transition>
@@ -4407,7 +4407,6 @@
               <a:rPr lang="zh-CN" altLang="en-US"/>
               <a:t>编辑母版文本样式</a:t>
             </a:r>
-            <a:endParaRPr lang="zh-CN" altLang="en-US"/>
           </a:p>
           <a:p>
             <a:pPr lvl="1"/>
@@ -4415,7 +4414,6 @@
               <a:rPr lang="zh-CN" altLang="en-US"/>
               <a:t>第二级</a:t>
             </a:r>
-            <a:endParaRPr lang="zh-CN" altLang="en-US"/>
           </a:p>
           <a:p>
             <a:pPr lvl="2"/>
@@ -4423,7 +4421,6 @@
               <a:rPr lang="zh-CN" altLang="en-US"/>
               <a:t>第三级</a:t>
             </a:r>
-            <a:endParaRPr lang="zh-CN" altLang="en-US"/>
           </a:p>
           <a:p>
             <a:pPr lvl="3"/>
@@ -4431,7 +4428,6 @@
               <a:rPr lang="zh-CN" altLang="en-US"/>
               <a:t>第四级</a:t>
             </a:r>
-            <a:endParaRPr lang="zh-CN" altLang="en-US"/>
           </a:p>
           <a:p>
             <a:pPr lvl="4"/>
@@ -4478,6 +4474,7 @@
           <a:p>
             <a:fld id="{95666703-9F6B-41A9-8273-A226E2EEC7FD}" type="datetimeFigureOut">
               <a:rPr lang="zh-CN" altLang="en-US" smtClean="0"/>
+              <a:t>2019/11/6</a:t>
             </a:fld>
             <a:endParaRPr lang="zh-CN" altLang="en-US"/>
           </a:p>
@@ -4555,6 +4552,7 @@
           <a:p>
             <a:fld id="{4F9A4CF2-39D5-471D-AEEA-44C9DDC76718}" type="slidenum">
               <a:rPr lang="zh-CN" altLang="en-US" smtClean="0"/>
+              <a:t>‹#›</a:t>
             </a:fld>
             <a:endParaRPr lang="zh-CN" altLang="en-US"/>
           </a:p>
@@ -4579,13 +4577,13 @@
     <p:sldLayoutId id="2147483661" r:id="rId13"/>
     <p:sldLayoutId id="2147483662" r:id="rId14"/>
   </p:sldLayoutIdLst>
-  <mc:AlternateContent xmlns:mc="http://schemas.openxmlformats.org/markup-compatibility/2006">
-    <mc:Choice xmlns:p14="http://schemas.microsoft.com/office/powerpoint/2010/main" Requires="p14">
+  <mc:AlternateContent xmlns:mc="http://schemas.openxmlformats.org/markup-compatibility/2006" xmlns:p14="http://schemas.microsoft.com/office/powerpoint/2010/main">
+    <mc:Choice Requires="p14">
       <p:transition spd="slow" p14:dur="1500">
         <p:random/>
       </p:transition>
     </mc:Choice>
-    <mc:Fallback>
+    <mc:Fallback xmlns="">
       <p:transition spd="slow">
         <p:random/>
       </p:transition>
@@ -4959,7 +4957,6 @@
               <a:rPr lang="zh-CN" altLang="en-US"/>
               <a:t>编辑母版文本样式</a:t>
             </a:r>
-            <a:endParaRPr lang="zh-CN" altLang="en-US"/>
           </a:p>
           <a:p>
             <a:pPr lvl="1"/>
@@ -4967,7 +4964,6 @@
               <a:rPr lang="zh-CN" altLang="en-US"/>
               <a:t>第二级</a:t>
             </a:r>
-            <a:endParaRPr lang="zh-CN" altLang="en-US"/>
           </a:p>
           <a:p>
             <a:pPr lvl="2"/>
@@ -4975,7 +4971,6 @@
               <a:rPr lang="zh-CN" altLang="en-US"/>
               <a:t>第三级</a:t>
             </a:r>
-            <a:endParaRPr lang="zh-CN" altLang="en-US"/>
           </a:p>
           <a:p>
             <a:pPr lvl="3"/>
@@ -4983,7 +4978,6 @@
               <a:rPr lang="zh-CN" altLang="en-US"/>
               <a:t>第四级</a:t>
             </a:r>
-            <a:endParaRPr lang="zh-CN" altLang="en-US"/>
           </a:p>
           <a:p>
             <a:pPr lvl="4"/>
@@ -5030,6 +5024,7 @@
           <a:p>
             <a:fld id="{9C3DB8B4-2C49-4FA1-8C80-9F8CC676210A}" type="datetimeFigureOut">
               <a:rPr lang="zh-CN" altLang="en-US" smtClean="0"/>
+              <a:t>2019/11/6</a:t>
             </a:fld>
             <a:endParaRPr lang="zh-CN" altLang="en-US"/>
           </a:p>
@@ -5107,6 +5102,7 @@
           <a:p>
             <a:fld id="{B662284E-E4CE-4A2F-8620-F19FEDCC162F}" type="slidenum">
               <a:rPr lang="zh-CN" altLang="en-US" smtClean="0"/>
+              <a:t>‹#›</a:t>
             </a:fld>
             <a:endParaRPr lang="zh-CN" altLang="en-US"/>
           </a:p>
@@ -5126,13 +5122,13 @@
     <p:sldLayoutId id="2147483671" r:id="rId8"/>
     <p:sldLayoutId id="2147483672" r:id="rId9"/>
   </p:sldLayoutIdLst>
-  <mc:AlternateContent xmlns:mc="http://schemas.openxmlformats.org/markup-compatibility/2006">
-    <mc:Choice xmlns:p14="http://schemas.microsoft.com/office/powerpoint/2010/main" Requires="p14">
+  <mc:AlternateContent xmlns:mc="http://schemas.openxmlformats.org/markup-compatibility/2006" xmlns:p14="http://schemas.microsoft.com/office/powerpoint/2010/main">
+    <mc:Choice Requires="p14">
       <p:transition spd="slow" p14:dur="1500">
         <p:random/>
       </p:transition>
     </mc:Choice>
-    <mc:Fallback>
+    <mc:Fallback xmlns="">
       <p:transition spd="slow">
         <p:random/>
       </p:transition>
@@ -5488,12 +5484,6 @@
               </a:rPr>
               <a:t>-Party A</a:t>
             </a:r>
-            <a:endParaRPr lang="en-US" altLang="zh-CN" sz="2000" dirty="0">
-              <a:solidFill>
-                <a:srgbClr val="FBDED3"/>
-              </a:solidFill>
-              <a:latin typeface="Arial" panose="020B0604020202020204"/>
-            </a:endParaRPr>
           </a:p>
           <a:p>
             <a:pPr lvl="0" algn="l">
@@ -5559,19 +5549,6 @@
               </a:rPr>
               <a:t>Members(A-Z):</a:t>
             </a:r>
-            <a:endParaRPr kumimoji="0" lang="en-US" altLang="zh-CN" sz="1600" b="0" i="0" u="none" strike="noStrike" kern="1200" cap="none" spc="0" normalizeH="0" baseline="0" noProof="0" dirty="0">
-              <a:ln>
-                <a:noFill/>
-              </a:ln>
-              <a:solidFill>
-                <a:srgbClr val="FBDED3"/>
-              </a:solidFill>
-              <a:effectLst/>
-              <a:uLnTx/>
-              <a:uFillTx/>
-              <a:latin typeface="Arial" panose="020B0604020202020204"/>
-              <a:ea typeface="微软雅黑 Light" panose="020B0502040204020203" charset="-122"/>
-            </a:endParaRPr>
           </a:p>
           <a:p>
             <a:pPr lvl="0" algn="l">
@@ -5593,19 +5570,6 @@
               </a:rPr>
               <a:t>Emmett BeAney, Jacinda Li ,Miriam Alzamily, Nana Yin, Shreya Uday</a:t>
             </a:r>
-            <a:endParaRPr kumimoji="0" lang="en-US" altLang="zh-CN" sz="1600" b="0" i="0" u="none" strike="noStrike" kern="1200" cap="none" spc="0" normalizeH="0" baseline="0" noProof="0" dirty="0">
-              <a:ln>
-                <a:noFill/>
-              </a:ln>
-              <a:solidFill>
-                <a:srgbClr val="FBDED3"/>
-              </a:solidFill>
-              <a:effectLst/>
-              <a:uLnTx/>
-              <a:uFillTx/>
-              <a:latin typeface="Arial" panose="020B0604020202020204"/>
-              <a:ea typeface="微软雅黑 Light" panose="020B0502040204020203" charset="-122"/>
-            </a:endParaRPr>
           </a:p>
         </p:txBody>
       </p:sp>
@@ -5664,20 +5628,6 @@
               </a:rPr>
               <a:t>P2-Hnefatafl </a:t>
             </a:r>
-            <a:endParaRPr kumimoji="0" lang="en-US" altLang="zh-CN" sz="8000" i="0" u="none" strike="noStrike" kern="1200" cap="none" spc="0" normalizeH="0" baseline="0" noProof="0">
-              <a:ln>
-                <a:noFill/>
-              </a:ln>
-              <a:solidFill>
-                <a:srgbClr val="FBDED3"/>
-              </a:solidFill>
-              <a:effectLst/>
-              <a:uLnTx/>
-              <a:uFillTx/>
-              <a:latin typeface="Arial" panose="020B0604020202020204"/>
-              <a:ea typeface="微软雅黑 Light" panose="020B0502040204020203" charset="-122"/>
-              <a:cs typeface="+mn-cs"/>
-            </a:endParaRPr>
           </a:p>
         </p:txBody>
       </p:sp>
@@ -5686,13 +5636,13 @@
   <p:clrMapOvr>
     <a:masterClrMapping/>
   </p:clrMapOvr>
-  <mc:AlternateContent xmlns:mc="http://schemas.openxmlformats.org/markup-compatibility/2006">
-    <mc:Choice xmlns:p14="http://schemas.microsoft.com/office/powerpoint/2010/main" Requires="p14">
+  <mc:AlternateContent xmlns:mc="http://schemas.openxmlformats.org/markup-compatibility/2006" xmlns:p14="http://schemas.microsoft.com/office/powerpoint/2010/main">
+    <mc:Choice Requires="p14">
       <p:transition spd="slow" p14:dur="1500">
         <p:random/>
       </p:transition>
     </mc:Choice>
-    <mc:Fallback>
+    <mc:Fallback xmlns="">
       <p:transition spd="slow">
         <p:random/>
       </p:transition>
@@ -5752,12 +5702,6 @@
               </a:rPr>
               <a:t>CRC Cards &amp;</a:t>
             </a:r>
-            <a:endParaRPr lang="en-US" altLang="zh-CN" sz="6000">
-              <a:solidFill>
-                <a:srgbClr val="FBDED3"/>
-              </a:solidFill>
-              <a:latin typeface="Arial" panose="020B0604020202020204"/>
-            </a:endParaRPr>
           </a:p>
           <a:p>
             <a:pPr lvl="1">
@@ -5772,12 +5716,6 @@
               </a:rPr>
               <a:t>Class Diagram</a:t>
             </a:r>
-            <a:endParaRPr lang="en-US" altLang="zh-CN" sz="6000">
-              <a:solidFill>
-                <a:srgbClr val="FBDED3"/>
-              </a:solidFill>
-              <a:latin typeface="Arial" panose="020B0604020202020204"/>
-            </a:endParaRPr>
           </a:p>
         </p:txBody>
       </p:sp>
@@ -5786,13 +5724,13 @@
   <p:clrMapOvr>
     <a:masterClrMapping/>
   </p:clrMapOvr>
-  <mc:AlternateContent xmlns:mc="http://schemas.openxmlformats.org/markup-compatibility/2006">
-    <mc:Choice xmlns:p14="http://schemas.microsoft.com/office/powerpoint/2010/main" Requires="p14">
+  <mc:AlternateContent xmlns:mc="http://schemas.openxmlformats.org/markup-compatibility/2006" xmlns:p14="http://schemas.microsoft.com/office/powerpoint/2010/main">
+    <mc:Choice Requires="p14">
       <p:transition spd="slow" p14:dur="1500">
         <p:random/>
       </p:transition>
     </mc:Choice>
-    <mc:Fallback>
+    <mc:Fallback xmlns="">
       <p:transition spd="slow">
         <p:random/>
       </p:transition>
@@ -5852,12 +5790,6 @@
               </a:rPr>
               <a:t>CRC Cards &amp;Class Diagram</a:t>
             </a:r>
-            <a:endParaRPr lang="en-US" altLang="zh-CN" sz="3200">
-              <a:solidFill>
-                <a:srgbClr val="FBDED3"/>
-              </a:solidFill>
-              <a:latin typeface="Arial" panose="020B0604020202020204"/>
-            </a:endParaRPr>
           </a:p>
         </p:txBody>
       </p:sp>
@@ -5905,30 +5837,6 @@
           <p:nvPr/>
         </p:nvPicPr>
         <p:blipFill>
-          <a:blip r:embed="rId1"/>
-          <a:stretch>
-            <a:fillRect/>
-          </a:stretch>
-        </p:blipFill>
-        <p:spPr>
-          <a:xfrm>
-            <a:off x="572770" y="951865"/>
-            <a:ext cx="3190875" cy="2310130"/>
-          </a:xfrm>
-          <a:prstGeom prst="rect">
-            <a:avLst/>
-          </a:prstGeom>
-        </p:spPr>
-      </p:pic>
-      <p:pic>
-        <p:nvPicPr>
-          <p:cNvPr id="4" name="图片 3"/>
-          <p:cNvPicPr>
-            <a:picLocks noChangeAspect="1"/>
-          </p:cNvPicPr>
-          <p:nvPr/>
-        </p:nvPicPr>
-        <p:blipFill>
           <a:blip r:embed="rId2"/>
           <a:stretch>
             <a:fillRect/>
@@ -5936,8 +5844,8 @@
         </p:blipFill>
         <p:spPr>
           <a:xfrm>
-            <a:off x="572770" y="3485515"/>
-            <a:ext cx="3190875" cy="1254760"/>
+            <a:off x="572770" y="951865"/>
+            <a:ext cx="3190875" cy="2310130"/>
           </a:xfrm>
           <a:prstGeom prst="rect">
             <a:avLst/>
@@ -5946,7 +5854,7 @@
       </p:pic>
       <p:pic>
         <p:nvPicPr>
-          <p:cNvPr id="5" name="图片 4"/>
+          <p:cNvPr id="4" name="图片 3"/>
           <p:cNvPicPr>
             <a:picLocks noChangeAspect="1"/>
           </p:cNvPicPr>
@@ -5960,8 +5868,8 @@
         </p:blipFill>
         <p:spPr>
           <a:xfrm>
-            <a:off x="4933950" y="951865"/>
-            <a:ext cx="3046095" cy="2353310"/>
+            <a:off x="572770" y="3485515"/>
+            <a:ext cx="3190875" cy="1254760"/>
           </a:xfrm>
           <a:prstGeom prst="rect">
             <a:avLst/>
@@ -5970,7 +5878,7 @@
       </p:pic>
       <p:pic>
         <p:nvPicPr>
-          <p:cNvPr id="6" name="图片 5"/>
+          <p:cNvPr id="5" name="图片 4"/>
           <p:cNvPicPr>
             <a:picLocks noChangeAspect="1"/>
           </p:cNvPicPr>
@@ -5984,6 +5892,30 @@
         </p:blipFill>
         <p:spPr>
           <a:xfrm>
+            <a:off x="4933950" y="951865"/>
+            <a:ext cx="3046095" cy="2353310"/>
+          </a:xfrm>
+          <a:prstGeom prst="rect">
+            <a:avLst/>
+          </a:prstGeom>
+        </p:spPr>
+      </p:pic>
+      <p:pic>
+        <p:nvPicPr>
+          <p:cNvPr id="6" name="图片 5"/>
+          <p:cNvPicPr>
+            <a:picLocks noChangeAspect="1"/>
+          </p:cNvPicPr>
+          <p:nvPr/>
+        </p:nvPicPr>
+        <p:blipFill>
+          <a:blip r:embed="rId5"/>
+          <a:stretch>
+            <a:fillRect/>
+          </a:stretch>
+        </p:blipFill>
+        <p:spPr>
+          <a:xfrm>
             <a:off x="4933950" y="3530600"/>
             <a:ext cx="3046095" cy="1209675"/>
           </a:xfrm>
@@ -5997,13 +5929,13 @@
   <p:clrMapOvr>
     <a:masterClrMapping/>
   </p:clrMapOvr>
-  <mc:AlternateContent xmlns:mc="http://schemas.openxmlformats.org/markup-compatibility/2006">
-    <mc:Choice xmlns:p14="http://schemas.microsoft.com/office/powerpoint/2010/main" Requires="p14">
+  <mc:AlternateContent xmlns:mc="http://schemas.openxmlformats.org/markup-compatibility/2006" xmlns:p14="http://schemas.microsoft.com/office/powerpoint/2010/main">
+    <mc:Choice Requires="p14">
       <p:transition spd="slow" p14:dur="1500">
         <p:random/>
       </p:transition>
     </mc:Choice>
-    <mc:Fallback>
+    <mc:Fallback xmlns="">
       <p:transition spd="slow">
         <p:random/>
       </p:transition>
@@ -6063,12 +5995,6 @@
               </a:rPr>
               <a:t>CRC Cards &amp;Class Diagram</a:t>
             </a:r>
-            <a:endParaRPr lang="en-US" altLang="zh-CN" sz="3200">
-              <a:solidFill>
-                <a:srgbClr val="FBDED3"/>
-              </a:solidFill>
-              <a:latin typeface="Arial" panose="020B0604020202020204"/>
-            </a:endParaRPr>
           </a:p>
         </p:txBody>
       </p:sp>
@@ -6116,30 +6042,6 @@
           <p:nvPr/>
         </p:nvPicPr>
         <p:blipFill>
-          <a:blip r:embed="rId1"/>
-          <a:stretch>
-            <a:fillRect/>
-          </a:stretch>
-        </p:blipFill>
-        <p:spPr>
-          <a:xfrm>
-            <a:off x="180975" y="824865"/>
-            <a:ext cx="3241675" cy="2752090"/>
-          </a:xfrm>
-          <a:prstGeom prst="rect">
-            <a:avLst/>
-          </a:prstGeom>
-        </p:spPr>
-      </p:pic>
-      <p:pic>
-        <p:nvPicPr>
-          <p:cNvPr id="8" name="图片 7"/>
-          <p:cNvPicPr>
-            <a:picLocks noChangeAspect="1"/>
-          </p:cNvPicPr>
-          <p:nvPr/>
-        </p:nvPicPr>
-        <p:blipFill>
           <a:blip r:embed="rId2"/>
           <a:stretch>
             <a:fillRect/>
@@ -6147,8 +6049,8 @@
         </p:blipFill>
         <p:spPr>
           <a:xfrm>
-            <a:off x="4486275" y="956945"/>
-            <a:ext cx="3629025" cy="1458595"/>
+            <a:off x="180975" y="824865"/>
+            <a:ext cx="3241675" cy="2752090"/>
           </a:xfrm>
           <a:prstGeom prst="rect">
             <a:avLst/>
@@ -6157,7 +6059,7 @@
       </p:pic>
       <p:pic>
         <p:nvPicPr>
-          <p:cNvPr id="9" name="图片 8"/>
+          <p:cNvPr id="8" name="图片 7"/>
           <p:cNvPicPr>
             <a:picLocks noChangeAspect="1"/>
           </p:cNvPicPr>
@@ -6171,6 +6073,30 @@
         </p:blipFill>
         <p:spPr>
           <a:xfrm>
+            <a:off x="4486275" y="956945"/>
+            <a:ext cx="3629025" cy="1458595"/>
+          </a:xfrm>
+          <a:prstGeom prst="rect">
+            <a:avLst/>
+          </a:prstGeom>
+        </p:spPr>
+      </p:pic>
+      <p:pic>
+        <p:nvPicPr>
+          <p:cNvPr id="9" name="图片 8"/>
+          <p:cNvPicPr>
+            <a:picLocks noChangeAspect="1"/>
+          </p:cNvPicPr>
+          <p:nvPr/>
+        </p:nvPicPr>
+        <p:blipFill>
+          <a:blip r:embed="rId4"/>
+          <a:stretch>
+            <a:fillRect/>
+          </a:stretch>
+        </p:blipFill>
+        <p:spPr>
+          <a:xfrm>
             <a:off x="4412615" y="2804795"/>
             <a:ext cx="3923665" cy="1539875"/>
           </a:xfrm>
@@ -6184,13 +6110,13 @@
   <p:clrMapOvr>
     <a:masterClrMapping/>
   </p:clrMapOvr>
-  <mc:AlternateContent xmlns:mc="http://schemas.openxmlformats.org/markup-compatibility/2006">
-    <mc:Choice xmlns:p14="http://schemas.microsoft.com/office/powerpoint/2010/main" Requires="p14">
+  <mc:AlternateContent xmlns:mc="http://schemas.openxmlformats.org/markup-compatibility/2006" xmlns:p14="http://schemas.microsoft.com/office/powerpoint/2010/main">
+    <mc:Choice Requires="p14">
       <p:transition spd="slow" p14:dur="1500">
         <p:random/>
       </p:transition>
     </mc:Choice>
-    <mc:Fallback>
+    <mc:Fallback xmlns="">
       <p:transition spd="slow">
         <p:random/>
       </p:transition>
@@ -6250,12 +6176,6 @@
               </a:rPr>
               <a:t>Traceability link matrix</a:t>
             </a:r>
-            <a:endParaRPr lang="en-US" altLang="zh-CN" sz="3200" dirty="0">
-              <a:solidFill>
-                <a:srgbClr val="FBDED3"/>
-              </a:solidFill>
-              <a:latin typeface="Arial" panose="020B0604020202020204"/>
-            </a:endParaRPr>
           </a:p>
         </p:txBody>
       </p:sp>
@@ -6303,7 +6223,7 @@
           <p:nvPr/>
         </p:nvPicPr>
         <p:blipFill>
-          <a:blip r:embed="rId1"/>
+          <a:blip r:embed="rId2"/>
           <a:stretch>
             <a:fillRect/>
           </a:stretch>
@@ -6323,13 +6243,13 @@
   <p:clrMapOvr>
     <a:masterClrMapping/>
   </p:clrMapOvr>
-  <mc:AlternateContent xmlns:mc="http://schemas.openxmlformats.org/markup-compatibility/2006">
-    <mc:Choice xmlns:p14="http://schemas.microsoft.com/office/powerpoint/2010/main" Requires="p14">
+  <mc:AlternateContent xmlns:mc="http://schemas.openxmlformats.org/markup-compatibility/2006" xmlns:p14="http://schemas.microsoft.com/office/powerpoint/2010/main">
+    <mc:Choice Requires="p14">
       <p:transition spd="slow" p14:dur="1500">
         <p:random/>
       </p:transition>
     </mc:Choice>
-    <mc:Fallback>
+    <mc:Fallback xmlns="">
       <p:transition spd="slow">
         <p:random/>
       </p:transition>
@@ -6389,12 +6309,6 @@
               </a:rPr>
               <a:t>CRC Cards &amp;Class Diagram</a:t>
             </a:r>
-            <a:endParaRPr lang="en-US" altLang="zh-CN" sz="3200">
-              <a:solidFill>
-                <a:srgbClr val="FBDED3"/>
-              </a:solidFill>
-              <a:latin typeface="Arial" panose="020B0604020202020204"/>
-            </a:endParaRPr>
           </a:p>
         </p:txBody>
       </p:sp>
@@ -6442,7 +6356,7 @@
           <p:nvPr/>
         </p:nvPicPr>
         <p:blipFill>
-          <a:blip r:embed="rId1"/>
+          <a:blip r:embed="rId2"/>
           <a:stretch>
             <a:fillRect/>
           </a:stretch>
@@ -6462,13 +6376,13 @@
   <p:clrMapOvr>
     <a:masterClrMapping/>
   </p:clrMapOvr>
-  <mc:AlternateContent xmlns:mc="http://schemas.openxmlformats.org/markup-compatibility/2006">
-    <mc:Choice xmlns:p14="http://schemas.microsoft.com/office/powerpoint/2010/main" Requires="p14">
+  <mc:AlternateContent xmlns:mc="http://schemas.openxmlformats.org/markup-compatibility/2006" xmlns:p14="http://schemas.microsoft.com/office/powerpoint/2010/main">
+    <mc:Choice Requires="p14">
       <p:transition spd="slow" p14:dur="1500">
         <p:random/>
       </p:transition>
     </mc:Choice>
-    <mc:Fallback>
+    <mc:Fallback xmlns="">
       <p:transition spd="slow">
         <p:random/>
       </p:transition>
@@ -6528,12 +6442,6 @@
               </a:rPr>
               <a:t>Kanban</a:t>
             </a:r>
-            <a:endParaRPr lang="en-US" altLang="zh-CN" sz="3200">
-              <a:solidFill>
-                <a:srgbClr val="FBDED3"/>
-              </a:solidFill>
-              <a:latin typeface="Arial" panose="020B0604020202020204"/>
-            </a:endParaRPr>
           </a:p>
         </p:txBody>
       </p:sp>
@@ -6581,7 +6489,7 @@
           <p:nvPr/>
         </p:nvPicPr>
         <p:blipFill>
-          <a:blip r:embed="rId1"/>
+          <a:blip r:embed="rId2"/>
           <a:stretch>
             <a:fillRect/>
           </a:stretch>
@@ -6601,13 +6509,13 @@
   <p:clrMapOvr>
     <a:masterClrMapping/>
   </p:clrMapOvr>
-  <mc:AlternateContent xmlns:mc="http://schemas.openxmlformats.org/markup-compatibility/2006">
-    <mc:Choice xmlns:p14="http://schemas.microsoft.com/office/powerpoint/2010/main" Requires="p14">
+  <mc:AlternateContent xmlns:mc="http://schemas.openxmlformats.org/markup-compatibility/2006" xmlns:p14="http://schemas.microsoft.com/office/powerpoint/2010/main">
+    <mc:Choice Requires="p14">
       <p:transition spd="slow" p14:dur="1500">
         <p:random/>
       </p:transition>
     </mc:Choice>
-    <mc:Fallback>
+    <mc:Fallback xmlns="">
       <p:transition spd="slow">
         <p:random/>
       </p:transition>
@@ -6671,13 +6579,6 @@
               </a:rPr>
               <a:t>Sprint Review </a:t>
             </a:r>
-            <a:endParaRPr lang="en-US" altLang="zh-CN" sz="6000" dirty="0">
-              <a:solidFill>
-                <a:srgbClr val="FBDED3"/>
-              </a:solidFill>
-              <a:latin typeface="Arial" panose="020B0604020202020204"/>
-              <a:sym typeface="+mn-ea"/>
-            </a:endParaRPr>
           </a:p>
           <a:p>
             <a:pPr lvl="0" algn="l">
@@ -6695,12 +6596,6 @@
               </a:rPr>
               <a:t>and Retrospective</a:t>
             </a:r>
-            <a:endParaRPr lang="en-US" altLang="zh-CN" sz="6000" dirty="0">
-              <a:solidFill>
-                <a:srgbClr val="FBDED3"/>
-              </a:solidFill>
-              <a:latin typeface="Arial" panose="020B0604020202020204"/>
-            </a:endParaRPr>
           </a:p>
         </p:txBody>
       </p:sp>
@@ -6709,13 +6604,13 @@
   <p:clrMapOvr>
     <a:masterClrMapping/>
   </p:clrMapOvr>
-  <mc:AlternateContent xmlns:mc="http://schemas.openxmlformats.org/markup-compatibility/2006">
-    <mc:Choice xmlns:p14="http://schemas.microsoft.com/office/powerpoint/2010/main" Requires="p14">
+  <mc:AlternateContent xmlns:mc="http://schemas.openxmlformats.org/markup-compatibility/2006" xmlns:p14="http://schemas.microsoft.com/office/powerpoint/2010/main">
+    <mc:Choice Requires="p14">
       <p:transition spd="slow" p14:dur="1500">
         <p:random/>
       </p:transition>
     </mc:Choice>
-    <mc:Fallback>
+    <mc:Fallback xmlns="">
       <p:transition spd="slow">
         <p:random/>
       </p:transition>
@@ -7027,7 +6922,6 @@
               <a:rPr lang="en-US" altLang="zh-CN" sz="2400" b="1" dirty="0"/>
               <a:t>Daily scrums:</a:t>
             </a:r>
-            <a:endParaRPr lang="en-US" altLang="zh-CN" sz="2400" b="1" dirty="0"/>
           </a:p>
           <a:p>
             <a:endParaRPr lang="en-US" altLang="zh-CN" sz="2400" b="1" dirty="0"/>
@@ -7041,7 +6935,6 @@
               <a:rPr lang="en-US" altLang="zh-CN" dirty="0"/>
               <a:t>Discussed progress</a:t>
             </a:r>
-            <a:endParaRPr lang="en-US" altLang="zh-CN" dirty="0"/>
           </a:p>
           <a:p>
             <a:pPr marL="285750" indent="-285750">
@@ -7084,7 +6977,6 @@
               <a:rPr lang="en-US" altLang="zh-CN" dirty="0"/>
               <a:t>Went over results of sprint</a:t>
             </a:r>
-            <a:endParaRPr lang="en-US" altLang="zh-CN" dirty="0"/>
           </a:p>
           <a:p>
             <a:pPr marL="285750" indent="-285750">
@@ -7095,7 +6987,6 @@
               <a:rPr lang="en-US" altLang="zh-CN" dirty="0"/>
               <a:t>Made changes as needed according to product owner</a:t>
             </a:r>
-            <a:endParaRPr lang="en-US" altLang="zh-CN" dirty="0"/>
           </a:p>
           <a:p>
             <a:pPr marL="285750" indent="-285750">
@@ -7142,11 +7033,6 @@
               </a:rPr>
               <a:t>Retrospective:</a:t>
             </a:r>
-            <a:endParaRPr lang="en-US" altLang="zh-CN" sz="2400" b="1">
-              <a:solidFill>
-                <a:srgbClr val="EEE5E6"/>
-              </a:solidFill>
-            </a:endParaRPr>
           </a:p>
           <a:p>
             <a:pPr indent="0" algn="l">
@@ -7176,11 +7062,6 @@
               </a:rPr>
               <a:t>Identified what could improve</a:t>
             </a:r>
-            <a:endParaRPr lang="en-US" altLang="zh-CN" sz="2400" b="1">
-              <a:solidFill>
-                <a:srgbClr val="EEE5E6"/>
-              </a:solidFill>
-            </a:endParaRPr>
           </a:p>
           <a:p>
             <a:pPr indent="0" algn="l">
@@ -7210,11 +7091,6 @@
               </a:rPr>
               <a:t>Identified what went well</a:t>
             </a:r>
-            <a:endParaRPr lang="en-US" altLang="zh-CN" sz="2400" b="1">
-              <a:solidFill>
-                <a:srgbClr val="EEE5E6"/>
-              </a:solidFill>
-            </a:endParaRPr>
           </a:p>
         </p:txBody>
       </p:sp>
@@ -7223,13 +7099,13 @@
   <p:clrMapOvr>
     <a:masterClrMapping/>
   </p:clrMapOvr>
-  <mc:AlternateContent xmlns:mc="http://schemas.openxmlformats.org/markup-compatibility/2006">
-    <mc:Choice xmlns:p14="http://schemas.microsoft.com/office/powerpoint/2010/main" Requires="p14">
+  <mc:AlternateContent xmlns:mc="http://schemas.openxmlformats.org/markup-compatibility/2006" xmlns:p14="http://schemas.microsoft.com/office/powerpoint/2010/main">
+    <mc:Choice Requires="p14">
       <p:transition spd="slow" p14:dur="1500">
         <p:random/>
       </p:transition>
     </mc:Choice>
-    <mc:Fallback>
+    <mc:Fallback xmlns="">
       <p:transition spd="slow">
         <p:random/>
       </p:transition>
@@ -7505,11 +7381,6 @@
               </a:rPr>
               <a:t>10/11-During this scrum, we discussed the file content of P2 together and allocated the files within the file.</a:t>
             </a:r>
-            <a:endParaRPr lang="en-US" altLang="zh-CN" sz="2000" b="1" dirty="0">
-              <a:solidFill>
-                <a:srgbClr val="EEE5E6"/>
-              </a:solidFill>
-            </a:endParaRPr>
           </a:p>
           <a:p>
             <a:pPr indent="0" algn="l">
@@ -7539,11 +7410,6 @@
               </a:rPr>
               <a:t>10/21-During this scrum, we asked the professor about the parts of the P1 document that could be improved. The task of file improvement was assigned.</a:t>
             </a:r>
-            <a:endParaRPr lang="en-US" altLang="zh-CN" sz="2000" b="1" dirty="0">
-              <a:solidFill>
-                <a:srgbClr val="EEE5E6"/>
-              </a:solidFill>
-            </a:endParaRPr>
           </a:p>
           <a:p>
             <a:pPr indent="0" algn="l">
@@ -7573,11 +7439,6 @@
               </a:rPr>
               <a:t>10/24-During this scrum, we solved the game's implementation of the code logic for the round, assigned code tasks based on the improved task and each person's familiar direction, and worked out the deadline.</a:t>
             </a:r>
-            <a:endParaRPr lang="en-US" altLang="zh-CN" sz="2000" b="1" dirty="0">
-              <a:solidFill>
-                <a:srgbClr val="EEE5E6"/>
-              </a:solidFill>
-            </a:endParaRPr>
           </a:p>
           <a:p>
             <a:pPr indent="0" algn="l">
@@ -7608,12 +7469,6 @@
               </a:rPr>
               <a:t>10/31-During this scrum,  we integrated the code into a project.</a:t>
             </a:r>
-            <a:endParaRPr lang="en-US" altLang="zh-CN" sz="2000" b="1" dirty="0">
-              <a:solidFill>
-                <a:srgbClr val="EEE5E6"/>
-              </a:solidFill>
-              <a:sym typeface="+mn-ea"/>
-            </a:endParaRPr>
           </a:p>
           <a:p>
             <a:pPr indent="0" algn="l">
@@ -7648,13 +7503,13 @@
   <p:clrMapOvr>
     <a:masterClrMapping/>
   </p:clrMapOvr>
-  <mc:AlternateContent xmlns:mc="http://schemas.openxmlformats.org/markup-compatibility/2006">
-    <mc:Choice xmlns:p14="http://schemas.microsoft.com/office/powerpoint/2010/main" Requires="p14">
+  <mc:AlternateContent xmlns:mc="http://schemas.openxmlformats.org/markup-compatibility/2006" xmlns:p14="http://schemas.microsoft.com/office/powerpoint/2010/main">
+    <mc:Choice Requires="p14">
       <p:transition spd="slow" p14:dur="1500">
         <p:random/>
       </p:transition>
     </mc:Choice>
-    <mc:Fallback>
+    <mc:Fallback xmlns="">
       <p:transition spd="slow">
         <p:random/>
       </p:transition>
@@ -7931,12 +7786,6 @@
               </a:rPr>
               <a:t>What went well:</a:t>
             </a:r>
-            <a:endParaRPr lang="en-US" altLang="zh-CN" sz="2000" b="1" dirty="0">
-              <a:solidFill>
-                <a:srgbClr val="EEE5E6"/>
-              </a:solidFill>
-              <a:sym typeface="+mn-ea"/>
-            </a:endParaRPr>
           </a:p>
           <a:p>
             <a:pPr indent="0" algn="l">
@@ -7954,12 +7803,6 @@
               </a:rPr>
               <a:t>Our scrum meetings discussed a lot of details about the implementation of the game, actively assigning tasks, making plans for each week and the next meeting time.</a:t>
             </a:r>
-            <a:endParaRPr lang="en-US" altLang="zh-CN" sz="2000" b="1" dirty="0">
-              <a:solidFill>
-                <a:srgbClr val="EEE5E6"/>
-              </a:solidFill>
-              <a:sym typeface="+mn-ea"/>
-            </a:endParaRPr>
           </a:p>
           <a:p>
             <a:pPr indent="0" algn="l">
@@ -7991,12 +7834,6 @@
               </a:rPr>
               <a:t>What could improve:</a:t>
             </a:r>
-            <a:endParaRPr lang="en-US" altLang="zh-CN" sz="2000" b="1" dirty="0">
-              <a:solidFill>
-                <a:srgbClr val="EEE5E6"/>
-              </a:solidFill>
-              <a:sym typeface="+mn-ea"/>
-            </a:endParaRPr>
           </a:p>
           <a:p>
             <a:pPr indent="0" algn="l">
@@ -8014,12 +7851,6 @@
               </a:rPr>
               <a:t>1.The task should smaller and clearer, avoiding two people spending time on similar functionality</a:t>
             </a:r>
-            <a:endParaRPr lang="en-US" altLang="zh-CN" sz="2000" b="1" dirty="0">
-              <a:solidFill>
-                <a:srgbClr val="EEE5E6"/>
-              </a:solidFill>
-              <a:sym typeface="+mn-ea"/>
-            </a:endParaRPr>
           </a:p>
           <a:p>
             <a:pPr indent="0" algn="l">
@@ -8037,12 +7868,6 @@
               </a:rPr>
               <a:t>2. Need more effective communication during our team meeting</a:t>
             </a:r>
-            <a:endParaRPr lang="en-US" altLang="zh-CN" sz="2000" b="1" dirty="0">
-              <a:solidFill>
-                <a:srgbClr val="EEE5E6"/>
-              </a:solidFill>
-              <a:sym typeface="+mn-ea"/>
-            </a:endParaRPr>
           </a:p>
           <a:p>
             <a:pPr indent="0" algn="l">
@@ -8060,12 +7885,6 @@
               </a:rPr>
               <a:t>3. Everyone must abide by agreed upon deadlines and deliver the outcomes on time.</a:t>
             </a:r>
-            <a:endParaRPr lang="en-US" altLang="zh-CN" sz="2000" b="1" dirty="0">
-              <a:solidFill>
-                <a:srgbClr val="EEE5E6"/>
-              </a:solidFill>
-              <a:sym typeface="+mn-ea"/>
-            </a:endParaRPr>
           </a:p>
           <a:p>
             <a:pPr indent="0" algn="l">
@@ -8083,12 +7902,6 @@
               </a:rPr>
               <a:t>4. Have more meetings with the PO</a:t>
             </a:r>
-            <a:endParaRPr lang="en-US" altLang="zh-CN" sz="2000" b="1" dirty="0">
-              <a:solidFill>
-                <a:srgbClr val="EEE5E6"/>
-              </a:solidFill>
-              <a:sym typeface="+mn-ea"/>
-            </a:endParaRPr>
           </a:p>
           <a:p>
             <a:pPr indent="0" algn="l">
@@ -8123,13 +7936,13 @@
   <p:clrMapOvr>
     <a:masterClrMapping/>
   </p:clrMapOvr>
-  <mc:AlternateContent xmlns:mc="http://schemas.openxmlformats.org/markup-compatibility/2006">
-    <mc:Choice xmlns:p14="http://schemas.microsoft.com/office/powerpoint/2010/main" Requires="p14">
+  <mc:AlternateContent xmlns:mc="http://schemas.openxmlformats.org/markup-compatibility/2006" xmlns:p14="http://schemas.microsoft.com/office/powerpoint/2010/main">
+    <mc:Choice Requires="p14">
       <p:transition spd="slow" p14:dur="1500">
         <p:random/>
       </p:transition>
     </mc:Choice>
-    <mc:Fallback>
+    <mc:Fallback xmlns="">
       <p:transition spd="slow">
         <p:random/>
       </p:transition>
@@ -8224,12 +8037,6 @@
               </a:rPr>
               <a:t>The perfection of documents  </a:t>
             </a:r>
-            <a:endParaRPr lang="en-US" altLang="zh-CN">
-              <a:solidFill>
-                <a:srgbClr val="FBDED3"/>
-              </a:solidFill>
-              <a:latin typeface="Arial" panose="020B0604020202020204"/>
-            </a:endParaRPr>
           </a:p>
         </p:txBody>
       </p:sp>
@@ -8265,13 +8072,6 @@
               </a:rPr>
               <a:t>Picture Source: the picture from the network.  https://zhuanlan.zhihu.com/p/33300643</a:t>
             </a:r>
-            <a:endParaRPr lang="en-US" altLang="zh-CN">
-              <a:solidFill>
-                <a:schemeClr val="bg1">
-                  <a:lumMod val="65000"/>
-                </a:schemeClr>
-              </a:solidFill>
-            </a:endParaRPr>
           </a:p>
         </p:txBody>
       </p:sp>
@@ -8305,6 +8105,8 @@
               </a:rPr>
               <a:t>1. User stories</a:t>
             </a:r>
+          </a:p>
+          <a:p>
             <a:endParaRPr lang="en-US" altLang="zh-CN" sz="2400" b="1">
               <a:solidFill>
                 <a:srgbClr val="FBDED3"/>
@@ -8312,6 +8114,16 @@
             </a:endParaRPr>
           </a:p>
           <a:p>
+            <a:r>
+              <a:rPr lang="en-US" altLang="zh-CN" sz="2400" b="1">
+                <a:solidFill>
+                  <a:srgbClr val="FBDED3"/>
+                </a:solidFill>
+              </a:rPr>
+              <a:t>2.CRC card &amp; class diagram</a:t>
+            </a:r>
+          </a:p>
+          <a:p>
             <a:endParaRPr lang="en-US" altLang="zh-CN" sz="2400" b="1">
               <a:solidFill>
                 <a:srgbClr val="FBDED3"/>
@@ -8325,8 +8137,10 @@
                   <a:srgbClr val="FBDED3"/>
                 </a:solidFill>
               </a:rPr>
-              <a:t>2.CRC card &amp; class diagram</a:t>
-            </a:r>
+              <a:t>3.Acceptance Criteria</a:t>
+            </a:r>
+          </a:p>
+          <a:p>
             <a:endParaRPr lang="en-US" altLang="zh-CN" sz="2400" b="1">
               <a:solidFill>
                 <a:srgbClr val="FBDED3"/>
@@ -8334,6 +8148,16 @@
             </a:endParaRPr>
           </a:p>
           <a:p>
+            <a:r>
+              <a:rPr lang="en-US" altLang="zh-CN" sz="2400" b="1">
+                <a:solidFill>
+                  <a:srgbClr val="FBDED3"/>
+                </a:solidFill>
+              </a:rPr>
+              <a:t>4. Task for User stories</a:t>
+            </a:r>
+          </a:p>
+          <a:p>
             <a:endParaRPr lang="en-US" altLang="zh-CN" sz="2400" b="1">
               <a:solidFill>
                 <a:srgbClr val="FBDED3"/>
@@ -8347,57 +8171,8 @@
                   <a:srgbClr val="FBDED3"/>
                 </a:solidFill>
               </a:rPr>
-              <a:t>3.Acceptance Criteria</a:t>
-            </a:r>
-            <a:endParaRPr lang="en-US" altLang="zh-CN" sz="2400" b="1">
-              <a:solidFill>
-                <a:srgbClr val="FBDED3"/>
-              </a:solidFill>
-            </a:endParaRPr>
-          </a:p>
-          <a:p>
-            <a:endParaRPr lang="en-US" altLang="zh-CN" sz="2400" b="1">
-              <a:solidFill>
-                <a:srgbClr val="FBDED3"/>
-              </a:solidFill>
-            </a:endParaRPr>
-          </a:p>
-          <a:p>
-            <a:r>
-              <a:rPr lang="en-US" altLang="zh-CN" sz="2400" b="1">
-                <a:solidFill>
-                  <a:srgbClr val="FBDED3"/>
-                </a:solidFill>
-              </a:rPr>
-              <a:t>4. Task for User stories</a:t>
-            </a:r>
-            <a:endParaRPr lang="en-US" altLang="zh-CN" sz="2400" b="1">
-              <a:solidFill>
-                <a:srgbClr val="FBDED3"/>
-              </a:solidFill>
-            </a:endParaRPr>
-          </a:p>
-          <a:p>
-            <a:endParaRPr lang="en-US" altLang="zh-CN" sz="2400" b="1">
-              <a:solidFill>
-                <a:srgbClr val="FBDED3"/>
-              </a:solidFill>
-            </a:endParaRPr>
-          </a:p>
-          <a:p>
-            <a:r>
-              <a:rPr lang="en-US" altLang="zh-CN" sz="2400" b="1">
-                <a:solidFill>
-                  <a:srgbClr val="FBDED3"/>
-                </a:solidFill>
-              </a:rPr>
               <a:t>5. Development Manual</a:t>
             </a:r>
-            <a:endParaRPr lang="en-US" altLang="zh-CN" sz="2400" b="1">
-              <a:solidFill>
-                <a:srgbClr val="FBDED3"/>
-              </a:solidFill>
-            </a:endParaRPr>
           </a:p>
         </p:txBody>
       </p:sp>
@@ -8406,13 +8181,13 @@
   <p:clrMapOvr>
     <a:masterClrMapping/>
   </p:clrMapOvr>
-  <mc:AlternateContent xmlns:mc="http://schemas.openxmlformats.org/markup-compatibility/2006">
-    <mc:Choice xmlns:p14="http://schemas.microsoft.com/office/powerpoint/2010/main" Requires="p14">
+  <mc:AlternateContent xmlns:mc="http://schemas.openxmlformats.org/markup-compatibility/2006" xmlns:p14="http://schemas.microsoft.com/office/powerpoint/2010/main">
+    <mc:Choice Requires="p14">
       <p:transition spd="slow" p14:dur="1500">
         <p:random/>
       </p:transition>
     </mc:Choice>
-    <mc:Fallback>
+    <mc:Fallback xmlns="">
       <p:transition spd="slow">
         <p:random/>
       </p:transition>
@@ -8471,12 +8246,6 @@
               </a:rPr>
               <a:t>DEMO</a:t>
             </a:r>
-            <a:endParaRPr lang="en-US" altLang="zh-CN" sz="6000" dirty="0">
-              <a:solidFill>
-                <a:srgbClr val="FBDED3"/>
-              </a:solidFill>
-              <a:latin typeface="Arial" panose="020B0604020202020204"/>
-            </a:endParaRPr>
           </a:p>
         </p:txBody>
       </p:sp>
@@ -8485,13 +8254,13 @@
   <p:clrMapOvr>
     <a:masterClrMapping/>
   </p:clrMapOvr>
-  <mc:AlternateContent xmlns:mc="http://schemas.openxmlformats.org/markup-compatibility/2006">
-    <mc:Choice xmlns:p14="http://schemas.microsoft.com/office/powerpoint/2010/main" Requires="p14">
+  <mc:AlternateContent xmlns:mc="http://schemas.openxmlformats.org/markup-compatibility/2006" xmlns:p14="http://schemas.microsoft.com/office/powerpoint/2010/main">
+    <mc:Choice Requires="p14">
       <p:transition spd="slow" p14:dur="1500">
         <p:random/>
       </p:transition>
     </mc:Choice>
-    <mc:Fallback>
+    <mc:Fallback xmlns="">
       <p:transition spd="slow">
         <p:random/>
       </p:transition>
@@ -8594,13 +8363,13 @@
   <p:clrMapOvr>
     <a:masterClrMapping/>
   </p:clrMapOvr>
-  <mc:AlternateContent xmlns:mc="http://schemas.openxmlformats.org/markup-compatibility/2006">
-    <mc:Choice xmlns:p14="http://schemas.microsoft.com/office/powerpoint/2010/main" Requires="p14">
+  <mc:AlternateContent xmlns:mc="http://schemas.openxmlformats.org/markup-compatibility/2006" xmlns:p14="http://schemas.microsoft.com/office/powerpoint/2010/main">
+    <mc:Choice Requires="p14">
       <p:transition spd="slow" p14:dur="1500">
         <p:random/>
       </p:transition>
     </mc:Choice>
-    <mc:Fallback>
+    <mc:Fallback xmlns="">
       <p:transition spd="slow">
         <p:random/>
       </p:transition>
@@ -8702,9 +8471,6 @@
               </a:rPr>
               <a:t>1. As a user, I want to register to this platform by using an email, nickname and a password.</a:t>
             </a:r>
-            <a:endParaRPr lang="en-US" sz="2000" b="1" dirty="0">
-              <a:sym typeface="+mn-ea"/>
-            </a:endParaRPr>
           </a:p>
           <a:p>
             <a:pPr marL="0" indent="0">
@@ -8722,9 +8488,6 @@
               </a:rPr>
               <a:t>2. As a user, I want to login to this platform using the account I registered.</a:t>
             </a:r>
-            <a:endParaRPr lang="en-US" sz="2000" b="1" dirty="0">
-              <a:sym typeface="+mn-ea"/>
-            </a:endParaRPr>
           </a:p>
           <a:p>
             <a:pPr marL="0" indent="0">
@@ -8754,9 +8517,6 @@
               </a:rPr>
               <a:t>.</a:t>
             </a:r>
-            <a:endParaRPr lang="en-US" sz="2000" b="1" dirty="0">
-              <a:sym typeface="+mn-ea"/>
-            </a:endParaRPr>
           </a:p>
           <a:p>
             <a:pPr marL="0" indent="0">
@@ -8774,9 +8534,6 @@
               </a:rPr>
               <a:t>4. As a user, I want to know when it is my turn.</a:t>
             </a:r>
-            <a:endParaRPr lang="en-US" sz="2000" b="1" dirty="0">
-              <a:sym typeface="+mn-ea"/>
-            </a:endParaRPr>
           </a:p>
           <a:p>
             <a:pPr marL="0" indent="0">
@@ -8982,14 +8739,6 @@
               </a:rPr>
               <a:t>User Stories</a:t>
             </a:r>
-            <a:endParaRPr lang="en-US" altLang="zh-CN" sz="2400">
-              <a:solidFill>
-                <a:srgbClr val="FBDED3"/>
-              </a:solidFill>
-              <a:latin typeface="+mj-lt"/>
-              <a:ea typeface="+mj-ea"/>
-              <a:sym typeface="Calibri" panose="020F0502020204030204" pitchFamily="34" charset="0"/>
-            </a:endParaRPr>
           </a:p>
         </p:txBody>
       </p:sp>
@@ -9037,7 +8786,7 @@
           <p:nvPr/>
         </p:nvPicPr>
         <p:blipFill rotWithShape="1">
-          <a:blip r:embed="rId1" cstate="print">
+          <a:blip r:embed="rId2" cstate="print">
             <a:extLst>
               <a:ext uri="{28A0092B-C50C-407E-A947-70E740481C1C}">
                 <a14:useLocalDpi xmlns:a14="http://schemas.microsoft.com/office/drawing/2010/main" val="0"/>
@@ -9064,13 +8813,13 @@
   <p:clrMapOvr>
     <a:masterClrMapping/>
   </p:clrMapOvr>
-  <mc:AlternateContent xmlns:mc="http://schemas.openxmlformats.org/markup-compatibility/2006">
-    <mc:Choice xmlns:p14="http://schemas.microsoft.com/office/powerpoint/2010/main" Requires="p14">
+  <mc:AlternateContent xmlns:mc="http://schemas.openxmlformats.org/markup-compatibility/2006" xmlns:p14="http://schemas.microsoft.com/office/powerpoint/2010/main">
+    <mc:Choice Requires="p14">
       <p:transition spd="slow" p14:dur="1500">
         <p:random/>
       </p:transition>
     </mc:Choice>
-    <mc:Fallback>
+    <mc:Fallback xmlns="">
       <p:transition spd="slow">
         <p:random/>
       </p:transition>
@@ -9399,12 +9148,6 @@
               </a:rPr>
               <a:t>()</a:t>
             </a:r>
-            <a:endParaRPr lang="en-US" sz="2400" dirty="0">
-              <a:solidFill>
-                <a:srgbClr val="FBDED3"/>
-              </a:solidFill>
-              <a:sym typeface="+mn-ea"/>
-            </a:endParaRPr>
           </a:p>
           <a:p>
             <a:pPr lvl="1" algn="l"/>
@@ -9461,12 +9204,6 @@
               </a:rPr>
               <a:t>int move() </a:t>
             </a:r>
-            <a:endParaRPr lang="en-US" sz="2400" dirty="0">
-              <a:solidFill>
-                <a:srgbClr val="FBDED3"/>
-              </a:solidFill>
-              <a:sym typeface="+mn-ea"/>
-            </a:endParaRPr>
           </a:p>
           <a:p>
             <a:pPr lvl="1" algn="l"/>
@@ -9497,12 +9234,6 @@
               </a:rPr>
               <a:t>()</a:t>
             </a:r>
-            <a:endParaRPr lang="en-US" sz="2400" dirty="0">
-              <a:solidFill>
-                <a:srgbClr val="FBDED3"/>
-              </a:solidFill>
-              <a:sym typeface="+mn-ea"/>
-            </a:endParaRPr>
           </a:p>
           <a:p>
             <a:pPr lvl="1" algn="l"/>
@@ -9718,13 +9449,13 @@
   <p:clrMapOvr>
     <a:masterClrMapping/>
   </p:clrMapOvr>
-  <mc:AlternateContent xmlns:mc="http://schemas.openxmlformats.org/markup-compatibility/2006">
-    <mc:Choice xmlns:p14="http://schemas.microsoft.com/office/powerpoint/2010/main" Requires="p14">
+  <mc:AlternateContent xmlns:mc="http://schemas.openxmlformats.org/markup-compatibility/2006" xmlns:p14="http://schemas.microsoft.com/office/powerpoint/2010/main">
+    <mc:Choice Requires="p14">
       <p:transition spd="slow" p14:dur="1500">
         <p:random/>
       </p:transition>
     </mc:Choice>
-    <mc:Fallback>
+    <mc:Fallback xmlns="">
       <p:transition spd="slow">
         <p:random/>
       </p:transition>
@@ -9828,12 +9559,6 @@
               </a:rPr>
               <a:t>  </a:t>
             </a:r>
-            <a:endParaRPr lang="en-US" altLang="zh-CN">
-              <a:solidFill>
-                <a:srgbClr val="FBDED3"/>
-              </a:solidFill>
-              <a:latin typeface="Arial" panose="020B0604020202020204"/>
-            </a:endParaRPr>
           </a:p>
         </p:txBody>
       </p:sp>
@@ -9845,8 +9570,8 @@
         </p:nvSpPr>
         <p:spPr>
           <a:xfrm>
-            <a:off x="889635" y="1003935"/>
-            <a:ext cx="7583170" cy="4154170"/>
+            <a:off x="102600" y="737976"/>
+            <a:ext cx="8620017" cy="3600986"/>
           </a:xfrm>
           <a:prstGeom prst="rect">
             <a:avLst/>
@@ -9860,7 +9585,7 @@
           <a:lstStyle/>
           <a:p>
             <a:r>
-              <a:rPr lang="en-US" altLang="zh-CN" sz="2400" b="1" dirty="0">
+              <a:rPr lang="en-US" altLang="zh-CN" sz="2000" b="1" dirty="0">
                 <a:solidFill>
                   <a:srgbClr val="FBDED3"/>
                 </a:solidFill>
@@ -9868,7 +9593,7 @@
               <a:t>·As a user, I want to be able to play </a:t>
             </a:r>
             <a:r>
-              <a:rPr lang="en-US" altLang="zh-CN" sz="2400" b="1" dirty="0" err="1">
+              <a:rPr lang="en-US" altLang="zh-CN" sz="2000" b="1" dirty="0" err="1">
                 <a:solidFill>
                   <a:srgbClr val="FBDED3"/>
                 </a:solidFill>
@@ -9876,13 +9601,100 @@
               <a:t>Hnefatafl</a:t>
             </a:r>
             <a:r>
-              <a:rPr lang="en-US" altLang="zh-CN" sz="2400" b="1" dirty="0">
+              <a:rPr lang="en-US" altLang="zh-CN" sz="2000" b="1" dirty="0">
                 <a:solidFill>
                   <a:srgbClr val="FBDED3"/>
                 </a:solidFill>
               </a:rPr>
-              <a:t>. </a:t>
-            </a:r>
+              <a:t>. 	</a:t>
+            </a:r>
+            <a:r>
+              <a:rPr lang="en-US" altLang="zh-CN" sz="2000" b="1" dirty="0">
+                <a:solidFill>
+                  <a:srgbClr val="00B050"/>
+                </a:solidFill>
+              </a:rPr>
+              <a:t>(Backend function finished)</a:t>
+            </a:r>
+          </a:p>
+          <a:p>
+            <a:r>
+              <a:rPr lang="en-US" altLang="zh-CN" sz="2000" b="1" dirty="0">
+                <a:solidFill>
+                  <a:srgbClr val="FBDED3"/>
+                </a:solidFill>
+              </a:rPr>
+              <a:t>Priority:1 </a:t>
+            </a:r>
+          </a:p>
+          <a:p>
+            <a:endParaRPr lang="en-US" altLang="zh-CN" sz="2000" b="1" dirty="0">
+              <a:solidFill>
+                <a:srgbClr val="FBDED3"/>
+              </a:solidFill>
+            </a:endParaRPr>
+          </a:p>
+          <a:p>
+            <a:r>
+              <a:rPr lang="en-US" altLang="zh-CN" sz="2000" b="1" dirty="0">
+                <a:solidFill>
+                  <a:srgbClr val="FBDED3"/>
+                </a:solidFill>
+              </a:rPr>
+              <a:t>Task: </a:t>
+            </a:r>
+          </a:p>
+          <a:p>
+            <a:r>
+              <a:rPr lang="en-US" altLang="zh-CN" sz="2000" b="1" dirty="0">
+                <a:solidFill>
+                  <a:srgbClr val="FBDED3"/>
+                </a:solidFill>
+              </a:rPr>
+              <a:t>1.Implement ability to display basic game screen to the user </a:t>
+            </a:r>
+          </a:p>
+          <a:p>
+            <a:r>
+              <a:rPr lang="en-US" altLang="zh-CN" sz="2000" b="1" dirty="0">
+                <a:solidFill>
+                  <a:srgbClr val="FBDED3"/>
+                </a:solidFill>
+              </a:rPr>
+              <a:t>2.Write code to achieve chess movement</a:t>
+            </a:r>
+          </a:p>
+          <a:p>
+            <a:r>
+              <a:rPr lang="en-US" altLang="zh-CN" sz="2000" b="1" dirty="0">
+                <a:solidFill>
+                  <a:srgbClr val="FBDED3"/>
+                </a:solidFill>
+              </a:rPr>
+              <a:t>3.Write code to achieve the pieces capturing the opponent’s pieces</a:t>
+            </a:r>
+          </a:p>
+          <a:p>
+            <a:r>
+              <a:rPr lang="en-US" altLang="zh-CN" sz="2000" b="1" dirty="0">
+                <a:solidFill>
+                  <a:srgbClr val="FBDED3"/>
+                </a:solidFill>
+              </a:rPr>
+              <a:t>4.Write code to update game screen</a:t>
+            </a:r>
+          </a:p>
+          <a:p>
+            <a:r>
+              <a:rPr lang="en-US" altLang="zh-CN" sz="2000" b="1" dirty="0">
+                <a:solidFill>
+                  <a:srgbClr val="FBDED3"/>
+                </a:solidFill>
+              </a:rPr>
+              <a:t>5.Write code to add the logout button</a:t>
+            </a:r>
+          </a:p>
+          <a:p>
             <a:endParaRPr lang="en-US" altLang="zh-CN" sz="2400" b="1" dirty="0">
               <a:solidFill>
                 <a:srgbClr val="FBDED3"/>
@@ -9890,124 +9702,12 @@
             </a:endParaRPr>
           </a:p>
           <a:p>
-            <a:r>
-              <a:rPr lang="en-US" altLang="zh-CN" sz="2400" b="1" dirty="0">
-                <a:solidFill>
-                  <a:srgbClr val="FBDED3"/>
-                </a:solidFill>
-              </a:rPr>
-              <a:t>Priority:1 </a:t>
-            </a:r>
             <a:endParaRPr lang="en-US" altLang="zh-CN" sz="2400" b="1" dirty="0">
               <a:solidFill>
                 <a:srgbClr val="FBDED3"/>
               </a:solidFill>
             </a:endParaRPr>
           </a:p>
-          <a:p>
-            <a:r>
-              <a:rPr lang="en-US" altLang="zh-CN" sz="2400" b="1" dirty="0">
-                <a:solidFill>
-                  <a:srgbClr val="FBDED3"/>
-                </a:solidFill>
-              </a:rPr>
-              <a:t>Task: </a:t>
-            </a:r>
-            <a:endParaRPr lang="en-US" altLang="zh-CN" sz="2400" b="1" dirty="0">
-              <a:solidFill>
-                <a:srgbClr val="FBDED3"/>
-              </a:solidFill>
-            </a:endParaRPr>
-          </a:p>
-          <a:p>
-            <a:r>
-              <a:rPr lang="en-US" altLang="zh-CN" sz="2400" b="1" dirty="0">
-                <a:solidFill>
-                  <a:srgbClr val="FBDED3"/>
-                </a:solidFill>
-              </a:rPr>
-              <a:t>1.Implement ability to display basic game screen to the user </a:t>
-            </a:r>
-            <a:endParaRPr lang="en-US" altLang="zh-CN" sz="2400" b="1" dirty="0">
-              <a:solidFill>
-                <a:srgbClr val="FBDED3"/>
-              </a:solidFill>
-            </a:endParaRPr>
-          </a:p>
-          <a:p>
-            <a:r>
-              <a:rPr lang="en-US" altLang="zh-CN" sz="2400" b="1" dirty="0">
-                <a:solidFill>
-                  <a:srgbClr val="FBDED3"/>
-                </a:solidFill>
-              </a:rPr>
-              <a:t>2.Write code to achieve chess movement</a:t>
-            </a:r>
-            <a:endParaRPr lang="en-US" altLang="zh-CN" sz="2400" b="1" dirty="0">
-              <a:solidFill>
-                <a:srgbClr val="FBDED3"/>
-              </a:solidFill>
-            </a:endParaRPr>
-          </a:p>
-          <a:p>
-            <a:r>
-              <a:rPr lang="en-US" altLang="zh-CN" sz="2400" b="1" dirty="0">
-                <a:solidFill>
-                  <a:srgbClr val="FBDED3"/>
-                </a:solidFill>
-              </a:rPr>
-              <a:t>3.Write code to achieve the pieces capturing the opponent’s pieces</a:t>
-            </a:r>
-            <a:endParaRPr lang="en-US" altLang="zh-CN" sz="2400" b="1" dirty="0">
-              <a:solidFill>
-                <a:srgbClr val="FBDED3"/>
-              </a:solidFill>
-            </a:endParaRPr>
-          </a:p>
-          <a:p>
-            <a:r>
-              <a:rPr lang="en-US" altLang="zh-CN" sz="2400" b="1" dirty="0">
-                <a:solidFill>
-                  <a:srgbClr val="FBDED3"/>
-                </a:solidFill>
-              </a:rPr>
-              <a:t>4.Write code to update game screen</a:t>
-            </a:r>
-            <a:endParaRPr lang="en-US" altLang="zh-CN" sz="2400" b="1" dirty="0">
-              <a:solidFill>
-                <a:srgbClr val="FBDED3"/>
-              </a:solidFill>
-            </a:endParaRPr>
-          </a:p>
-          <a:p>
-            <a:r>
-              <a:rPr lang="en-US" altLang="zh-CN" sz="2400" b="1" dirty="0">
-                <a:solidFill>
-                  <a:srgbClr val="FBDED3"/>
-                </a:solidFill>
-              </a:rPr>
-              <a:t>5.Write code to add the logout button</a:t>
-            </a:r>
-            <a:endParaRPr lang="en-US" altLang="zh-CN" sz="2400" b="1" dirty="0">
-              <a:solidFill>
-                <a:srgbClr val="FBDED3"/>
-              </a:solidFill>
-            </a:endParaRPr>
-          </a:p>
-          <a:p>
-            <a:endParaRPr lang="en-US" altLang="zh-CN" sz="2400" b="1" dirty="0">
-              <a:solidFill>
-                <a:srgbClr val="FBDED3"/>
-              </a:solidFill>
-            </a:endParaRPr>
-          </a:p>
-          <a:p>
-            <a:endParaRPr lang="en-US" altLang="zh-CN" sz="2400" b="1" dirty="0">
-              <a:solidFill>
-                <a:srgbClr val="FBDED3"/>
-              </a:solidFill>
-            </a:endParaRPr>
-          </a:p>
         </p:txBody>
       </p:sp>
     </p:spTree>
@@ -10015,13 +9715,13 @@
   <p:clrMapOvr>
     <a:masterClrMapping/>
   </p:clrMapOvr>
-  <mc:AlternateContent xmlns:mc="http://schemas.openxmlformats.org/markup-compatibility/2006">
-    <mc:Choice xmlns:p14="http://schemas.microsoft.com/office/powerpoint/2010/main" Requires="p14">
+  <mc:AlternateContent xmlns:mc="http://schemas.openxmlformats.org/markup-compatibility/2006" xmlns:p14="http://schemas.microsoft.com/office/powerpoint/2010/main">
+    <mc:Choice Requires="p14">
       <p:transition spd="slow" p14:dur="1500">
         <p:random/>
       </p:transition>
     </mc:Choice>
-    <mc:Fallback>
+    <mc:Fallback xmlns="">
       <p:transition spd="slow">
         <p:random/>
       </p:transition>
@@ -10125,12 +9825,6 @@
               </a:rPr>
               <a:t>  </a:t>
             </a:r>
-            <a:endParaRPr lang="en-US" altLang="zh-CN">
-              <a:solidFill>
-                <a:srgbClr val="FBDED3"/>
-              </a:solidFill>
-              <a:latin typeface="Arial" panose="020B0604020202020204"/>
-            </a:endParaRPr>
           </a:p>
         </p:txBody>
       </p:sp>
@@ -10143,7 +9837,7 @@
         <p:spPr>
           <a:xfrm>
             <a:off x="1043940" y="1278890"/>
-            <a:ext cx="7583170" cy="2308324"/>
+            <a:ext cx="7583170" cy="2677656"/>
           </a:xfrm>
           <a:prstGeom prst="rect">
             <a:avLst/>
@@ -10165,6 +9859,33 @@
               </a:rPr>
               <a:t>• As a user, I want to know when it is my turn. </a:t>
             </a:r>
+            <a:r>
+              <a:rPr lang="en-US" altLang="zh-CN" sz="2400" b="1" dirty="0">
+                <a:solidFill>
+                  <a:srgbClr val="00B050"/>
+                </a:solidFill>
+                <a:sym typeface="+mn-ea"/>
+              </a:rPr>
+              <a:t>(Finished)</a:t>
+            </a:r>
+            <a:endParaRPr lang="en-US" altLang="zh-CN" sz="2400" b="1" dirty="0">
+              <a:solidFill>
+                <a:srgbClr val="00B050"/>
+              </a:solidFill>
+            </a:endParaRPr>
+          </a:p>
+          <a:p>
+            <a:r>
+              <a:rPr lang="en-US" altLang="zh-CN" sz="2400" b="1" dirty="0">
+                <a:solidFill>
+                  <a:srgbClr val="FBDED3"/>
+                </a:solidFill>
+                <a:sym typeface="+mn-ea"/>
+              </a:rPr>
+              <a:t>Priority:2 </a:t>
+            </a:r>
+          </a:p>
+          <a:p>
             <a:endParaRPr lang="en-US" altLang="zh-CN" sz="2400" b="1" dirty="0">
               <a:solidFill>
                 <a:srgbClr val="FBDED3"/>
@@ -10179,7 +9900,7 @@
                 </a:solidFill>
                 <a:sym typeface="+mn-ea"/>
               </a:rPr>
-              <a:t>Priority:2 </a:t>
+              <a:t>Task: </a:t>
             </a:r>
             <a:endParaRPr lang="en-US" altLang="zh-CN" sz="2400" b="1" dirty="0">
               <a:solidFill>
@@ -10195,7 +9916,18 @@
                 </a:solidFill>
                 <a:sym typeface="+mn-ea"/>
               </a:rPr>
-              <a:t>Task: </a:t>
+              <a:t>1.Write code to determine which users turn it is </a:t>
+            </a:r>
+          </a:p>
+          <a:p>
+            <a:r>
+              <a:rPr lang="en-US" altLang="zh-CN" sz="2400" b="1" dirty="0">
+                <a:solidFill>
+                  <a:srgbClr val="FBDED3"/>
+                </a:solidFill>
+                <a:sym typeface="+mn-ea"/>
+              </a:rPr>
+              <a:t>2.Add functionality to display the prompt </a:t>
             </a:r>
             <a:endParaRPr lang="en-US" altLang="zh-CN" sz="2400" b="1" dirty="0">
               <a:solidFill>
@@ -10204,45 +9936,12 @@
             </a:endParaRPr>
           </a:p>
           <a:p>
-            <a:r>
-              <a:rPr lang="en-US" altLang="zh-CN" sz="2400" b="1" dirty="0">
-                <a:solidFill>
-                  <a:srgbClr val="FBDED3"/>
-                </a:solidFill>
-                <a:sym typeface="+mn-ea"/>
-              </a:rPr>
-              <a:t>1.Write code to determine which users turn it is </a:t>
-            </a:r>
-            <a:endParaRPr lang="en-US" altLang="zh-CN" sz="2400" b="1" dirty="0">
-              <a:solidFill>
-                <a:srgbClr val="FBDED3"/>
-              </a:solidFill>
-              <a:sym typeface="+mn-ea"/>
-            </a:endParaRPr>
-          </a:p>
-          <a:p>
-            <a:r>
-              <a:rPr lang="en-US" altLang="zh-CN" sz="2400" b="1" dirty="0">
-                <a:solidFill>
-                  <a:srgbClr val="FBDED3"/>
-                </a:solidFill>
-                <a:sym typeface="+mn-ea"/>
-              </a:rPr>
-              <a:t>2.Add functionality to display the prompt </a:t>
-            </a:r>
             <a:endParaRPr lang="en-US" altLang="zh-CN" sz="2400" b="1" dirty="0">
               <a:solidFill>
                 <a:srgbClr val="FBDED3"/>
               </a:solidFill>
             </a:endParaRPr>
           </a:p>
-          <a:p>
-            <a:endParaRPr lang="en-US" altLang="zh-CN" sz="2400" b="1" dirty="0">
-              <a:solidFill>
-                <a:srgbClr val="FBDED3"/>
-              </a:solidFill>
-            </a:endParaRPr>
-          </a:p>
         </p:txBody>
       </p:sp>
     </p:spTree>
@@ -10250,13 +9949,13 @@
   <p:clrMapOvr>
     <a:masterClrMapping/>
   </p:clrMapOvr>
-  <mc:AlternateContent xmlns:mc="http://schemas.openxmlformats.org/markup-compatibility/2006">
-    <mc:Choice xmlns:p14="http://schemas.microsoft.com/office/powerpoint/2010/main" Requires="p14">
+  <mc:AlternateContent xmlns:mc="http://schemas.openxmlformats.org/markup-compatibility/2006" xmlns:p14="http://schemas.microsoft.com/office/powerpoint/2010/main">
+    <mc:Choice Requires="p14">
       <p:transition spd="slow" p14:dur="1500">
         <p:random/>
       </p:transition>
     </mc:Choice>
-    <mc:Fallback>
+    <mc:Fallback xmlns="">
       <p:transition spd="slow">
         <p:random/>
       </p:transition>
@@ -10360,12 +10059,6 @@
               </a:rPr>
               <a:t>  </a:t>
             </a:r>
-            <a:endParaRPr lang="en-US" altLang="zh-CN">
-              <a:solidFill>
-                <a:srgbClr val="FBDED3"/>
-              </a:solidFill>
-              <a:latin typeface="Arial" panose="020B0604020202020204"/>
-            </a:endParaRPr>
           </a:p>
         </p:txBody>
       </p:sp>
@@ -10377,8 +10070,8 @@
         </p:nvSpPr>
         <p:spPr>
           <a:xfrm>
-            <a:off x="780415" y="729615"/>
-            <a:ext cx="7583170" cy="4523105"/>
+            <a:off x="308366" y="750163"/>
+            <a:ext cx="8846050" cy="2954655"/>
           </a:xfrm>
           <a:prstGeom prst="rect">
             <a:avLst/>
@@ -10392,15 +10085,24 @@
           <a:lstStyle/>
           <a:p>
             <a:r>
-              <a:rPr lang="en-US" altLang="zh-CN" sz="2400" b="1" dirty="0">
+              <a:rPr lang="en-US" altLang="zh-CN" b="1" dirty="0">
                 <a:solidFill>
                   <a:srgbClr val="FBDED3"/>
                 </a:solidFill>
                 <a:sym typeface="+mn-ea"/>
               </a:rPr>
-              <a:t>• As a user, I want to register to this platform by using an email, nickname and a password. </a:t>
-            </a:r>
-            <a:endParaRPr lang="en-US" altLang="zh-CN" sz="2400" b="1" dirty="0">
+              <a:t>• As a user, I want to register to this platform by using an email, nickname and a password. Priority:3															</a:t>
+            </a:r>
+            <a:r>
+              <a:rPr lang="en-US" altLang="zh-CN" b="1" dirty="0">
+                <a:solidFill>
+                  <a:srgbClr val="00B050"/>
+                </a:solidFill>
+                <a:sym typeface="+mn-ea"/>
+              </a:rPr>
+              <a:t>(Finished)</a:t>
+            </a:r>
+            <a:endParaRPr lang="en-US" altLang="zh-CN" b="1" dirty="0">
               <a:solidFill>
                 <a:srgbClr val="FBDED3"/>
               </a:solidFill>
@@ -10408,16 +10110,7 @@
             </a:endParaRPr>
           </a:p>
           <a:p>
-            <a:r>
-              <a:rPr lang="en-US" altLang="zh-CN" sz="2400" b="1" dirty="0">
-                <a:solidFill>
-                  <a:srgbClr val="FBDED3"/>
-                </a:solidFill>
-                <a:sym typeface="+mn-ea"/>
-              </a:rPr>
-              <a:t>Priority:3 </a:t>
-            </a:r>
-            <a:endParaRPr lang="en-US" altLang="zh-CN" sz="2400" b="1" dirty="0">
+            <a:endParaRPr lang="en-US" altLang="zh-CN" b="1" dirty="0">
               <a:solidFill>
                 <a:srgbClr val="FBDED3"/>
               </a:solidFill>
@@ -10426,7 +10119,7 @@
           </a:p>
           <a:p>
             <a:r>
-              <a:rPr lang="en-US" altLang="zh-CN" sz="2400" b="1" dirty="0">
+              <a:rPr lang="en-US" altLang="zh-CN" b="1" dirty="0">
                 <a:solidFill>
                   <a:srgbClr val="FBDED3"/>
                 </a:solidFill>
@@ -10434,16 +10127,10 @@
               </a:rPr>
               <a:t>Task: </a:t>
             </a:r>
-            <a:endParaRPr lang="en-US" altLang="zh-CN" sz="2400" b="1" dirty="0">
-              <a:solidFill>
-                <a:srgbClr val="FBDED3"/>
-              </a:solidFill>
-              <a:sym typeface="+mn-ea"/>
-            </a:endParaRPr>
-          </a:p>
-          <a:p>
-            <a:r>
-              <a:rPr lang="en-US" altLang="zh-CN" sz="2400" b="1" dirty="0">
+          </a:p>
+          <a:p>
+            <a:r>
+              <a:rPr lang="en-US" altLang="zh-CN" b="1" dirty="0">
                 <a:solidFill>
                   <a:srgbClr val="FBDED3"/>
                 </a:solidFill>
@@ -10451,16 +10138,10 @@
               </a:rPr>
               <a:t>1.Write code about basic register screen</a:t>
             </a:r>
-            <a:endParaRPr lang="en-US" altLang="zh-CN" sz="2400" b="1" dirty="0">
-              <a:solidFill>
-                <a:srgbClr val="FBDED3"/>
-              </a:solidFill>
-              <a:sym typeface="+mn-ea"/>
-            </a:endParaRPr>
-          </a:p>
-          <a:p>
-            <a:r>
-              <a:rPr lang="en-US" altLang="zh-CN" sz="2400" b="1" dirty="0">
+          </a:p>
+          <a:p>
+            <a:r>
+              <a:rPr lang="en-US" altLang="zh-CN" b="1" dirty="0">
                 <a:solidFill>
                   <a:srgbClr val="FBDED3"/>
                 </a:solidFill>
@@ -10468,16 +10149,10 @@
               </a:rPr>
               <a:t>2.Write code to implement the legality of user information (such as the format of E-mail, length of password).</a:t>
             </a:r>
-            <a:endParaRPr lang="en-US" altLang="zh-CN" sz="2400" b="1" dirty="0">
-              <a:solidFill>
-                <a:srgbClr val="FBDED3"/>
-              </a:solidFill>
-              <a:sym typeface="+mn-ea"/>
-            </a:endParaRPr>
-          </a:p>
-          <a:p>
-            <a:r>
-              <a:rPr lang="en-US" altLang="zh-CN" sz="2400" b="1" dirty="0">
+          </a:p>
+          <a:p>
+            <a:r>
+              <a:rPr lang="en-US" altLang="zh-CN" b="1" dirty="0">
                 <a:solidFill>
                   <a:srgbClr val="FBDED3"/>
                 </a:solidFill>
@@ -10485,16 +10160,10 @@
               </a:rPr>
               <a:t>3.Write code to implement the registration button and the cancel button</a:t>
             </a:r>
-            <a:endParaRPr lang="en-US" altLang="zh-CN" sz="2400" b="1" dirty="0">
-              <a:solidFill>
-                <a:srgbClr val="FBDED3"/>
-              </a:solidFill>
-              <a:sym typeface="+mn-ea"/>
-            </a:endParaRPr>
-          </a:p>
-          <a:p>
-            <a:r>
-              <a:rPr lang="en-US" altLang="zh-CN" sz="2400" b="1" dirty="0">
+          </a:p>
+          <a:p>
+            <a:r>
+              <a:rPr lang="en-US" altLang="zh-CN" b="1" dirty="0">
                 <a:solidFill>
                   <a:srgbClr val="FBDED3"/>
                 </a:solidFill>
@@ -10502,12 +10171,6 @@
               </a:rPr>
               <a:t>4.Write code to achieve a successful registration screen and return to the login screen button</a:t>
             </a:r>
-            <a:endParaRPr lang="en-US" altLang="zh-CN" sz="2400" b="1" dirty="0">
-              <a:solidFill>
-                <a:srgbClr val="FBDED3"/>
-              </a:solidFill>
-              <a:sym typeface="+mn-ea"/>
-            </a:endParaRPr>
           </a:p>
           <a:p>
             <a:endParaRPr lang="en-US" altLang="zh-CN" sz="2400" b="1" dirty="0">
@@ -10523,13 +10186,13 @@
   <p:clrMapOvr>
     <a:masterClrMapping/>
   </p:clrMapOvr>
-  <mc:AlternateContent xmlns:mc="http://schemas.openxmlformats.org/markup-compatibility/2006">
-    <mc:Choice xmlns:p14="http://schemas.microsoft.com/office/powerpoint/2010/main" Requires="p14">
+  <mc:AlternateContent xmlns:mc="http://schemas.openxmlformats.org/markup-compatibility/2006" xmlns:p14="http://schemas.microsoft.com/office/powerpoint/2010/main">
+    <mc:Choice Requires="p14">
       <p:transition spd="slow" p14:dur="1500">
         <p:random/>
       </p:transition>
     </mc:Choice>
-    <mc:Fallback>
+    <mc:Fallback xmlns="">
       <p:transition spd="slow">
         <p:random/>
       </p:transition>
@@ -10633,12 +10296,6 @@
               </a:rPr>
               <a:t>  </a:t>
             </a:r>
-            <a:endParaRPr lang="en-US" altLang="zh-CN">
-              <a:solidFill>
-                <a:srgbClr val="FBDED3"/>
-              </a:solidFill>
-              <a:latin typeface="Arial" panose="020B0604020202020204"/>
-            </a:endParaRPr>
           </a:p>
         </p:txBody>
       </p:sp>
@@ -10650,8 +10307,8 @@
         </p:nvSpPr>
         <p:spPr>
           <a:xfrm>
-            <a:off x="626110" y="619760"/>
-            <a:ext cx="8319135" cy="4799965"/>
+            <a:off x="82194" y="619760"/>
+            <a:ext cx="9061806" cy="4799965"/>
           </a:xfrm>
           <a:prstGeom prst="rect">
             <a:avLst/>
@@ -10673,6 +10330,28 @@
               </a:rPr>
               <a:t>• As a user, I want to login to this platform using the account I registered. </a:t>
             </a:r>
+            <a:r>
+              <a:rPr lang="en-US" altLang="zh-CN" b="1" dirty="0">
+                <a:solidFill>
+                  <a:srgbClr val="00B050"/>
+                </a:solidFill>
+                <a:sym typeface="+mn-ea"/>
+              </a:rPr>
+              <a:t>(Finished)</a:t>
+            </a:r>
+          </a:p>
+          <a:p>
+            <a:r>
+              <a:rPr lang="en-US" altLang="zh-CN" b="1" dirty="0">
+                <a:solidFill>
+                  <a:srgbClr val="FBDED3"/>
+                </a:solidFill>
+                <a:sym typeface="+mn-ea"/>
+              </a:rPr>
+              <a:t>Priority:4 </a:t>
+            </a:r>
+          </a:p>
+          <a:p>
             <a:endParaRPr lang="en-US" altLang="zh-CN" b="1" dirty="0">
               <a:solidFill>
                 <a:srgbClr val="FBDED3"/>
@@ -10688,8 +10367,43 @@
                 </a:solidFill>
                 <a:sym typeface="+mn-ea"/>
               </a:rPr>
-              <a:t>Priority:4 </a:t>
-            </a:r>
+              <a:t>Task: </a:t>
+            </a:r>
+          </a:p>
+          <a:p>
+            <a:r>
+              <a:rPr lang="en-US" altLang="zh-CN" b="1" dirty="0">
+                <a:solidFill>
+                  <a:srgbClr val="FBDED3"/>
+                </a:solidFill>
+                <a:sym typeface="+mn-ea"/>
+              </a:rPr>
+              <a:t>1.Write code to implement basic Login screen</a:t>
+            </a:r>
+          </a:p>
+          <a:p>
+            <a:r>
+              <a:rPr lang="en-US" altLang="zh-CN" b="1" dirty="0">
+                <a:solidFill>
+                  <a:srgbClr val="FBDED3"/>
+                </a:solidFill>
+                <a:sym typeface="+mn-ea"/>
+              </a:rPr>
+              <a:t>2.Write code to implement the legality of user information (such as the format of E-mail, length of password).</a:t>
+            </a:r>
+          </a:p>
+          <a:p>
+            <a:r>
+              <a:rPr lang="en-US" altLang="zh-CN" b="1" dirty="0">
+                <a:solidFill>
+                  <a:srgbClr val="FBDED3"/>
+                </a:solidFill>
+                <a:sym typeface="+mn-ea"/>
+              </a:rPr>
+              <a:t>3.Write code to implement the login button and the registration button</a:t>
+            </a:r>
+          </a:p>
+          <a:p>
             <a:endParaRPr lang="en-US" altLang="zh-CN" b="1" dirty="0">
               <a:solidFill>
                 <a:srgbClr val="FBDED3"/>
@@ -10698,6 +10412,81 @@
             </a:endParaRPr>
           </a:p>
           <a:p>
+            <a:r>
+              <a:rPr lang="en-US" altLang="zh-CN" b="1" dirty="0">
+                <a:solidFill>
+                  <a:srgbClr val="FBDED3"/>
+                </a:solidFill>
+                <a:sym typeface="+mn-ea"/>
+              </a:rPr>
+              <a:t>• As a user, I want to be able to logout from my account when I do not want to play, and receive a prompt before it exits.  </a:t>
+            </a:r>
+            <a:r>
+              <a:rPr lang="en-US" altLang="zh-CN" b="1" dirty="0">
+                <a:solidFill>
+                  <a:srgbClr val="00B050"/>
+                </a:solidFill>
+                <a:sym typeface="+mn-ea"/>
+              </a:rPr>
+              <a:t>(Finished)</a:t>
+            </a:r>
+          </a:p>
+          <a:p>
+            <a:r>
+              <a:rPr lang="en-US" altLang="zh-CN" b="1" dirty="0">
+                <a:solidFill>
+                  <a:srgbClr val="FBDED3"/>
+                </a:solidFill>
+                <a:sym typeface="+mn-ea"/>
+              </a:rPr>
+              <a:t>Priority:5 </a:t>
+            </a:r>
+          </a:p>
+          <a:p>
+            <a:r>
+              <a:rPr lang="en-US" altLang="zh-CN" b="1" dirty="0">
+                <a:solidFill>
+                  <a:srgbClr val="FBDED3"/>
+                </a:solidFill>
+                <a:sym typeface="+mn-ea"/>
+              </a:rPr>
+              <a:t>Task: </a:t>
+            </a:r>
+          </a:p>
+          <a:p>
+            <a:r>
+              <a:rPr lang="en-US" altLang="zh-CN" b="1" dirty="0">
+                <a:solidFill>
+                  <a:srgbClr val="FBDED3"/>
+                </a:solidFill>
+                <a:sym typeface="+mn-ea"/>
+              </a:rPr>
+              <a:t>1.Write code to logout prompt screen</a:t>
+            </a:r>
+          </a:p>
+          <a:p>
+            <a:r>
+              <a:rPr lang="en-US" altLang="zh-CN" b="1" dirty="0">
+                <a:solidFill>
+                  <a:srgbClr val="FBDED3"/>
+                </a:solidFill>
+                <a:sym typeface="+mn-ea"/>
+              </a:rPr>
+              <a:t>2.Write code to implement the logout button and the return button</a:t>
+            </a:r>
+          </a:p>
+          <a:p>
+            <a:r>
+              <a:rPr lang="en-US" altLang="zh-CN" b="1" dirty="0">
+                <a:solidFill>
+                  <a:srgbClr val="FBDED3"/>
+                </a:solidFill>
+                <a:sym typeface="+mn-ea"/>
+              </a:rPr>
+              <a:t>3.Write code to jump back to the login screen</a:t>
+            </a:r>
+          </a:p>
+          <a:p>
             <a:endParaRPr lang="en-US" altLang="zh-CN" b="1" dirty="0">
               <a:solidFill>
                 <a:srgbClr val="FBDED3"/>
@@ -10705,192 +10494,6 @@
               <a:sym typeface="+mn-ea"/>
             </a:endParaRPr>
           </a:p>
-          <a:p>
-            <a:r>
-              <a:rPr lang="en-US" altLang="zh-CN" b="1" dirty="0">
-                <a:solidFill>
-                  <a:srgbClr val="FBDED3"/>
-                </a:solidFill>
-                <a:sym typeface="+mn-ea"/>
-              </a:rPr>
-              <a:t>Task: </a:t>
-            </a:r>
-            <a:endParaRPr lang="en-US" altLang="zh-CN" b="1" dirty="0">
-              <a:solidFill>
-                <a:srgbClr val="FBDED3"/>
-              </a:solidFill>
-              <a:sym typeface="+mn-ea"/>
-            </a:endParaRPr>
-          </a:p>
-          <a:p>
-            <a:r>
-              <a:rPr lang="en-US" altLang="zh-CN" b="1" dirty="0">
-                <a:solidFill>
-                  <a:srgbClr val="FBDED3"/>
-                </a:solidFill>
-                <a:sym typeface="+mn-ea"/>
-              </a:rPr>
-              <a:t>1.Write code to implement basic Login screen</a:t>
-            </a:r>
-            <a:endParaRPr lang="en-US" altLang="zh-CN" b="1" dirty="0">
-              <a:solidFill>
-                <a:srgbClr val="FBDED3"/>
-              </a:solidFill>
-              <a:sym typeface="+mn-ea"/>
-            </a:endParaRPr>
-          </a:p>
-          <a:p>
-            <a:r>
-              <a:rPr lang="en-US" altLang="zh-CN" b="1" dirty="0">
-                <a:solidFill>
-                  <a:srgbClr val="FBDED3"/>
-                </a:solidFill>
-                <a:sym typeface="+mn-ea"/>
-              </a:rPr>
-              <a:t>2.Write code to implement the legality of user information (such as the format of E-mail, length of password).</a:t>
-            </a:r>
-            <a:endParaRPr lang="en-US" altLang="zh-CN" b="1" dirty="0">
-              <a:solidFill>
-                <a:srgbClr val="FBDED3"/>
-              </a:solidFill>
-              <a:sym typeface="+mn-ea"/>
-            </a:endParaRPr>
-          </a:p>
-          <a:p>
-            <a:r>
-              <a:rPr lang="en-US" altLang="zh-CN" b="1" dirty="0">
-                <a:solidFill>
-                  <a:srgbClr val="FBDED3"/>
-                </a:solidFill>
-                <a:sym typeface="+mn-ea"/>
-              </a:rPr>
-              <a:t>3.Write code to implement the login button and the registration button</a:t>
-            </a:r>
-            <a:endParaRPr lang="en-US" altLang="zh-CN" b="1" dirty="0">
-              <a:solidFill>
-                <a:srgbClr val="FBDED3"/>
-              </a:solidFill>
-              <a:sym typeface="+mn-ea"/>
-            </a:endParaRPr>
-          </a:p>
-          <a:p>
-            <a:endParaRPr lang="en-US" altLang="zh-CN" b="1" dirty="0">
-              <a:solidFill>
-                <a:srgbClr val="FBDED3"/>
-              </a:solidFill>
-              <a:sym typeface="+mn-ea"/>
-            </a:endParaRPr>
-          </a:p>
-          <a:p>
-            <a:r>
-              <a:rPr lang="en-US" altLang="zh-CN" b="1" dirty="0">
-                <a:solidFill>
-                  <a:srgbClr val="FBDED3"/>
-                </a:solidFill>
-                <a:sym typeface="+mn-ea"/>
-              </a:rPr>
-              <a:t>• As a user, I want to be able to logout from my account when I do not want to play, and receive a prompt before it exits. </a:t>
-            </a:r>
-            <a:endParaRPr lang="en-US" altLang="zh-CN" b="1" dirty="0">
-              <a:solidFill>
-                <a:srgbClr val="FBDED3"/>
-              </a:solidFill>
-              <a:sym typeface="+mn-ea"/>
-            </a:endParaRPr>
-          </a:p>
-          <a:p>
-            <a:r>
-              <a:rPr lang="en-US" altLang="zh-CN" b="1" dirty="0">
-                <a:solidFill>
-                  <a:srgbClr val="FBDED3"/>
-                </a:solidFill>
-                <a:sym typeface="+mn-ea"/>
-              </a:rPr>
-              <a:t>Priority:5 </a:t>
-            </a:r>
-            <a:endParaRPr lang="en-US" altLang="zh-CN" b="1" dirty="0">
-              <a:solidFill>
-                <a:srgbClr val="FBDED3"/>
-              </a:solidFill>
-              <a:sym typeface="+mn-ea"/>
-            </a:endParaRPr>
-          </a:p>
-          <a:p>
-            <a:r>
-              <a:rPr lang="en-US" altLang="zh-CN" b="1" dirty="0">
-                <a:solidFill>
-                  <a:srgbClr val="FBDED3"/>
-                </a:solidFill>
-                <a:sym typeface="+mn-ea"/>
-              </a:rPr>
-              <a:t>Task: </a:t>
-            </a:r>
-            <a:endParaRPr lang="en-US" altLang="zh-CN" b="1" dirty="0">
-              <a:solidFill>
-                <a:srgbClr val="FBDED3"/>
-              </a:solidFill>
-              <a:sym typeface="+mn-ea"/>
-            </a:endParaRPr>
-          </a:p>
-          <a:p>
-            <a:r>
-              <a:rPr lang="en-US" altLang="zh-CN" b="1" dirty="0">
-                <a:solidFill>
-                  <a:srgbClr val="FBDED3"/>
-                </a:solidFill>
-                <a:sym typeface="+mn-ea"/>
-              </a:rPr>
-              <a:t>1.Write code to logout prompt screen</a:t>
-            </a:r>
-            <a:endParaRPr lang="en-US" altLang="zh-CN" b="1" dirty="0">
-              <a:solidFill>
-                <a:srgbClr val="FBDED3"/>
-              </a:solidFill>
-              <a:sym typeface="+mn-ea"/>
-            </a:endParaRPr>
-          </a:p>
-          <a:p>
-            <a:r>
-              <a:rPr lang="en-US" altLang="zh-CN" b="1" dirty="0">
-                <a:solidFill>
-                  <a:srgbClr val="FBDED3"/>
-                </a:solidFill>
-                <a:sym typeface="+mn-ea"/>
-              </a:rPr>
-              <a:t>2.Write code to implement the logout button and the return button</a:t>
-            </a:r>
-            <a:endParaRPr lang="en-US" altLang="zh-CN" b="1" dirty="0">
-              <a:solidFill>
-                <a:srgbClr val="FBDED3"/>
-              </a:solidFill>
-              <a:sym typeface="+mn-ea"/>
-            </a:endParaRPr>
-          </a:p>
-          <a:p>
-            <a:r>
-              <a:rPr lang="en-US" altLang="zh-CN" b="1" dirty="0">
-                <a:solidFill>
-                  <a:srgbClr val="FBDED3"/>
-                </a:solidFill>
-                <a:sym typeface="+mn-ea"/>
-              </a:rPr>
-              <a:t>3.Write code to jump back to the login screen</a:t>
-            </a:r>
-            <a:endParaRPr lang="en-US" altLang="zh-CN" b="1" dirty="0">
-              <a:solidFill>
-                <a:srgbClr val="FBDED3"/>
-              </a:solidFill>
-              <a:sym typeface="+mn-ea"/>
-            </a:endParaRPr>
-          </a:p>
-          <a:p>
-            <a:endParaRPr lang="en-US" altLang="zh-CN" b="1" dirty="0">
-              <a:solidFill>
-                <a:srgbClr val="FBDED3"/>
-              </a:solidFill>
-              <a:sym typeface="+mn-ea"/>
-            </a:endParaRPr>
-          </a:p>
         </p:txBody>
       </p:sp>
     </p:spTree>
@@ -10898,13 +10501,13 @@
   <p:clrMapOvr>
     <a:masterClrMapping/>
   </p:clrMapOvr>
-  <mc:AlternateContent xmlns:mc="http://schemas.openxmlformats.org/markup-compatibility/2006">
-    <mc:Choice xmlns:p14="http://schemas.microsoft.com/office/powerpoint/2010/main" Requires="p14">
+  <mc:AlternateContent xmlns:mc="http://schemas.openxmlformats.org/markup-compatibility/2006" xmlns:p14="http://schemas.microsoft.com/office/powerpoint/2010/main">
+    <mc:Choice Requires="p14">
       <p:transition spd="slow" p14:dur="1500">
         <p:random/>
       </p:transition>
     </mc:Choice>
-    <mc:Fallback>
+    <mc:Fallback xmlns="">
       <p:transition spd="slow">
         <p:random/>
       </p:transition>
@@ -11104,6 +10707,8 @@
       </a:bgFillStyleLst>
     </a:fmtScheme>
   </a:themeElements>
+  <a:objectDefaults/>
+  <a:extraClrSchemeLst/>
   <a:extLst>
     <a:ext uri="{05A4C25C-085E-4340-85A3-A5531E510DB2}">
       <thm15:themeFamily xmlns:thm15="http://schemas.microsoft.com/office/thememl/2012/main" name="Office Theme" id="{62F939B6-93AF-4DB8-9C6B-D6C7DFDC589F}" vid="{4A3C46E8-61CC-4603-A589-7422A47A8E4A}"/>
@@ -11303,6 +10908,8 @@
       </a:bgFillStyleLst>
     </a:fmtScheme>
   </a:themeElements>
+  <a:objectDefaults/>
+  <a:extraClrSchemeLst/>
   <a:extLst>
     <a:ext uri="{05A4C25C-085E-4340-85A3-A5531E510DB2}">
       <thm15:themeFamily xmlns:thm15="http://schemas.microsoft.com/office/thememl/2012/main" name="Office Theme" id="{62F939B6-93AF-4DB8-9C6B-D6C7DFDC589F}" vid="{4A3C46E8-61CC-4603-A589-7422A47A8E4A}"/>
@@ -11562,6 +11169,8 @@
       </a:bgFillStyleLst>
     </a:fmtScheme>
   </a:themeElements>
+  <a:objectDefaults/>
+  <a:extraClrSchemeLst/>
   <a:extLst>
     <a:ext uri="{05A4C25C-085E-4340-85A3-A5531E510DB2}">
       <thm15:themeFamily xmlns:thm15="http://schemas.microsoft.com/office/thememl/2012/main" name="Office Theme" id="{62F939B6-93AF-4DB8-9C6B-D6C7DFDC589F}" vid="{4A3C46E8-61CC-4603-A589-7422A47A8E4A}"/>

--- a/P2/P2-Power Point.pptx
+++ b/P2/P2-Power Point.pptx
@@ -3,32 +3,38 @@
 <p:presentation xmlns:a="http://schemas.openxmlformats.org/drawingml/2006/main" xmlns:r="http://schemas.openxmlformats.org/officeDocument/2006/relationships" xmlns:p="http://schemas.openxmlformats.org/presentationml/2006/main">
   <p:sldMasterIdLst>
     <p:sldMasterId id="2147483648" r:id="rId1"/>
-    <p:sldMasterId id="2147483663" r:id="rId2"/>
+    <p:sldMasterId id="2147483663" r:id="rId3"/>
   </p:sldMasterIdLst>
+  <p:notesMasterIdLst>
+    <p:notesMasterId r:id="rId10"/>
+  </p:notesMasterIdLst>
   <p:handoutMasterIdLst>
-    <p:handoutMasterId r:id="rId23"/>
+    <p:handoutMasterId r:id="rId28"/>
   </p:handoutMasterIdLst>
   <p:sldIdLst>
-    <p:sldId id="256" r:id="rId3"/>
-    <p:sldId id="259" r:id="rId4"/>
-    <p:sldId id="289" r:id="rId5"/>
-    <p:sldId id="265" r:id="rId6"/>
-    <p:sldId id="306" r:id="rId7"/>
-    <p:sldId id="331" r:id="rId8"/>
-    <p:sldId id="366" r:id="rId9"/>
-    <p:sldId id="332" r:id="rId10"/>
-    <p:sldId id="365" r:id="rId11"/>
-    <p:sldId id="290" r:id="rId12"/>
-    <p:sldId id="307" r:id="rId13"/>
-    <p:sldId id="355" r:id="rId14"/>
-    <p:sldId id="311" r:id="rId15"/>
-    <p:sldId id="358" r:id="rId16"/>
-    <p:sldId id="348" r:id="rId17"/>
-    <p:sldId id="314" r:id="rId18"/>
-    <p:sldId id="315" r:id="rId19"/>
-    <p:sldId id="356" r:id="rId20"/>
-    <p:sldId id="359" r:id="rId21"/>
-    <p:sldId id="294" r:id="rId22"/>
+    <p:sldId id="256" r:id="rId4"/>
+    <p:sldId id="259" r:id="rId5"/>
+    <p:sldId id="289" r:id="rId6"/>
+    <p:sldId id="265" r:id="rId7"/>
+    <p:sldId id="306" r:id="rId8"/>
+    <p:sldId id="331" r:id="rId9"/>
+    <p:sldId id="366" r:id="rId11"/>
+    <p:sldId id="332" r:id="rId12"/>
+    <p:sldId id="365" r:id="rId13"/>
+    <p:sldId id="290" r:id="rId14"/>
+    <p:sldId id="307" r:id="rId15"/>
+    <p:sldId id="355" r:id="rId16"/>
+    <p:sldId id="358" r:id="rId17"/>
+    <p:sldId id="380" r:id="rId18"/>
+    <p:sldId id="348" r:id="rId19"/>
+    <p:sldId id="311" r:id="rId20"/>
+    <p:sldId id="314" r:id="rId21"/>
+    <p:sldId id="315" r:id="rId22"/>
+    <p:sldId id="356" r:id="rId23"/>
+    <p:sldId id="359" r:id="rId24"/>
+    <p:sldId id="390" r:id="rId25"/>
+    <p:sldId id="389" r:id="rId26"/>
+    <p:sldId id="294" r:id="rId27"/>
   </p:sldIdLst>
   <p:sldSz cx="9144000" cy="5143500" type="screen16x9"/>
   <p:notesSz cx="6858000" cy="9144000"/>
@@ -128,30 +134,8 @@
     </a:lvl9pPr>
   </p:defaultTextStyle>
   <p:extLst>
-    <p:ext uri="{EFAFB233-063F-42B5-8137-9DF3F51BA10A}">
-      <p15:sldGuideLst xmlns:p15="http://schemas.microsoft.com/office/powerpoint/2012/main">
-        <p15:guide id="1" orient="horz" pos="2676">
-          <p15:clr>
-            <a:srgbClr val="A4A3A4"/>
-          </p15:clr>
-        </p15:guide>
-        <p15:guide id="2" pos="1655">
-          <p15:clr>
-            <a:srgbClr val="A4A3A4"/>
-          </p15:clr>
-        </p15:guide>
-        <p15:guide id="3" pos="2880">
-          <p15:clr>
-            <a:srgbClr val="A4A3A4"/>
-          </p15:clr>
-        </p15:guide>
-      </p15:sldGuideLst>
-    </p:ext>
-    <p:ext uri="{2D200454-40CA-4A62-9FC3-DE9A4176ACB9}">
-      <p15:notesGuideLst xmlns:p15="http://schemas.microsoft.com/office/powerpoint/2012/main"/>
-    </p:ext>
     <p:ext uri="{505F2C04-C923-438B-8C0F-E0CD2BADF298}">
-      <wppc:fontMiss xmlns:wppc="http://www.wps.cn/officeDocument/PresentationCustomData" xmlns="" type="true"/>
+      <wppc:fontMiss xmlns:wppc="http://www.wps.cn/officeDocument/PresentationCustomData" type="true"/>
     </p:ext>
   </p:extLst>
 </p:presentation>
@@ -239,7 +223,6 @@
           <a:p>
             <a:fld id="{EB402216-1DD8-4AB3-8BF0-CFB6DFF12492}" type="datetimeFigureOut">
               <a:rPr lang="zh-CN" altLang="en-US" smtClean="0"/>
-              <a:t>2019/11/6</a:t>
             </a:fld>
             <a:endParaRPr lang="zh-CN" altLang="en-US"/>
           </a:p>
@@ -305,7 +288,6 @@
           <a:p>
             <a:fld id="{D1C69EFE-5A9A-4272-A138-4483215D921A}" type="slidenum">
               <a:rPr lang="zh-CN" altLang="en-US" smtClean="0"/>
-              <a:t>‹#›</a:t>
             </a:fld>
             <a:endParaRPr lang="zh-CN" altLang="en-US"/>
           </a:p>
@@ -315,6 +297,397 @@
   </p:cSld>
   <p:clrMap bg1="lt1" tx1="dk1" bg2="lt2" tx2="dk2" accent1="accent1" accent2="accent2" accent3="accent3" accent4="accent4" accent5="accent5" accent6="accent6" hlink="hlink" folHlink="folHlink"/>
 </p:handoutMaster>
+</file>
+
+<file path=ppt/notesMasters/notesMaster1.xml><?xml version="1.0" encoding="utf-8"?>
+<p:notesMaster xmlns:a="http://schemas.openxmlformats.org/drawingml/2006/main" xmlns:r="http://schemas.openxmlformats.org/officeDocument/2006/relationships" xmlns:p="http://schemas.openxmlformats.org/presentationml/2006/main">
+  <p:cSld>
+    <p:bg>
+      <p:bgRef idx="1001">
+        <a:schemeClr val="bg1"/>
+      </p:bgRef>
+    </p:bg>
+    <p:spTree>
+      <p:nvGrpSpPr>
+        <p:cNvPr id="1" name=""/>
+        <p:cNvGrpSpPr/>
+        <p:nvPr/>
+      </p:nvGrpSpPr>
+      <p:grpSpPr>
+        <a:xfrm>
+          <a:off x="0" y="0"/>
+          <a:ext cx="0" cy="0"/>
+          <a:chOff x="0" y="0"/>
+          <a:chExt cx="0" cy="0"/>
+        </a:xfrm>
+      </p:grpSpPr>
+      <p:sp>
+        <p:nvSpPr>
+          <p:cNvPr id="2" name="页眉占位符 1"/>
+          <p:cNvSpPr>
+            <a:spLocks noGrp="1"/>
+          </p:cNvSpPr>
+          <p:nvPr>
+            <p:ph type="hdr" sz="quarter"/>
+          </p:nvPr>
+        </p:nvSpPr>
+        <p:spPr>
+          <a:xfrm>
+            <a:off x="0" y="0"/>
+            <a:ext cx="2971800" cy="458788"/>
+          </a:xfrm>
+          <a:prstGeom prst="rect">
+            <a:avLst/>
+          </a:prstGeom>
+        </p:spPr>
+        <p:txBody>
+          <a:bodyPr vert="horz" lIns="91440" tIns="45720" rIns="91440" bIns="45720" rtlCol="0"/>
+          <a:lstStyle>
+            <a:lvl1pPr algn="l">
+              <a:defRPr sz="1200"/>
+            </a:lvl1pPr>
+          </a:lstStyle>
+          <a:p>
+            <a:endParaRPr lang="zh-CN" altLang="en-US"/>
+          </a:p>
+        </p:txBody>
+      </p:sp>
+      <p:sp>
+        <p:nvSpPr>
+          <p:cNvPr id="3" name="日期占位符 2"/>
+          <p:cNvSpPr>
+            <a:spLocks noGrp="1"/>
+          </p:cNvSpPr>
+          <p:nvPr>
+            <p:ph type="dt" idx="1"/>
+          </p:nvPr>
+        </p:nvSpPr>
+        <p:spPr>
+          <a:xfrm>
+            <a:off x="3884613" y="0"/>
+            <a:ext cx="2971800" cy="458788"/>
+          </a:xfrm>
+          <a:prstGeom prst="rect">
+            <a:avLst/>
+          </a:prstGeom>
+        </p:spPr>
+        <p:txBody>
+          <a:bodyPr vert="horz" lIns="91440" tIns="45720" rIns="91440" bIns="45720" rtlCol="0"/>
+          <a:lstStyle>
+            <a:lvl1pPr algn="r">
+              <a:defRPr sz="1200"/>
+            </a:lvl1pPr>
+          </a:lstStyle>
+          <a:p>
+            <a:fld id="{D2A48B96-639E-45A3-A0BA-2464DFDB1FAA}" type="datetimeFigureOut">
+              <a:rPr lang="zh-CN" altLang="en-US" smtClean="0"/>
+            </a:fld>
+            <a:endParaRPr lang="zh-CN" altLang="en-US"/>
+          </a:p>
+        </p:txBody>
+      </p:sp>
+      <p:sp>
+        <p:nvSpPr>
+          <p:cNvPr id="4" name="幻灯片图像占位符 3"/>
+          <p:cNvSpPr>
+            <a:spLocks noGrp="1" noRot="1" noChangeAspect="1"/>
+          </p:cNvSpPr>
+          <p:nvPr>
+            <p:ph type="sldImg" idx="2"/>
+          </p:nvPr>
+        </p:nvSpPr>
+        <p:spPr>
+          <a:xfrm>
+            <a:off x="685800" y="1143000"/>
+            <a:ext cx="5486400" cy="3086100"/>
+          </a:xfrm>
+          <a:prstGeom prst="rect">
+            <a:avLst/>
+          </a:prstGeom>
+          <a:noFill/>
+          <a:ln w="12700">
+            <a:solidFill>
+              <a:prstClr val="black"/>
+            </a:solidFill>
+          </a:ln>
+        </p:spPr>
+        <p:txBody>
+          <a:bodyPr vert="horz" lIns="91440" tIns="45720" rIns="91440" bIns="45720" rtlCol="0" anchor="ctr"/>
+          <a:lstStyle/>
+          <a:p>
+            <a:endParaRPr lang="zh-CN" altLang="en-US"/>
+          </a:p>
+        </p:txBody>
+      </p:sp>
+      <p:sp>
+        <p:nvSpPr>
+          <p:cNvPr id="5" name="备注占位符 4"/>
+          <p:cNvSpPr>
+            <a:spLocks noGrp="1"/>
+          </p:cNvSpPr>
+          <p:nvPr>
+            <p:ph type="body" sz="quarter" idx="3"/>
+          </p:nvPr>
+        </p:nvSpPr>
+        <p:spPr>
+          <a:xfrm>
+            <a:off x="685800" y="4400550"/>
+            <a:ext cx="5486400" cy="3600450"/>
+          </a:xfrm>
+          <a:prstGeom prst="rect">
+            <a:avLst/>
+          </a:prstGeom>
+        </p:spPr>
+        <p:txBody>
+          <a:bodyPr vert="horz" lIns="91440" tIns="45720" rIns="91440" bIns="45720" rtlCol="0"/>
+          <a:lstStyle/>
+          <a:p>
+            <a:pPr lvl="0"/>
+            <a:r>
+              <a:rPr lang="zh-CN" altLang="en-US" smtClean="0"/>
+              <a:t>单击此处编辑母版文本样式</a:t>
+            </a:r>
+            <a:endParaRPr lang="zh-CN" altLang="en-US" smtClean="0"/>
+          </a:p>
+          <a:p>
+            <a:pPr lvl="1"/>
+            <a:r>
+              <a:rPr lang="zh-CN" altLang="en-US" smtClean="0"/>
+              <a:t>第二级</a:t>
+            </a:r>
+            <a:endParaRPr lang="zh-CN" altLang="en-US" smtClean="0"/>
+          </a:p>
+          <a:p>
+            <a:pPr lvl="2"/>
+            <a:r>
+              <a:rPr lang="zh-CN" altLang="en-US" smtClean="0"/>
+              <a:t>第三级</a:t>
+            </a:r>
+            <a:endParaRPr lang="zh-CN" altLang="en-US" smtClean="0"/>
+          </a:p>
+          <a:p>
+            <a:pPr lvl="3"/>
+            <a:r>
+              <a:rPr lang="zh-CN" altLang="en-US" smtClean="0"/>
+              <a:t>第四级</a:t>
+            </a:r>
+            <a:endParaRPr lang="zh-CN" altLang="en-US" smtClean="0"/>
+          </a:p>
+          <a:p>
+            <a:pPr lvl="4"/>
+            <a:r>
+              <a:rPr lang="zh-CN" altLang="en-US" smtClean="0"/>
+              <a:t>第五级</a:t>
+            </a:r>
+            <a:endParaRPr lang="zh-CN" altLang="en-US"/>
+          </a:p>
+        </p:txBody>
+      </p:sp>
+      <p:sp>
+        <p:nvSpPr>
+          <p:cNvPr id="6" name="页脚占位符 5"/>
+          <p:cNvSpPr>
+            <a:spLocks noGrp="1"/>
+          </p:cNvSpPr>
+          <p:nvPr>
+            <p:ph type="ftr" sz="quarter" idx="4"/>
+          </p:nvPr>
+        </p:nvSpPr>
+        <p:spPr>
+          <a:xfrm>
+            <a:off x="0" y="8685213"/>
+            <a:ext cx="2971800" cy="458787"/>
+          </a:xfrm>
+          <a:prstGeom prst="rect">
+            <a:avLst/>
+          </a:prstGeom>
+        </p:spPr>
+        <p:txBody>
+          <a:bodyPr vert="horz" lIns="91440" tIns="45720" rIns="91440" bIns="45720" rtlCol="0" anchor="b"/>
+          <a:lstStyle>
+            <a:lvl1pPr algn="l">
+              <a:defRPr sz="1200"/>
+            </a:lvl1pPr>
+          </a:lstStyle>
+          <a:p>
+            <a:endParaRPr lang="zh-CN" altLang="en-US"/>
+          </a:p>
+        </p:txBody>
+      </p:sp>
+      <p:sp>
+        <p:nvSpPr>
+          <p:cNvPr id="7" name="灯片编号占位符 6"/>
+          <p:cNvSpPr>
+            <a:spLocks noGrp="1"/>
+          </p:cNvSpPr>
+          <p:nvPr>
+            <p:ph type="sldNum" sz="quarter" idx="5"/>
+          </p:nvPr>
+        </p:nvSpPr>
+        <p:spPr>
+          <a:xfrm>
+            <a:off x="3884613" y="8685213"/>
+            <a:ext cx="2971800" cy="458787"/>
+          </a:xfrm>
+          <a:prstGeom prst="rect">
+            <a:avLst/>
+          </a:prstGeom>
+        </p:spPr>
+        <p:txBody>
+          <a:bodyPr vert="horz" lIns="91440" tIns="45720" rIns="91440" bIns="45720" rtlCol="0" anchor="b"/>
+          <a:lstStyle>
+            <a:lvl1pPr algn="r">
+              <a:defRPr sz="1200"/>
+            </a:lvl1pPr>
+          </a:lstStyle>
+          <a:p>
+            <a:fld id="{A6837353-30EB-4A48-80EB-173D804AEFBD}" type="slidenum">
+              <a:rPr lang="zh-CN" altLang="en-US" smtClean="0"/>
+            </a:fld>
+            <a:endParaRPr lang="zh-CN" altLang="en-US"/>
+          </a:p>
+        </p:txBody>
+      </p:sp>
+    </p:spTree>
+  </p:cSld>
+  <p:clrMap bg1="lt1" tx1="dk1" bg2="lt2" tx2="dk2" accent1="accent1" accent2="accent2" accent3="accent3" accent4="accent4" accent5="accent5" accent6="accent6" hlink="hlink" folHlink="folHlink"/>
+  <p:notesStyle>
+    <a:lvl1pPr marL="0" algn="l" defTabSz="914400" rtl="0" eaLnBrk="1" latinLnBrk="0" hangingPunct="1">
+      <a:defRPr sz="1200" kern="1200">
+        <a:solidFill>
+          <a:schemeClr val="tx1"/>
+        </a:solidFill>
+        <a:latin typeface="+mn-lt"/>
+        <a:ea typeface="+mn-ea"/>
+        <a:cs typeface="+mn-cs"/>
+      </a:defRPr>
+    </a:lvl1pPr>
+    <a:lvl2pPr marL="457200" algn="l" defTabSz="914400" rtl="0" eaLnBrk="1" latinLnBrk="0" hangingPunct="1">
+      <a:defRPr sz="1200" kern="1200">
+        <a:solidFill>
+          <a:schemeClr val="tx1"/>
+        </a:solidFill>
+        <a:latin typeface="+mn-lt"/>
+        <a:ea typeface="+mn-ea"/>
+        <a:cs typeface="+mn-cs"/>
+      </a:defRPr>
+    </a:lvl2pPr>
+    <a:lvl3pPr marL="914400" algn="l" defTabSz="914400" rtl="0" eaLnBrk="1" latinLnBrk="0" hangingPunct="1">
+      <a:defRPr sz="1200" kern="1200">
+        <a:solidFill>
+          <a:schemeClr val="tx1"/>
+        </a:solidFill>
+        <a:latin typeface="+mn-lt"/>
+        <a:ea typeface="+mn-ea"/>
+        <a:cs typeface="+mn-cs"/>
+      </a:defRPr>
+    </a:lvl3pPr>
+    <a:lvl4pPr marL="1371600" algn="l" defTabSz="914400" rtl="0" eaLnBrk="1" latinLnBrk="0" hangingPunct="1">
+      <a:defRPr sz="1200" kern="1200">
+        <a:solidFill>
+          <a:schemeClr val="tx1"/>
+        </a:solidFill>
+        <a:latin typeface="+mn-lt"/>
+        <a:ea typeface="+mn-ea"/>
+        <a:cs typeface="+mn-cs"/>
+      </a:defRPr>
+    </a:lvl4pPr>
+    <a:lvl5pPr marL="1828800" algn="l" defTabSz="914400" rtl="0" eaLnBrk="1" latinLnBrk="0" hangingPunct="1">
+      <a:defRPr sz="1200" kern="1200">
+        <a:solidFill>
+          <a:schemeClr val="tx1"/>
+        </a:solidFill>
+        <a:latin typeface="+mn-lt"/>
+        <a:ea typeface="+mn-ea"/>
+        <a:cs typeface="+mn-cs"/>
+      </a:defRPr>
+    </a:lvl5pPr>
+    <a:lvl6pPr marL="2286000" algn="l" defTabSz="914400" rtl="0" eaLnBrk="1" latinLnBrk="0" hangingPunct="1">
+      <a:defRPr sz="1200" kern="1200">
+        <a:solidFill>
+          <a:schemeClr val="tx1"/>
+        </a:solidFill>
+        <a:latin typeface="+mn-lt"/>
+        <a:ea typeface="+mn-ea"/>
+        <a:cs typeface="+mn-cs"/>
+      </a:defRPr>
+    </a:lvl6pPr>
+    <a:lvl7pPr marL="2743200" algn="l" defTabSz="914400" rtl="0" eaLnBrk="1" latinLnBrk="0" hangingPunct="1">
+      <a:defRPr sz="1200" kern="1200">
+        <a:solidFill>
+          <a:schemeClr val="tx1"/>
+        </a:solidFill>
+        <a:latin typeface="+mn-lt"/>
+        <a:ea typeface="+mn-ea"/>
+        <a:cs typeface="+mn-cs"/>
+      </a:defRPr>
+    </a:lvl7pPr>
+    <a:lvl8pPr marL="3200400" algn="l" defTabSz="914400" rtl="0" eaLnBrk="1" latinLnBrk="0" hangingPunct="1">
+      <a:defRPr sz="1200" kern="1200">
+        <a:solidFill>
+          <a:schemeClr val="tx1"/>
+        </a:solidFill>
+        <a:latin typeface="+mn-lt"/>
+        <a:ea typeface="+mn-ea"/>
+        <a:cs typeface="+mn-cs"/>
+      </a:defRPr>
+    </a:lvl8pPr>
+    <a:lvl9pPr marL="3657600" algn="l" defTabSz="914400" rtl="0" eaLnBrk="1" latinLnBrk="0" hangingPunct="1">
+      <a:defRPr sz="1200" kern="1200">
+        <a:solidFill>
+          <a:schemeClr val="tx1"/>
+        </a:solidFill>
+        <a:latin typeface="+mn-lt"/>
+        <a:ea typeface="+mn-ea"/>
+        <a:cs typeface="+mn-cs"/>
+      </a:defRPr>
+    </a:lvl9pPr>
+  </p:notesStyle>
+</p:notesMaster>
+</file>
+
+<file path=ppt/notesSlides/notesSlide1.xml><?xml version="1.0" encoding="utf-8"?>
+<p:notes xmlns:a="http://schemas.openxmlformats.org/drawingml/2006/main" xmlns:r="http://schemas.openxmlformats.org/officeDocument/2006/relationships" xmlns:p="http://schemas.openxmlformats.org/presentationml/2006/main">
+  <p:cSld>
+    <p:spTree>
+      <p:nvGrpSpPr>
+        <p:cNvPr id="1" name=""/>
+        <p:cNvGrpSpPr/>
+        <p:nvPr/>
+      </p:nvGrpSpPr>
+      <p:grpSpPr/>
+      <p:sp>
+        <p:nvSpPr>
+          <p:cNvPr id="2" name="幻灯片图像占位符 1"/>
+          <p:cNvSpPr/>
+          <p:nvPr>
+            <p:ph type="sldImg" idx="2"/>
+          </p:nvPr>
+        </p:nvSpPr>
+        <p:spPr/>
+      </p:sp>
+      <p:sp>
+        <p:nvSpPr>
+          <p:cNvPr id="3" name="文本占位符 2"/>
+          <p:cNvSpPr/>
+          <p:nvPr>
+            <p:ph type="body" idx="3"/>
+          </p:nvPr>
+        </p:nvSpPr>
+        <p:spPr/>
+        <p:txBody>
+          <a:bodyPr/>
+          <a:p>
+            <a:endParaRPr lang="zh-CN" altLang="en-US"/>
+          </a:p>
+        </p:txBody>
+      </p:sp>
+    </p:spTree>
+  </p:cSld>
+  <p:clrMapOvr>
+    <a:masterClrMapping/>
+  </p:clrMapOvr>
+</p:notes>
 </file>
 
 <file path=ppt/slideLayouts/slideLayout1.xml><?xml version="1.0" encoding="utf-8"?>
@@ -370,13 +743,13 @@
   <p:clrMapOvr>
     <a:masterClrMapping/>
   </p:clrMapOvr>
-  <mc:AlternateContent xmlns:mc="http://schemas.openxmlformats.org/markup-compatibility/2006" xmlns:p14="http://schemas.microsoft.com/office/powerpoint/2010/main">
-    <mc:Choice Requires="p14">
+  <mc:AlternateContent xmlns:mc="http://schemas.openxmlformats.org/markup-compatibility/2006">
+    <mc:Choice xmlns:p14="http://schemas.microsoft.com/office/powerpoint/2010/main" Requires="p14">
       <p:transition spd="slow" p14:dur="1500">
         <p:random/>
       </p:transition>
     </mc:Choice>
-    <mc:Fallback xmlns="">
+    <mc:Fallback>
       <p:transition spd="slow">
         <p:random/>
       </p:transition>
@@ -419,7 +792,6 @@
           <a:p>
             <a:fld id="{95666703-9F6B-41A9-8273-A226E2EEC7FD}" type="datetimeFigureOut">
               <a:rPr lang="zh-CN" altLang="en-US" smtClean="0"/>
-              <a:t>2019/11/6</a:t>
             </a:fld>
             <a:endParaRPr lang="zh-CN" altLang="en-US"/>
           </a:p>
@@ -461,7 +833,6 @@
           <a:p>
             <a:fld id="{4F9A4CF2-39D5-471D-AEEA-44C9DDC76718}" type="slidenum">
               <a:rPr lang="zh-CN" altLang="en-US" smtClean="0"/>
-              <a:t>‹#›</a:t>
             </a:fld>
             <a:endParaRPr lang="zh-CN" altLang="en-US"/>
           </a:p>
@@ -472,13 +843,13 @@
   <p:clrMapOvr>
     <a:masterClrMapping/>
   </p:clrMapOvr>
-  <mc:AlternateContent xmlns:mc="http://schemas.openxmlformats.org/markup-compatibility/2006" xmlns:p14="http://schemas.microsoft.com/office/powerpoint/2010/main">
-    <mc:Choice Requires="p14">
+  <mc:AlternateContent xmlns:mc="http://schemas.openxmlformats.org/markup-compatibility/2006">
+    <mc:Choice xmlns:p14="http://schemas.microsoft.com/office/powerpoint/2010/main" Requires="p14">
       <p:transition spd="slow" p14:dur="1500">
         <p:random/>
       </p:transition>
     </mc:Choice>
-    <mc:Fallback xmlns="">
+    <mc:Fallback>
       <p:transition spd="slow">
         <p:random/>
       </p:transition>
@@ -589,6 +960,7 @@
               <a:rPr lang="zh-CN" altLang="en-US"/>
               <a:t>编辑母版文本样式</a:t>
             </a:r>
+            <a:endParaRPr lang="zh-CN" altLang="en-US"/>
           </a:p>
           <a:p>
             <a:pPr lvl="1"/>
@@ -596,6 +968,7 @@
               <a:rPr lang="zh-CN" altLang="en-US"/>
               <a:t>第二级</a:t>
             </a:r>
+            <a:endParaRPr lang="zh-CN" altLang="en-US"/>
           </a:p>
           <a:p>
             <a:pPr lvl="2"/>
@@ -603,6 +976,7 @@
               <a:rPr lang="zh-CN" altLang="en-US"/>
               <a:t>第三级</a:t>
             </a:r>
+            <a:endParaRPr lang="zh-CN" altLang="en-US"/>
           </a:p>
           <a:p>
             <a:pPr lvl="3"/>
@@ -610,6 +984,7 @@
               <a:rPr lang="zh-CN" altLang="en-US"/>
               <a:t>第四级</a:t>
             </a:r>
+            <a:endParaRPr lang="zh-CN" altLang="en-US"/>
           </a:p>
           <a:p>
             <a:pPr lvl="4"/>
@@ -683,6 +1058,7 @@
               <a:rPr lang="zh-CN" altLang="en-US"/>
               <a:t>编辑母版文本样式</a:t>
             </a:r>
+            <a:endParaRPr lang="zh-CN" altLang="en-US"/>
           </a:p>
         </p:txBody>
       </p:sp>
@@ -703,7 +1079,6 @@
           <a:p>
             <a:fld id="{95666703-9F6B-41A9-8273-A226E2EEC7FD}" type="datetimeFigureOut">
               <a:rPr lang="zh-CN" altLang="en-US" smtClean="0"/>
-              <a:t>2019/11/6</a:t>
             </a:fld>
             <a:endParaRPr lang="zh-CN" altLang="en-US"/>
           </a:p>
@@ -745,7 +1120,6 @@
           <a:p>
             <a:fld id="{4F9A4CF2-39D5-471D-AEEA-44C9DDC76718}" type="slidenum">
               <a:rPr lang="zh-CN" altLang="en-US" smtClean="0"/>
-              <a:t>‹#›</a:t>
             </a:fld>
             <a:endParaRPr lang="zh-CN" altLang="en-US"/>
           </a:p>
@@ -756,13 +1130,13 @@
   <p:clrMapOvr>
     <a:masterClrMapping/>
   </p:clrMapOvr>
-  <mc:AlternateContent xmlns:mc="http://schemas.openxmlformats.org/markup-compatibility/2006" xmlns:p14="http://schemas.microsoft.com/office/powerpoint/2010/main">
-    <mc:Choice Requires="p14">
+  <mc:AlternateContent xmlns:mc="http://schemas.openxmlformats.org/markup-compatibility/2006">
+    <mc:Choice xmlns:p14="http://schemas.microsoft.com/office/powerpoint/2010/main" Requires="p14">
       <p:transition spd="slow" p14:dur="1500">
         <p:random/>
       </p:transition>
     </mc:Choice>
-    <mc:Fallback xmlns="">
+    <mc:Fallback>
       <p:transition spd="slow">
         <p:random/>
       </p:transition>
@@ -947,6 +1321,7 @@
               <a:rPr lang="zh-CN" altLang="en-US"/>
               <a:t>编辑母版文本样式</a:t>
             </a:r>
+            <a:endParaRPr lang="zh-CN" altLang="en-US"/>
           </a:p>
         </p:txBody>
       </p:sp>
@@ -967,7 +1342,6 @@
           <a:p>
             <a:fld id="{95666703-9F6B-41A9-8273-A226E2EEC7FD}" type="datetimeFigureOut">
               <a:rPr lang="zh-CN" altLang="en-US" smtClean="0"/>
-              <a:t>2019/11/6</a:t>
             </a:fld>
             <a:endParaRPr lang="zh-CN" altLang="en-US"/>
           </a:p>
@@ -1009,7 +1383,6 @@
           <a:p>
             <a:fld id="{4F9A4CF2-39D5-471D-AEEA-44C9DDC76718}" type="slidenum">
               <a:rPr lang="zh-CN" altLang="en-US" smtClean="0"/>
-              <a:t>‹#›</a:t>
             </a:fld>
             <a:endParaRPr lang="zh-CN" altLang="en-US"/>
           </a:p>
@@ -1020,13 +1393,13 @@
   <p:clrMapOvr>
     <a:masterClrMapping/>
   </p:clrMapOvr>
-  <mc:AlternateContent xmlns:mc="http://schemas.openxmlformats.org/markup-compatibility/2006" xmlns:p14="http://schemas.microsoft.com/office/powerpoint/2010/main">
-    <mc:Choice Requires="p14">
+  <mc:AlternateContent xmlns:mc="http://schemas.openxmlformats.org/markup-compatibility/2006">
+    <mc:Choice xmlns:p14="http://schemas.microsoft.com/office/powerpoint/2010/main" Requires="p14">
       <p:transition spd="slow" p14:dur="1500">
         <p:random/>
       </p:transition>
     </mc:Choice>
-    <mc:Fallback xmlns="">
+    <mc:Fallback>
       <p:transition spd="slow">
         <p:random/>
       </p:transition>
@@ -1095,6 +1468,7 @@
               <a:rPr lang="zh-CN" altLang="en-US"/>
               <a:t>编辑母版文本样式</a:t>
             </a:r>
+            <a:endParaRPr lang="zh-CN" altLang="en-US"/>
           </a:p>
           <a:p>
             <a:pPr lvl="1"/>
@@ -1102,6 +1476,7 @@
               <a:rPr lang="zh-CN" altLang="en-US"/>
               <a:t>第二级</a:t>
             </a:r>
+            <a:endParaRPr lang="zh-CN" altLang="en-US"/>
           </a:p>
           <a:p>
             <a:pPr lvl="2"/>
@@ -1109,6 +1484,7 @@
               <a:rPr lang="zh-CN" altLang="en-US"/>
               <a:t>第三级</a:t>
             </a:r>
+            <a:endParaRPr lang="zh-CN" altLang="en-US"/>
           </a:p>
           <a:p>
             <a:pPr lvl="3"/>
@@ -1116,6 +1492,7 @@
               <a:rPr lang="zh-CN" altLang="en-US"/>
               <a:t>第四级</a:t>
             </a:r>
+            <a:endParaRPr lang="zh-CN" altLang="en-US"/>
           </a:p>
           <a:p>
             <a:pPr lvl="4"/>
@@ -1144,7 +1521,6 @@
           <a:p>
             <a:fld id="{95666703-9F6B-41A9-8273-A226E2EEC7FD}" type="datetimeFigureOut">
               <a:rPr lang="zh-CN" altLang="en-US" smtClean="0"/>
-              <a:t>2019/11/6</a:t>
             </a:fld>
             <a:endParaRPr lang="zh-CN" altLang="en-US"/>
           </a:p>
@@ -1186,7 +1562,6 @@
           <a:p>
             <a:fld id="{4F9A4CF2-39D5-471D-AEEA-44C9DDC76718}" type="slidenum">
               <a:rPr lang="zh-CN" altLang="en-US" smtClean="0"/>
-              <a:t>‹#›</a:t>
             </a:fld>
             <a:endParaRPr lang="zh-CN" altLang="en-US"/>
           </a:p>
@@ -1197,13 +1572,13 @@
   <p:clrMapOvr>
     <a:masterClrMapping/>
   </p:clrMapOvr>
-  <mc:AlternateContent xmlns:mc="http://schemas.openxmlformats.org/markup-compatibility/2006" xmlns:p14="http://schemas.microsoft.com/office/powerpoint/2010/main">
-    <mc:Choice Requires="p14">
+  <mc:AlternateContent xmlns:mc="http://schemas.openxmlformats.org/markup-compatibility/2006">
+    <mc:Choice xmlns:p14="http://schemas.microsoft.com/office/powerpoint/2010/main" Requires="p14">
       <p:transition spd="slow" p14:dur="1500">
         <p:random/>
       </p:transition>
     </mc:Choice>
-    <mc:Fallback xmlns="">
+    <mc:Fallback>
       <p:transition spd="slow">
         <p:random/>
       </p:transition>
@@ -1282,6 +1657,7 @@
               <a:rPr lang="zh-CN" altLang="en-US"/>
               <a:t>编辑母版文本样式</a:t>
             </a:r>
+            <a:endParaRPr lang="zh-CN" altLang="en-US"/>
           </a:p>
           <a:p>
             <a:pPr lvl="1"/>
@@ -1289,6 +1665,7 @@
               <a:rPr lang="zh-CN" altLang="en-US"/>
               <a:t>第二级</a:t>
             </a:r>
+            <a:endParaRPr lang="zh-CN" altLang="en-US"/>
           </a:p>
           <a:p>
             <a:pPr lvl="2"/>
@@ -1296,6 +1673,7 @@
               <a:rPr lang="zh-CN" altLang="en-US"/>
               <a:t>第三级</a:t>
             </a:r>
+            <a:endParaRPr lang="zh-CN" altLang="en-US"/>
           </a:p>
           <a:p>
             <a:pPr lvl="3"/>
@@ -1303,6 +1681,7 @@
               <a:rPr lang="zh-CN" altLang="en-US"/>
               <a:t>第四级</a:t>
             </a:r>
+            <a:endParaRPr lang="zh-CN" altLang="en-US"/>
           </a:p>
           <a:p>
             <a:pPr lvl="4"/>
@@ -1331,7 +1710,6 @@
           <a:p>
             <a:fld id="{95666703-9F6B-41A9-8273-A226E2EEC7FD}" type="datetimeFigureOut">
               <a:rPr lang="zh-CN" altLang="en-US" smtClean="0"/>
-              <a:t>2019/11/6</a:t>
             </a:fld>
             <a:endParaRPr lang="zh-CN" altLang="en-US"/>
           </a:p>
@@ -1373,7 +1751,6 @@
           <a:p>
             <a:fld id="{4F9A4CF2-39D5-471D-AEEA-44C9DDC76718}" type="slidenum">
               <a:rPr lang="zh-CN" altLang="en-US" smtClean="0"/>
-              <a:t>‹#›</a:t>
             </a:fld>
             <a:endParaRPr lang="zh-CN" altLang="en-US"/>
           </a:p>
@@ -1384,13 +1761,13 @@
   <p:clrMapOvr>
     <a:masterClrMapping/>
   </p:clrMapOvr>
-  <mc:AlternateContent xmlns:mc="http://schemas.openxmlformats.org/markup-compatibility/2006" xmlns:p14="http://schemas.microsoft.com/office/powerpoint/2010/main">
-    <mc:Choice Requires="p14">
+  <mc:AlternateContent xmlns:mc="http://schemas.openxmlformats.org/markup-compatibility/2006">
+    <mc:Choice xmlns:p14="http://schemas.microsoft.com/office/powerpoint/2010/main" Requires="p14">
       <p:transition spd="slow" p14:dur="1500">
         <p:random/>
       </p:transition>
     </mc:Choice>
-    <mc:Fallback xmlns="">
+    <mc:Fallback>
       <p:transition spd="slow">
         <p:random/>
       </p:transition>
@@ -1530,7 +1907,6 @@
           <a:p>
             <a:fld id="{9C3DB8B4-2C49-4FA1-8C80-9F8CC676210A}" type="datetimeFigureOut">
               <a:rPr lang="zh-CN" altLang="en-US" smtClean="0"/>
-              <a:t>2019/11/6</a:t>
             </a:fld>
             <a:endParaRPr lang="zh-CN" altLang="en-US"/>
           </a:p>
@@ -1572,7 +1948,6 @@
           <a:p>
             <a:fld id="{B662284E-E4CE-4A2F-8620-F19FEDCC162F}" type="slidenum">
               <a:rPr lang="zh-CN" altLang="en-US" smtClean="0"/>
-              <a:t>‹#›</a:t>
             </a:fld>
             <a:endParaRPr lang="zh-CN" altLang="en-US"/>
           </a:p>
@@ -1583,13 +1958,13 @@
   <p:clrMapOvr>
     <a:masterClrMapping/>
   </p:clrMapOvr>
-  <mc:AlternateContent xmlns:mc="http://schemas.openxmlformats.org/markup-compatibility/2006" xmlns:p14="http://schemas.microsoft.com/office/powerpoint/2010/main">
-    <mc:Choice Requires="p14">
+  <mc:AlternateContent xmlns:mc="http://schemas.openxmlformats.org/markup-compatibility/2006">
+    <mc:Choice xmlns:p14="http://schemas.microsoft.com/office/powerpoint/2010/main" Requires="p14">
       <p:transition spd="slow" p14:dur="1500">
         <p:random/>
       </p:transition>
     </mc:Choice>
-    <mc:Fallback xmlns="">
+    <mc:Fallback>
       <p:transition spd="slow">
         <p:random/>
       </p:transition>
@@ -1620,13 +1995,13 @@
   <p:clrMapOvr>
     <a:masterClrMapping/>
   </p:clrMapOvr>
-  <mc:AlternateContent xmlns:mc="http://schemas.openxmlformats.org/markup-compatibility/2006" xmlns:p14="http://schemas.microsoft.com/office/powerpoint/2010/main">
-    <mc:Choice Requires="p14">
+  <mc:AlternateContent xmlns:mc="http://schemas.openxmlformats.org/markup-compatibility/2006">
+    <mc:Choice xmlns:p14="http://schemas.microsoft.com/office/powerpoint/2010/main" Requires="p14">
       <p:transition spd="slow" p14:dur="1500">
         <p:random/>
       </p:transition>
     </mc:Choice>
-    <mc:Fallback xmlns="">
+    <mc:Fallback>
       <p:transition spd="slow">
         <p:random/>
       </p:transition>
@@ -1742,6 +2117,7 @@
               <a:rPr lang="zh-CN" altLang="en-US"/>
               <a:t>编辑母版文本样式</a:t>
             </a:r>
+            <a:endParaRPr lang="zh-CN" altLang="en-US"/>
           </a:p>
         </p:txBody>
       </p:sp>
@@ -1770,6 +2146,7 @@
               <a:rPr lang="zh-CN" altLang="en-US"/>
               <a:t>编辑母版文本样式</a:t>
             </a:r>
+            <a:endParaRPr lang="zh-CN" altLang="en-US"/>
           </a:p>
           <a:p>
             <a:pPr lvl="1"/>
@@ -1777,6 +2154,7 @@
               <a:rPr lang="zh-CN" altLang="en-US"/>
               <a:t>第二级</a:t>
             </a:r>
+            <a:endParaRPr lang="zh-CN" altLang="en-US"/>
           </a:p>
           <a:p>
             <a:pPr lvl="2"/>
@@ -1784,6 +2162,7 @@
               <a:rPr lang="zh-CN" altLang="en-US"/>
               <a:t>第三级</a:t>
             </a:r>
+            <a:endParaRPr lang="zh-CN" altLang="en-US"/>
           </a:p>
           <a:p>
             <a:pPr lvl="3"/>
@@ -1791,6 +2170,7 @@
               <a:rPr lang="zh-CN" altLang="en-US"/>
               <a:t>第四级</a:t>
             </a:r>
+            <a:endParaRPr lang="zh-CN" altLang="en-US"/>
           </a:p>
           <a:p>
             <a:pPr lvl="4"/>
@@ -1864,6 +2244,7 @@
               <a:rPr lang="zh-CN" altLang="en-US"/>
               <a:t>编辑母版文本样式</a:t>
             </a:r>
+            <a:endParaRPr lang="zh-CN" altLang="en-US"/>
           </a:p>
         </p:txBody>
       </p:sp>
@@ -1892,6 +2273,7 @@
               <a:rPr lang="zh-CN" altLang="en-US"/>
               <a:t>编辑母版文本样式</a:t>
             </a:r>
+            <a:endParaRPr lang="zh-CN" altLang="en-US"/>
           </a:p>
           <a:p>
             <a:pPr lvl="1"/>
@@ -1899,6 +2281,7 @@
               <a:rPr lang="zh-CN" altLang="en-US"/>
               <a:t>第二级</a:t>
             </a:r>
+            <a:endParaRPr lang="zh-CN" altLang="en-US"/>
           </a:p>
           <a:p>
             <a:pPr lvl="2"/>
@@ -1906,6 +2289,7 @@
               <a:rPr lang="zh-CN" altLang="en-US"/>
               <a:t>第三级</a:t>
             </a:r>
+            <a:endParaRPr lang="zh-CN" altLang="en-US"/>
           </a:p>
           <a:p>
             <a:pPr lvl="3"/>
@@ -1913,6 +2297,7 @@
               <a:rPr lang="zh-CN" altLang="en-US"/>
               <a:t>第四级</a:t>
             </a:r>
+            <a:endParaRPr lang="zh-CN" altLang="en-US"/>
           </a:p>
           <a:p>
             <a:pPr lvl="4"/>
@@ -1941,7 +2326,6 @@
           <a:p>
             <a:fld id="{9C3DB8B4-2C49-4FA1-8C80-9F8CC676210A}" type="datetimeFigureOut">
               <a:rPr lang="zh-CN" altLang="en-US" smtClean="0"/>
-              <a:t>2019/11/6</a:t>
             </a:fld>
             <a:endParaRPr lang="zh-CN" altLang="en-US"/>
           </a:p>
@@ -1983,7 +2367,6 @@
           <a:p>
             <a:fld id="{B662284E-E4CE-4A2F-8620-F19FEDCC162F}" type="slidenum">
               <a:rPr lang="zh-CN" altLang="en-US" smtClean="0"/>
-              <a:t>‹#›</a:t>
             </a:fld>
             <a:endParaRPr lang="zh-CN" altLang="en-US"/>
           </a:p>
@@ -1994,13 +2377,13 @@
   <p:clrMapOvr>
     <a:masterClrMapping/>
   </p:clrMapOvr>
-  <mc:AlternateContent xmlns:mc="http://schemas.openxmlformats.org/markup-compatibility/2006" xmlns:p14="http://schemas.microsoft.com/office/powerpoint/2010/main">
-    <mc:Choice Requires="p14">
+  <mc:AlternateContent xmlns:mc="http://schemas.openxmlformats.org/markup-compatibility/2006">
+    <mc:Choice xmlns:p14="http://schemas.microsoft.com/office/powerpoint/2010/main" Requires="p14">
       <p:transition spd="slow" p14:dur="1500">
         <p:random/>
       </p:transition>
     </mc:Choice>
-    <mc:Fallback xmlns="">
+    <mc:Fallback>
       <p:transition spd="slow">
         <p:random/>
       </p:transition>
@@ -2066,7 +2449,6 @@
           <a:p>
             <a:fld id="{9C3DB8B4-2C49-4FA1-8C80-9F8CC676210A}" type="datetimeFigureOut">
               <a:rPr lang="zh-CN" altLang="en-US" smtClean="0"/>
-              <a:t>2019/11/6</a:t>
             </a:fld>
             <a:endParaRPr lang="zh-CN" altLang="en-US"/>
           </a:p>
@@ -2108,7 +2490,6 @@
           <a:p>
             <a:fld id="{B662284E-E4CE-4A2F-8620-F19FEDCC162F}" type="slidenum">
               <a:rPr lang="zh-CN" altLang="en-US" smtClean="0"/>
-              <a:t>‹#›</a:t>
             </a:fld>
             <a:endParaRPr lang="zh-CN" altLang="en-US"/>
           </a:p>
@@ -2119,13 +2500,13 @@
   <p:clrMapOvr>
     <a:masterClrMapping/>
   </p:clrMapOvr>
-  <mc:AlternateContent xmlns:mc="http://schemas.openxmlformats.org/markup-compatibility/2006" xmlns:p14="http://schemas.microsoft.com/office/powerpoint/2010/main">
-    <mc:Choice Requires="p14">
+  <mc:AlternateContent xmlns:mc="http://schemas.openxmlformats.org/markup-compatibility/2006">
+    <mc:Choice xmlns:p14="http://schemas.microsoft.com/office/powerpoint/2010/main" Requires="p14">
       <p:transition spd="slow" p14:dur="1500">
         <p:random/>
       </p:transition>
     </mc:Choice>
-    <mc:Fallback xmlns="">
+    <mc:Fallback>
       <p:transition spd="slow">
         <p:random/>
       </p:transition>
@@ -2168,7 +2549,6 @@
           <a:p>
             <a:fld id="{9C3DB8B4-2C49-4FA1-8C80-9F8CC676210A}" type="datetimeFigureOut">
               <a:rPr lang="zh-CN" altLang="en-US" smtClean="0"/>
-              <a:t>2019/11/6</a:t>
             </a:fld>
             <a:endParaRPr lang="zh-CN" altLang="en-US"/>
           </a:p>
@@ -2210,7 +2590,6 @@
           <a:p>
             <a:fld id="{B662284E-E4CE-4A2F-8620-F19FEDCC162F}" type="slidenum">
               <a:rPr lang="zh-CN" altLang="en-US" smtClean="0"/>
-              <a:t>‹#›</a:t>
             </a:fld>
             <a:endParaRPr lang="zh-CN" altLang="en-US"/>
           </a:p>
@@ -2221,13 +2600,13 @@
   <p:clrMapOvr>
     <a:masterClrMapping/>
   </p:clrMapOvr>
-  <mc:AlternateContent xmlns:mc="http://schemas.openxmlformats.org/markup-compatibility/2006" xmlns:p14="http://schemas.microsoft.com/office/powerpoint/2010/main">
-    <mc:Choice Requires="p14">
+  <mc:AlternateContent xmlns:mc="http://schemas.openxmlformats.org/markup-compatibility/2006">
+    <mc:Choice xmlns:p14="http://schemas.microsoft.com/office/powerpoint/2010/main" Requires="p14">
       <p:transition spd="slow" p14:dur="1500">
         <p:random/>
       </p:transition>
     </mc:Choice>
-    <mc:Fallback xmlns="">
+    <mc:Fallback>
       <p:transition spd="slow">
         <p:random/>
       </p:transition>
@@ -2289,13 +2668,13 @@
   <p:clrMapOvr>
     <a:masterClrMapping/>
   </p:clrMapOvr>
-  <mc:AlternateContent xmlns:mc="http://schemas.openxmlformats.org/markup-compatibility/2006" xmlns:p14="http://schemas.microsoft.com/office/powerpoint/2010/main">
-    <mc:Choice Requires="p14">
+  <mc:AlternateContent xmlns:mc="http://schemas.openxmlformats.org/markup-compatibility/2006">
+    <mc:Choice xmlns:p14="http://schemas.microsoft.com/office/powerpoint/2010/main" Requires="p14">
       <p:transition spd="slow" p14:dur="1500">
         <p:random/>
       </p:transition>
     </mc:Choice>
-    <mc:Fallback xmlns="">
+    <mc:Fallback>
       <p:transition spd="slow">
         <p:random/>
       </p:transition>
@@ -2406,6 +2785,7 @@
               <a:rPr lang="zh-CN" altLang="en-US"/>
               <a:t>编辑母版文本样式</a:t>
             </a:r>
+            <a:endParaRPr lang="zh-CN" altLang="en-US"/>
           </a:p>
           <a:p>
             <a:pPr lvl="1"/>
@@ -2413,6 +2793,7 @@
               <a:rPr lang="zh-CN" altLang="en-US"/>
               <a:t>第二级</a:t>
             </a:r>
+            <a:endParaRPr lang="zh-CN" altLang="en-US"/>
           </a:p>
           <a:p>
             <a:pPr lvl="2"/>
@@ -2420,6 +2801,7 @@
               <a:rPr lang="zh-CN" altLang="en-US"/>
               <a:t>第三级</a:t>
             </a:r>
+            <a:endParaRPr lang="zh-CN" altLang="en-US"/>
           </a:p>
           <a:p>
             <a:pPr lvl="3"/>
@@ -2427,6 +2809,7 @@
               <a:rPr lang="zh-CN" altLang="en-US"/>
               <a:t>第四级</a:t>
             </a:r>
+            <a:endParaRPr lang="zh-CN" altLang="en-US"/>
           </a:p>
           <a:p>
             <a:pPr lvl="4"/>
@@ -2500,6 +2883,7 @@
               <a:rPr lang="zh-CN" altLang="en-US"/>
               <a:t>编辑母版文本样式</a:t>
             </a:r>
+            <a:endParaRPr lang="zh-CN" altLang="en-US"/>
           </a:p>
         </p:txBody>
       </p:sp>
@@ -2520,7 +2904,6 @@
           <a:p>
             <a:fld id="{9C3DB8B4-2C49-4FA1-8C80-9F8CC676210A}" type="datetimeFigureOut">
               <a:rPr lang="zh-CN" altLang="en-US" smtClean="0"/>
-              <a:t>2019/11/6</a:t>
             </a:fld>
             <a:endParaRPr lang="zh-CN" altLang="en-US"/>
           </a:p>
@@ -2562,7 +2945,6 @@
           <a:p>
             <a:fld id="{B662284E-E4CE-4A2F-8620-F19FEDCC162F}" type="slidenum">
               <a:rPr lang="zh-CN" altLang="en-US" smtClean="0"/>
-              <a:t>‹#›</a:t>
             </a:fld>
             <a:endParaRPr lang="zh-CN" altLang="en-US"/>
           </a:p>
@@ -2573,13 +2955,13 @@
   <p:clrMapOvr>
     <a:masterClrMapping/>
   </p:clrMapOvr>
-  <mc:AlternateContent xmlns:mc="http://schemas.openxmlformats.org/markup-compatibility/2006" xmlns:p14="http://schemas.microsoft.com/office/powerpoint/2010/main">
-    <mc:Choice Requires="p14">
+  <mc:AlternateContent xmlns:mc="http://schemas.openxmlformats.org/markup-compatibility/2006">
+    <mc:Choice xmlns:p14="http://schemas.microsoft.com/office/powerpoint/2010/main" Requires="p14">
       <p:transition spd="slow" p14:dur="1500">
         <p:random/>
       </p:transition>
     </mc:Choice>
-    <mc:Fallback xmlns="">
+    <mc:Fallback>
       <p:transition spd="slow">
         <p:random/>
       </p:transition>
@@ -2764,6 +3146,7 @@
               <a:rPr lang="zh-CN" altLang="en-US"/>
               <a:t>编辑母版文本样式</a:t>
             </a:r>
+            <a:endParaRPr lang="zh-CN" altLang="en-US"/>
           </a:p>
         </p:txBody>
       </p:sp>
@@ -2784,7 +3167,6 @@
           <a:p>
             <a:fld id="{9C3DB8B4-2C49-4FA1-8C80-9F8CC676210A}" type="datetimeFigureOut">
               <a:rPr lang="zh-CN" altLang="en-US" smtClean="0"/>
-              <a:t>2019/11/6</a:t>
             </a:fld>
             <a:endParaRPr lang="zh-CN" altLang="en-US"/>
           </a:p>
@@ -2826,7 +3208,6 @@
           <a:p>
             <a:fld id="{B662284E-E4CE-4A2F-8620-F19FEDCC162F}" type="slidenum">
               <a:rPr lang="zh-CN" altLang="en-US" smtClean="0"/>
-              <a:t>‹#›</a:t>
             </a:fld>
             <a:endParaRPr lang="zh-CN" altLang="en-US"/>
           </a:p>
@@ -2837,13 +3218,13 @@
   <p:clrMapOvr>
     <a:masterClrMapping/>
   </p:clrMapOvr>
-  <mc:AlternateContent xmlns:mc="http://schemas.openxmlformats.org/markup-compatibility/2006" xmlns:p14="http://schemas.microsoft.com/office/powerpoint/2010/main">
-    <mc:Choice Requires="p14">
+  <mc:AlternateContent xmlns:mc="http://schemas.openxmlformats.org/markup-compatibility/2006">
+    <mc:Choice xmlns:p14="http://schemas.microsoft.com/office/powerpoint/2010/main" Requires="p14">
       <p:transition spd="slow" p14:dur="1500">
         <p:random/>
       </p:transition>
     </mc:Choice>
-    <mc:Fallback xmlns="">
+    <mc:Fallback>
       <p:transition spd="slow">
         <p:random/>
       </p:transition>
@@ -2912,6 +3293,7 @@
               <a:rPr lang="zh-CN" altLang="en-US"/>
               <a:t>编辑母版文本样式</a:t>
             </a:r>
+            <a:endParaRPr lang="zh-CN" altLang="en-US"/>
           </a:p>
           <a:p>
             <a:pPr lvl="1"/>
@@ -2919,6 +3301,7 @@
               <a:rPr lang="zh-CN" altLang="en-US"/>
               <a:t>第二级</a:t>
             </a:r>
+            <a:endParaRPr lang="zh-CN" altLang="en-US"/>
           </a:p>
           <a:p>
             <a:pPr lvl="2"/>
@@ -2926,6 +3309,7 @@
               <a:rPr lang="zh-CN" altLang="en-US"/>
               <a:t>第三级</a:t>
             </a:r>
+            <a:endParaRPr lang="zh-CN" altLang="en-US"/>
           </a:p>
           <a:p>
             <a:pPr lvl="3"/>
@@ -2933,6 +3317,7 @@
               <a:rPr lang="zh-CN" altLang="en-US"/>
               <a:t>第四级</a:t>
             </a:r>
+            <a:endParaRPr lang="zh-CN" altLang="en-US"/>
           </a:p>
           <a:p>
             <a:pPr lvl="4"/>
@@ -2961,7 +3346,6 @@
           <a:p>
             <a:fld id="{9C3DB8B4-2C49-4FA1-8C80-9F8CC676210A}" type="datetimeFigureOut">
               <a:rPr lang="zh-CN" altLang="en-US" smtClean="0"/>
-              <a:t>2019/11/6</a:t>
             </a:fld>
             <a:endParaRPr lang="zh-CN" altLang="en-US"/>
           </a:p>
@@ -3003,7 +3387,6 @@
           <a:p>
             <a:fld id="{B662284E-E4CE-4A2F-8620-F19FEDCC162F}" type="slidenum">
               <a:rPr lang="zh-CN" altLang="en-US" smtClean="0"/>
-              <a:t>‹#›</a:t>
             </a:fld>
             <a:endParaRPr lang="zh-CN" altLang="en-US"/>
           </a:p>
@@ -3014,13 +3397,13 @@
   <p:clrMapOvr>
     <a:masterClrMapping/>
   </p:clrMapOvr>
-  <mc:AlternateContent xmlns:mc="http://schemas.openxmlformats.org/markup-compatibility/2006" xmlns:p14="http://schemas.microsoft.com/office/powerpoint/2010/main">
-    <mc:Choice Requires="p14">
+  <mc:AlternateContent xmlns:mc="http://schemas.openxmlformats.org/markup-compatibility/2006">
+    <mc:Choice xmlns:p14="http://schemas.microsoft.com/office/powerpoint/2010/main" Requires="p14">
       <p:transition spd="slow" p14:dur="1500">
         <p:random/>
       </p:transition>
     </mc:Choice>
-    <mc:Fallback xmlns="">
+    <mc:Fallback>
       <p:transition spd="slow">
         <p:random/>
       </p:transition>
@@ -3099,6 +3482,7 @@
               <a:rPr lang="zh-CN" altLang="en-US"/>
               <a:t>编辑母版文本样式</a:t>
             </a:r>
+            <a:endParaRPr lang="zh-CN" altLang="en-US"/>
           </a:p>
           <a:p>
             <a:pPr lvl="1"/>
@@ -3106,6 +3490,7 @@
               <a:rPr lang="zh-CN" altLang="en-US"/>
               <a:t>第二级</a:t>
             </a:r>
+            <a:endParaRPr lang="zh-CN" altLang="en-US"/>
           </a:p>
           <a:p>
             <a:pPr lvl="2"/>
@@ -3113,6 +3498,7 @@
               <a:rPr lang="zh-CN" altLang="en-US"/>
               <a:t>第三级</a:t>
             </a:r>
+            <a:endParaRPr lang="zh-CN" altLang="en-US"/>
           </a:p>
           <a:p>
             <a:pPr lvl="3"/>
@@ -3120,6 +3506,7 @@
               <a:rPr lang="zh-CN" altLang="en-US"/>
               <a:t>第四级</a:t>
             </a:r>
+            <a:endParaRPr lang="zh-CN" altLang="en-US"/>
           </a:p>
           <a:p>
             <a:pPr lvl="4"/>
@@ -3148,7 +3535,6 @@
           <a:p>
             <a:fld id="{9C3DB8B4-2C49-4FA1-8C80-9F8CC676210A}" type="datetimeFigureOut">
               <a:rPr lang="zh-CN" altLang="en-US" smtClean="0"/>
-              <a:t>2019/11/6</a:t>
             </a:fld>
             <a:endParaRPr lang="zh-CN" altLang="en-US"/>
           </a:p>
@@ -3190,7 +3576,6 @@
           <a:p>
             <a:fld id="{B662284E-E4CE-4A2F-8620-F19FEDCC162F}" type="slidenum">
               <a:rPr lang="zh-CN" altLang="en-US" smtClean="0"/>
-              <a:t>‹#›</a:t>
             </a:fld>
             <a:endParaRPr lang="zh-CN" altLang="en-US"/>
           </a:p>
@@ -3201,13 +3586,13 @@
   <p:clrMapOvr>
     <a:masterClrMapping/>
   </p:clrMapOvr>
-  <mc:AlternateContent xmlns:mc="http://schemas.openxmlformats.org/markup-compatibility/2006" xmlns:p14="http://schemas.microsoft.com/office/powerpoint/2010/main">
-    <mc:Choice Requires="p14">
+  <mc:AlternateContent xmlns:mc="http://schemas.openxmlformats.org/markup-compatibility/2006">
+    <mc:Choice xmlns:p14="http://schemas.microsoft.com/office/powerpoint/2010/main" Requires="p14">
       <p:transition spd="slow" p14:dur="1500">
         <p:random/>
       </p:transition>
     </mc:Choice>
-    <mc:Fallback xmlns="">
+    <mc:Fallback>
       <p:transition spd="slow">
         <p:random/>
       </p:transition>
@@ -3269,13 +3654,13 @@
   <p:clrMapOvr>
     <a:masterClrMapping/>
   </p:clrMapOvr>
-  <mc:AlternateContent xmlns:mc="http://schemas.openxmlformats.org/markup-compatibility/2006" xmlns:p14="http://schemas.microsoft.com/office/powerpoint/2010/main">
-    <mc:Choice Requires="p14">
+  <mc:AlternateContent xmlns:mc="http://schemas.openxmlformats.org/markup-compatibility/2006">
+    <mc:Choice xmlns:p14="http://schemas.microsoft.com/office/powerpoint/2010/main" Requires="p14">
       <p:transition spd="slow" p14:dur="1500">
         <p:random/>
       </p:transition>
     </mc:Choice>
-    <mc:Fallback xmlns="">
+    <mc:Fallback>
       <p:transition spd="slow">
         <p:random/>
       </p:transition>
@@ -3337,13 +3722,13 @@
   <p:clrMapOvr>
     <a:masterClrMapping/>
   </p:clrMapOvr>
-  <mc:AlternateContent xmlns:mc="http://schemas.openxmlformats.org/markup-compatibility/2006" xmlns:p14="http://schemas.microsoft.com/office/powerpoint/2010/main">
-    <mc:Choice Requires="p14">
+  <mc:AlternateContent xmlns:mc="http://schemas.openxmlformats.org/markup-compatibility/2006">
+    <mc:Choice xmlns:p14="http://schemas.microsoft.com/office/powerpoint/2010/main" Requires="p14">
       <p:transition spd="slow" p14:dur="1500">
         <p:random/>
       </p:transition>
     </mc:Choice>
-    <mc:Fallback xmlns="">
+    <mc:Fallback>
       <p:transition spd="slow">
         <p:random/>
       </p:transition>
@@ -3501,13 +3886,13 @@
   <p:clrMapOvr>
     <a:masterClrMapping/>
   </p:clrMapOvr>
-  <mc:AlternateContent xmlns:mc="http://schemas.openxmlformats.org/markup-compatibility/2006" xmlns:p14="http://schemas.microsoft.com/office/powerpoint/2010/main">
-    <mc:Choice Requires="p14">
+  <mc:AlternateContent xmlns:mc="http://schemas.openxmlformats.org/markup-compatibility/2006">
+    <mc:Choice xmlns:p14="http://schemas.microsoft.com/office/powerpoint/2010/main" Requires="p14">
       <p:transition spd="slow" p14:dur="1500">
         <p:random/>
       </p:transition>
     </mc:Choice>
-    <mc:Fallback xmlns="">
+    <mc:Fallback>
       <p:transition spd="slow">
         <p:random/>
       </p:transition>
@@ -3569,13 +3954,13 @@
   <p:clrMapOvr>
     <a:masterClrMapping/>
   </p:clrMapOvr>
-  <mc:AlternateContent xmlns:mc="http://schemas.openxmlformats.org/markup-compatibility/2006" xmlns:p14="http://schemas.microsoft.com/office/powerpoint/2010/main">
-    <mc:Choice Requires="p14">
+  <mc:AlternateContent xmlns:mc="http://schemas.openxmlformats.org/markup-compatibility/2006">
+    <mc:Choice xmlns:p14="http://schemas.microsoft.com/office/powerpoint/2010/main" Requires="p14">
       <p:transition spd="slow" p14:dur="1500">
         <p:random/>
       </p:transition>
     </mc:Choice>
-    <mc:Fallback xmlns="">
+    <mc:Fallback>
       <p:transition spd="slow">
         <p:random/>
       </p:transition>
@@ -3649,6 +4034,7 @@
               <a:rPr lang="zh-CN" altLang="en-US"/>
               <a:t>编辑母版文本样式</a:t>
             </a:r>
+            <a:endParaRPr lang="zh-CN" altLang="en-US"/>
           </a:p>
           <a:p>
             <a:pPr lvl="1"/>
@@ -3656,6 +4042,7 @@
               <a:rPr lang="zh-CN" altLang="en-US"/>
               <a:t>第二级</a:t>
             </a:r>
+            <a:endParaRPr lang="zh-CN" altLang="en-US"/>
           </a:p>
           <a:p>
             <a:pPr lvl="2"/>
@@ -3663,6 +4050,7 @@
               <a:rPr lang="zh-CN" altLang="en-US"/>
               <a:t>第三级</a:t>
             </a:r>
+            <a:endParaRPr lang="zh-CN" altLang="en-US"/>
           </a:p>
           <a:p>
             <a:pPr lvl="3"/>
@@ -3670,6 +4058,7 @@
               <a:rPr lang="zh-CN" altLang="en-US"/>
               <a:t>第四级</a:t>
             </a:r>
+            <a:endParaRPr lang="zh-CN" altLang="en-US"/>
           </a:p>
           <a:p>
             <a:pPr lvl="4"/>
@@ -3706,6 +4095,7 @@
               <a:rPr lang="zh-CN" altLang="en-US"/>
               <a:t>编辑母版文本样式</a:t>
             </a:r>
+            <a:endParaRPr lang="zh-CN" altLang="en-US"/>
           </a:p>
           <a:p>
             <a:pPr lvl="1"/>
@@ -3713,6 +4103,7 @@
               <a:rPr lang="zh-CN" altLang="en-US"/>
               <a:t>第二级</a:t>
             </a:r>
+            <a:endParaRPr lang="zh-CN" altLang="en-US"/>
           </a:p>
           <a:p>
             <a:pPr lvl="2"/>
@@ -3720,6 +4111,7 @@
               <a:rPr lang="zh-CN" altLang="en-US"/>
               <a:t>第三级</a:t>
             </a:r>
+            <a:endParaRPr lang="zh-CN" altLang="en-US"/>
           </a:p>
           <a:p>
             <a:pPr lvl="3"/>
@@ -3727,6 +4119,7 @@
               <a:rPr lang="zh-CN" altLang="en-US"/>
               <a:t>第四级</a:t>
             </a:r>
+            <a:endParaRPr lang="zh-CN" altLang="en-US"/>
           </a:p>
           <a:p>
             <a:pPr lvl="4"/>
@@ -3755,7 +4148,6 @@
           <a:p>
             <a:fld id="{95666703-9F6B-41A9-8273-A226E2EEC7FD}" type="datetimeFigureOut">
               <a:rPr lang="zh-CN" altLang="en-US" smtClean="0"/>
-              <a:t>2019/11/6</a:t>
             </a:fld>
             <a:endParaRPr lang="zh-CN" altLang="en-US"/>
           </a:p>
@@ -3797,7 +4189,6 @@
           <a:p>
             <a:fld id="{4F9A4CF2-39D5-471D-AEEA-44C9DDC76718}" type="slidenum">
               <a:rPr lang="zh-CN" altLang="en-US" smtClean="0"/>
-              <a:t>‹#›</a:t>
             </a:fld>
             <a:endParaRPr lang="zh-CN" altLang="en-US"/>
           </a:p>
@@ -3808,13 +4199,13 @@
   <p:clrMapOvr>
     <a:masterClrMapping/>
   </p:clrMapOvr>
-  <mc:AlternateContent xmlns:mc="http://schemas.openxmlformats.org/markup-compatibility/2006" xmlns:p14="http://schemas.microsoft.com/office/powerpoint/2010/main">
-    <mc:Choice Requires="p14">
+  <mc:AlternateContent xmlns:mc="http://schemas.openxmlformats.org/markup-compatibility/2006">
+    <mc:Choice xmlns:p14="http://schemas.microsoft.com/office/powerpoint/2010/main" Requires="p14">
       <p:transition spd="slow" p14:dur="1500">
         <p:random/>
       </p:transition>
     </mc:Choice>
-    <mc:Fallback xmlns="">
+    <mc:Fallback>
       <p:transition spd="slow">
         <p:random/>
       </p:transition>
@@ -3930,6 +4321,7 @@
               <a:rPr lang="zh-CN" altLang="en-US"/>
               <a:t>编辑母版文本样式</a:t>
             </a:r>
+            <a:endParaRPr lang="zh-CN" altLang="en-US"/>
           </a:p>
         </p:txBody>
       </p:sp>
@@ -3958,6 +4350,7 @@
               <a:rPr lang="zh-CN" altLang="en-US"/>
               <a:t>编辑母版文本样式</a:t>
             </a:r>
+            <a:endParaRPr lang="zh-CN" altLang="en-US"/>
           </a:p>
           <a:p>
             <a:pPr lvl="1"/>
@@ -3965,6 +4358,7 @@
               <a:rPr lang="zh-CN" altLang="en-US"/>
               <a:t>第二级</a:t>
             </a:r>
+            <a:endParaRPr lang="zh-CN" altLang="en-US"/>
           </a:p>
           <a:p>
             <a:pPr lvl="2"/>
@@ -3972,6 +4366,7 @@
               <a:rPr lang="zh-CN" altLang="en-US"/>
               <a:t>第三级</a:t>
             </a:r>
+            <a:endParaRPr lang="zh-CN" altLang="en-US"/>
           </a:p>
           <a:p>
             <a:pPr lvl="3"/>
@@ -3979,6 +4374,7 @@
               <a:rPr lang="zh-CN" altLang="en-US"/>
               <a:t>第四级</a:t>
             </a:r>
+            <a:endParaRPr lang="zh-CN" altLang="en-US"/>
           </a:p>
           <a:p>
             <a:pPr lvl="4"/>
@@ -4052,6 +4448,7 @@
               <a:rPr lang="zh-CN" altLang="en-US"/>
               <a:t>编辑母版文本样式</a:t>
             </a:r>
+            <a:endParaRPr lang="zh-CN" altLang="en-US"/>
           </a:p>
         </p:txBody>
       </p:sp>
@@ -4080,6 +4477,7 @@
               <a:rPr lang="zh-CN" altLang="en-US"/>
               <a:t>编辑母版文本样式</a:t>
             </a:r>
+            <a:endParaRPr lang="zh-CN" altLang="en-US"/>
           </a:p>
           <a:p>
             <a:pPr lvl="1"/>
@@ -4087,6 +4485,7 @@
               <a:rPr lang="zh-CN" altLang="en-US"/>
               <a:t>第二级</a:t>
             </a:r>
+            <a:endParaRPr lang="zh-CN" altLang="en-US"/>
           </a:p>
           <a:p>
             <a:pPr lvl="2"/>
@@ -4094,6 +4493,7 @@
               <a:rPr lang="zh-CN" altLang="en-US"/>
               <a:t>第三级</a:t>
             </a:r>
+            <a:endParaRPr lang="zh-CN" altLang="en-US"/>
           </a:p>
           <a:p>
             <a:pPr lvl="3"/>
@@ -4101,6 +4501,7 @@
               <a:rPr lang="zh-CN" altLang="en-US"/>
               <a:t>第四级</a:t>
             </a:r>
+            <a:endParaRPr lang="zh-CN" altLang="en-US"/>
           </a:p>
           <a:p>
             <a:pPr lvl="4"/>
@@ -4129,7 +4530,6 @@
           <a:p>
             <a:fld id="{95666703-9F6B-41A9-8273-A226E2EEC7FD}" type="datetimeFigureOut">
               <a:rPr lang="zh-CN" altLang="en-US" smtClean="0"/>
-              <a:t>2019/11/6</a:t>
             </a:fld>
             <a:endParaRPr lang="zh-CN" altLang="en-US"/>
           </a:p>
@@ -4171,7 +4571,6 @@
           <a:p>
             <a:fld id="{4F9A4CF2-39D5-471D-AEEA-44C9DDC76718}" type="slidenum">
               <a:rPr lang="zh-CN" altLang="en-US" smtClean="0"/>
-              <a:t>‹#›</a:t>
             </a:fld>
             <a:endParaRPr lang="zh-CN" altLang="en-US"/>
           </a:p>
@@ -4182,13 +4581,13 @@
   <p:clrMapOvr>
     <a:masterClrMapping/>
   </p:clrMapOvr>
-  <mc:AlternateContent xmlns:mc="http://schemas.openxmlformats.org/markup-compatibility/2006" xmlns:p14="http://schemas.microsoft.com/office/powerpoint/2010/main">
-    <mc:Choice Requires="p14">
+  <mc:AlternateContent xmlns:mc="http://schemas.openxmlformats.org/markup-compatibility/2006">
+    <mc:Choice xmlns:p14="http://schemas.microsoft.com/office/powerpoint/2010/main" Requires="p14">
       <p:transition spd="slow" p14:dur="1500">
         <p:random/>
       </p:transition>
     </mc:Choice>
-    <mc:Fallback xmlns="">
+    <mc:Fallback>
       <p:transition spd="slow">
         <p:random/>
       </p:transition>
@@ -4254,7 +4653,6 @@
           <a:p>
             <a:fld id="{95666703-9F6B-41A9-8273-A226E2EEC7FD}" type="datetimeFigureOut">
               <a:rPr lang="zh-CN" altLang="en-US" smtClean="0"/>
-              <a:t>2019/11/6</a:t>
             </a:fld>
             <a:endParaRPr lang="zh-CN" altLang="en-US"/>
           </a:p>
@@ -4296,7 +4694,6 @@
           <a:p>
             <a:fld id="{4F9A4CF2-39D5-471D-AEEA-44C9DDC76718}" type="slidenum">
               <a:rPr lang="zh-CN" altLang="en-US" smtClean="0"/>
-              <a:t>‹#›</a:t>
             </a:fld>
             <a:endParaRPr lang="zh-CN" altLang="en-US"/>
           </a:p>
@@ -4307,13 +4704,13 @@
   <p:clrMapOvr>
     <a:masterClrMapping/>
   </p:clrMapOvr>
-  <mc:AlternateContent xmlns:mc="http://schemas.openxmlformats.org/markup-compatibility/2006" xmlns:p14="http://schemas.microsoft.com/office/powerpoint/2010/main">
-    <mc:Choice Requires="p14">
+  <mc:AlternateContent xmlns:mc="http://schemas.openxmlformats.org/markup-compatibility/2006">
+    <mc:Choice xmlns:p14="http://schemas.microsoft.com/office/powerpoint/2010/main" Requires="p14">
       <p:transition spd="slow" p14:dur="1500">
         <p:random/>
       </p:transition>
     </mc:Choice>
-    <mc:Fallback xmlns="">
+    <mc:Fallback>
       <p:transition spd="slow">
         <p:random/>
       </p:transition>
@@ -4407,6 +4804,7 @@
               <a:rPr lang="zh-CN" altLang="en-US"/>
               <a:t>编辑母版文本样式</a:t>
             </a:r>
+            <a:endParaRPr lang="zh-CN" altLang="en-US"/>
           </a:p>
           <a:p>
             <a:pPr lvl="1"/>
@@ -4414,6 +4812,7 @@
               <a:rPr lang="zh-CN" altLang="en-US"/>
               <a:t>第二级</a:t>
             </a:r>
+            <a:endParaRPr lang="zh-CN" altLang="en-US"/>
           </a:p>
           <a:p>
             <a:pPr lvl="2"/>
@@ -4421,6 +4820,7 @@
               <a:rPr lang="zh-CN" altLang="en-US"/>
               <a:t>第三级</a:t>
             </a:r>
+            <a:endParaRPr lang="zh-CN" altLang="en-US"/>
           </a:p>
           <a:p>
             <a:pPr lvl="3"/>
@@ -4428,6 +4828,7 @@
               <a:rPr lang="zh-CN" altLang="en-US"/>
               <a:t>第四级</a:t>
             </a:r>
+            <a:endParaRPr lang="zh-CN" altLang="en-US"/>
           </a:p>
           <a:p>
             <a:pPr lvl="4"/>
@@ -4474,7 +4875,6 @@
           <a:p>
             <a:fld id="{95666703-9F6B-41A9-8273-A226E2EEC7FD}" type="datetimeFigureOut">
               <a:rPr lang="zh-CN" altLang="en-US" smtClean="0"/>
-              <a:t>2019/11/6</a:t>
             </a:fld>
             <a:endParaRPr lang="zh-CN" altLang="en-US"/>
           </a:p>
@@ -4552,7 +4952,6 @@
           <a:p>
             <a:fld id="{4F9A4CF2-39D5-471D-AEEA-44C9DDC76718}" type="slidenum">
               <a:rPr lang="zh-CN" altLang="en-US" smtClean="0"/>
-              <a:t>‹#›</a:t>
             </a:fld>
             <a:endParaRPr lang="zh-CN" altLang="en-US"/>
           </a:p>
@@ -4577,13 +4976,13 @@
     <p:sldLayoutId id="2147483661" r:id="rId13"/>
     <p:sldLayoutId id="2147483662" r:id="rId14"/>
   </p:sldLayoutIdLst>
-  <mc:AlternateContent xmlns:mc="http://schemas.openxmlformats.org/markup-compatibility/2006" xmlns:p14="http://schemas.microsoft.com/office/powerpoint/2010/main">
-    <mc:Choice Requires="p14">
+  <mc:AlternateContent xmlns:mc="http://schemas.openxmlformats.org/markup-compatibility/2006">
+    <mc:Choice xmlns:p14="http://schemas.microsoft.com/office/powerpoint/2010/main" Requires="p14">
       <p:transition spd="slow" p14:dur="1500">
         <p:random/>
       </p:transition>
     </mc:Choice>
-    <mc:Fallback xmlns="">
+    <mc:Fallback>
       <p:transition spd="slow">
         <p:random/>
       </p:transition>
@@ -4957,6 +5356,7 @@
               <a:rPr lang="zh-CN" altLang="en-US"/>
               <a:t>编辑母版文本样式</a:t>
             </a:r>
+            <a:endParaRPr lang="zh-CN" altLang="en-US"/>
           </a:p>
           <a:p>
             <a:pPr lvl="1"/>
@@ -4964,6 +5364,7 @@
               <a:rPr lang="zh-CN" altLang="en-US"/>
               <a:t>第二级</a:t>
             </a:r>
+            <a:endParaRPr lang="zh-CN" altLang="en-US"/>
           </a:p>
           <a:p>
             <a:pPr lvl="2"/>
@@ -4971,6 +5372,7 @@
               <a:rPr lang="zh-CN" altLang="en-US"/>
               <a:t>第三级</a:t>
             </a:r>
+            <a:endParaRPr lang="zh-CN" altLang="en-US"/>
           </a:p>
           <a:p>
             <a:pPr lvl="3"/>
@@ -4978,6 +5380,7 @@
               <a:rPr lang="zh-CN" altLang="en-US"/>
               <a:t>第四级</a:t>
             </a:r>
+            <a:endParaRPr lang="zh-CN" altLang="en-US"/>
           </a:p>
           <a:p>
             <a:pPr lvl="4"/>
@@ -5024,7 +5427,6 @@
           <a:p>
             <a:fld id="{9C3DB8B4-2C49-4FA1-8C80-9F8CC676210A}" type="datetimeFigureOut">
               <a:rPr lang="zh-CN" altLang="en-US" smtClean="0"/>
-              <a:t>2019/11/6</a:t>
             </a:fld>
             <a:endParaRPr lang="zh-CN" altLang="en-US"/>
           </a:p>
@@ -5102,7 +5504,6 @@
           <a:p>
             <a:fld id="{B662284E-E4CE-4A2F-8620-F19FEDCC162F}" type="slidenum">
               <a:rPr lang="zh-CN" altLang="en-US" smtClean="0"/>
-              <a:t>‹#›</a:t>
             </a:fld>
             <a:endParaRPr lang="zh-CN" altLang="en-US"/>
           </a:p>
@@ -5122,13 +5523,13 @@
     <p:sldLayoutId id="2147483671" r:id="rId8"/>
     <p:sldLayoutId id="2147483672" r:id="rId9"/>
   </p:sldLayoutIdLst>
-  <mc:AlternateContent xmlns:mc="http://schemas.openxmlformats.org/markup-compatibility/2006" xmlns:p14="http://schemas.microsoft.com/office/powerpoint/2010/main">
-    <mc:Choice Requires="p14">
+  <mc:AlternateContent xmlns:mc="http://schemas.openxmlformats.org/markup-compatibility/2006">
+    <mc:Choice xmlns:p14="http://schemas.microsoft.com/office/powerpoint/2010/main" Requires="p14">
       <p:transition spd="slow" p14:dur="1500">
         <p:random/>
       </p:transition>
     </mc:Choice>
-    <mc:Fallback xmlns="">
+    <mc:Fallback>
       <p:transition spd="slow">
         <p:random/>
       </p:transition>
@@ -5484,6 +5885,12 @@
               </a:rPr>
               <a:t>-Party A</a:t>
             </a:r>
+            <a:endParaRPr lang="en-US" altLang="zh-CN" sz="2000" dirty="0">
+              <a:solidFill>
+                <a:srgbClr val="FBDED3"/>
+              </a:solidFill>
+              <a:latin typeface="Arial" panose="020B0604020202020204"/>
+            </a:endParaRPr>
           </a:p>
           <a:p>
             <a:pPr lvl="0" algn="l">
@@ -5549,6 +5956,19 @@
               </a:rPr>
               <a:t>Members(A-Z):</a:t>
             </a:r>
+            <a:endParaRPr kumimoji="0" lang="en-US" altLang="zh-CN" sz="1600" b="0" i="0" u="none" strike="noStrike" kern="1200" cap="none" spc="0" normalizeH="0" baseline="0" noProof="0" dirty="0">
+              <a:ln>
+                <a:noFill/>
+              </a:ln>
+              <a:solidFill>
+                <a:srgbClr val="FBDED3"/>
+              </a:solidFill>
+              <a:effectLst/>
+              <a:uLnTx/>
+              <a:uFillTx/>
+              <a:latin typeface="Arial" panose="020B0604020202020204"/>
+              <a:ea typeface="微软雅黑 Light" panose="020B0502040204020203" charset="-122"/>
+            </a:endParaRPr>
           </a:p>
           <a:p>
             <a:pPr lvl="0" algn="l">
@@ -5570,6 +5990,19 @@
               </a:rPr>
               <a:t>Emmett BeAney, Jacinda Li ,Miriam Alzamily, Nana Yin, Shreya Uday</a:t>
             </a:r>
+            <a:endParaRPr kumimoji="0" lang="en-US" altLang="zh-CN" sz="1600" b="0" i="0" u="none" strike="noStrike" kern="1200" cap="none" spc="0" normalizeH="0" baseline="0" noProof="0" dirty="0">
+              <a:ln>
+                <a:noFill/>
+              </a:ln>
+              <a:solidFill>
+                <a:srgbClr val="FBDED3"/>
+              </a:solidFill>
+              <a:effectLst/>
+              <a:uLnTx/>
+              <a:uFillTx/>
+              <a:latin typeface="Arial" panose="020B0604020202020204"/>
+              <a:ea typeface="微软雅黑 Light" panose="020B0502040204020203" charset="-122"/>
+            </a:endParaRPr>
           </a:p>
         </p:txBody>
       </p:sp>
@@ -5628,6 +6061,20 @@
               </a:rPr>
               <a:t>P2-Hnefatafl </a:t>
             </a:r>
+            <a:endParaRPr kumimoji="0" lang="en-US" altLang="zh-CN" sz="8000" i="0" u="none" strike="noStrike" kern="1200" cap="none" spc="0" normalizeH="0" baseline="0" noProof="0">
+              <a:ln>
+                <a:noFill/>
+              </a:ln>
+              <a:solidFill>
+                <a:srgbClr val="FBDED3"/>
+              </a:solidFill>
+              <a:effectLst/>
+              <a:uLnTx/>
+              <a:uFillTx/>
+              <a:latin typeface="Arial" panose="020B0604020202020204"/>
+              <a:ea typeface="微软雅黑 Light" panose="020B0502040204020203" charset="-122"/>
+              <a:cs typeface="+mn-cs"/>
+            </a:endParaRPr>
           </a:p>
         </p:txBody>
       </p:sp>
@@ -5636,13 +6083,13 @@
   <p:clrMapOvr>
     <a:masterClrMapping/>
   </p:clrMapOvr>
-  <mc:AlternateContent xmlns:mc="http://schemas.openxmlformats.org/markup-compatibility/2006" xmlns:p14="http://schemas.microsoft.com/office/powerpoint/2010/main">
-    <mc:Choice Requires="p14">
+  <mc:AlternateContent xmlns:mc="http://schemas.openxmlformats.org/markup-compatibility/2006">
+    <mc:Choice xmlns:p14="http://schemas.microsoft.com/office/powerpoint/2010/main" Requires="p14">
       <p:transition spd="slow" p14:dur="1500">
         <p:random/>
       </p:transition>
     </mc:Choice>
-    <mc:Fallback xmlns="">
+    <mc:Fallback>
       <p:transition spd="slow">
         <p:random/>
       </p:transition>
@@ -5702,6 +6149,12 @@
               </a:rPr>
               <a:t>CRC Cards &amp;</a:t>
             </a:r>
+            <a:endParaRPr lang="en-US" altLang="zh-CN" sz="6000">
+              <a:solidFill>
+                <a:srgbClr val="FBDED3"/>
+              </a:solidFill>
+              <a:latin typeface="Arial" panose="020B0604020202020204"/>
+            </a:endParaRPr>
           </a:p>
           <a:p>
             <a:pPr lvl="1">
@@ -5716,6 +6169,12 @@
               </a:rPr>
               <a:t>Class Diagram</a:t>
             </a:r>
+            <a:endParaRPr lang="en-US" altLang="zh-CN" sz="6000">
+              <a:solidFill>
+                <a:srgbClr val="FBDED3"/>
+              </a:solidFill>
+              <a:latin typeface="Arial" panose="020B0604020202020204"/>
+            </a:endParaRPr>
           </a:p>
         </p:txBody>
       </p:sp>
@@ -5724,13 +6183,13 @@
   <p:clrMapOvr>
     <a:masterClrMapping/>
   </p:clrMapOvr>
-  <mc:AlternateContent xmlns:mc="http://schemas.openxmlformats.org/markup-compatibility/2006" xmlns:p14="http://schemas.microsoft.com/office/powerpoint/2010/main">
-    <mc:Choice Requires="p14">
+  <mc:AlternateContent xmlns:mc="http://schemas.openxmlformats.org/markup-compatibility/2006">
+    <mc:Choice xmlns:p14="http://schemas.microsoft.com/office/powerpoint/2010/main" Requires="p14">
       <p:transition spd="slow" p14:dur="1500">
         <p:random/>
       </p:transition>
     </mc:Choice>
-    <mc:Fallback xmlns="">
+    <mc:Fallback>
       <p:transition spd="slow">
         <p:random/>
       </p:transition>
@@ -5790,6 +6249,12 @@
               </a:rPr>
               <a:t>CRC Cards &amp;Class Diagram</a:t>
             </a:r>
+            <a:endParaRPr lang="en-US" altLang="zh-CN" sz="3200">
+              <a:solidFill>
+                <a:srgbClr val="FBDED3"/>
+              </a:solidFill>
+              <a:latin typeface="Arial" panose="020B0604020202020204"/>
+            </a:endParaRPr>
           </a:p>
         </p:txBody>
       </p:sp>
@@ -5837,6 +6302,30 @@
           <p:nvPr/>
         </p:nvPicPr>
         <p:blipFill>
+          <a:blip r:embed="rId1"/>
+          <a:stretch>
+            <a:fillRect/>
+          </a:stretch>
+        </p:blipFill>
+        <p:spPr>
+          <a:xfrm>
+            <a:off x="572770" y="951865"/>
+            <a:ext cx="3190875" cy="2310130"/>
+          </a:xfrm>
+          <a:prstGeom prst="rect">
+            <a:avLst/>
+          </a:prstGeom>
+        </p:spPr>
+      </p:pic>
+      <p:pic>
+        <p:nvPicPr>
+          <p:cNvPr id="4" name="图片 3"/>
+          <p:cNvPicPr>
+            <a:picLocks noChangeAspect="1"/>
+          </p:cNvPicPr>
+          <p:nvPr/>
+        </p:nvPicPr>
+        <p:blipFill>
           <a:blip r:embed="rId2"/>
           <a:stretch>
             <a:fillRect/>
@@ -5844,8 +6333,8 @@
         </p:blipFill>
         <p:spPr>
           <a:xfrm>
-            <a:off x="572770" y="951865"/>
-            <a:ext cx="3190875" cy="2310130"/>
+            <a:off x="572770" y="3485515"/>
+            <a:ext cx="3190875" cy="1254760"/>
           </a:xfrm>
           <a:prstGeom prst="rect">
             <a:avLst/>
@@ -5854,7 +6343,7 @@
       </p:pic>
       <p:pic>
         <p:nvPicPr>
-          <p:cNvPr id="4" name="图片 3"/>
+          <p:cNvPr id="5" name="图片 4"/>
           <p:cNvPicPr>
             <a:picLocks noChangeAspect="1"/>
           </p:cNvPicPr>
@@ -5868,8 +6357,8 @@
         </p:blipFill>
         <p:spPr>
           <a:xfrm>
-            <a:off x="572770" y="3485515"/>
-            <a:ext cx="3190875" cy="1254760"/>
+            <a:off x="4933950" y="951865"/>
+            <a:ext cx="3046095" cy="2353310"/>
           </a:xfrm>
           <a:prstGeom prst="rect">
             <a:avLst/>
@@ -5878,7 +6367,7 @@
       </p:pic>
       <p:pic>
         <p:nvPicPr>
-          <p:cNvPr id="5" name="图片 4"/>
+          <p:cNvPr id="6" name="图片 5"/>
           <p:cNvPicPr>
             <a:picLocks noChangeAspect="1"/>
           </p:cNvPicPr>
@@ -5892,30 +6381,6 @@
         </p:blipFill>
         <p:spPr>
           <a:xfrm>
-            <a:off x="4933950" y="951865"/>
-            <a:ext cx="3046095" cy="2353310"/>
-          </a:xfrm>
-          <a:prstGeom prst="rect">
-            <a:avLst/>
-          </a:prstGeom>
-        </p:spPr>
-      </p:pic>
-      <p:pic>
-        <p:nvPicPr>
-          <p:cNvPr id="6" name="图片 5"/>
-          <p:cNvPicPr>
-            <a:picLocks noChangeAspect="1"/>
-          </p:cNvPicPr>
-          <p:nvPr/>
-        </p:nvPicPr>
-        <p:blipFill>
-          <a:blip r:embed="rId5"/>
-          <a:stretch>
-            <a:fillRect/>
-          </a:stretch>
-        </p:blipFill>
-        <p:spPr>
-          <a:xfrm>
             <a:off x="4933950" y="3530600"/>
             <a:ext cx="3046095" cy="1209675"/>
           </a:xfrm>
@@ -5929,13 +6394,13 @@
   <p:clrMapOvr>
     <a:masterClrMapping/>
   </p:clrMapOvr>
-  <mc:AlternateContent xmlns:mc="http://schemas.openxmlformats.org/markup-compatibility/2006" xmlns:p14="http://schemas.microsoft.com/office/powerpoint/2010/main">
-    <mc:Choice Requires="p14">
+  <mc:AlternateContent xmlns:mc="http://schemas.openxmlformats.org/markup-compatibility/2006">
+    <mc:Choice xmlns:p14="http://schemas.microsoft.com/office/powerpoint/2010/main" Requires="p14">
       <p:transition spd="slow" p14:dur="1500">
         <p:random/>
       </p:transition>
     </mc:Choice>
-    <mc:Fallback xmlns="">
+    <mc:Fallback>
       <p:transition spd="slow">
         <p:random/>
       </p:transition>
@@ -5995,6 +6460,12 @@
               </a:rPr>
               <a:t>CRC Cards &amp;Class Diagram</a:t>
             </a:r>
+            <a:endParaRPr lang="en-US" altLang="zh-CN" sz="3200">
+              <a:solidFill>
+                <a:srgbClr val="FBDED3"/>
+              </a:solidFill>
+              <a:latin typeface="Arial" panose="020B0604020202020204"/>
+            </a:endParaRPr>
           </a:p>
         </p:txBody>
       </p:sp>
@@ -6042,6 +6513,30 @@
           <p:nvPr/>
         </p:nvPicPr>
         <p:blipFill>
+          <a:blip r:embed="rId1"/>
+          <a:stretch>
+            <a:fillRect/>
+          </a:stretch>
+        </p:blipFill>
+        <p:spPr>
+          <a:xfrm>
+            <a:off x="180975" y="824865"/>
+            <a:ext cx="3241675" cy="2752090"/>
+          </a:xfrm>
+          <a:prstGeom prst="rect">
+            <a:avLst/>
+          </a:prstGeom>
+        </p:spPr>
+      </p:pic>
+      <p:pic>
+        <p:nvPicPr>
+          <p:cNvPr id="8" name="图片 7"/>
+          <p:cNvPicPr>
+            <a:picLocks noChangeAspect="1"/>
+          </p:cNvPicPr>
+          <p:nvPr/>
+        </p:nvPicPr>
+        <p:blipFill>
           <a:blip r:embed="rId2"/>
           <a:stretch>
             <a:fillRect/>
@@ -6049,8 +6544,8 @@
         </p:blipFill>
         <p:spPr>
           <a:xfrm>
-            <a:off x="180975" y="824865"/>
-            <a:ext cx="3241675" cy="2752090"/>
+            <a:off x="4486275" y="956945"/>
+            <a:ext cx="3629025" cy="1458595"/>
           </a:xfrm>
           <a:prstGeom prst="rect">
             <a:avLst/>
@@ -6059,7 +6554,7 @@
       </p:pic>
       <p:pic>
         <p:nvPicPr>
-          <p:cNvPr id="8" name="图片 7"/>
+          <p:cNvPr id="9" name="图片 8"/>
           <p:cNvPicPr>
             <a:picLocks noChangeAspect="1"/>
           </p:cNvPicPr>
@@ -6073,30 +6568,6 @@
         </p:blipFill>
         <p:spPr>
           <a:xfrm>
-            <a:off x="4486275" y="956945"/>
-            <a:ext cx="3629025" cy="1458595"/>
-          </a:xfrm>
-          <a:prstGeom prst="rect">
-            <a:avLst/>
-          </a:prstGeom>
-        </p:spPr>
-      </p:pic>
-      <p:pic>
-        <p:nvPicPr>
-          <p:cNvPr id="9" name="图片 8"/>
-          <p:cNvPicPr>
-            <a:picLocks noChangeAspect="1"/>
-          </p:cNvPicPr>
-          <p:nvPr/>
-        </p:nvPicPr>
-        <p:blipFill>
-          <a:blip r:embed="rId4"/>
-          <a:stretch>
-            <a:fillRect/>
-          </a:stretch>
-        </p:blipFill>
-        <p:spPr>
-          <a:xfrm>
             <a:off x="4412615" y="2804795"/>
             <a:ext cx="3923665" cy="1539875"/>
           </a:xfrm>
@@ -6110,13 +6581,13 @@
   <p:clrMapOvr>
     <a:masterClrMapping/>
   </p:clrMapOvr>
-  <mc:AlternateContent xmlns:mc="http://schemas.openxmlformats.org/markup-compatibility/2006" xmlns:p14="http://schemas.microsoft.com/office/powerpoint/2010/main">
-    <mc:Choice Requires="p14">
+  <mc:AlternateContent xmlns:mc="http://schemas.openxmlformats.org/markup-compatibility/2006">
+    <mc:Choice xmlns:p14="http://schemas.microsoft.com/office/powerpoint/2010/main" Requires="p14">
       <p:transition spd="slow" p14:dur="1500">
         <p:random/>
       </p:transition>
     </mc:Choice>
-    <mc:Fallback xmlns="">
+    <mc:Fallback>
       <p:transition spd="slow">
         <p:random/>
       </p:transition>
@@ -6150,8 +6621,8 @@
         </p:nvSpPr>
         <p:spPr>
           <a:xfrm>
-            <a:off x="2460934" y="165271"/>
-            <a:ext cx="4223400" cy="584775"/>
+            <a:off x="2123439" y="241471"/>
+            <a:ext cx="5308600" cy="583565"/>
           </a:xfrm>
           <a:prstGeom prst="rect">
             <a:avLst/>
@@ -6168,14 +6639,20 @@
               <a:defRPr/>
             </a:pPr>
             <a:r>
-              <a:rPr lang="en-US" altLang="zh-CN" sz="3200" dirty="0">
+              <a:rPr lang="en-US" altLang="zh-CN" sz="3200">
                 <a:solidFill>
                   <a:srgbClr val="FBDED3"/>
                 </a:solidFill>
                 <a:latin typeface="Arial" panose="020B0604020202020204"/>
               </a:rPr>
-              <a:t>Traceability link matrix</a:t>
-            </a:r>
+              <a:t>CRC Cards &amp;Class Diagram</a:t>
+            </a:r>
+            <a:endParaRPr lang="en-US" altLang="zh-CN" sz="3200">
+              <a:solidFill>
+                <a:srgbClr val="FBDED3"/>
+              </a:solidFill>
+              <a:latin typeface="Arial" panose="020B0604020202020204"/>
+            </a:endParaRPr>
           </a:p>
         </p:txBody>
       </p:sp>
@@ -6216,22 +6693,22 @@
       </p:cxnSp>
       <p:pic>
         <p:nvPicPr>
-          <p:cNvPr id="2" name="图片 1"/>
+          <p:cNvPr id="5" name="图片 4" descr="Class_Diagram.vpd"/>
           <p:cNvPicPr>
             <a:picLocks noChangeAspect="1"/>
           </p:cNvPicPr>
           <p:nvPr/>
         </p:nvPicPr>
         <p:blipFill>
-          <a:blip r:embed="rId2"/>
+          <a:blip r:embed="rId1"/>
           <a:stretch>
             <a:fillRect/>
           </a:stretch>
         </p:blipFill>
         <p:spPr>
           <a:xfrm>
-            <a:off x="112395" y="1270000"/>
-            <a:ext cx="8919210" cy="2599690"/>
+            <a:off x="53975" y="824230"/>
+            <a:ext cx="9036685" cy="3495040"/>
           </a:xfrm>
           <a:prstGeom prst="rect">
             <a:avLst/>
@@ -6243,13 +6720,13 @@
   <p:clrMapOvr>
     <a:masterClrMapping/>
   </p:clrMapOvr>
-  <mc:AlternateContent xmlns:mc="http://schemas.openxmlformats.org/markup-compatibility/2006" xmlns:p14="http://schemas.microsoft.com/office/powerpoint/2010/main">
-    <mc:Choice Requires="p14">
+  <mc:AlternateContent xmlns:mc="http://schemas.openxmlformats.org/markup-compatibility/2006">
+    <mc:Choice xmlns:p14="http://schemas.microsoft.com/office/powerpoint/2010/main" Requires="p14">
       <p:transition spd="slow" p14:dur="1500">
         <p:random/>
       </p:transition>
     </mc:Choice>
-    <mc:Fallback xmlns="">
+    <mc:Fallback>
       <p:transition spd="slow">
         <p:random/>
       </p:transition>
@@ -6283,8 +6760,8 @@
         </p:nvSpPr>
         <p:spPr>
           <a:xfrm>
-            <a:off x="2123439" y="241471"/>
-            <a:ext cx="5308600" cy="583565"/>
+            <a:off x="167050" y="1140797"/>
+            <a:ext cx="5862320" cy="2861310"/>
           </a:xfrm>
           <a:prstGeom prst="rect">
             <a:avLst/>
@@ -6297,92 +6774,82 @@
           </a:bodyPr>
           <a:lstStyle/>
           <a:p>
-            <a:pPr lvl="0" algn="ctr">
+            <a:pPr lvl="1" algn="l">
               <a:defRPr/>
             </a:pPr>
             <a:r>
-              <a:rPr lang="en-US" altLang="zh-CN" sz="3200">
+              <a:rPr lang="en-US" altLang="zh-CN" sz="6000">
                 <a:solidFill>
                   <a:srgbClr val="FBDED3"/>
                 </a:solidFill>
                 <a:latin typeface="Arial" panose="020B0604020202020204"/>
               </a:rPr>
-              <a:t>CRC Cards &amp;Class Diagram</a:t>
-            </a:r>
-          </a:p>
-        </p:txBody>
-      </p:sp>
-      <p:cxnSp>
-        <p:nvCxnSpPr>
-          <p:cNvPr id="3" name="直接连接符 2"/>
-          <p:cNvCxnSpPr/>
-          <p:nvPr/>
-        </p:nvCxnSpPr>
-        <p:spPr>
-          <a:xfrm>
-            <a:off x="4412609" y="824977"/>
-            <a:ext cx="318782" cy="0"/>
-          </a:xfrm>
-          <a:prstGeom prst="line">
-            <a:avLst/>
-          </a:prstGeom>
-          <a:ln w="19050">
-            <a:solidFill>
-              <a:srgbClr val="FBDED3"/>
-            </a:solidFill>
-          </a:ln>
-        </p:spPr>
-        <p:style>
-          <a:lnRef idx="1">
-            <a:schemeClr val="accent1"/>
-          </a:lnRef>
-          <a:fillRef idx="0">
-            <a:schemeClr val="accent1"/>
-          </a:fillRef>
-          <a:effectRef idx="0">
-            <a:schemeClr val="accent1"/>
-          </a:effectRef>
-          <a:fontRef idx="minor">
-            <a:schemeClr val="tx1"/>
-          </a:fontRef>
-        </p:style>
-      </p:cxnSp>
-      <p:pic>
-        <p:nvPicPr>
-          <p:cNvPr id="5" name="图片 4" descr="Class_Diagram.vpd"/>
-          <p:cNvPicPr>
-            <a:picLocks noChangeAspect="1"/>
-          </p:cNvPicPr>
-          <p:nvPr/>
-        </p:nvPicPr>
-        <p:blipFill>
-          <a:blip r:embed="rId2"/>
-          <a:stretch>
-            <a:fillRect/>
-          </a:stretch>
-        </p:blipFill>
-        <p:spPr>
-          <a:xfrm>
-            <a:off x="53975" y="824230"/>
-            <a:ext cx="9036685" cy="3495040"/>
-          </a:xfrm>
-          <a:prstGeom prst="rect">
-            <a:avLst/>
-          </a:prstGeom>
-        </p:spPr>
-      </p:pic>
+              <a:t>Kanban &amp;</a:t>
+            </a:r>
+            <a:endParaRPr lang="en-US" altLang="zh-CN" sz="6000">
+              <a:solidFill>
+                <a:srgbClr val="FBDED3"/>
+              </a:solidFill>
+              <a:latin typeface="Arial" panose="020B0604020202020204"/>
+            </a:endParaRPr>
+          </a:p>
+          <a:p>
+            <a:pPr lvl="1" algn="l">
+              <a:defRPr/>
+            </a:pPr>
+            <a:r>
+              <a:rPr lang="en-US" altLang="zh-CN" sz="6000" dirty="0">
+                <a:solidFill>
+                  <a:srgbClr val="FBDED3"/>
+                </a:solidFill>
+                <a:latin typeface="Arial" panose="020B0604020202020204"/>
+                <a:sym typeface="+mn-ea"/>
+              </a:rPr>
+              <a:t>Traceability link </a:t>
+            </a:r>
+            <a:endParaRPr lang="en-US" altLang="zh-CN" sz="6000" dirty="0">
+              <a:solidFill>
+                <a:srgbClr val="FBDED3"/>
+              </a:solidFill>
+              <a:latin typeface="Arial" panose="020B0604020202020204"/>
+              <a:sym typeface="+mn-ea"/>
+            </a:endParaRPr>
+          </a:p>
+          <a:p>
+            <a:pPr lvl="1" algn="l">
+              <a:defRPr/>
+            </a:pPr>
+            <a:r>
+              <a:rPr lang="en-US" altLang="zh-CN" sz="6000" dirty="0">
+                <a:solidFill>
+                  <a:srgbClr val="FBDED3"/>
+                </a:solidFill>
+                <a:latin typeface="Arial" panose="020B0604020202020204"/>
+                <a:sym typeface="+mn-ea"/>
+              </a:rPr>
+              <a:t>matrix</a:t>
+            </a:r>
+            <a:endParaRPr lang="en-US" altLang="zh-CN" sz="6000">
+              <a:solidFill>
+                <a:srgbClr val="FBDED3"/>
+              </a:solidFill>
+              <a:latin typeface="Arial" panose="020B0604020202020204"/>
+            </a:endParaRPr>
+          </a:p>
+        </p:txBody>
+      </p:sp>
     </p:spTree>
   </p:cSld>
   <p:clrMapOvr>
     <a:masterClrMapping/>
   </p:clrMapOvr>
-  <mc:AlternateContent xmlns:mc="http://schemas.openxmlformats.org/markup-compatibility/2006" xmlns:p14="http://schemas.microsoft.com/office/powerpoint/2010/main">
-    <mc:Choice Requires="p14">
+  <mc:AlternateContent xmlns:mc="http://schemas.openxmlformats.org/markup-compatibility/2006">
+    <mc:Choice xmlns:p14="http://schemas.microsoft.com/office/powerpoint/2010/main" Requires="p14">
       <p:transition spd="slow" p14:dur="1500">
         <p:random/>
       </p:transition>
     </mc:Choice>
-    <mc:Fallback xmlns="">
+    <mc:Fallback>
       <p:transition spd="slow">
         <p:random/>
       </p:transition>
@@ -6442,6 +6909,12 @@
               </a:rPr>
               <a:t>Kanban</a:t>
             </a:r>
+            <a:endParaRPr lang="en-US" altLang="zh-CN" sz="3200">
+              <a:solidFill>
+                <a:srgbClr val="FBDED3"/>
+              </a:solidFill>
+              <a:latin typeface="Arial" panose="020B0604020202020204"/>
+            </a:endParaRPr>
           </a:p>
         </p:txBody>
       </p:sp>
@@ -6489,7 +6962,7 @@
           <p:nvPr/>
         </p:nvPicPr>
         <p:blipFill>
-          <a:blip r:embed="rId2"/>
+          <a:blip r:embed="rId1"/>
           <a:stretch>
             <a:fillRect/>
           </a:stretch>
@@ -6509,13 +6982,13 @@
   <p:clrMapOvr>
     <a:masterClrMapping/>
   </p:clrMapOvr>
-  <mc:AlternateContent xmlns:mc="http://schemas.openxmlformats.org/markup-compatibility/2006" xmlns:p14="http://schemas.microsoft.com/office/powerpoint/2010/main">
-    <mc:Choice Requires="p14">
+  <mc:AlternateContent xmlns:mc="http://schemas.openxmlformats.org/markup-compatibility/2006">
+    <mc:Choice xmlns:p14="http://schemas.microsoft.com/office/powerpoint/2010/main" Requires="p14">
       <p:transition spd="slow" p14:dur="1500">
         <p:random/>
       </p:transition>
     </mc:Choice>
-    <mc:Fallback xmlns="">
+    <mc:Fallback>
       <p:transition spd="slow">
         <p:random/>
       </p:transition>
@@ -6549,8 +7022,8 @@
         </p:nvSpPr>
         <p:spPr>
           <a:xfrm>
-            <a:off x="240075" y="1602442"/>
-            <a:ext cx="6322695" cy="1938020"/>
+            <a:off x="2460934" y="165271"/>
+            <a:ext cx="4223400" cy="584775"/>
           </a:xfrm>
           <a:prstGeom prst="rect">
             <a:avLst/>
@@ -6563,54 +7036,98 @@
           </a:bodyPr>
           <a:lstStyle/>
           <a:p>
-            <a:pPr lvl="0" algn="l">
-              <a:buClrTx/>
-              <a:buSzTx/>
-              <a:buFontTx/>
+            <a:pPr lvl="0" algn="ctr">
               <a:defRPr/>
             </a:pPr>
             <a:r>
-              <a:rPr lang="en-US" altLang="zh-CN" sz="6000" dirty="0">
+              <a:rPr lang="en-US" altLang="zh-CN" sz="3200" dirty="0">
                 <a:solidFill>
                   <a:srgbClr val="FBDED3"/>
                 </a:solidFill>
                 <a:latin typeface="Arial" panose="020B0604020202020204"/>
-                <a:sym typeface="+mn-ea"/>
-              </a:rPr>
-              <a:t>Sprint Review </a:t>
-            </a:r>
-          </a:p>
-          <a:p>
-            <a:pPr lvl="0" algn="l">
-              <a:buClrTx/>
-              <a:buSzTx/>
-              <a:buFontTx/>
-              <a:defRPr/>
-            </a:pPr>
-            <a:r>
-              <a:rPr lang="en-US" altLang="zh-CN" sz="6000" dirty="0">
-                <a:solidFill>
-                  <a:srgbClr val="FBDED3"/>
-                </a:solidFill>
-                <a:latin typeface="Arial" panose="020B0604020202020204"/>
-              </a:rPr>
-              <a:t>and Retrospective</a:t>
-            </a:r>
-          </a:p>
-        </p:txBody>
-      </p:sp>
+              </a:rPr>
+              <a:t>Traceability link matrix</a:t>
+            </a:r>
+            <a:endParaRPr lang="en-US" altLang="zh-CN" sz="3200" dirty="0">
+              <a:solidFill>
+                <a:srgbClr val="FBDED3"/>
+              </a:solidFill>
+              <a:latin typeface="Arial" panose="020B0604020202020204"/>
+            </a:endParaRPr>
+          </a:p>
+        </p:txBody>
+      </p:sp>
+      <p:cxnSp>
+        <p:nvCxnSpPr>
+          <p:cNvPr id="3" name="直接连接符 2"/>
+          <p:cNvCxnSpPr/>
+          <p:nvPr/>
+        </p:nvCxnSpPr>
+        <p:spPr>
+          <a:xfrm>
+            <a:off x="4412609" y="824977"/>
+            <a:ext cx="318782" cy="0"/>
+          </a:xfrm>
+          <a:prstGeom prst="line">
+            <a:avLst/>
+          </a:prstGeom>
+          <a:ln w="19050">
+            <a:solidFill>
+              <a:srgbClr val="FBDED3"/>
+            </a:solidFill>
+          </a:ln>
+        </p:spPr>
+        <p:style>
+          <a:lnRef idx="1">
+            <a:schemeClr val="accent1"/>
+          </a:lnRef>
+          <a:fillRef idx="0">
+            <a:schemeClr val="accent1"/>
+          </a:fillRef>
+          <a:effectRef idx="0">
+            <a:schemeClr val="accent1"/>
+          </a:effectRef>
+          <a:fontRef idx="minor">
+            <a:schemeClr val="tx1"/>
+          </a:fontRef>
+        </p:style>
+      </p:cxnSp>
+      <p:pic>
+        <p:nvPicPr>
+          <p:cNvPr id="2" name="图片 1"/>
+          <p:cNvPicPr>
+            <a:picLocks noChangeAspect="1"/>
+          </p:cNvPicPr>
+          <p:nvPr/>
+        </p:nvPicPr>
+        <p:blipFill>
+          <a:blip r:embed="rId1"/>
+          <a:stretch>
+            <a:fillRect/>
+          </a:stretch>
+        </p:blipFill>
+        <p:spPr>
+          <a:xfrm>
+            <a:off x="112395" y="1270000"/>
+            <a:ext cx="8919210" cy="2599690"/>
+          </a:xfrm>
+          <a:prstGeom prst="rect">
+            <a:avLst/>
+          </a:prstGeom>
+        </p:spPr>
+      </p:pic>
     </p:spTree>
   </p:cSld>
   <p:clrMapOvr>
     <a:masterClrMapping/>
   </p:clrMapOvr>
-  <mc:AlternateContent xmlns:mc="http://schemas.openxmlformats.org/markup-compatibility/2006" xmlns:p14="http://schemas.microsoft.com/office/powerpoint/2010/main">
-    <mc:Choice Requires="p14">
+  <mc:AlternateContent xmlns:mc="http://schemas.openxmlformats.org/markup-compatibility/2006">
+    <mc:Choice xmlns:p14="http://schemas.microsoft.com/office/powerpoint/2010/main" Requires="p14">
       <p:transition spd="slow" p14:dur="1500">
         <p:random/>
       </p:transition>
     </mc:Choice>
-    <mc:Fallback xmlns="">
+    <mc:Fallback>
       <p:transition spd="slow">
         <p:random/>
       </p:transition>
@@ -6638,155 +7155,25 @@
       </p:grpSpPr>
       <p:sp>
         <p:nvSpPr>
-          <p:cNvPr id="6" name="文本框 7" descr="e7d195523061f1c09e9d68d7cf438b91ef959ecb14fc25d26BBA7F7DBC18E55DFF4014AF651F0BF2569D4B6C1DA7F1A4683A481403BD872FC687266AD13265C1DE7C373772FD8728ABDD69ADD03BFF5BE2862BC891DBB79E48D68EAF9BC0B135F08CB3AA261467E47643FBA29D38A9757F7FFD5B7023D39A21F358D3BB12D2D6D548E32EE07CB42717034D7FAE5F42C8"/>
-          <p:cNvSpPr txBox="1">
-            <a:spLocks noChangeArrowheads="1"/>
-          </p:cNvSpPr>
+          <p:cNvPr id="21" name="矩形 20" descr="e7d195523061f1c09e9d68d7cf438b91ef959ecb14fc25d26BBA7F7DBC18E55DFF4014AF651F0BF2569D4B6C1DA7F1A4683A481403BD872FC687266AD13265C1DE7C373772FD8728ABDD69ADD03BFF5BE2862BC891DBB79E10DB513E374AE534FA998B5905FE5628651D9625737F40972089C532E5406DDB64F9FF52DCC7F4E0E52573EB41B30AC074A5450FD255FE64"/>
+          <p:cNvSpPr/>
           <p:nvPr/>
         </p:nvSpPr>
-        <p:spPr bwMode="auto">
-          <a:xfrm>
-            <a:off x="2239010" y="135890"/>
-            <a:ext cx="4666615" cy="460375"/>
+        <p:spPr>
+          <a:xfrm>
+            <a:off x="240075" y="1602442"/>
+            <a:ext cx="6322695" cy="1938020"/>
           </a:xfrm>
           <a:prstGeom prst="rect">
             <a:avLst/>
           </a:prstGeom>
           <a:noFill/>
-          <a:ln>
-            <a:noFill/>
-          </a:ln>
-          <a:extLst>
-            <a:ext uri="{909E8E84-426E-40DD-AFC4-6F175D3DCCD1}">
-              <a14:hiddenFill xmlns:a14="http://schemas.microsoft.com/office/drawing/2010/main">
-                <a:solidFill>
-                  <a:srgbClr val="FFFFFF"/>
-                </a:solidFill>
-              </a14:hiddenFill>
-            </a:ext>
-            <a:ext uri="{91240B29-F687-4F45-9708-019B960494DF}">
-              <a14:hiddenLine xmlns:a14="http://schemas.microsoft.com/office/drawing/2010/main" w="9525">
-                <a:solidFill>
-                  <a:srgbClr val="000000"/>
-                </a:solidFill>
-                <a:miter lim="800000"/>
-                <a:headEnd/>
-                <a:tailEnd/>
-              </a14:hiddenLine>
-            </a:ext>
-          </a:extLst>
-        </p:spPr>
-        <p:txBody>
-          <a:bodyPr wrap="square">
+        </p:spPr>
+        <p:txBody>
+          <a:bodyPr wrap="none">
             <a:spAutoFit/>
           </a:bodyPr>
-          <a:lstStyle>
-            <a:lvl1pPr defTabSz="514350">
-              <a:defRPr sz="1300">
-                <a:solidFill>
-                  <a:schemeClr val="tx1"/>
-                </a:solidFill>
-                <a:latin typeface="Calibri" panose="020F0502020204030204" pitchFamily="34" charset="0"/>
-                <a:ea typeface="宋体" panose="02010600030101010101" pitchFamily="2" charset="-122"/>
-              </a:defRPr>
-            </a:lvl1pPr>
-            <a:lvl2pPr marL="742950" indent="-285750" defTabSz="514350">
-              <a:defRPr sz="1300">
-                <a:solidFill>
-                  <a:schemeClr val="tx1"/>
-                </a:solidFill>
-                <a:latin typeface="Calibri" panose="020F0502020204030204" pitchFamily="34" charset="0"/>
-                <a:ea typeface="宋体" panose="02010600030101010101" pitchFamily="2" charset="-122"/>
-              </a:defRPr>
-            </a:lvl2pPr>
-            <a:lvl3pPr marL="1143000" indent="-228600" defTabSz="514350">
-              <a:defRPr sz="1300">
-                <a:solidFill>
-                  <a:schemeClr val="tx1"/>
-                </a:solidFill>
-                <a:latin typeface="Calibri" panose="020F0502020204030204" pitchFamily="34" charset="0"/>
-                <a:ea typeface="宋体" panose="02010600030101010101" pitchFamily="2" charset="-122"/>
-              </a:defRPr>
-            </a:lvl3pPr>
-            <a:lvl4pPr marL="1600200" indent="-228600" defTabSz="514350">
-              <a:defRPr sz="1300">
-                <a:solidFill>
-                  <a:schemeClr val="tx1"/>
-                </a:solidFill>
-                <a:latin typeface="Calibri" panose="020F0502020204030204" pitchFamily="34" charset="0"/>
-                <a:ea typeface="宋体" panose="02010600030101010101" pitchFamily="2" charset="-122"/>
-              </a:defRPr>
-            </a:lvl4pPr>
-            <a:lvl5pPr marL="2057400" indent="-228600" defTabSz="514350">
-              <a:defRPr sz="1300">
-                <a:solidFill>
-                  <a:schemeClr val="tx1"/>
-                </a:solidFill>
-                <a:latin typeface="Calibri" panose="020F0502020204030204" pitchFamily="34" charset="0"/>
-                <a:ea typeface="宋体" panose="02010600030101010101" pitchFamily="2" charset="-122"/>
-              </a:defRPr>
-            </a:lvl5pPr>
-            <a:lvl6pPr marL="2514600" indent="-228600" defTabSz="514350" eaLnBrk="0" fontAlgn="base" hangingPunct="0">
-              <a:spcBef>
-                <a:spcPct val="0"/>
-              </a:spcBef>
-              <a:spcAft>
-                <a:spcPct val="0"/>
-              </a:spcAft>
-              <a:defRPr sz="1300">
-                <a:solidFill>
-                  <a:schemeClr val="tx1"/>
-                </a:solidFill>
-                <a:latin typeface="Calibri" panose="020F0502020204030204" pitchFamily="34" charset="0"/>
-                <a:ea typeface="宋体" panose="02010600030101010101" pitchFamily="2" charset="-122"/>
-              </a:defRPr>
-            </a:lvl6pPr>
-            <a:lvl7pPr marL="2971800" indent="-228600" defTabSz="514350" eaLnBrk="0" fontAlgn="base" hangingPunct="0">
-              <a:spcBef>
-                <a:spcPct val="0"/>
-              </a:spcBef>
-              <a:spcAft>
-                <a:spcPct val="0"/>
-              </a:spcAft>
-              <a:defRPr sz="1300">
-                <a:solidFill>
-                  <a:schemeClr val="tx1"/>
-                </a:solidFill>
-                <a:latin typeface="Calibri" panose="020F0502020204030204" pitchFamily="34" charset="0"/>
-                <a:ea typeface="宋体" panose="02010600030101010101" pitchFamily="2" charset="-122"/>
-              </a:defRPr>
-            </a:lvl7pPr>
-            <a:lvl8pPr marL="3429000" indent="-228600" defTabSz="514350" eaLnBrk="0" fontAlgn="base" hangingPunct="0">
-              <a:spcBef>
-                <a:spcPct val="0"/>
-              </a:spcBef>
-              <a:spcAft>
-                <a:spcPct val="0"/>
-              </a:spcAft>
-              <a:defRPr sz="1300">
-                <a:solidFill>
-                  <a:schemeClr val="tx1"/>
-                </a:solidFill>
-                <a:latin typeface="Calibri" panose="020F0502020204030204" pitchFamily="34" charset="0"/>
-                <a:ea typeface="宋体" panose="02010600030101010101" pitchFamily="2" charset="-122"/>
-              </a:defRPr>
-            </a:lvl8pPr>
-            <a:lvl9pPr marL="3886200" indent="-228600" defTabSz="514350" eaLnBrk="0" fontAlgn="base" hangingPunct="0">
-              <a:spcBef>
-                <a:spcPct val="0"/>
-              </a:spcBef>
-              <a:spcAft>
-                <a:spcPct val="0"/>
-              </a:spcAft>
-              <a:defRPr sz="1300">
-                <a:solidFill>
-                  <a:schemeClr val="tx1"/>
-                </a:solidFill>
-                <a:latin typeface="Calibri" panose="020F0502020204030204" pitchFamily="34" charset="0"/>
-                <a:ea typeface="宋体" panose="02010600030101010101" pitchFamily="2" charset="-122"/>
-              </a:defRPr>
-            </a:lvl9pPr>
-          </a:lstStyle>
+          <a:lstStyle/>
           <a:p>
             <a:pPr lvl="0" algn="l">
               <a:buClrTx/>
@@ -6795,302 +7182,45 @@
               <a:defRPr/>
             </a:pPr>
             <a:r>
-              <a:rPr lang="en-US" altLang="zh-CN" sz="2400">
+              <a:rPr lang="en-US" altLang="zh-CN" sz="6000" dirty="0">
                 <a:solidFill>
                   <a:srgbClr val="FBDED3"/>
                 </a:solidFill>
                 <a:latin typeface="Arial" panose="020B0604020202020204"/>
                 <a:sym typeface="+mn-ea"/>
               </a:rPr>
-              <a:t>Sprint Review and Retrospective</a:t>
-            </a:r>
-            <a:endParaRPr lang="en-US" altLang="zh-CN" sz="2400">
+              <a:t>Sprint Review </a:t>
+            </a:r>
+            <a:endParaRPr lang="en-US" altLang="zh-CN" sz="6000" dirty="0">
               <a:solidFill>
                 <a:srgbClr val="FBDED3"/>
               </a:solidFill>
-              <a:latin typeface="+mj-lt"/>
-              <a:ea typeface="+mj-ea"/>
-              <a:sym typeface="Calibri" panose="020F0502020204030204" pitchFamily="34" charset="0"/>
+              <a:latin typeface="Arial" panose="020B0604020202020204"/>
+              <a:sym typeface="+mn-ea"/>
             </a:endParaRPr>
           </a:p>
-        </p:txBody>
-      </p:sp>
-      <p:cxnSp>
-        <p:nvCxnSpPr>
-          <p:cNvPr id="3" name="直接连接符 2"/>
-          <p:cNvCxnSpPr/>
-          <p:nvPr/>
-        </p:nvCxnSpPr>
-        <p:spPr>
-          <a:xfrm>
-            <a:off x="4412609" y="717027"/>
-            <a:ext cx="318782" cy="0"/>
-          </a:xfrm>
-          <a:prstGeom prst="line">
-            <a:avLst/>
-          </a:prstGeom>
-          <a:ln w="19050">
-            <a:solidFill>
-              <a:srgbClr val="FBDED3"/>
-            </a:solidFill>
-          </a:ln>
-        </p:spPr>
-        <p:style>
-          <a:lnRef idx="1">
-            <a:schemeClr val="accent1"/>
-          </a:lnRef>
-          <a:fillRef idx="0">
-            <a:schemeClr val="accent1"/>
-          </a:fillRef>
-          <a:effectRef idx="0">
-            <a:schemeClr val="accent1"/>
-          </a:effectRef>
-          <a:fontRef idx="minor">
-            <a:schemeClr val="tx1"/>
-          </a:fontRef>
-        </p:style>
-      </p:cxnSp>
-      <p:sp>
-        <p:nvSpPr>
-          <p:cNvPr id="7" name="矩形 6"/>
-          <p:cNvSpPr/>
-          <p:nvPr/>
-        </p:nvSpPr>
-        <p:spPr>
-          <a:xfrm>
-            <a:off x="1905" y="866775"/>
-            <a:ext cx="4591685" cy="4376420"/>
-          </a:xfrm>
-          <a:prstGeom prst="rect">
-            <a:avLst/>
-          </a:prstGeom>
-          <a:solidFill>
-            <a:srgbClr val="FBDED3"/>
-          </a:solidFill>
-          <a:ln>
-            <a:noFill/>
-          </a:ln>
-        </p:spPr>
-        <p:style>
-          <a:lnRef idx="2">
-            <a:schemeClr val="accent1">
-              <a:shade val="50000"/>
-            </a:schemeClr>
-          </a:lnRef>
-          <a:fillRef idx="1">
-            <a:schemeClr val="accent1"/>
-          </a:fillRef>
-          <a:effectRef idx="0">
-            <a:schemeClr val="accent1"/>
-          </a:effectRef>
-          <a:fontRef idx="minor">
-            <a:schemeClr val="lt1"/>
-          </a:fontRef>
-        </p:style>
-        <p:txBody>
-          <a:bodyPr rtlCol="0" anchor="ctr"/>
-          <a:lstStyle/>
-          <a:p>
-            <a:pPr algn="ctr"/>
-            <a:endParaRPr lang="zh-CN" altLang="en-US"/>
-          </a:p>
-        </p:txBody>
-      </p:sp>
-      <p:sp>
-        <p:nvSpPr>
-          <p:cNvPr id="2" name="文本框 1"/>
-          <p:cNvSpPr txBox="1"/>
-          <p:nvPr/>
-        </p:nvSpPr>
-        <p:spPr>
-          <a:xfrm>
-            <a:off x="273685" y="1171575"/>
-            <a:ext cx="4048760" cy="3415030"/>
-          </a:xfrm>
-          <a:prstGeom prst="rect">
-            <a:avLst/>
-          </a:prstGeom>
-          <a:noFill/>
-        </p:spPr>
-        <p:txBody>
-          <a:bodyPr wrap="square" rtlCol="0">
-            <a:spAutoFit/>
-          </a:bodyPr>
-          <a:lstStyle/>
-          <a:p>
-            <a:r>
-              <a:rPr lang="en-US" altLang="zh-CN" sz="2400" b="1" dirty="0"/>
-              <a:t>Daily scrums:</a:t>
-            </a:r>
-          </a:p>
-          <a:p>
-            <a:endParaRPr lang="en-US" altLang="zh-CN" sz="2400" b="1" dirty="0"/>
-          </a:p>
-          <a:p>
-            <a:pPr marL="285750" indent="-285750">
-              <a:buFont typeface="Wingdings" panose="05000000000000000000" charset="0"/>
-              <a:buChar char="l"/>
-            </a:pPr>
-            <a:r>
-              <a:rPr lang="en-US" altLang="zh-CN" dirty="0"/>
-              <a:t>Discussed progress</a:t>
-            </a:r>
-          </a:p>
-          <a:p>
-            <a:pPr marL="285750" indent="-285750">
-              <a:buFont typeface="Wingdings" panose="05000000000000000000" charset="0"/>
-              <a:buChar char="l"/>
-            </a:pPr>
-            <a:endParaRPr lang="en-US" altLang="zh-CN" dirty="0"/>
-          </a:p>
-          <a:p>
-            <a:pPr marL="285750" indent="-285750">
-              <a:buFont typeface="Wingdings" panose="05000000000000000000" charset="0"/>
-              <a:buChar char="l"/>
-            </a:pPr>
-            <a:endParaRPr lang="en-US" altLang="zh-CN" dirty="0"/>
-          </a:p>
-          <a:p>
-            <a:pPr marL="285750" indent="-285750">
-              <a:buFont typeface="Wingdings" panose="05000000000000000000" charset="0"/>
-              <a:buChar char="l"/>
-            </a:pPr>
-            <a:endParaRPr lang="en-US" altLang="zh-CN" dirty="0"/>
-          </a:p>
-          <a:p>
-            <a:pPr indent="0">
-              <a:buFont typeface="Wingdings" panose="05000000000000000000" charset="0"/>
-              <a:buNone/>
-            </a:pPr>
-            <a:r>
-              <a:rPr lang="en-US" altLang="zh-CN" sz="2400" b="1" dirty="0"/>
-              <a:t>Review:</a:t>
-            </a:r>
-            <a:endParaRPr lang="en-US" altLang="zh-CN" dirty="0"/>
-          </a:p>
-          <a:p>
-            <a:pPr marL="285750" indent="-285750">
-              <a:buFont typeface="Wingdings" panose="05000000000000000000" charset="0"/>
-              <a:buChar char="l"/>
-            </a:pPr>
-            <a:r>
-              <a:rPr lang="en-US" altLang="zh-CN" dirty="0"/>
-              <a:t>Went over results of sprint</a:t>
-            </a:r>
-          </a:p>
-          <a:p>
-            <a:pPr marL="285750" indent="-285750">
-              <a:buFont typeface="Wingdings" panose="05000000000000000000" charset="0"/>
-              <a:buChar char="l"/>
-            </a:pPr>
-            <a:r>
-              <a:rPr lang="en-US" altLang="zh-CN" dirty="0"/>
-              <a:t>Made changes as needed according to product owner</a:t>
-            </a:r>
-          </a:p>
-          <a:p>
-            <a:pPr marL="285750" indent="-285750">
-              <a:buFont typeface="Wingdings" panose="05000000000000000000" charset="0"/>
-              <a:buChar char="l"/>
-            </a:pPr>
-            <a:endParaRPr lang="en-US" altLang="zh-CN" dirty="0"/>
-          </a:p>
-        </p:txBody>
-      </p:sp>
-      <p:sp>
-        <p:nvSpPr>
-          <p:cNvPr id="4" name="文本框 3"/>
-          <p:cNvSpPr txBox="1"/>
-          <p:nvPr/>
-        </p:nvSpPr>
-        <p:spPr>
-          <a:xfrm>
-            <a:off x="5062855" y="1270000"/>
-            <a:ext cx="3785235" cy="2306955"/>
-          </a:xfrm>
-          <a:prstGeom prst="rect">
-            <a:avLst/>
-          </a:prstGeom>
-          <a:noFill/>
-        </p:spPr>
-        <p:txBody>
-          <a:bodyPr wrap="square" rtlCol="0">
-            <a:spAutoFit/>
-          </a:bodyPr>
-          <a:lstStyle/>
-          <a:p>
-            <a:pPr indent="0" algn="l">
+          <a:p>
+            <a:pPr lvl="0" algn="l">
               <a:buClrTx/>
               <a:buSzTx/>
-              <a:buFont typeface="Wingdings" panose="05000000000000000000" charset="0"/>
-              <a:buNone/>
+              <a:buFontTx/>
+              <a:defRPr/>
             </a:pPr>
             <a:r>
-              <a:rPr lang="en-US" altLang="zh-CN" sz="2400" b="1">
-                <a:solidFill>
-                  <a:srgbClr val="EEE5E6"/>
-                </a:solidFill>
-              </a:rPr>
-              <a:t>Retrospective:</a:t>
-            </a:r>
-          </a:p>
-          <a:p>
-            <a:pPr indent="0" algn="l">
-              <a:buClrTx/>
-              <a:buSzTx/>
-              <a:buFont typeface="Wingdings" panose="05000000000000000000" charset="0"/>
-              <a:buNone/>
-            </a:pPr>
-            <a:endParaRPr lang="en-US" altLang="zh-CN" sz="2400" b="1">
+              <a:rPr lang="en-US" altLang="zh-CN" sz="6000" dirty="0">
+                <a:solidFill>
+                  <a:srgbClr val="FBDED3"/>
+                </a:solidFill>
+                <a:latin typeface="Arial" panose="020B0604020202020204"/>
+              </a:rPr>
+              <a:t>and Retrospective</a:t>
+            </a:r>
+            <a:endParaRPr lang="en-US" altLang="zh-CN" sz="6000" dirty="0">
               <a:solidFill>
-                <a:srgbClr val="EEE5E6"/>
+                <a:srgbClr val="FBDED3"/>
               </a:solidFill>
+              <a:latin typeface="Arial" panose="020B0604020202020204"/>
             </a:endParaRPr>
-          </a:p>
-          <a:p>
-            <a:pPr marL="285750" indent="-285750" algn="l">
-              <a:buClrTx/>
-              <a:buSzTx/>
-              <a:buFont typeface="Wingdings" panose="05000000000000000000" charset="0"/>
-              <a:buChar char="l"/>
-            </a:pPr>
-            <a:r>
-              <a:rPr lang="en-US" altLang="zh-CN" sz="2400" b="1">
-                <a:solidFill>
-                  <a:srgbClr val="EEE5E6"/>
-                </a:solidFill>
-              </a:rPr>
-              <a:t>Identified what could improve</a:t>
-            </a:r>
-          </a:p>
-          <a:p>
-            <a:pPr indent="0" algn="l">
-              <a:buClrTx/>
-              <a:buSzTx/>
-              <a:buFont typeface="Wingdings" panose="05000000000000000000" charset="0"/>
-              <a:buNone/>
-            </a:pPr>
-            <a:endParaRPr lang="en-US" altLang="zh-CN" sz="2400" b="1">
-              <a:solidFill>
-                <a:srgbClr val="EEE5E6"/>
-              </a:solidFill>
-            </a:endParaRPr>
-          </a:p>
-          <a:p>
-            <a:pPr marL="285750" indent="-285750" algn="l">
-              <a:buClrTx/>
-              <a:buSzTx/>
-              <a:buFont typeface="Wingdings" panose="05000000000000000000" charset="0"/>
-              <a:buChar char="l"/>
-            </a:pPr>
-            <a:r>
-              <a:rPr lang="en-US" altLang="zh-CN" sz="2400" b="1">
-                <a:solidFill>
-                  <a:srgbClr val="EEE5E6"/>
-                </a:solidFill>
-              </a:rPr>
-              <a:t>Identified what went well</a:t>
-            </a:r>
           </a:p>
         </p:txBody>
       </p:sp>
@@ -7099,13 +7229,13 @@
   <p:clrMapOvr>
     <a:masterClrMapping/>
   </p:clrMapOvr>
-  <mc:AlternateContent xmlns:mc="http://schemas.openxmlformats.org/markup-compatibility/2006" xmlns:p14="http://schemas.microsoft.com/office/powerpoint/2010/main">
-    <mc:Choice Requires="p14">
+  <mc:AlternateContent xmlns:mc="http://schemas.openxmlformats.org/markup-compatibility/2006">
+    <mc:Choice xmlns:p14="http://schemas.microsoft.com/office/powerpoint/2010/main" Requires="p14">
       <p:transition spd="slow" p14:dur="1500">
         <p:random/>
       </p:transition>
     </mc:Choice>
-    <mc:Fallback xmlns="">
+    <mc:Fallback>
       <p:transition spd="slow">
         <p:random/>
       </p:transition>
@@ -7347,14 +7477,60 @@
       </p:cxnSp>
       <p:sp>
         <p:nvSpPr>
-          <p:cNvPr id="4" name="文本框 3"/>
+          <p:cNvPr id="7" name="矩形 6"/>
+          <p:cNvSpPr/>
+          <p:nvPr/>
+        </p:nvSpPr>
+        <p:spPr>
+          <a:xfrm>
+            <a:off x="1905" y="866775"/>
+            <a:ext cx="4591685" cy="4376420"/>
+          </a:xfrm>
+          <a:prstGeom prst="rect">
+            <a:avLst/>
+          </a:prstGeom>
+          <a:solidFill>
+            <a:srgbClr val="FBDED3"/>
+          </a:solidFill>
+          <a:ln>
+            <a:noFill/>
+          </a:ln>
+        </p:spPr>
+        <p:style>
+          <a:lnRef idx="2">
+            <a:schemeClr val="accent1">
+              <a:shade val="50000"/>
+            </a:schemeClr>
+          </a:lnRef>
+          <a:fillRef idx="1">
+            <a:schemeClr val="accent1"/>
+          </a:fillRef>
+          <a:effectRef idx="0">
+            <a:schemeClr val="accent1"/>
+          </a:effectRef>
+          <a:fontRef idx="minor">
+            <a:schemeClr val="lt1"/>
+          </a:fontRef>
+        </p:style>
+        <p:txBody>
+          <a:bodyPr rtlCol="0" anchor="ctr"/>
+          <a:lstStyle/>
+          <a:p>
+            <a:pPr algn="ctr"/>
+            <a:endParaRPr lang="zh-CN" altLang="en-US"/>
+          </a:p>
+        </p:txBody>
+      </p:sp>
+      <p:sp>
+        <p:nvSpPr>
+          <p:cNvPr id="2" name="文本框 1"/>
           <p:cNvSpPr txBox="1"/>
           <p:nvPr/>
         </p:nvSpPr>
         <p:spPr>
           <a:xfrm>
-            <a:off x="646430" y="596265"/>
-            <a:ext cx="7595235" cy="4401205"/>
+            <a:off x="273685" y="1171575"/>
+            <a:ext cx="4048760" cy="3415030"/>
           </a:xfrm>
           <a:prstGeom prst="rect">
             <a:avLst/>
@@ -7367,6 +7543,111 @@
           </a:bodyPr>
           <a:lstStyle/>
           <a:p>
+            <a:r>
+              <a:rPr lang="en-US" altLang="zh-CN" sz="2400" b="1" dirty="0"/>
+              <a:t>Daily scrums:</a:t>
+            </a:r>
+            <a:endParaRPr lang="en-US" altLang="zh-CN" sz="2400" b="1" dirty="0"/>
+          </a:p>
+          <a:p>
+            <a:endParaRPr lang="en-US" altLang="zh-CN" sz="2400" b="1" dirty="0"/>
+          </a:p>
+          <a:p>
+            <a:pPr marL="285750" indent="-285750">
+              <a:buFont typeface="Wingdings" panose="05000000000000000000" charset="0"/>
+              <a:buChar char="l"/>
+            </a:pPr>
+            <a:r>
+              <a:rPr lang="en-US" altLang="zh-CN" dirty="0"/>
+              <a:t>Discussed progress</a:t>
+            </a:r>
+            <a:endParaRPr lang="en-US" altLang="zh-CN" dirty="0"/>
+          </a:p>
+          <a:p>
+            <a:pPr marL="285750" indent="-285750">
+              <a:buFont typeface="Wingdings" panose="05000000000000000000" charset="0"/>
+              <a:buChar char="l"/>
+            </a:pPr>
+            <a:endParaRPr lang="en-US" altLang="zh-CN" dirty="0"/>
+          </a:p>
+          <a:p>
+            <a:pPr marL="285750" indent="-285750">
+              <a:buFont typeface="Wingdings" panose="05000000000000000000" charset="0"/>
+              <a:buChar char="l"/>
+            </a:pPr>
+            <a:endParaRPr lang="en-US" altLang="zh-CN" dirty="0"/>
+          </a:p>
+          <a:p>
+            <a:pPr marL="285750" indent="-285750">
+              <a:buFont typeface="Wingdings" panose="05000000000000000000" charset="0"/>
+              <a:buChar char="l"/>
+            </a:pPr>
+            <a:endParaRPr lang="en-US" altLang="zh-CN" dirty="0"/>
+          </a:p>
+          <a:p>
+            <a:pPr indent="0">
+              <a:buFont typeface="Wingdings" panose="05000000000000000000" charset="0"/>
+              <a:buNone/>
+            </a:pPr>
+            <a:r>
+              <a:rPr lang="en-US" altLang="zh-CN" sz="2400" b="1" dirty="0"/>
+              <a:t>Review:</a:t>
+            </a:r>
+            <a:endParaRPr lang="en-US" altLang="zh-CN" dirty="0"/>
+          </a:p>
+          <a:p>
+            <a:pPr marL="285750" indent="-285750">
+              <a:buFont typeface="Wingdings" panose="05000000000000000000" charset="0"/>
+              <a:buChar char="l"/>
+            </a:pPr>
+            <a:r>
+              <a:rPr lang="en-US" altLang="zh-CN" dirty="0"/>
+              <a:t>Went over results of sprint</a:t>
+            </a:r>
+            <a:endParaRPr lang="en-US" altLang="zh-CN" dirty="0"/>
+          </a:p>
+          <a:p>
+            <a:pPr marL="285750" indent="-285750">
+              <a:buFont typeface="Wingdings" panose="05000000000000000000" charset="0"/>
+              <a:buChar char="l"/>
+            </a:pPr>
+            <a:r>
+              <a:rPr lang="en-US" altLang="zh-CN" dirty="0"/>
+              <a:t>Made changes as needed according to product owner</a:t>
+            </a:r>
+            <a:endParaRPr lang="en-US" altLang="zh-CN" dirty="0"/>
+          </a:p>
+          <a:p>
+            <a:pPr marL="285750" indent="-285750">
+              <a:buFont typeface="Wingdings" panose="05000000000000000000" charset="0"/>
+              <a:buChar char="l"/>
+            </a:pPr>
+            <a:endParaRPr lang="en-US" altLang="zh-CN" dirty="0"/>
+          </a:p>
+        </p:txBody>
+      </p:sp>
+      <p:sp>
+        <p:nvSpPr>
+          <p:cNvPr id="4" name="文本框 3"/>
+          <p:cNvSpPr txBox="1"/>
+          <p:nvPr/>
+        </p:nvSpPr>
+        <p:spPr>
+          <a:xfrm>
+            <a:off x="5062855" y="1270000"/>
+            <a:ext cx="3785235" cy="2306955"/>
+          </a:xfrm>
+          <a:prstGeom prst="rect">
+            <a:avLst/>
+          </a:prstGeom>
+          <a:noFill/>
+        </p:spPr>
+        <p:txBody>
+          <a:bodyPr wrap="square" rtlCol="0">
+            <a:spAutoFit/>
+          </a:bodyPr>
+          <a:lstStyle/>
+          <a:p>
             <a:pPr indent="0" algn="l">
               <a:buClrTx/>
               <a:buSzTx/>
@@ -7374,13 +7655,18 @@
               <a:buNone/>
             </a:pPr>
             <a:r>
-              <a:rPr lang="en-US" altLang="zh-CN" sz="2000" b="1" dirty="0">
+              <a:rPr lang="en-US" altLang="zh-CN" sz="2400" b="1">
                 <a:solidFill>
                   <a:srgbClr val="EEE5E6"/>
                 </a:solidFill>
               </a:rPr>
-              <a:t>10/11-During this scrum, we discussed the file content of P2 together and allocated the files within the file.</a:t>
-            </a:r>
+              <a:t>Retrospective:</a:t>
+            </a:r>
+            <a:endParaRPr lang="en-US" altLang="zh-CN" sz="2400" b="1">
+              <a:solidFill>
+                <a:srgbClr val="EEE5E6"/>
+              </a:solidFill>
+            </a:endParaRPr>
           </a:p>
           <a:p>
             <a:pPr indent="0" algn="l">
@@ -7389,108 +7675,62 @@
               <a:buFont typeface="Wingdings" panose="05000000000000000000" charset="0"/>
               <a:buNone/>
             </a:pPr>
-            <a:endParaRPr lang="en-US" altLang="zh-CN" sz="2000" b="1" dirty="0">
+            <a:endParaRPr lang="en-US" altLang="zh-CN" sz="2400" b="1">
               <a:solidFill>
                 <a:srgbClr val="EEE5E6"/>
               </a:solidFill>
             </a:endParaRPr>
           </a:p>
           <a:p>
+            <a:pPr marL="285750" indent="-285750" algn="l">
+              <a:buClrTx/>
+              <a:buSzTx/>
+              <a:buFont typeface="Wingdings" panose="05000000000000000000" charset="0"/>
+              <a:buChar char="l"/>
+            </a:pPr>
+            <a:r>
+              <a:rPr lang="en-US" altLang="zh-CN" sz="2400" b="1">
+                <a:solidFill>
+                  <a:srgbClr val="EEE5E6"/>
+                </a:solidFill>
+              </a:rPr>
+              <a:t>Identified what could improve</a:t>
+            </a:r>
+            <a:endParaRPr lang="en-US" altLang="zh-CN" sz="2400" b="1">
+              <a:solidFill>
+                <a:srgbClr val="EEE5E6"/>
+              </a:solidFill>
+            </a:endParaRPr>
+          </a:p>
+          <a:p>
             <a:pPr indent="0" algn="l">
               <a:buClrTx/>
               <a:buSzTx/>
               <a:buFont typeface="Wingdings" panose="05000000000000000000" charset="0"/>
               <a:buNone/>
             </a:pPr>
-            <a:r>
-              <a:rPr lang="en-US" altLang="zh-CN" sz="2000" b="1" dirty="0">
-                <a:solidFill>
-                  <a:srgbClr val="EEE5E6"/>
-                </a:solidFill>
-              </a:rPr>
-              <a:t>10/21-During this scrum, we asked the professor about the parts of the P1 document that could be improved. The task of file improvement was assigned.</a:t>
-            </a:r>
-          </a:p>
-          <a:p>
-            <a:pPr indent="0" algn="l">
-              <a:buClrTx/>
-              <a:buSzTx/>
-              <a:buFont typeface="Wingdings" panose="05000000000000000000" charset="0"/>
-              <a:buNone/>
-            </a:pPr>
-            <a:endParaRPr lang="en-US" altLang="zh-CN" sz="2000" b="1" dirty="0">
+            <a:endParaRPr lang="en-US" altLang="zh-CN" sz="2400" b="1">
               <a:solidFill>
                 <a:srgbClr val="EEE5E6"/>
               </a:solidFill>
             </a:endParaRPr>
           </a:p>
           <a:p>
-            <a:pPr indent="0" algn="l">
+            <a:pPr marL="285750" indent="-285750" algn="l">
               <a:buClrTx/>
               <a:buSzTx/>
               <a:buFont typeface="Wingdings" panose="05000000000000000000" charset="0"/>
-              <a:buNone/>
+              <a:buChar char="l"/>
             </a:pPr>
             <a:r>
-              <a:rPr lang="en-US" altLang="zh-CN" sz="2000" b="1" dirty="0">
+              <a:rPr lang="en-US" altLang="zh-CN" sz="2400" b="1">
                 <a:solidFill>
                   <a:srgbClr val="EEE5E6"/>
                 </a:solidFill>
               </a:rPr>
-              <a:t>10/24-During this scrum, we solved the game's implementation of the code logic for the round, assigned code tasks based on the improved task and each person's familiar direction, and worked out the deadline.</a:t>
-            </a:r>
-          </a:p>
-          <a:p>
-            <a:pPr indent="0" algn="l">
-              <a:buClrTx/>
-              <a:buSzTx/>
-              <a:buFont typeface="Wingdings" panose="05000000000000000000" charset="0"/>
-              <a:buNone/>
-            </a:pPr>
-            <a:endParaRPr lang="en-US" altLang="zh-CN" sz="2000" b="1" dirty="0">
-              <a:solidFill>
-                <a:srgbClr val="EEE5E6"/>
-              </a:solidFill>
-            </a:endParaRPr>
-          </a:p>
-          <a:p>
-            <a:pPr indent="0" algn="l">
-              <a:buClrTx/>
-              <a:buSzTx/>
-              <a:buFont typeface="Wingdings" panose="05000000000000000000" charset="0"/>
-              <a:buNone/>
-            </a:pPr>
-            <a:r>
-              <a:rPr lang="en-US" altLang="zh-CN" sz="2000" b="1" dirty="0">
-                <a:solidFill>
-                  <a:srgbClr val="EEE5E6"/>
-                </a:solidFill>
-                <a:sym typeface="+mn-ea"/>
-              </a:rPr>
-              <a:t>10/31-During this scrum,  we integrated the code into a project.</a:t>
-            </a:r>
-          </a:p>
-          <a:p>
-            <a:pPr indent="0" algn="l">
-              <a:buClrTx/>
-              <a:buSzTx/>
-              <a:buFont typeface="Wingdings" panose="05000000000000000000" charset="0"/>
-              <a:buNone/>
-            </a:pPr>
-            <a:endParaRPr lang="en-US" altLang="zh-CN" sz="2000" b="1" dirty="0">
-              <a:solidFill>
-                <a:srgbClr val="EEE5E6"/>
-              </a:solidFill>
-            </a:endParaRPr>
-          </a:p>
-          <a:p>
-            <a:pPr indent="0" algn="l">
-              <a:buClrTx/>
-              <a:buSzTx/>
-              <a:buFont typeface="Wingdings" panose="05000000000000000000" charset="0"/>
-              <a:buNone/>
-            </a:pPr>
-            <a:endParaRPr lang="en-US" altLang="zh-CN" sz="2000" b="1" dirty="0">
+              <a:t>Identified what went well</a:t>
+            </a:r>
+            <a:endParaRPr lang="en-US" altLang="zh-CN" sz="2400" b="1">
               <a:solidFill>
                 <a:srgbClr val="EEE5E6"/>
               </a:solidFill>
@@ -7503,13 +7743,13 @@
   <p:clrMapOvr>
     <a:masterClrMapping/>
   </p:clrMapOvr>
-  <mc:AlternateContent xmlns:mc="http://schemas.openxmlformats.org/markup-compatibility/2006" xmlns:p14="http://schemas.microsoft.com/office/powerpoint/2010/main">
-    <mc:Choice Requires="p14">
+  <mc:AlternateContent xmlns:mc="http://schemas.openxmlformats.org/markup-compatibility/2006">
+    <mc:Choice xmlns:p14="http://schemas.microsoft.com/office/powerpoint/2010/main" Requires="p14">
       <p:transition spd="slow" p14:dur="1500">
         <p:random/>
       </p:transition>
     </mc:Choice>
-    <mc:Fallback xmlns="">
+    <mc:Fallback>
       <p:transition spd="slow">
         <p:random/>
       </p:transition>
@@ -7782,10 +8022,14 @@
                 <a:solidFill>
                   <a:srgbClr val="EEE5E6"/>
                 </a:solidFill>
-                <a:sym typeface="+mn-ea"/>
-              </a:rPr>
-              <a:t>What went well:</a:t>
-            </a:r>
+              </a:rPr>
+              <a:t>10/11-During this scrum, we discussed the file content of P2 together and allocated the files within the file.</a:t>
+            </a:r>
+            <a:endParaRPr lang="en-US" altLang="zh-CN" sz="2000" b="1" dirty="0">
+              <a:solidFill>
+                <a:srgbClr val="EEE5E6"/>
+              </a:solidFill>
+            </a:endParaRPr>
           </a:p>
           <a:p>
             <a:pPr indent="0" algn="l">
@@ -7794,15 +8038,11 @@
               <a:buFont typeface="Wingdings" panose="05000000000000000000" charset="0"/>
               <a:buNone/>
             </a:pPr>
-            <a:r>
-              <a:rPr lang="en-US" altLang="zh-CN" sz="2000" b="1" dirty="0">
-                <a:solidFill>
-                  <a:srgbClr val="EEE5E6"/>
-                </a:solidFill>
-                <a:sym typeface="+mn-ea"/>
-              </a:rPr>
-              <a:t>Our scrum meetings discussed a lot of details about the implementation of the game, actively assigning tasks, making plans for each week and the next meeting time.</a:t>
-            </a:r>
+            <a:endParaRPr lang="en-US" altLang="zh-CN" sz="2000" b="1" dirty="0">
+              <a:solidFill>
+                <a:srgbClr val="EEE5E6"/>
+              </a:solidFill>
+            </a:endParaRPr>
           </a:p>
           <a:p>
             <a:pPr indent="0" algn="l">
@@ -7811,6 +8051,83 @@
               <a:buFont typeface="Wingdings" panose="05000000000000000000" charset="0"/>
               <a:buNone/>
             </a:pPr>
+            <a:r>
+              <a:rPr lang="en-US" altLang="zh-CN" sz="2000" b="1" dirty="0">
+                <a:solidFill>
+                  <a:srgbClr val="EEE5E6"/>
+                </a:solidFill>
+              </a:rPr>
+              <a:t>10/21-During this scrum, we asked the professor about the parts of the P1 document that could be improved. The task of file improvement was assigned.</a:t>
+            </a:r>
+            <a:endParaRPr lang="en-US" altLang="zh-CN" sz="2000" b="1" dirty="0">
+              <a:solidFill>
+                <a:srgbClr val="EEE5E6"/>
+              </a:solidFill>
+            </a:endParaRPr>
+          </a:p>
+          <a:p>
+            <a:pPr indent="0" algn="l">
+              <a:buClrTx/>
+              <a:buSzTx/>
+              <a:buFont typeface="Wingdings" panose="05000000000000000000" charset="0"/>
+              <a:buNone/>
+            </a:pPr>
+            <a:endParaRPr lang="en-US" altLang="zh-CN" sz="2000" b="1" dirty="0">
+              <a:solidFill>
+                <a:srgbClr val="EEE5E6"/>
+              </a:solidFill>
+            </a:endParaRPr>
+          </a:p>
+          <a:p>
+            <a:pPr indent="0" algn="l">
+              <a:buClrTx/>
+              <a:buSzTx/>
+              <a:buFont typeface="Wingdings" panose="05000000000000000000" charset="0"/>
+              <a:buNone/>
+            </a:pPr>
+            <a:r>
+              <a:rPr lang="en-US" altLang="zh-CN" sz="2000" b="1" dirty="0">
+                <a:solidFill>
+                  <a:srgbClr val="EEE5E6"/>
+                </a:solidFill>
+              </a:rPr>
+              <a:t>10/24-During this scrum, we solved the game's implementation of the code logic for the round, assigned code tasks based on the improved task and each person's familiar direction, and worked out the deadline.</a:t>
+            </a:r>
+            <a:endParaRPr lang="en-US" altLang="zh-CN" sz="2000" b="1" dirty="0">
+              <a:solidFill>
+                <a:srgbClr val="EEE5E6"/>
+              </a:solidFill>
+            </a:endParaRPr>
+          </a:p>
+          <a:p>
+            <a:pPr indent="0" algn="l">
+              <a:buClrTx/>
+              <a:buSzTx/>
+              <a:buFont typeface="Wingdings" panose="05000000000000000000" charset="0"/>
+              <a:buNone/>
+            </a:pPr>
+            <a:endParaRPr lang="en-US" altLang="zh-CN" sz="2000" b="1" dirty="0">
+              <a:solidFill>
+                <a:srgbClr val="EEE5E6"/>
+              </a:solidFill>
+            </a:endParaRPr>
+          </a:p>
+          <a:p>
+            <a:pPr indent="0" algn="l">
+              <a:buClrTx/>
+              <a:buSzTx/>
+              <a:buFont typeface="Wingdings" panose="05000000000000000000" charset="0"/>
+              <a:buNone/>
+            </a:pPr>
+            <a:r>
+              <a:rPr lang="en-US" altLang="zh-CN" sz="2000" b="1" dirty="0">
+                <a:solidFill>
+                  <a:srgbClr val="EEE5E6"/>
+                </a:solidFill>
+                <a:sym typeface="+mn-ea"/>
+              </a:rPr>
+              <a:t>10/31-During this scrum,  we integrated the code into a project.</a:t>
+            </a:r>
             <a:endParaRPr lang="en-US" altLang="zh-CN" sz="2000" b="1" dirty="0">
               <a:solidFill>
                 <a:srgbClr val="EEE5E6"/>
@@ -7825,83 +8142,11 @@
               <a:buFont typeface="Wingdings" panose="05000000000000000000" charset="0"/>
               <a:buNone/>
             </a:pPr>
-            <a:r>
-              <a:rPr lang="en-US" altLang="zh-CN" sz="2000" b="1" dirty="0">
-                <a:solidFill>
-                  <a:srgbClr val="EEE5E6"/>
-                </a:solidFill>
-                <a:sym typeface="+mn-ea"/>
-              </a:rPr>
-              <a:t>What could improve:</a:t>
-            </a:r>
-          </a:p>
-          <a:p>
-            <a:pPr indent="0" algn="l">
-              <a:buClrTx/>
-              <a:buSzTx/>
-              <a:buFont typeface="Wingdings" panose="05000000000000000000" charset="0"/>
-              <a:buNone/>
-            </a:pPr>
-            <a:r>
-              <a:rPr lang="en-US" altLang="zh-CN" sz="2000" b="1" dirty="0">
-                <a:solidFill>
-                  <a:srgbClr val="EEE5E6"/>
-                </a:solidFill>
-                <a:sym typeface="+mn-ea"/>
-              </a:rPr>
-              <a:t>1.The task should smaller and clearer, avoiding two people spending time on similar functionality</a:t>
-            </a:r>
-          </a:p>
-          <a:p>
-            <a:pPr indent="0" algn="l">
-              <a:buClrTx/>
-              <a:buSzTx/>
-              <a:buFont typeface="Wingdings" panose="05000000000000000000" charset="0"/>
-              <a:buNone/>
-            </a:pPr>
-            <a:r>
-              <a:rPr lang="en-US" altLang="zh-CN" sz="2000" b="1" dirty="0">
-                <a:solidFill>
-                  <a:srgbClr val="EEE5E6"/>
-                </a:solidFill>
-                <a:sym typeface="+mn-ea"/>
-              </a:rPr>
-              <a:t>2. Need more effective communication during our team meeting</a:t>
-            </a:r>
-          </a:p>
-          <a:p>
-            <a:pPr indent="0" algn="l">
-              <a:buClrTx/>
-              <a:buSzTx/>
-              <a:buFont typeface="Wingdings" panose="05000000000000000000" charset="0"/>
-              <a:buNone/>
-            </a:pPr>
-            <a:r>
-              <a:rPr lang="en-US" altLang="zh-CN" sz="2000" b="1" dirty="0">
-                <a:solidFill>
-                  <a:srgbClr val="EEE5E6"/>
-                </a:solidFill>
-                <a:sym typeface="+mn-ea"/>
-              </a:rPr>
-              <a:t>3. Everyone must abide by agreed upon deadlines and deliver the outcomes on time.</a:t>
-            </a:r>
-          </a:p>
-          <a:p>
-            <a:pPr indent="0" algn="l">
-              <a:buClrTx/>
-              <a:buSzTx/>
-              <a:buFont typeface="Wingdings" panose="05000000000000000000" charset="0"/>
-              <a:buNone/>
-            </a:pPr>
-            <a:r>
-              <a:rPr lang="en-US" altLang="zh-CN" sz="2000" b="1" dirty="0">
-                <a:solidFill>
-                  <a:srgbClr val="EEE5E6"/>
-                </a:solidFill>
-                <a:sym typeface="+mn-ea"/>
-              </a:rPr>
-              <a:t>4. Have more meetings with the PO</a:t>
-            </a:r>
+            <a:endParaRPr lang="en-US" altLang="zh-CN" sz="2000" b="1" dirty="0">
+              <a:solidFill>
+                <a:srgbClr val="EEE5E6"/>
+              </a:solidFill>
+            </a:endParaRPr>
           </a:p>
           <a:p>
             <a:pPr indent="0" algn="l">
@@ -7916,19 +8161,6 @@
               </a:solidFill>
             </a:endParaRPr>
           </a:p>
-          <a:p>
-            <a:pPr indent="0" algn="l">
-              <a:buClrTx/>
-              <a:buSzTx/>
-              <a:buFont typeface="Wingdings" panose="05000000000000000000" charset="0"/>
-              <a:buNone/>
-            </a:pPr>
-            <a:endParaRPr lang="en-US" altLang="zh-CN" sz="2000" b="1" dirty="0">
-              <a:solidFill>
-                <a:srgbClr val="EEE5E6"/>
-              </a:solidFill>
-            </a:endParaRPr>
-          </a:p>
         </p:txBody>
       </p:sp>
     </p:spTree>
@@ -7936,13 +8168,13 @@
   <p:clrMapOvr>
     <a:masterClrMapping/>
   </p:clrMapOvr>
-  <mc:AlternateContent xmlns:mc="http://schemas.openxmlformats.org/markup-compatibility/2006" xmlns:p14="http://schemas.microsoft.com/office/powerpoint/2010/main">
-    <mc:Choice Requires="p14">
+  <mc:AlternateContent xmlns:mc="http://schemas.openxmlformats.org/markup-compatibility/2006">
+    <mc:Choice xmlns:p14="http://schemas.microsoft.com/office/powerpoint/2010/main" Requires="p14">
       <p:transition spd="slow" p14:dur="1500">
         <p:random/>
       </p:transition>
     </mc:Choice>
-    <mc:Fallback xmlns="">
+    <mc:Fallback>
       <p:transition spd="slow">
         <p:random/>
       </p:transition>
@@ -8037,6 +8269,12 @@
               </a:rPr>
               <a:t>The perfection of documents  </a:t>
             </a:r>
+            <a:endParaRPr lang="en-US" altLang="zh-CN">
+              <a:solidFill>
+                <a:srgbClr val="FBDED3"/>
+              </a:solidFill>
+              <a:latin typeface="Arial" panose="020B0604020202020204"/>
+            </a:endParaRPr>
           </a:p>
         </p:txBody>
       </p:sp>
@@ -8072,6 +8310,13 @@
               </a:rPr>
               <a:t>Picture Source: the picture from the network.  https://zhuanlan.zhihu.com/p/33300643</a:t>
             </a:r>
+            <a:endParaRPr lang="en-US" altLang="zh-CN">
+              <a:solidFill>
+                <a:schemeClr val="bg1">
+                  <a:lumMod val="65000"/>
+                </a:schemeClr>
+              </a:solidFill>
+            </a:endParaRPr>
           </a:p>
         </p:txBody>
       </p:sp>
@@ -8105,8 +8350,6 @@
               </a:rPr>
               <a:t>1. User stories</a:t>
             </a:r>
-          </a:p>
-          <a:p>
             <a:endParaRPr lang="en-US" altLang="zh-CN" sz="2400" b="1">
               <a:solidFill>
                 <a:srgbClr val="FBDED3"/>
@@ -8114,16 +8357,6 @@
             </a:endParaRPr>
           </a:p>
           <a:p>
-            <a:r>
-              <a:rPr lang="en-US" altLang="zh-CN" sz="2400" b="1">
-                <a:solidFill>
-                  <a:srgbClr val="FBDED3"/>
-                </a:solidFill>
-              </a:rPr>
-              <a:t>2.CRC card &amp; class diagram</a:t>
-            </a:r>
-          </a:p>
-          <a:p>
             <a:endParaRPr lang="en-US" altLang="zh-CN" sz="2400" b="1">
               <a:solidFill>
                 <a:srgbClr val="FBDED3"/>
@@ -8137,10 +8370,8 @@
                   <a:srgbClr val="FBDED3"/>
                 </a:solidFill>
               </a:rPr>
-              <a:t>3.Acceptance Criteria</a:t>
-            </a:r>
-          </a:p>
-          <a:p>
+              <a:t>2.CRC card &amp; class diagram</a:t>
+            </a:r>
             <a:endParaRPr lang="en-US" altLang="zh-CN" sz="2400" b="1">
               <a:solidFill>
                 <a:srgbClr val="FBDED3"/>
@@ -8148,16 +8379,6 @@
             </a:endParaRPr>
           </a:p>
           <a:p>
-            <a:r>
-              <a:rPr lang="en-US" altLang="zh-CN" sz="2400" b="1">
-                <a:solidFill>
-                  <a:srgbClr val="FBDED3"/>
-                </a:solidFill>
-              </a:rPr>
-              <a:t>4. Task for User stories</a:t>
-            </a:r>
-          </a:p>
-          <a:p>
             <a:endParaRPr lang="en-US" altLang="zh-CN" sz="2400" b="1">
               <a:solidFill>
                 <a:srgbClr val="FBDED3"/>
@@ -8171,8 +8392,57 @@
                   <a:srgbClr val="FBDED3"/>
                 </a:solidFill>
               </a:rPr>
+              <a:t>3.Acceptance Criteria</a:t>
+            </a:r>
+            <a:endParaRPr lang="en-US" altLang="zh-CN" sz="2400" b="1">
+              <a:solidFill>
+                <a:srgbClr val="FBDED3"/>
+              </a:solidFill>
+            </a:endParaRPr>
+          </a:p>
+          <a:p>
+            <a:endParaRPr lang="en-US" altLang="zh-CN" sz="2400" b="1">
+              <a:solidFill>
+                <a:srgbClr val="FBDED3"/>
+              </a:solidFill>
+            </a:endParaRPr>
+          </a:p>
+          <a:p>
+            <a:r>
+              <a:rPr lang="en-US" altLang="zh-CN" sz="2400" b="1">
+                <a:solidFill>
+                  <a:srgbClr val="FBDED3"/>
+                </a:solidFill>
+              </a:rPr>
+              <a:t>4. Task for User stories</a:t>
+            </a:r>
+            <a:endParaRPr lang="en-US" altLang="zh-CN" sz="2400" b="1">
+              <a:solidFill>
+                <a:srgbClr val="FBDED3"/>
+              </a:solidFill>
+            </a:endParaRPr>
+          </a:p>
+          <a:p>
+            <a:endParaRPr lang="en-US" altLang="zh-CN" sz="2400" b="1">
+              <a:solidFill>
+                <a:srgbClr val="FBDED3"/>
+              </a:solidFill>
+            </a:endParaRPr>
+          </a:p>
+          <a:p>
+            <a:r>
+              <a:rPr lang="en-US" altLang="zh-CN" sz="2400" b="1">
+                <a:solidFill>
+                  <a:srgbClr val="FBDED3"/>
+                </a:solidFill>
+              </a:rPr>
               <a:t>5. Development Manual</a:t>
             </a:r>
+            <a:endParaRPr lang="en-US" altLang="zh-CN" sz="2400" b="1">
+              <a:solidFill>
+                <a:srgbClr val="FBDED3"/>
+              </a:solidFill>
+            </a:endParaRPr>
           </a:p>
         </p:txBody>
       </p:sp>
@@ -8181,13 +8451,13 @@
   <p:clrMapOvr>
     <a:masterClrMapping/>
   </p:clrMapOvr>
-  <mc:AlternateContent xmlns:mc="http://schemas.openxmlformats.org/markup-compatibility/2006" xmlns:p14="http://schemas.microsoft.com/office/powerpoint/2010/main">
-    <mc:Choice Requires="p14">
+  <mc:AlternateContent xmlns:mc="http://schemas.openxmlformats.org/markup-compatibility/2006">
+    <mc:Choice xmlns:p14="http://schemas.microsoft.com/office/powerpoint/2010/main" Requires="p14">
       <p:transition spd="slow" p14:dur="1500">
         <p:random/>
       </p:transition>
     </mc:Choice>
-    <mc:Fallback xmlns="">
+    <mc:Fallback>
       <p:transition spd="slow">
         <p:random/>
       </p:transition>
@@ -8215,37 +8485,439 @@
       </p:grpSpPr>
       <p:sp>
         <p:nvSpPr>
-          <p:cNvPr id="10" name="矩形 9" descr="e7d195523061f1c09e9d68d7cf438b91ef959ecb14fc25d26BBA7F7DBC18E55DFF4014AF651F0BF2569D4B6C1DA7F1A4683A481403BD872FC687266AD13265C1DE7C373772FD8728ABDD69ADD03BFF5BE2862BC891DBB79E10DB513E374AE534FA998B5905FE5628651D9625737F40972089C532E5406DDB64F9FF52DCC7F4E0E52573EB41B30AC074A5450FD255FE64"/>
-          <p:cNvSpPr/>
+          <p:cNvPr id="6" name="文本框 7" descr="e7d195523061f1c09e9d68d7cf438b91ef959ecb14fc25d26BBA7F7DBC18E55DFF4014AF651F0BF2569D4B6C1DA7F1A4683A481403BD872FC687266AD13265C1DE7C373772FD8728ABDD69ADD03BFF5BE2862BC891DBB79E48D68EAF9BC0B135F08CB3AA261467E47643FBA29D38A9757F7FFD5B7023D39A21F358D3BB12D2D6D548E32EE07CB42717034D7FAE5F42C8"/>
+          <p:cNvSpPr txBox="1">
+            <a:spLocks noChangeArrowheads="1"/>
+          </p:cNvSpPr>
           <p:nvPr/>
         </p:nvSpPr>
-        <p:spPr>
-          <a:xfrm>
-            <a:off x="91705" y="2279516"/>
-            <a:ext cx="2492990" cy="1015663"/>
+        <p:spPr bwMode="auto">
+          <a:xfrm>
+            <a:off x="2239010" y="135890"/>
+            <a:ext cx="4666615" cy="460375"/>
           </a:xfrm>
           <a:prstGeom prst="rect">
             <a:avLst/>
           </a:prstGeom>
-        </p:spPr>
-        <p:txBody>
-          <a:bodyPr wrap="none">
+          <a:noFill/>
+          <a:ln>
+            <a:noFill/>
+          </a:ln>
+          <a:extLst>
+            <a:ext uri="{909E8E84-426E-40DD-AFC4-6F175D3DCCD1}">
+              <a14:hiddenFill xmlns:a14="http://schemas.microsoft.com/office/drawing/2010/main">
+                <a:solidFill>
+                  <a:srgbClr val="FFFFFF"/>
+                </a:solidFill>
+              </a14:hiddenFill>
+            </a:ext>
+            <a:ext uri="{91240B29-F687-4F45-9708-019B960494DF}">
+              <a14:hiddenLine xmlns:a14="http://schemas.microsoft.com/office/drawing/2010/main" w="9525">
+                <a:solidFill>
+                  <a:srgbClr val="000000"/>
+                </a:solidFill>
+                <a:miter lim="800000"/>
+                <a:headEnd/>
+                <a:tailEnd/>
+              </a14:hiddenLine>
+            </a:ext>
+          </a:extLst>
+        </p:spPr>
+        <p:txBody>
+          <a:bodyPr wrap="square">
+            <a:spAutoFit/>
+          </a:bodyPr>
+          <a:lstStyle>
+            <a:lvl1pPr defTabSz="514350">
+              <a:defRPr sz="1300">
+                <a:solidFill>
+                  <a:schemeClr val="tx1"/>
+                </a:solidFill>
+                <a:latin typeface="Calibri" panose="020F0502020204030204" pitchFamily="34" charset="0"/>
+                <a:ea typeface="宋体" panose="02010600030101010101" pitchFamily="2" charset="-122"/>
+              </a:defRPr>
+            </a:lvl1pPr>
+            <a:lvl2pPr marL="742950" indent="-285750" defTabSz="514350">
+              <a:defRPr sz="1300">
+                <a:solidFill>
+                  <a:schemeClr val="tx1"/>
+                </a:solidFill>
+                <a:latin typeface="Calibri" panose="020F0502020204030204" pitchFamily="34" charset="0"/>
+                <a:ea typeface="宋体" panose="02010600030101010101" pitchFamily="2" charset="-122"/>
+              </a:defRPr>
+            </a:lvl2pPr>
+            <a:lvl3pPr marL="1143000" indent="-228600" defTabSz="514350">
+              <a:defRPr sz="1300">
+                <a:solidFill>
+                  <a:schemeClr val="tx1"/>
+                </a:solidFill>
+                <a:latin typeface="Calibri" panose="020F0502020204030204" pitchFamily="34" charset="0"/>
+                <a:ea typeface="宋体" panose="02010600030101010101" pitchFamily="2" charset="-122"/>
+              </a:defRPr>
+            </a:lvl3pPr>
+            <a:lvl4pPr marL="1600200" indent="-228600" defTabSz="514350">
+              <a:defRPr sz="1300">
+                <a:solidFill>
+                  <a:schemeClr val="tx1"/>
+                </a:solidFill>
+                <a:latin typeface="Calibri" panose="020F0502020204030204" pitchFamily="34" charset="0"/>
+                <a:ea typeface="宋体" panose="02010600030101010101" pitchFamily="2" charset="-122"/>
+              </a:defRPr>
+            </a:lvl4pPr>
+            <a:lvl5pPr marL="2057400" indent="-228600" defTabSz="514350">
+              <a:defRPr sz="1300">
+                <a:solidFill>
+                  <a:schemeClr val="tx1"/>
+                </a:solidFill>
+                <a:latin typeface="Calibri" panose="020F0502020204030204" pitchFamily="34" charset="0"/>
+                <a:ea typeface="宋体" panose="02010600030101010101" pitchFamily="2" charset="-122"/>
+              </a:defRPr>
+            </a:lvl5pPr>
+            <a:lvl6pPr marL="2514600" indent="-228600" defTabSz="514350" eaLnBrk="0" fontAlgn="base" hangingPunct="0">
+              <a:spcBef>
+                <a:spcPct val="0"/>
+              </a:spcBef>
+              <a:spcAft>
+                <a:spcPct val="0"/>
+              </a:spcAft>
+              <a:defRPr sz="1300">
+                <a:solidFill>
+                  <a:schemeClr val="tx1"/>
+                </a:solidFill>
+                <a:latin typeface="Calibri" panose="020F0502020204030204" pitchFamily="34" charset="0"/>
+                <a:ea typeface="宋体" panose="02010600030101010101" pitchFamily="2" charset="-122"/>
+              </a:defRPr>
+            </a:lvl6pPr>
+            <a:lvl7pPr marL="2971800" indent="-228600" defTabSz="514350" eaLnBrk="0" fontAlgn="base" hangingPunct="0">
+              <a:spcBef>
+                <a:spcPct val="0"/>
+              </a:spcBef>
+              <a:spcAft>
+                <a:spcPct val="0"/>
+              </a:spcAft>
+              <a:defRPr sz="1300">
+                <a:solidFill>
+                  <a:schemeClr val="tx1"/>
+                </a:solidFill>
+                <a:latin typeface="Calibri" panose="020F0502020204030204" pitchFamily="34" charset="0"/>
+                <a:ea typeface="宋体" panose="02010600030101010101" pitchFamily="2" charset="-122"/>
+              </a:defRPr>
+            </a:lvl7pPr>
+            <a:lvl8pPr marL="3429000" indent="-228600" defTabSz="514350" eaLnBrk="0" fontAlgn="base" hangingPunct="0">
+              <a:spcBef>
+                <a:spcPct val="0"/>
+              </a:spcBef>
+              <a:spcAft>
+                <a:spcPct val="0"/>
+              </a:spcAft>
+              <a:defRPr sz="1300">
+                <a:solidFill>
+                  <a:schemeClr val="tx1"/>
+                </a:solidFill>
+                <a:latin typeface="Calibri" panose="020F0502020204030204" pitchFamily="34" charset="0"/>
+                <a:ea typeface="宋体" panose="02010600030101010101" pitchFamily="2" charset="-122"/>
+              </a:defRPr>
+            </a:lvl8pPr>
+            <a:lvl9pPr marL="3886200" indent="-228600" defTabSz="514350" eaLnBrk="0" fontAlgn="base" hangingPunct="0">
+              <a:spcBef>
+                <a:spcPct val="0"/>
+              </a:spcBef>
+              <a:spcAft>
+                <a:spcPct val="0"/>
+              </a:spcAft>
+              <a:defRPr sz="1300">
+                <a:solidFill>
+                  <a:schemeClr val="tx1"/>
+                </a:solidFill>
+                <a:latin typeface="Calibri" panose="020F0502020204030204" pitchFamily="34" charset="0"/>
+                <a:ea typeface="宋体" panose="02010600030101010101" pitchFamily="2" charset="-122"/>
+              </a:defRPr>
+            </a:lvl9pPr>
+          </a:lstStyle>
+          <a:p>
+            <a:pPr lvl="0" algn="l">
+              <a:buClrTx/>
+              <a:buSzTx/>
+              <a:buFontTx/>
+              <a:defRPr/>
+            </a:pPr>
+            <a:r>
+              <a:rPr lang="en-US" altLang="zh-CN" sz="2400">
+                <a:solidFill>
+                  <a:srgbClr val="FBDED3"/>
+                </a:solidFill>
+                <a:latin typeface="Arial" panose="020B0604020202020204"/>
+                <a:sym typeface="+mn-ea"/>
+              </a:rPr>
+              <a:t>Sprint Review and Retrospective</a:t>
+            </a:r>
+            <a:endParaRPr lang="en-US" altLang="zh-CN" sz="2400">
+              <a:solidFill>
+                <a:srgbClr val="FBDED3"/>
+              </a:solidFill>
+              <a:latin typeface="+mj-lt"/>
+              <a:ea typeface="+mj-ea"/>
+              <a:sym typeface="Calibri" panose="020F0502020204030204" pitchFamily="34" charset="0"/>
+            </a:endParaRPr>
+          </a:p>
+        </p:txBody>
+      </p:sp>
+      <p:cxnSp>
+        <p:nvCxnSpPr>
+          <p:cNvPr id="3" name="直接连接符 2"/>
+          <p:cNvCxnSpPr/>
+          <p:nvPr/>
+        </p:nvCxnSpPr>
+        <p:spPr>
+          <a:xfrm>
+            <a:off x="4412609" y="717027"/>
+            <a:ext cx="318782" cy="0"/>
+          </a:xfrm>
+          <a:prstGeom prst="line">
+            <a:avLst/>
+          </a:prstGeom>
+          <a:ln w="19050">
+            <a:solidFill>
+              <a:srgbClr val="FBDED3"/>
+            </a:solidFill>
+          </a:ln>
+        </p:spPr>
+        <p:style>
+          <a:lnRef idx="1">
+            <a:schemeClr val="accent1"/>
+          </a:lnRef>
+          <a:fillRef idx="0">
+            <a:schemeClr val="accent1"/>
+          </a:fillRef>
+          <a:effectRef idx="0">
+            <a:schemeClr val="accent1"/>
+          </a:effectRef>
+          <a:fontRef idx="minor">
+            <a:schemeClr val="tx1"/>
+          </a:fontRef>
+        </p:style>
+      </p:cxnSp>
+      <p:sp>
+        <p:nvSpPr>
+          <p:cNvPr id="4" name="文本框 3"/>
+          <p:cNvSpPr txBox="1"/>
+          <p:nvPr/>
+        </p:nvSpPr>
+        <p:spPr>
+          <a:xfrm>
+            <a:off x="646430" y="596265"/>
+            <a:ext cx="7595235" cy="4401205"/>
+          </a:xfrm>
+          <a:prstGeom prst="rect">
+            <a:avLst/>
+          </a:prstGeom>
+          <a:noFill/>
+        </p:spPr>
+        <p:txBody>
+          <a:bodyPr wrap="square" rtlCol="0">
             <a:spAutoFit/>
           </a:bodyPr>
           <a:lstStyle/>
           <a:p>
-            <a:pPr lvl="0">
-              <a:defRPr/>
+            <a:pPr indent="0" algn="l">
+              <a:buClrTx/>
+              <a:buSzTx/>
+              <a:buFont typeface="Wingdings" panose="05000000000000000000" charset="0"/>
+              <a:buNone/>
             </a:pPr>
             <a:r>
-              <a:rPr lang="en-US" altLang="zh-CN" sz="6000" dirty="0">
-                <a:solidFill>
-                  <a:srgbClr val="FBDED3"/>
-                </a:solidFill>
-                <a:latin typeface="Arial" panose="020B0604020202020204"/>
-              </a:rPr>
-              <a:t>DEMO</a:t>
-            </a:r>
+              <a:rPr lang="en-US" altLang="zh-CN" sz="2000" b="1" dirty="0">
+                <a:solidFill>
+                  <a:srgbClr val="EEE5E6"/>
+                </a:solidFill>
+                <a:sym typeface="+mn-ea"/>
+              </a:rPr>
+              <a:t>What went well:</a:t>
+            </a:r>
+            <a:endParaRPr lang="en-US" altLang="zh-CN" sz="2000" b="1" dirty="0">
+              <a:solidFill>
+                <a:srgbClr val="EEE5E6"/>
+              </a:solidFill>
+              <a:sym typeface="+mn-ea"/>
+            </a:endParaRPr>
+          </a:p>
+          <a:p>
+            <a:pPr indent="0" algn="l">
+              <a:buClrTx/>
+              <a:buSzTx/>
+              <a:buFont typeface="Wingdings" panose="05000000000000000000" charset="0"/>
+              <a:buNone/>
+            </a:pPr>
+            <a:r>
+              <a:rPr lang="en-US" altLang="zh-CN" sz="2000" b="1" dirty="0">
+                <a:solidFill>
+                  <a:srgbClr val="EEE5E6"/>
+                </a:solidFill>
+                <a:sym typeface="+mn-ea"/>
+              </a:rPr>
+              <a:t>Our scrum meetings discussed a lot of details about the implementation of the game, actively assigning tasks, making plans for each week and the next meeting time.</a:t>
+            </a:r>
+            <a:endParaRPr lang="en-US" altLang="zh-CN" sz="2000" b="1" dirty="0">
+              <a:solidFill>
+                <a:srgbClr val="EEE5E6"/>
+              </a:solidFill>
+              <a:sym typeface="+mn-ea"/>
+            </a:endParaRPr>
+          </a:p>
+          <a:p>
+            <a:pPr indent="0" algn="l">
+              <a:buClrTx/>
+              <a:buSzTx/>
+              <a:buFont typeface="Wingdings" panose="05000000000000000000" charset="0"/>
+              <a:buNone/>
+            </a:pPr>
+            <a:endParaRPr lang="en-US" altLang="zh-CN" sz="2000" b="1" dirty="0">
+              <a:solidFill>
+                <a:srgbClr val="EEE5E6"/>
+              </a:solidFill>
+              <a:sym typeface="+mn-ea"/>
+            </a:endParaRPr>
+          </a:p>
+          <a:p>
+            <a:pPr indent="0" algn="l">
+              <a:buClrTx/>
+              <a:buSzTx/>
+              <a:buFont typeface="Wingdings" panose="05000000000000000000" charset="0"/>
+              <a:buNone/>
+            </a:pPr>
+            <a:r>
+              <a:rPr lang="en-US" altLang="zh-CN" sz="2000" b="1" dirty="0">
+                <a:solidFill>
+                  <a:srgbClr val="EEE5E6"/>
+                </a:solidFill>
+                <a:sym typeface="+mn-ea"/>
+              </a:rPr>
+              <a:t>What could improve:</a:t>
+            </a:r>
+            <a:endParaRPr lang="en-US" altLang="zh-CN" sz="2000" b="1" dirty="0">
+              <a:solidFill>
+                <a:srgbClr val="EEE5E6"/>
+              </a:solidFill>
+              <a:sym typeface="+mn-ea"/>
+            </a:endParaRPr>
+          </a:p>
+          <a:p>
+            <a:pPr indent="0" algn="l">
+              <a:buClrTx/>
+              <a:buSzTx/>
+              <a:buFont typeface="Wingdings" panose="05000000000000000000" charset="0"/>
+              <a:buNone/>
+            </a:pPr>
+            <a:r>
+              <a:rPr lang="en-US" altLang="zh-CN" sz="2000" b="1" dirty="0">
+                <a:solidFill>
+                  <a:srgbClr val="EEE5E6"/>
+                </a:solidFill>
+                <a:sym typeface="+mn-ea"/>
+              </a:rPr>
+              <a:t>1.The task should smaller and clearer, avoiding two people spending time on similar functionality</a:t>
+            </a:r>
+            <a:endParaRPr lang="en-US" altLang="zh-CN" sz="2000" b="1" dirty="0">
+              <a:solidFill>
+                <a:srgbClr val="EEE5E6"/>
+              </a:solidFill>
+              <a:sym typeface="+mn-ea"/>
+            </a:endParaRPr>
+          </a:p>
+          <a:p>
+            <a:pPr indent="0" algn="l">
+              <a:buClrTx/>
+              <a:buSzTx/>
+              <a:buFont typeface="Wingdings" panose="05000000000000000000" charset="0"/>
+              <a:buNone/>
+            </a:pPr>
+            <a:r>
+              <a:rPr lang="en-US" altLang="zh-CN" sz="2000" b="1" dirty="0">
+                <a:solidFill>
+                  <a:srgbClr val="EEE5E6"/>
+                </a:solidFill>
+                <a:sym typeface="+mn-ea"/>
+              </a:rPr>
+              <a:t>2. Need more effective communication during our team meeting</a:t>
+            </a:r>
+            <a:endParaRPr lang="en-US" altLang="zh-CN" sz="2000" b="1" dirty="0">
+              <a:solidFill>
+                <a:srgbClr val="EEE5E6"/>
+              </a:solidFill>
+              <a:sym typeface="+mn-ea"/>
+            </a:endParaRPr>
+          </a:p>
+          <a:p>
+            <a:pPr indent="0" algn="l">
+              <a:buClrTx/>
+              <a:buSzTx/>
+              <a:buFont typeface="Wingdings" panose="05000000000000000000" charset="0"/>
+              <a:buNone/>
+            </a:pPr>
+            <a:r>
+              <a:rPr lang="en-US" altLang="zh-CN" sz="2000" b="1" dirty="0">
+                <a:solidFill>
+                  <a:srgbClr val="EEE5E6"/>
+                </a:solidFill>
+                <a:sym typeface="+mn-ea"/>
+              </a:rPr>
+              <a:t>3. Everyone must abide by agreed upon deadlines and deliver the outcomes on time.</a:t>
+            </a:r>
+            <a:endParaRPr lang="en-US" altLang="zh-CN" sz="2000" b="1" dirty="0">
+              <a:solidFill>
+                <a:srgbClr val="EEE5E6"/>
+              </a:solidFill>
+              <a:sym typeface="+mn-ea"/>
+            </a:endParaRPr>
+          </a:p>
+          <a:p>
+            <a:pPr indent="0" algn="l">
+              <a:buClrTx/>
+              <a:buSzTx/>
+              <a:buFont typeface="Wingdings" panose="05000000000000000000" charset="0"/>
+              <a:buNone/>
+            </a:pPr>
+            <a:r>
+              <a:rPr lang="en-US" altLang="zh-CN" sz="2000" b="1" dirty="0">
+                <a:solidFill>
+                  <a:srgbClr val="EEE5E6"/>
+                </a:solidFill>
+                <a:sym typeface="+mn-ea"/>
+              </a:rPr>
+              <a:t>4. Have more meetings with the PO</a:t>
+            </a:r>
+            <a:endParaRPr lang="en-US" altLang="zh-CN" sz="2000" b="1" dirty="0">
+              <a:solidFill>
+                <a:srgbClr val="EEE5E6"/>
+              </a:solidFill>
+              <a:sym typeface="+mn-ea"/>
+            </a:endParaRPr>
+          </a:p>
+          <a:p>
+            <a:pPr indent="0" algn="l">
+              <a:buClrTx/>
+              <a:buSzTx/>
+              <a:buFont typeface="Wingdings" panose="05000000000000000000" charset="0"/>
+              <a:buNone/>
+            </a:pPr>
+            <a:endParaRPr lang="en-US" altLang="zh-CN" sz="2000" b="1" dirty="0">
+              <a:solidFill>
+                <a:srgbClr val="EEE5E6"/>
+              </a:solidFill>
+            </a:endParaRPr>
+          </a:p>
+          <a:p>
+            <a:pPr indent="0" algn="l">
+              <a:buClrTx/>
+              <a:buSzTx/>
+              <a:buFont typeface="Wingdings" panose="05000000000000000000" charset="0"/>
+              <a:buNone/>
+            </a:pPr>
+            <a:endParaRPr lang="en-US" altLang="zh-CN" sz="2000" b="1" dirty="0">
+              <a:solidFill>
+                <a:srgbClr val="EEE5E6"/>
+              </a:solidFill>
+            </a:endParaRPr>
           </a:p>
         </p:txBody>
       </p:sp>
@@ -8254,13 +8926,346 @@
   <p:clrMapOvr>
     <a:masterClrMapping/>
   </p:clrMapOvr>
-  <mc:AlternateContent xmlns:mc="http://schemas.openxmlformats.org/markup-compatibility/2006" xmlns:p14="http://schemas.microsoft.com/office/powerpoint/2010/main">
-    <mc:Choice Requires="p14">
+  <mc:AlternateContent xmlns:mc="http://schemas.openxmlformats.org/markup-compatibility/2006">
+    <mc:Choice xmlns:p14="http://schemas.microsoft.com/office/powerpoint/2010/main" Requires="p14">
       <p:transition spd="slow" p14:dur="1500">
         <p:random/>
       </p:transition>
     </mc:Choice>
-    <mc:Fallback xmlns="">
+    <mc:Fallback>
+      <p:transition spd="slow">
+        <p:random/>
+      </p:transition>
+    </mc:Fallback>
+  </mc:AlternateContent>
+</p:sld>
+</file>
+
+<file path=ppt/slides/slide21.xml><?xml version="1.0" encoding="utf-8"?>
+<p:sld xmlns:a="http://schemas.openxmlformats.org/drawingml/2006/main" xmlns:r="http://schemas.openxmlformats.org/officeDocument/2006/relationships" xmlns:p="http://schemas.openxmlformats.org/presentationml/2006/main">
+  <p:cSld>
+    <p:spTree>
+      <p:nvGrpSpPr>
+        <p:cNvPr id="1" name=""/>
+        <p:cNvGrpSpPr/>
+        <p:nvPr/>
+      </p:nvGrpSpPr>
+      <p:grpSpPr>
+        <a:xfrm>
+          <a:off x="0" y="0"/>
+          <a:ext cx="0" cy="0"/>
+          <a:chOff x="0" y="0"/>
+          <a:chExt cx="0" cy="0"/>
+        </a:xfrm>
+      </p:grpSpPr>
+      <p:sp>
+        <p:nvSpPr>
+          <p:cNvPr id="10" name="矩形 9" descr="e7d195523061f1c09e9d68d7cf438b91ef959ecb14fc25d26BBA7F7DBC18E55DFF4014AF651F0BF2569D4B6C1DA7F1A4683A481403BD872FC687266AD13265C1DE7C373772FD8728ABDD69ADD03BFF5BE2862BC891DBB79E10DB513E374AE534FA998B5905FE5628651D9625737F40972089C532E5406DDB64F9FF52DCC7F4E0E52573EB41B30AC074A5450FD255FE64"/>
+          <p:cNvSpPr/>
+          <p:nvPr/>
+        </p:nvSpPr>
+        <p:spPr>
+          <a:xfrm>
+            <a:off x="324115" y="384676"/>
+            <a:ext cx="2722880" cy="1014730"/>
+          </a:xfrm>
+          <a:prstGeom prst="rect">
+            <a:avLst/>
+          </a:prstGeom>
+        </p:spPr>
+        <p:txBody>
+          <a:bodyPr wrap="none">
+            <a:spAutoFit/>
+          </a:bodyPr>
+          <a:lstStyle/>
+          <a:p>
+            <a:pPr lvl="0">
+              <a:defRPr/>
+            </a:pPr>
+            <a:r>
+              <a:rPr lang="en-US" altLang="zh-CN" sz="6000" dirty="0">
+                <a:solidFill>
+                  <a:srgbClr val="FBDED3"/>
+                </a:solidFill>
+                <a:latin typeface="Arial" panose="020B0604020202020204"/>
+              </a:rPr>
+              <a:t>MySQL</a:t>
+            </a:r>
+            <a:endParaRPr lang="en-US" altLang="zh-CN" sz="6000" dirty="0">
+              <a:solidFill>
+                <a:srgbClr val="FBDED3"/>
+              </a:solidFill>
+              <a:latin typeface="Arial" panose="020B0604020202020204"/>
+            </a:endParaRPr>
+          </a:p>
+        </p:txBody>
+      </p:sp>
+      <p:pic>
+        <p:nvPicPr>
+          <p:cNvPr id="2" name="图片 1"/>
+          <p:cNvPicPr>
+            <a:picLocks noChangeAspect="1"/>
+          </p:cNvPicPr>
+          <p:nvPr/>
+        </p:nvPicPr>
+        <p:blipFill>
+          <a:blip r:embed="rId1"/>
+          <a:stretch>
+            <a:fillRect/>
+          </a:stretch>
+        </p:blipFill>
+        <p:spPr>
+          <a:xfrm>
+            <a:off x="323850" y="1399540"/>
+            <a:ext cx="3943350" cy="1990725"/>
+          </a:xfrm>
+          <a:prstGeom prst="rect">
+            <a:avLst/>
+          </a:prstGeom>
+        </p:spPr>
+      </p:pic>
+      <p:pic>
+        <p:nvPicPr>
+          <p:cNvPr id="3" name="图片 2"/>
+          <p:cNvPicPr>
+            <a:picLocks noChangeAspect="1"/>
+          </p:cNvPicPr>
+          <p:nvPr/>
+        </p:nvPicPr>
+        <p:blipFill>
+          <a:blip r:embed="rId2"/>
+          <a:stretch>
+            <a:fillRect/>
+          </a:stretch>
+        </p:blipFill>
+        <p:spPr>
+          <a:xfrm>
+            <a:off x="4709160" y="1437640"/>
+            <a:ext cx="1282065" cy="1913890"/>
+          </a:xfrm>
+          <a:prstGeom prst="rect">
+            <a:avLst/>
+          </a:prstGeom>
+        </p:spPr>
+      </p:pic>
+    </p:spTree>
+  </p:cSld>
+  <p:clrMapOvr>
+    <a:masterClrMapping/>
+  </p:clrMapOvr>
+  <mc:AlternateContent xmlns:mc="http://schemas.openxmlformats.org/markup-compatibility/2006">
+    <mc:Choice xmlns:p14="http://schemas.microsoft.com/office/powerpoint/2010/main" Requires="p14">
+      <p:transition spd="slow" p14:dur="1500">
+        <p:random/>
+      </p:transition>
+    </mc:Choice>
+    <mc:Fallback>
+      <p:transition spd="slow">
+        <p:random/>
+      </p:transition>
+    </mc:Fallback>
+  </mc:AlternateContent>
+</p:sld>
+</file>
+
+<file path=ppt/slides/slide22.xml><?xml version="1.0" encoding="utf-8"?>
+<p:sld xmlns:a="http://schemas.openxmlformats.org/drawingml/2006/main" xmlns:r="http://schemas.openxmlformats.org/officeDocument/2006/relationships" xmlns:p="http://schemas.openxmlformats.org/presentationml/2006/main">
+  <p:cSld>
+    <p:spTree>
+      <p:nvGrpSpPr>
+        <p:cNvPr id="1" name=""/>
+        <p:cNvGrpSpPr/>
+        <p:nvPr/>
+      </p:nvGrpSpPr>
+      <p:grpSpPr>
+        <a:xfrm>
+          <a:off x="0" y="0"/>
+          <a:ext cx="0" cy="0"/>
+          <a:chOff x="0" y="0"/>
+          <a:chExt cx="0" cy="0"/>
+        </a:xfrm>
+      </p:grpSpPr>
+      <p:sp>
+        <p:nvSpPr>
+          <p:cNvPr id="10" name="矩形 9" descr="e7d195523061f1c09e9d68d7cf438b91ef959ecb14fc25d26BBA7F7DBC18E55DFF4014AF651F0BF2569D4B6C1DA7F1A4683A481403BD872FC687266AD13265C1DE7C373772FD8728ABDD69ADD03BFF5BE2862BC891DBB79E10DB513E374AE534FA998B5905FE5628651D9625737F40972089C532E5406DDB64F9FF52DCC7F4E0E52573EB41B30AC074A5450FD255FE64"/>
+          <p:cNvSpPr/>
+          <p:nvPr/>
+        </p:nvSpPr>
+        <p:spPr>
+          <a:xfrm>
+            <a:off x="165365" y="67176"/>
+            <a:ext cx="2426970" cy="1014730"/>
+          </a:xfrm>
+          <a:prstGeom prst="rect">
+            <a:avLst/>
+          </a:prstGeom>
+        </p:spPr>
+        <p:txBody>
+          <a:bodyPr wrap="none">
+            <a:spAutoFit/>
+          </a:bodyPr>
+          <a:lstStyle/>
+          <a:p>
+            <a:pPr lvl="0">
+              <a:defRPr/>
+            </a:pPr>
+            <a:r>
+              <a:rPr lang="en-US" altLang="zh-CN" sz="6000" dirty="0">
+                <a:solidFill>
+                  <a:srgbClr val="FBDED3"/>
+                </a:solidFill>
+                <a:latin typeface="Arial" panose="020B0604020202020204"/>
+              </a:rPr>
+              <a:t>Junit 5</a:t>
+            </a:r>
+            <a:endParaRPr lang="en-US" altLang="zh-CN" sz="6000" dirty="0">
+              <a:solidFill>
+                <a:srgbClr val="FBDED3"/>
+              </a:solidFill>
+              <a:latin typeface="Arial" panose="020B0604020202020204"/>
+            </a:endParaRPr>
+          </a:p>
+        </p:txBody>
+      </p:sp>
+      <p:pic>
+        <p:nvPicPr>
+          <p:cNvPr id="2" name="图片 1"/>
+          <p:cNvPicPr>
+            <a:picLocks noChangeAspect="1"/>
+          </p:cNvPicPr>
+          <p:nvPr/>
+        </p:nvPicPr>
+        <p:blipFill>
+          <a:blip r:embed="rId1"/>
+          <a:stretch>
+            <a:fillRect/>
+          </a:stretch>
+        </p:blipFill>
+        <p:spPr>
+          <a:xfrm>
+            <a:off x="165100" y="1082040"/>
+            <a:ext cx="7328535" cy="1103630"/>
+          </a:xfrm>
+          <a:prstGeom prst="rect">
+            <a:avLst/>
+          </a:prstGeom>
+        </p:spPr>
+      </p:pic>
+      <p:pic>
+        <p:nvPicPr>
+          <p:cNvPr id="3" name="图片 2"/>
+          <p:cNvPicPr>
+            <a:picLocks noChangeAspect="1"/>
+          </p:cNvPicPr>
+          <p:nvPr/>
+        </p:nvPicPr>
+        <p:blipFill>
+          <a:blip r:embed="rId2"/>
+          <a:stretch>
+            <a:fillRect/>
+          </a:stretch>
+        </p:blipFill>
+        <p:spPr>
+          <a:xfrm>
+            <a:off x="165100" y="2321560"/>
+            <a:ext cx="4324350" cy="2638425"/>
+          </a:xfrm>
+          <a:prstGeom prst="rect">
+            <a:avLst/>
+          </a:prstGeom>
+        </p:spPr>
+      </p:pic>
+    </p:spTree>
+  </p:cSld>
+  <p:clrMapOvr>
+    <a:masterClrMapping/>
+  </p:clrMapOvr>
+  <mc:AlternateContent xmlns:mc="http://schemas.openxmlformats.org/markup-compatibility/2006">
+    <mc:Choice xmlns:p14="http://schemas.microsoft.com/office/powerpoint/2010/main" Requires="p14">
+      <p:transition spd="slow" p14:dur="1500">
+        <p:random/>
+      </p:transition>
+    </mc:Choice>
+    <mc:Fallback>
+      <p:transition spd="slow">
+        <p:random/>
+      </p:transition>
+    </mc:Fallback>
+  </mc:AlternateContent>
+</p:sld>
+</file>
+
+<file path=ppt/slides/slide23.xml><?xml version="1.0" encoding="utf-8"?>
+<p:sld xmlns:a="http://schemas.openxmlformats.org/drawingml/2006/main" xmlns:r="http://schemas.openxmlformats.org/officeDocument/2006/relationships" xmlns:p="http://schemas.openxmlformats.org/presentationml/2006/main">
+  <p:cSld>
+    <p:spTree>
+      <p:nvGrpSpPr>
+        <p:cNvPr id="1" name=""/>
+        <p:cNvGrpSpPr/>
+        <p:nvPr/>
+      </p:nvGrpSpPr>
+      <p:grpSpPr>
+        <a:xfrm>
+          <a:off x="0" y="0"/>
+          <a:ext cx="0" cy="0"/>
+          <a:chOff x="0" y="0"/>
+          <a:chExt cx="0" cy="0"/>
+        </a:xfrm>
+      </p:grpSpPr>
+      <p:sp>
+        <p:nvSpPr>
+          <p:cNvPr id="10" name="矩形 9" descr="e7d195523061f1c09e9d68d7cf438b91ef959ecb14fc25d26BBA7F7DBC18E55DFF4014AF651F0BF2569D4B6C1DA7F1A4683A481403BD872FC687266AD13265C1DE7C373772FD8728ABDD69ADD03BFF5BE2862BC891DBB79E10DB513E374AE534FA998B5905FE5628651D9625737F40972089C532E5406DDB64F9FF52DCC7F4E0E52573EB41B30AC074A5450FD255FE64"/>
+          <p:cNvSpPr/>
+          <p:nvPr/>
+        </p:nvSpPr>
+        <p:spPr>
+          <a:xfrm>
+            <a:off x="91705" y="2279516"/>
+            <a:ext cx="2492990" cy="1015663"/>
+          </a:xfrm>
+          <a:prstGeom prst="rect">
+            <a:avLst/>
+          </a:prstGeom>
+        </p:spPr>
+        <p:txBody>
+          <a:bodyPr wrap="none">
+            <a:spAutoFit/>
+          </a:bodyPr>
+          <a:lstStyle/>
+          <a:p>
+            <a:pPr lvl="0">
+              <a:defRPr/>
+            </a:pPr>
+            <a:r>
+              <a:rPr lang="en-US" altLang="zh-CN" sz="6000" dirty="0">
+                <a:solidFill>
+                  <a:srgbClr val="FBDED3"/>
+                </a:solidFill>
+                <a:latin typeface="Arial" panose="020B0604020202020204"/>
+              </a:rPr>
+              <a:t>DEMO</a:t>
+            </a:r>
+            <a:endParaRPr lang="en-US" altLang="zh-CN" sz="6000" dirty="0">
+              <a:solidFill>
+                <a:srgbClr val="FBDED3"/>
+              </a:solidFill>
+              <a:latin typeface="Arial" panose="020B0604020202020204"/>
+            </a:endParaRPr>
+          </a:p>
+        </p:txBody>
+      </p:sp>
+    </p:spTree>
+  </p:cSld>
+  <p:clrMapOvr>
+    <a:masterClrMapping/>
+  </p:clrMapOvr>
+  <mc:AlternateContent xmlns:mc="http://schemas.openxmlformats.org/markup-compatibility/2006">
+    <mc:Choice xmlns:p14="http://schemas.microsoft.com/office/powerpoint/2010/main" Requires="p14">
+      <p:transition spd="slow" p14:dur="1500">
+        <p:random/>
+      </p:transition>
+    </mc:Choice>
+    <mc:Fallback>
       <p:transition spd="slow">
         <p:random/>
       </p:transition>
@@ -8363,13 +9368,13 @@
   <p:clrMapOvr>
     <a:masterClrMapping/>
   </p:clrMapOvr>
-  <mc:AlternateContent xmlns:mc="http://schemas.openxmlformats.org/markup-compatibility/2006" xmlns:p14="http://schemas.microsoft.com/office/powerpoint/2010/main">
-    <mc:Choice Requires="p14">
+  <mc:AlternateContent xmlns:mc="http://schemas.openxmlformats.org/markup-compatibility/2006">
+    <mc:Choice xmlns:p14="http://schemas.microsoft.com/office/powerpoint/2010/main" Requires="p14">
       <p:transition spd="slow" p14:dur="1500">
         <p:random/>
       </p:transition>
     </mc:Choice>
-    <mc:Fallback xmlns="">
+    <mc:Fallback>
       <p:transition spd="slow">
         <p:random/>
       </p:transition>
@@ -8471,6 +9476,9 @@
               </a:rPr>
               <a:t>1. As a user, I want to register to this platform by using an email, nickname and a password.</a:t>
             </a:r>
+            <a:endParaRPr lang="en-US" sz="2000" b="1" dirty="0">
+              <a:sym typeface="+mn-ea"/>
+            </a:endParaRPr>
           </a:p>
           <a:p>
             <a:pPr marL="0" indent="0">
@@ -8488,6 +9496,9 @@
               </a:rPr>
               <a:t>2. As a user, I want to login to this platform using the account I registered.</a:t>
             </a:r>
+            <a:endParaRPr lang="en-US" sz="2000" b="1" dirty="0">
+              <a:sym typeface="+mn-ea"/>
+            </a:endParaRPr>
           </a:p>
           <a:p>
             <a:pPr marL="0" indent="0">
@@ -8517,6 +9528,9 @@
               </a:rPr>
               <a:t>.</a:t>
             </a:r>
+            <a:endParaRPr lang="en-US" sz="2000" b="1" dirty="0">
+              <a:sym typeface="+mn-ea"/>
+            </a:endParaRPr>
           </a:p>
           <a:p>
             <a:pPr marL="0" indent="0">
@@ -8534,6 +9548,9 @@
               </a:rPr>
               <a:t>4. As a user, I want to know when it is my turn.</a:t>
             </a:r>
+            <a:endParaRPr lang="en-US" sz="2000" b="1" dirty="0">
+              <a:sym typeface="+mn-ea"/>
+            </a:endParaRPr>
           </a:p>
           <a:p>
             <a:pPr marL="0" indent="0">
@@ -8739,6 +9756,14 @@
               </a:rPr>
               <a:t>User Stories</a:t>
             </a:r>
+            <a:endParaRPr lang="en-US" altLang="zh-CN" sz="2400">
+              <a:solidFill>
+                <a:srgbClr val="FBDED3"/>
+              </a:solidFill>
+              <a:latin typeface="+mj-lt"/>
+              <a:ea typeface="+mj-ea"/>
+              <a:sym typeface="Calibri" panose="020F0502020204030204" pitchFamily="34" charset="0"/>
+            </a:endParaRPr>
           </a:p>
         </p:txBody>
       </p:sp>
@@ -8786,7 +9811,7 @@
           <p:nvPr/>
         </p:nvPicPr>
         <p:blipFill rotWithShape="1">
-          <a:blip r:embed="rId2" cstate="print">
+          <a:blip r:embed="rId1" cstate="print">
             <a:extLst>
               <a:ext uri="{28A0092B-C50C-407E-A947-70E740481C1C}">
                 <a14:useLocalDpi xmlns:a14="http://schemas.microsoft.com/office/drawing/2010/main" val="0"/>
@@ -8813,13 +9838,13 @@
   <p:clrMapOvr>
     <a:masterClrMapping/>
   </p:clrMapOvr>
-  <mc:AlternateContent xmlns:mc="http://schemas.openxmlformats.org/markup-compatibility/2006" xmlns:p14="http://schemas.microsoft.com/office/powerpoint/2010/main">
-    <mc:Choice Requires="p14">
+  <mc:AlternateContent xmlns:mc="http://schemas.openxmlformats.org/markup-compatibility/2006">
+    <mc:Choice xmlns:p14="http://schemas.microsoft.com/office/powerpoint/2010/main" Requires="p14">
       <p:transition spd="slow" p14:dur="1500">
         <p:random/>
       </p:transition>
     </mc:Choice>
-    <mc:Fallback xmlns="">
+    <mc:Fallback>
       <p:transition spd="slow">
         <p:random/>
       </p:transition>
@@ -9148,6 +10173,12 @@
               </a:rPr>
               <a:t>()</a:t>
             </a:r>
+            <a:endParaRPr lang="en-US" sz="2400" dirty="0">
+              <a:solidFill>
+                <a:srgbClr val="FBDED3"/>
+              </a:solidFill>
+              <a:sym typeface="+mn-ea"/>
+            </a:endParaRPr>
           </a:p>
           <a:p>
             <a:pPr lvl="1" algn="l"/>
@@ -9204,6 +10235,12 @@
               </a:rPr>
               <a:t>int move() </a:t>
             </a:r>
+            <a:endParaRPr lang="en-US" sz="2400" dirty="0">
+              <a:solidFill>
+                <a:srgbClr val="FBDED3"/>
+              </a:solidFill>
+              <a:sym typeface="+mn-ea"/>
+            </a:endParaRPr>
           </a:p>
           <a:p>
             <a:pPr lvl="1" algn="l"/>
@@ -9234,6 +10271,12 @@
               </a:rPr>
               <a:t>()</a:t>
             </a:r>
+            <a:endParaRPr lang="en-US" sz="2400" dirty="0">
+              <a:solidFill>
+                <a:srgbClr val="FBDED3"/>
+              </a:solidFill>
+              <a:sym typeface="+mn-ea"/>
+            </a:endParaRPr>
           </a:p>
           <a:p>
             <a:pPr lvl="1" algn="l"/>
@@ -9449,13 +10492,13 @@
   <p:clrMapOvr>
     <a:masterClrMapping/>
   </p:clrMapOvr>
-  <mc:AlternateContent xmlns:mc="http://schemas.openxmlformats.org/markup-compatibility/2006" xmlns:p14="http://schemas.microsoft.com/office/powerpoint/2010/main">
-    <mc:Choice Requires="p14">
+  <mc:AlternateContent xmlns:mc="http://schemas.openxmlformats.org/markup-compatibility/2006">
+    <mc:Choice xmlns:p14="http://schemas.microsoft.com/office/powerpoint/2010/main" Requires="p14">
       <p:transition spd="slow" p14:dur="1500">
         <p:random/>
       </p:transition>
     </mc:Choice>
-    <mc:Fallback xmlns="">
+    <mc:Fallback>
       <p:transition spd="slow">
         <p:random/>
       </p:transition>
@@ -9559,6 +10602,12 @@
               </a:rPr>
               <a:t>  </a:t>
             </a:r>
+            <a:endParaRPr lang="en-US" altLang="zh-CN">
+              <a:solidFill>
+                <a:srgbClr val="FBDED3"/>
+              </a:solidFill>
+              <a:latin typeface="Arial" panose="020B0604020202020204"/>
+            </a:endParaRPr>
           </a:p>
         </p:txBody>
       </p:sp>
@@ -9616,6 +10665,11 @@
               </a:rPr>
               <a:t>(Backend function finished)</a:t>
             </a:r>
+            <a:endParaRPr lang="en-US" altLang="zh-CN" sz="2000" b="1" dirty="0">
+              <a:solidFill>
+                <a:srgbClr val="00B050"/>
+              </a:solidFill>
+            </a:endParaRPr>
           </a:p>
           <a:p>
             <a:r>
@@ -9626,8 +10680,6 @@
               </a:rPr>
               <a:t>Priority:1 </a:t>
             </a:r>
-          </a:p>
-          <a:p>
             <a:endParaRPr lang="en-US" altLang="zh-CN" sz="2000" b="1" dirty="0">
               <a:solidFill>
                 <a:srgbClr val="FBDED3"/>
@@ -9635,6 +10687,13 @@
             </a:endParaRPr>
           </a:p>
           <a:p>
+            <a:endParaRPr lang="en-US" altLang="zh-CN" sz="2000" b="1" dirty="0">
+              <a:solidFill>
+                <a:srgbClr val="FBDED3"/>
+              </a:solidFill>
+            </a:endParaRPr>
+          </a:p>
+          <a:p>
             <a:r>
               <a:rPr lang="en-US" altLang="zh-CN" sz="2000" b="1" dirty="0">
                 <a:solidFill>
@@ -9643,6 +10702,11 @@
               </a:rPr>
               <a:t>Task: </a:t>
             </a:r>
+            <a:endParaRPr lang="en-US" altLang="zh-CN" sz="2000" b="1" dirty="0">
+              <a:solidFill>
+                <a:srgbClr val="FBDED3"/>
+              </a:solidFill>
+            </a:endParaRPr>
           </a:p>
           <a:p>
             <a:r>
@@ -9653,6 +10717,11 @@
               </a:rPr>
               <a:t>1.Implement ability to display basic game screen to the user </a:t>
             </a:r>
+            <a:endParaRPr lang="en-US" altLang="zh-CN" sz="2000" b="1" dirty="0">
+              <a:solidFill>
+                <a:srgbClr val="FBDED3"/>
+              </a:solidFill>
+            </a:endParaRPr>
           </a:p>
           <a:p>
             <a:r>
@@ -9663,6 +10732,11 @@
               </a:rPr>
               <a:t>2.Write code to achieve chess movement</a:t>
             </a:r>
+            <a:endParaRPr lang="en-US" altLang="zh-CN" sz="2000" b="1" dirty="0">
+              <a:solidFill>
+                <a:srgbClr val="FBDED3"/>
+              </a:solidFill>
+            </a:endParaRPr>
           </a:p>
           <a:p>
             <a:r>
@@ -9673,6 +10747,11 @@
               </a:rPr>
               <a:t>3.Write code to achieve the pieces capturing the opponent’s pieces</a:t>
             </a:r>
+            <a:endParaRPr lang="en-US" altLang="zh-CN" sz="2000" b="1" dirty="0">
+              <a:solidFill>
+                <a:srgbClr val="FBDED3"/>
+              </a:solidFill>
+            </a:endParaRPr>
           </a:p>
           <a:p>
             <a:r>
@@ -9683,6 +10762,11 @@
               </a:rPr>
               <a:t>4.Write code to update game screen</a:t>
             </a:r>
+            <a:endParaRPr lang="en-US" altLang="zh-CN" sz="2000" b="1" dirty="0">
+              <a:solidFill>
+                <a:srgbClr val="FBDED3"/>
+              </a:solidFill>
+            </a:endParaRPr>
           </a:p>
           <a:p>
             <a:r>
@@ -9693,6 +10777,11 @@
               </a:rPr>
               <a:t>5.Write code to add the logout button</a:t>
             </a:r>
+            <a:endParaRPr lang="en-US" altLang="zh-CN" sz="2000" b="1" dirty="0">
+              <a:solidFill>
+                <a:srgbClr val="FBDED3"/>
+              </a:solidFill>
+            </a:endParaRPr>
           </a:p>
           <a:p>
             <a:endParaRPr lang="en-US" altLang="zh-CN" sz="2400" b="1" dirty="0">
@@ -9715,13 +10804,13 @@
   <p:clrMapOvr>
     <a:masterClrMapping/>
   </p:clrMapOvr>
-  <mc:AlternateContent xmlns:mc="http://schemas.openxmlformats.org/markup-compatibility/2006" xmlns:p14="http://schemas.microsoft.com/office/powerpoint/2010/main">
-    <mc:Choice Requires="p14">
+  <mc:AlternateContent xmlns:mc="http://schemas.openxmlformats.org/markup-compatibility/2006">
+    <mc:Choice xmlns:p14="http://schemas.microsoft.com/office/powerpoint/2010/main" Requires="p14">
       <p:transition spd="slow" p14:dur="1500">
         <p:random/>
       </p:transition>
     </mc:Choice>
-    <mc:Fallback xmlns="">
+    <mc:Fallback>
       <p:transition spd="slow">
         <p:random/>
       </p:transition>
@@ -9825,6 +10914,12 @@
               </a:rPr>
               <a:t>  </a:t>
             </a:r>
+            <a:endParaRPr lang="en-US" altLang="zh-CN">
+              <a:solidFill>
+                <a:srgbClr val="FBDED3"/>
+              </a:solidFill>
+              <a:latin typeface="Arial" panose="020B0604020202020204"/>
+            </a:endParaRPr>
           </a:p>
         </p:txBody>
       </p:sp>
@@ -9884,6 +10979,12 @@
               </a:rPr>
               <a:t>Priority:2 </a:t>
             </a:r>
+            <a:endParaRPr lang="en-US" altLang="zh-CN" sz="2400" b="1" dirty="0">
+              <a:solidFill>
+                <a:srgbClr val="FBDED3"/>
+              </a:solidFill>
+              <a:sym typeface="+mn-ea"/>
+            </a:endParaRPr>
           </a:p>
           <a:p>
             <a:endParaRPr lang="en-US" altLang="zh-CN" sz="2400" b="1" dirty="0">
@@ -9918,6 +11019,12 @@
               </a:rPr>
               <a:t>1.Write code to determine which users turn it is </a:t>
             </a:r>
+            <a:endParaRPr lang="en-US" altLang="zh-CN" sz="2400" b="1" dirty="0">
+              <a:solidFill>
+                <a:srgbClr val="FBDED3"/>
+              </a:solidFill>
+              <a:sym typeface="+mn-ea"/>
+            </a:endParaRPr>
           </a:p>
           <a:p>
             <a:r>
@@ -9949,13 +11056,13 @@
   <p:clrMapOvr>
     <a:masterClrMapping/>
   </p:clrMapOvr>
-  <mc:AlternateContent xmlns:mc="http://schemas.openxmlformats.org/markup-compatibility/2006" xmlns:p14="http://schemas.microsoft.com/office/powerpoint/2010/main">
-    <mc:Choice Requires="p14">
+  <mc:AlternateContent xmlns:mc="http://schemas.openxmlformats.org/markup-compatibility/2006">
+    <mc:Choice xmlns:p14="http://schemas.microsoft.com/office/powerpoint/2010/main" Requires="p14">
       <p:transition spd="slow" p14:dur="1500">
         <p:random/>
       </p:transition>
     </mc:Choice>
-    <mc:Fallback xmlns="">
+    <mc:Fallback>
       <p:transition spd="slow">
         <p:random/>
       </p:transition>
@@ -10059,6 +11166,12 @@
               </a:rPr>
               <a:t>  </a:t>
             </a:r>
+            <a:endParaRPr lang="en-US" altLang="zh-CN">
+              <a:solidFill>
+                <a:srgbClr val="FBDED3"/>
+              </a:solidFill>
+              <a:latin typeface="Arial" panose="020B0604020202020204"/>
+            </a:endParaRPr>
           </a:p>
         </p:txBody>
       </p:sp>
@@ -10127,6 +11240,12 @@
               </a:rPr>
               <a:t>Task: </a:t>
             </a:r>
+            <a:endParaRPr lang="en-US" altLang="zh-CN" b="1" dirty="0">
+              <a:solidFill>
+                <a:srgbClr val="FBDED3"/>
+              </a:solidFill>
+              <a:sym typeface="+mn-ea"/>
+            </a:endParaRPr>
           </a:p>
           <a:p>
             <a:r>
@@ -10138,6 +11257,12 @@
               </a:rPr>
               <a:t>1.Write code about basic register screen</a:t>
             </a:r>
+            <a:endParaRPr lang="en-US" altLang="zh-CN" b="1" dirty="0">
+              <a:solidFill>
+                <a:srgbClr val="FBDED3"/>
+              </a:solidFill>
+              <a:sym typeface="+mn-ea"/>
+            </a:endParaRPr>
           </a:p>
           <a:p>
             <a:r>
@@ -10149,6 +11274,12 @@
               </a:rPr>
               <a:t>2.Write code to implement the legality of user information (such as the format of E-mail, length of password).</a:t>
             </a:r>
+            <a:endParaRPr lang="en-US" altLang="zh-CN" b="1" dirty="0">
+              <a:solidFill>
+                <a:srgbClr val="FBDED3"/>
+              </a:solidFill>
+              <a:sym typeface="+mn-ea"/>
+            </a:endParaRPr>
           </a:p>
           <a:p>
             <a:r>
@@ -10160,6 +11291,12 @@
               </a:rPr>
               <a:t>3.Write code to implement the registration button and the cancel button</a:t>
             </a:r>
+            <a:endParaRPr lang="en-US" altLang="zh-CN" b="1" dirty="0">
+              <a:solidFill>
+                <a:srgbClr val="FBDED3"/>
+              </a:solidFill>
+              <a:sym typeface="+mn-ea"/>
+            </a:endParaRPr>
           </a:p>
           <a:p>
             <a:r>
@@ -10171,6 +11308,12 @@
               </a:rPr>
               <a:t>4.Write code to achieve a successful registration screen and return to the login screen button</a:t>
             </a:r>
+            <a:endParaRPr lang="en-US" altLang="zh-CN" b="1" dirty="0">
+              <a:solidFill>
+                <a:srgbClr val="FBDED3"/>
+              </a:solidFill>
+              <a:sym typeface="+mn-ea"/>
+            </a:endParaRPr>
           </a:p>
           <a:p>
             <a:endParaRPr lang="en-US" altLang="zh-CN" sz="2400" b="1" dirty="0">
@@ -10186,13 +11329,13 @@
   <p:clrMapOvr>
     <a:masterClrMapping/>
   </p:clrMapOvr>
-  <mc:AlternateContent xmlns:mc="http://schemas.openxmlformats.org/markup-compatibility/2006" xmlns:p14="http://schemas.microsoft.com/office/powerpoint/2010/main">
-    <mc:Choice Requires="p14">
+  <mc:AlternateContent xmlns:mc="http://schemas.openxmlformats.org/markup-compatibility/2006">
+    <mc:Choice xmlns:p14="http://schemas.microsoft.com/office/powerpoint/2010/main" Requires="p14">
       <p:transition spd="slow" p14:dur="1500">
         <p:random/>
       </p:transition>
     </mc:Choice>
-    <mc:Fallback xmlns="">
+    <mc:Fallback>
       <p:transition spd="slow">
         <p:random/>
       </p:transition>
@@ -10296,6 +11439,12 @@
               </a:rPr>
               <a:t>  </a:t>
             </a:r>
+            <a:endParaRPr lang="en-US" altLang="zh-CN">
+              <a:solidFill>
+                <a:srgbClr val="FBDED3"/>
+              </a:solidFill>
+              <a:latin typeface="Arial" panose="020B0604020202020204"/>
+            </a:endParaRPr>
           </a:p>
         </p:txBody>
       </p:sp>
@@ -10339,6 +11488,12 @@
               </a:rPr>
               <a:t>(Finished)</a:t>
             </a:r>
+            <a:endParaRPr lang="en-US" altLang="zh-CN" b="1" dirty="0">
+              <a:solidFill>
+                <a:srgbClr val="00B050"/>
+              </a:solidFill>
+              <a:sym typeface="+mn-ea"/>
+            </a:endParaRPr>
           </a:p>
           <a:p>
             <a:r>
@@ -10350,8 +11505,6 @@
               </a:rPr>
               <a:t>Priority:4 </a:t>
             </a:r>
-          </a:p>
-          <a:p>
             <a:endParaRPr lang="en-US" altLang="zh-CN" b="1" dirty="0">
               <a:solidFill>
                 <a:srgbClr val="FBDED3"/>
@@ -10360,50 +11513,6 @@
             </a:endParaRPr>
           </a:p>
           <a:p>
-            <a:r>
-              <a:rPr lang="en-US" altLang="zh-CN" b="1" dirty="0">
-                <a:solidFill>
-                  <a:srgbClr val="FBDED3"/>
-                </a:solidFill>
-                <a:sym typeface="+mn-ea"/>
-              </a:rPr>
-              <a:t>Task: </a:t>
-            </a:r>
-          </a:p>
-          <a:p>
-            <a:r>
-              <a:rPr lang="en-US" altLang="zh-CN" b="1" dirty="0">
-                <a:solidFill>
-                  <a:srgbClr val="FBDED3"/>
-                </a:solidFill>
-                <a:sym typeface="+mn-ea"/>
-              </a:rPr>
-              <a:t>1.Write code to implement basic Login screen</a:t>
-            </a:r>
-          </a:p>
-          <a:p>
-            <a:r>
-              <a:rPr lang="en-US" altLang="zh-CN" b="1" dirty="0">
-                <a:solidFill>
-                  <a:srgbClr val="FBDED3"/>
-                </a:solidFill>
-                <a:sym typeface="+mn-ea"/>
-              </a:rPr>
-              <a:t>2.Write code to implement the legality of user information (such as the format of E-mail, length of password).</a:t>
-            </a:r>
-          </a:p>
-          <a:p>
-            <a:r>
-              <a:rPr lang="en-US" altLang="zh-CN" b="1" dirty="0">
-                <a:solidFill>
-                  <a:srgbClr val="FBDED3"/>
-                </a:solidFill>
-                <a:sym typeface="+mn-ea"/>
-              </a:rPr>
-              <a:t>3.Write code to implement the login button and the registration button</a:t>
-            </a:r>
-          </a:p>
-          <a:p>
             <a:endParaRPr lang="en-US" altLang="zh-CN" b="1" dirty="0">
               <a:solidFill>
                 <a:srgbClr val="FBDED3"/>
@@ -10419,74 +11528,8 @@
                 </a:solidFill>
                 <a:sym typeface="+mn-ea"/>
               </a:rPr>
-              <a:t>• As a user, I want to be able to logout from my account when I do not want to play, and receive a prompt before it exits.  </a:t>
-            </a:r>
-            <a:r>
-              <a:rPr lang="en-US" altLang="zh-CN" b="1" dirty="0">
-                <a:solidFill>
-                  <a:srgbClr val="00B050"/>
-                </a:solidFill>
-                <a:sym typeface="+mn-ea"/>
-              </a:rPr>
-              <a:t>(Finished)</a:t>
-            </a:r>
-          </a:p>
-          <a:p>
-            <a:r>
-              <a:rPr lang="en-US" altLang="zh-CN" b="1" dirty="0">
-                <a:solidFill>
-                  <a:srgbClr val="FBDED3"/>
-                </a:solidFill>
-                <a:sym typeface="+mn-ea"/>
-              </a:rPr>
-              <a:t>Priority:5 </a:t>
-            </a:r>
-          </a:p>
-          <a:p>
-            <a:r>
-              <a:rPr lang="en-US" altLang="zh-CN" b="1" dirty="0">
-                <a:solidFill>
-                  <a:srgbClr val="FBDED3"/>
-                </a:solidFill>
-                <a:sym typeface="+mn-ea"/>
-              </a:rPr>
               <a:t>Task: </a:t>
             </a:r>
-          </a:p>
-          <a:p>
-            <a:r>
-              <a:rPr lang="en-US" altLang="zh-CN" b="1" dirty="0">
-                <a:solidFill>
-                  <a:srgbClr val="FBDED3"/>
-                </a:solidFill>
-                <a:sym typeface="+mn-ea"/>
-              </a:rPr>
-              <a:t>1.Write code to logout prompt screen</a:t>
-            </a:r>
-          </a:p>
-          <a:p>
-            <a:r>
-              <a:rPr lang="en-US" altLang="zh-CN" b="1" dirty="0">
-                <a:solidFill>
-                  <a:srgbClr val="FBDED3"/>
-                </a:solidFill>
-                <a:sym typeface="+mn-ea"/>
-              </a:rPr>
-              <a:t>2.Write code to implement the logout button and the return button</a:t>
-            </a:r>
-          </a:p>
-          <a:p>
-            <a:r>
-              <a:rPr lang="en-US" altLang="zh-CN" b="1" dirty="0">
-                <a:solidFill>
-                  <a:srgbClr val="FBDED3"/>
-                </a:solidFill>
-                <a:sym typeface="+mn-ea"/>
-              </a:rPr>
-              <a:t>3.Write code to jump back to the login screen</a:t>
-            </a:r>
-          </a:p>
-          <a:p>
             <a:endParaRPr lang="en-US" altLang="zh-CN" b="1" dirty="0">
               <a:solidFill>
                 <a:srgbClr val="FBDED3"/>
@@ -10494,6 +11537,184 @@
               <a:sym typeface="+mn-ea"/>
             </a:endParaRPr>
           </a:p>
+          <a:p>
+            <a:r>
+              <a:rPr lang="en-US" altLang="zh-CN" b="1" dirty="0">
+                <a:solidFill>
+                  <a:srgbClr val="FBDED3"/>
+                </a:solidFill>
+                <a:sym typeface="+mn-ea"/>
+              </a:rPr>
+              <a:t>1.Write code to implement basic Login screen</a:t>
+            </a:r>
+            <a:endParaRPr lang="en-US" altLang="zh-CN" b="1" dirty="0">
+              <a:solidFill>
+                <a:srgbClr val="FBDED3"/>
+              </a:solidFill>
+              <a:sym typeface="+mn-ea"/>
+            </a:endParaRPr>
+          </a:p>
+          <a:p>
+            <a:r>
+              <a:rPr lang="en-US" altLang="zh-CN" b="1" dirty="0">
+                <a:solidFill>
+                  <a:srgbClr val="FBDED3"/>
+                </a:solidFill>
+                <a:sym typeface="+mn-ea"/>
+              </a:rPr>
+              <a:t>2.Write code to implement the legality of user information (such as the format of E-mail, length of password).</a:t>
+            </a:r>
+            <a:endParaRPr lang="en-US" altLang="zh-CN" b="1" dirty="0">
+              <a:solidFill>
+                <a:srgbClr val="FBDED3"/>
+              </a:solidFill>
+              <a:sym typeface="+mn-ea"/>
+            </a:endParaRPr>
+          </a:p>
+          <a:p>
+            <a:r>
+              <a:rPr lang="en-US" altLang="zh-CN" b="1" dirty="0">
+                <a:solidFill>
+                  <a:srgbClr val="FBDED3"/>
+                </a:solidFill>
+                <a:sym typeface="+mn-ea"/>
+              </a:rPr>
+              <a:t>3.Write code to implement the login button and the registration button</a:t>
+            </a:r>
+            <a:endParaRPr lang="en-US" altLang="zh-CN" b="1" dirty="0">
+              <a:solidFill>
+                <a:srgbClr val="FBDED3"/>
+              </a:solidFill>
+              <a:sym typeface="+mn-ea"/>
+            </a:endParaRPr>
+          </a:p>
+          <a:p>
+            <a:endParaRPr lang="en-US" altLang="zh-CN" b="1" dirty="0">
+              <a:solidFill>
+                <a:srgbClr val="FBDED3"/>
+              </a:solidFill>
+              <a:sym typeface="+mn-ea"/>
+            </a:endParaRPr>
+          </a:p>
+          <a:p>
+            <a:r>
+              <a:rPr lang="en-US" altLang="zh-CN" b="1" dirty="0">
+                <a:solidFill>
+                  <a:srgbClr val="FBDED3"/>
+                </a:solidFill>
+                <a:sym typeface="+mn-ea"/>
+              </a:rPr>
+              <a:t>• As a user, I want to be able to logout from my account when I do not want to play, and receive a prompt before it exits.  </a:t>
+            </a:r>
+            <a:r>
+              <a:rPr lang="en-US" altLang="zh-CN" b="1" dirty="0">
+                <a:solidFill>
+                  <a:srgbClr val="00B050"/>
+                </a:solidFill>
+                <a:sym typeface="+mn-ea"/>
+              </a:rPr>
+              <a:t>(Finished)</a:t>
+            </a:r>
+            <a:endParaRPr lang="en-US" altLang="zh-CN" b="1" dirty="0">
+              <a:solidFill>
+                <a:srgbClr val="00B050"/>
+              </a:solidFill>
+              <a:sym typeface="+mn-ea"/>
+            </a:endParaRPr>
+          </a:p>
+          <a:p>
+            <a:r>
+              <a:rPr lang="en-US" altLang="zh-CN" b="1" dirty="0">
+                <a:solidFill>
+                  <a:srgbClr val="FBDED3"/>
+                </a:solidFill>
+                <a:sym typeface="+mn-ea"/>
+              </a:rPr>
+              <a:t>Priority:5 </a:t>
+            </a:r>
+            <a:endParaRPr lang="en-US" altLang="zh-CN" b="1" dirty="0">
+              <a:solidFill>
+                <a:srgbClr val="FBDED3"/>
+              </a:solidFill>
+              <a:sym typeface="+mn-ea"/>
+            </a:endParaRPr>
+          </a:p>
+          <a:p>
+            <a:r>
+              <a:rPr lang="en-US" altLang="zh-CN" b="1" dirty="0">
+                <a:solidFill>
+                  <a:srgbClr val="FBDED3"/>
+                </a:solidFill>
+                <a:sym typeface="+mn-ea"/>
+              </a:rPr>
+              <a:t>Task: </a:t>
+            </a:r>
+            <a:endParaRPr lang="en-US" altLang="zh-CN" b="1" dirty="0">
+              <a:solidFill>
+                <a:srgbClr val="FBDED3"/>
+              </a:solidFill>
+              <a:sym typeface="+mn-ea"/>
+            </a:endParaRPr>
+          </a:p>
+          <a:p>
+            <a:r>
+              <a:rPr lang="en-US" altLang="zh-CN" b="1" dirty="0">
+                <a:solidFill>
+                  <a:srgbClr val="FBDED3"/>
+                </a:solidFill>
+                <a:sym typeface="+mn-ea"/>
+              </a:rPr>
+              <a:t>1.Write code to logout prompt screen</a:t>
+            </a:r>
+            <a:endParaRPr lang="en-US" altLang="zh-CN" b="1" dirty="0">
+              <a:solidFill>
+                <a:srgbClr val="FBDED3"/>
+              </a:solidFill>
+              <a:sym typeface="+mn-ea"/>
+            </a:endParaRPr>
+          </a:p>
+          <a:p>
+            <a:r>
+              <a:rPr lang="en-US" altLang="zh-CN" b="1" dirty="0">
+                <a:solidFill>
+                  <a:srgbClr val="FBDED3"/>
+                </a:solidFill>
+                <a:sym typeface="+mn-ea"/>
+              </a:rPr>
+              <a:t>2.Write code to implement the logout button and the return button</a:t>
+            </a:r>
+            <a:endParaRPr lang="en-US" altLang="zh-CN" b="1" dirty="0">
+              <a:solidFill>
+                <a:srgbClr val="FBDED3"/>
+              </a:solidFill>
+              <a:sym typeface="+mn-ea"/>
+            </a:endParaRPr>
+          </a:p>
+          <a:p>
+            <a:r>
+              <a:rPr lang="en-US" altLang="zh-CN" b="1" dirty="0">
+                <a:solidFill>
+                  <a:srgbClr val="FBDED3"/>
+                </a:solidFill>
+                <a:sym typeface="+mn-ea"/>
+              </a:rPr>
+              <a:t>3.Write code to jump back to the login screen</a:t>
+            </a:r>
+            <a:endParaRPr lang="en-US" altLang="zh-CN" b="1" dirty="0">
+              <a:solidFill>
+                <a:srgbClr val="FBDED3"/>
+              </a:solidFill>
+              <a:sym typeface="+mn-ea"/>
+            </a:endParaRPr>
+          </a:p>
+          <a:p>
+            <a:endParaRPr lang="en-US" altLang="zh-CN" b="1" dirty="0">
+              <a:solidFill>
+                <a:srgbClr val="FBDED3"/>
+              </a:solidFill>
+              <a:sym typeface="+mn-ea"/>
+            </a:endParaRPr>
+          </a:p>
         </p:txBody>
       </p:sp>
     </p:spTree>
@@ -10501,13 +11722,13 @@
   <p:clrMapOvr>
     <a:masterClrMapping/>
   </p:clrMapOvr>
-  <mc:AlternateContent xmlns:mc="http://schemas.openxmlformats.org/markup-compatibility/2006" xmlns:p14="http://schemas.microsoft.com/office/powerpoint/2010/main">
-    <mc:Choice Requires="p14">
+  <mc:AlternateContent xmlns:mc="http://schemas.openxmlformats.org/markup-compatibility/2006">
+    <mc:Choice xmlns:p14="http://schemas.microsoft.com/office/powerpoint/2010/main" Requires="p14">
       <p:transition spd="slow" p14:dur="1500">
         <p:random/>
       </p:transition>
     </mc:Choice>
-    <mc:Fallback xmlns="">
+    <mc:Fallback>
       <p:transition spd="slow">
         <p:random/>
       </p:transition>
@@ -10707,8 +11928,6 @@
       </a:bgFillStyleLst>
     </a:fmtScheme>
   </a:themeElements>
-  <a:objectDefaults/>
-  <a:extraClrSchemeLst/>
   <a:extLst>
     <a:ext uri="{05A4C25C-085E-4340-85A3-A5531E510DB2}">
       <thm15:themeFamily xmlns:thm15="http://schemas.microsoft.com/office/thememl/2012/main" name="Office Theme" id="{62F939B6-93AF-4DB8-9C6B-D6C7DFDC589F}" vid="{4A3C46E8-61CC-4603-A589-7422A47A8E4A}"/>
@@ -10908,8 +12127,6 @@
       </a:bgFillStyleLst>
     </a:fmtScheme>
   </a:themeElements>
-  <a:objectDefaults/>
-  <a:extraClrSchemeLst/>
   <a:extLst>
     <a:ext uri="{05A4C25C-085E-4340-85A3-A5531E510DB2}">
       <thm15:themeFamily xmlns:thm15="http://schemas.microsoft.com/office/thememl/2012/main" name="Office Theme" id="{62F939B6-93AF-4DB8-9C6B-D6C7DFDC589F}" vid="{4A3C46E8-61CC-4603-A589-7422A47A8E4A}"/>
@@ -10919,6 +12136,265 @@
 </file>
 
 <file path=ppt/theme/theme3.xml><?xml version="1.0" encoding="utf-8"?>
+<a:theme xmlns:a="http://schemas.openxmlformats.org/drawingml/2006/main" name="Office 主题">
+  <a:themeElements>
+    <a:clrScheme name="Office">
+      <a:dk1>
+        <a:sysClr val="windowText" lastClr="000000"/>
+      </a:dk1>
+      <a:lt1>
+        <a:sysClr val="window" lastClr="FFFFFF"/>
+      </a:lt1>
+      <a:dk2>
+        <a:srgbClr val="44546A"/>
+      </a:dk2>
+      <a:lt2>
+        <a:srgbClr val="E7E6E6"/>
+      </a:lt2>
+      <a:accent1>
+        <a:srgbClr val="5B9BD5"/>
+      </a:accent1>
+      <a:accent2>
+        <a:srgbClr val="ED7D31"/>
+      </a:accent2>
+      <a:accent3>
+        <a:srgbClr val="A5A5A5"/>
+      </a:accent3>
+      <a:accent4>
+        <a:srgbClr val="FFC000"/>
+      </a:accent4>
+      <a:accent5>
+        <a:srgbClr val="4472C4"/>
+      </a:accent5>
+      <a:accent6>
+        <a:srgbClr val="70AD47"/>
+      </a:accent6>
+      <a:hlink>
+        <a:srgbClr val="0563C1"/>
+      </a:hlink>
+      <a:folHlink>
+        <a:srgbClr val="954F72"/>
+      </a:folHlink>
+    </a:clrScheme>
+    <a:fontScheme name="Office">
+      <a:majorFont>
+        <a:latin typeface="Calibri Light"/>
+        <a:ea typeface=""/>
+        <a:cs typeface=""/>
+        <a:font script="Jpan" typeface="ＭＳ Ｐゴシック"/>
+        <a:font script="Hang" typeface="맑은 고딕"/>
+        <a:font script="Hans" typeface="宋体"/>
+        <a:font script="Hant" typeface="新細明體"/>
+        <a:font script="Arab" typeface="Times New Roman"/>
+        <a:font script="Hebr" typeface="Times New Roman"/>
+        <a:font script="Thai" typeface="Angsana New"/>
+        <a:font script="Ethi" typeface="Nyala"/>
+        <a:font script="Beng" typeface="Vrinda"/>
+        <a:font script="Gujr" typeface="Shruti"/>
+        <a:font script="Khmr" typeface="MoolBoran"/>
+        <a:font script="Knda" typeface="Tunga"/>
+        <a:font script="Guru" typeface="Raavi"/>
+        <a:font script="Cans" typeface="Euphemia"/>
+        <a:font script="Cher" typeface="Plantagenet Cherokee"/>
+        <a:font script="Yiii" typeface="Microsoft Yi Baiti"/>
+        <a:font script="Tibt" typeface="Microsoft Himalaya"/>
+        <a:font script="Thaa" typeface="MV Boli"/>
+        <a:font script="Deva" typeface="Mangal"/>
+        <a:font script="Telu" typeface="Gautami"/>
+        <a:font script="Taml" typeface="Latha"/>
+        <a:font script="Syrc" typeface="Estrangelo Edessa"/>
+        <a:font script="Orya" typeface="Kalinga"/>
+        <a:font script="Mlym" typeface="Kartika"/>
+        <a:font script="Laoo" typeface="DokChampa"/>
+        <a:font script="Sinh" typeface="Iskoola Pota"/>
+        <a:font script="Mong" typeface="Mongolian Baiti"/>
+        <a:font script="Viet" typeface="Times New Roman"/>
+        <a:font script="Uigh" typeface="Microsoft Uighur"/>
+        <a:font script="Geor" typeface="Sylfaen"/>
+      </a:majorFont>
+      <a:minorFont>
+        <a:latin typeface="Calibri"/>
+        <a:ea typeface=""/>
+        <a:cs typeface=""/>
+        <a:font script="Jpan" typeface="ＭＳ Ｐゴシック"/>
+        <a:font script="Hang" typeface="맑은 고딕"/>
+        <a:font script="Hans" typeface="宋体"/>
+        <a:font script="Hant" typeface="新細明體"/>
+        <a:font script="Arab" typeface="Arial"/>
+        <a:font script="Hebr" typeface="Arial"/>
+        <a:font script="Thai" typeface="Cordia New"/>
+        <a:font script="Ethi" typeface="Nyala"/>
+        <a:font script="Beng" typeface="Vrinda"/>
+        <a:font script="Gujr" typeface="Shruti"/>
+        <a:font script="Khmr" typeface="DaunPenh"/>
+        <a:font script="Knda" typeface="Tunga"/>
+        <a:font script="Guru" typeface="Raavi"/>
+        <a:font script="Cans" typeface="Euphemia"/>
+        <a:font script="Cher" typeface="Plantagenet Cherokee"/>
+        <a:font script="Yiii" typeface="Microsoft Yi Baiti"/>
+        <a:font script="Tibt" typeface="Microsoft Himalaya"/>
+        <a:font script="Thaa" typeface="MV Boli"/>
+        <a:font script="Deva" typeface="Mangal"/>
+        <a:font script="Telu" typeface="Gautami"/>
+        <a:font script="Taml" typeface="Latha"/>
+        <a:font script="Syrc" typeface="Estrangelo Edessa"/>
+        <a:font script="Orya" typeface="Kalinga"/>
+        <a:font script="Mlym" typeface="Kartika"/>
+        <a:font script="Laoo" typeface="DokChampa"/>
+        <a:font script="Sinh" typeface="Iskoola Pota"/>
+        <a:font script="Mong" typeface="Mongolian Baiti"/>
+        <a:font script="Viet" typeface="Arial"/>
+        <a:font script="Uigh" typeface="Microsoft Uighur"/>
+        <a:font script="Geor" typeface="Sylfaen"/>
+      </a:minorFont>
+    </a:fontScheme>
+    <a:fmtScheme name="Office">
+      <a:fillStyleLst>
+        <a:solidFill>
+          <a:schemeClr val="phClr"/>
+        </a:solidFill>
+        <a:gradFill rotWithShape="1">
+          <a:gsLst>
+            <a:gs pos="0">
+              <a:schemeClr val="phClr">
+                <a:lumMod val="110000"/>
+                <a:satMod val="105000"/>
+                <a:tint val="67000"/>
+              </a:schemeClr>
+            </a:gs>
+            <a:gs pos="50000">
+              <a:schemeClr val="phClr">
+                <a:lumMod val="105000"/>
+                <a:satMod val="103000"/>
+                <a:tint val="73000"/>
+              </a:schemeClr>
+            </a:gs>
+            <a:gs pos="100000">
+              <a:schemeClr val="phClr">
+                <a:lumMod val="105000"/>
+                <a:satMod val="109000"/>
+                <a:tint val="81000"/>
+              </a:schemeClr>
+            </a:gs>
+          </a:gsLst>
+          <a:lin ang="5400000" scaled="0"/>
+        </a:gradFill>
+        <a:gradFill rotWithShape="1">
+          <a:gsLst>
+            <a:gs pos="0">
+              <a:schemeClr val="phClr">
+                <a:satMod val="103000"/>
+                <a:lumMod val="102000"/>
+                <a:tint val="94000"/>
+              </a:schemeClr>
+            </a:gs>
+            <a:gs pos="50000">
+              <a:schemeClr val="phClr">
+                <a:satMod val="110000"/>
+                <a:lumMod val="100000"/>
+                <a:shade val="100000"/>
+              </a:schemeClr>
+            </a:gs>
+            <a:gs pos="100000">
+              <a:schemeClr val="phClr">
+                <a:lumMod val="99000"/>
+                <a:satMod val="120000"/>
+                <a:shade val="78000"/>
+              </a:schemeClr>
+            </a:gs>
+          </a:gsLst>
+          <a:lin ang="5400000" scaled="0"/>
+        </a:gradFill>
+      </a:fillStyleLst>
+      <a:lnStyleLst>
+        <a:ln w="6350" cap="flat" cmpd="sng" algn="ctr">
+          <a:solidFill>
+            <a:schemeClr val="phClr"/>
+          </a:solidFill>
+          <a:prstDash val="solid"/>
+          <a:miter lim="800000"/>
+        </a:ln>
+        <a:ln w="12700" cap="flat" cmpd="sng" algn="ctr">
+          <a:solidFill>
+            <a:schemeClr val="phClr"/>
+          </a:solidFill>
+          <a:prstDash val="solid"/>
+          <a:miter lim="800000"/>
+        </a:ln>
+        <a:ln w="19050" cap="flat" cmpd="sng" algn="ctr">
+          <a:solidFill>
+            <a:schemeClr val="phClr"/>
+          </a:solidFill>
+          <a:prstDash val="solid"/>
+          <a:miter lim="800000"/>
+        </a:ln>
+      </a:lnStyleLst>
+      <a:effectStyleLst>
+        <a:effectStyle>
+          <a:effectLst/>
+        </a:effectStyle>
+        <a:effectStyle>
+          <a:effectLst/>
+        </a:effectStyle>
+        <a:effectStyle>
+          <a:effectLst>
+            <a:outerShdw blurRad="57150" dist="19050" dir="5400000" algn="ctr" rotWithShape="0">
+              <a:srgbClr val="000000">
+                <a:alpha val="63000"/>
+              </a:srgbClr>
+            </a:outerShdw>
+          </a:effectLst>
+        </a:effectStyle>
+      </a:effectStyleLst>
+      <a:bgFillStyleLst>
+        <a:solidFill>
+          <a:schemeClr val="phClr"/>
+        </a:solidFill>
+        <a:solidFill>
+          <a:schemeClr val="phClr">
+            <a:tint val="95000"/>
+            <a:satMod val="170000"/>
+          </a:schemeClr>
+        </a:solidFill>
+        <a:gradFill rotWithShape="1">
+          <a:gsLst>
+            <a:gs pos="0">
+              <a:schemeClr val="phClr">
+                <a:tint val="93000"/>
+                <a:satMod val="150000"/>
+                <a:shade val="98000"/>
+                <a:lumMod val="102000"/>
+              </a:schemeClr>
+            </a:gs>
+            <a:gs pos="50000">
+              <a:schemeClr val="phClr">
+                <a:tint val="98000"/>
+                <a:satMod val="130000"/>
+                <a:shade val="90000"/>
+                <a:lumMod val="103000"/>
+              </a:schemeClr>
+            </a:gs>
+            <a:gs pos="100000">
+              <a:schemeClr val="phClr">
+                <a:shade val="63000"/>
+                <a:satMod val="120000"/>
+              </a:schemeClr>
+            </a:gs>
+          </a:gsLst>
+          <a:lin ang="5400000" scaled="0"/>
+        </a:gradFill>
+      </a:bgFillStyleLst>
+    </a:fmtScheme>
+  </a:themeElements>
+  <a:extLst>
+    <a:ext uri="{05A4C25C-085E-4340-85A3-A5531E510DB2}">
+      <thm15:themeFamily xmlns:thm15="http://schemas.microsoft.com/office/thememl/2012/main" name="Office Theme" id="{62F939B6-93AF-4DB8-9C6B-D6C7DFDC589F}" vid="{4A3C46E8-61CC-4603-A589-7422A47A8E4A}"/>
+    </a:ext>
+  </a:extLst>
+</a:theme>
+</file>
+
+<file path=ppt/theme/theme4.xml><?xml version="1.0" encoding="utf-8"?>
 <a:theme xmlns:a="http://schemas.openxmlformats.org/drawingml/2006/main" name="Office 主题​​">
   <a:themeElements>
     <a:clrScheme name="Office">
@@ -11169,8 +12645,6 @@
       </a:bgFillStyleLst>
     </a:fmtScheme>
   </a:themeElements>
-  <a:objectDefaults/>
-  <a:extraClrSchemeLst/>
   <a:extLst>
     <a:ext uri="{05A4C25C-085E-4340-85A3-A5531E510DB2}">
       <thm15:themeFamily xmlns:thm15="http://schemas.microsoft.com/office/thememl/2012/main" name="Office Theme" id="{62F939B6-93AF-4DB8-9C6B-D6C7DFDC589F}" vid="{4A3C46E8-61CC-4603-A589-7422A47A8E4A}"/>
